--- a/AVOID CREATING UNNECESSARY OBJECTS.pptx
+++ b/AVOID CREATING UNNECESSARY OBJECTS.pptx
@@ -7,12 +7,12 @@
   <p:sldIdLst>
     <p:sldId id="256" r:id="rId2"/>
     <p:sldId id="257" r:id="rId3"/>
-    <p:sldId id="258" r:id="rId4"/>
-    <p:sldId id="260" r:id="rId5"/>
-    <p:sldId id="259" r:id="rId6"/>
-    <p:sldId id="261" r:id="rId7"/>
-    <p:sldId id="262" r:id="rId8"/>
-    <p:sldId id="263" r:id="rId9"/>
+    <p:sldId id="260" r:id="rId4"/>
+    <p:sldId id="259" r:id="rId5"/>
+    <p:sldId id="261" r:id="rId6"/>
+    <p:sldId id="262" r:id="rId7"/>
+    <p:sldId id="263" r:id="rId8"/>
+    <p:sldId id="264" r:id="rId9"/>
   </p:sldIdLst>
   <p:sldSz cx="9144000" cy="6858000" type="screen4x3"/>
   <p:notesSz cx="6858000" cy="9144000"/>
@@ -111,6 +111,11 @@
       </a:defRPr>
     </a:lvl9pPr>
   </p:defaultTextStyle>
+  <p:extLst>
+    <p:ext uri="{EFAFB233-063F-42B5-8137-9DF3F51BA10A}">
+      <p15:sldGuideLst xmlns:p15="http://schemas.microsoft.com/office/powerpoint/2012/main"/>
+    </p:ext>
+  </p:extLst>
 </p:presentation>
 </file>
 
@@ -5966,11 +5971,11 @@
   <p:clrMapOvr>
     <a:masterClrMapping/>
   </p:clrMapOvr>
-  <mc:AlternateContent xmlns:mc="http://schemas.openxmlformats.org/markup-compatibility/2006">
-    <mc:Choice xmlns:p14="http://schemas.microsoft.com/office/powerpoint/2010/main" Requires="p14">
+  <mc:AlternateContent xmlns:mc="http://schemas.openxmlformats.org/markup-compatibility/2006" xmlns:p14="http://schemas.microsoft.com/office/powerpoint/2010/main">
+    <mc:Choice Requires="p14">
       <p:transition spd="slow" p14:dur="2000" advTm="3274"/>
     </mc:Choice>
-    <mc:Fallback>
+    <mc:Fallback xmlns="">
       <p:transition spd="slow" advTm="3274"/>
     </mc:Fallback>
   </mc:AlternateContent>
@@ -6052,14 +6057,7 @@
                 <a:latin typeface="Arial" panose="020B0604020202020204" pitchFamily="34" charset="0"/>
                 <a:cs typeface="Arial" panose="020B0604020202020204" pitchFamily="34" charset="0"/>
               </a:rPr>
-              <a:t>S</a:t>
-            </a:r>
-            <a:r>
-              <a:rPr lang="en-US" sz="3200">
-                <a:latin typeface="Arial" panose="020B0604020202020204" pitchFamily="34" charset="0"/>
-                <a:cs typeface="Arial" panose="020B0604020202020204" pitchFamily="34" charset="0"/>
-              </a:rPr>
-              <a:t>ave memory</a:t>
+              <a:t>Save memory</a:t>
             </a:r>
           </a:p>
           <a:p>
@@ -6131,37 +6129,52 @@
         </p:nvSpPr>
         <p:spPr>
           <a:xfrm>
-            <a:off x="1035921" y="2402928"/>
-            <a:ext cx="7072159" cy="3689322"/>
+            <a:off x="1145406" y="2490135"/>
+            <a:ext cx="6830195" cy="3444997"/>
           </a:xfrm>
         </p:spPr>
         <p:txBody>
-          <a:bodyPr>
-            <a:normAutofit fontScale="92500" lnSpcReduction="10000"/>
-          </a:bodyPr>
+          <a:bodyPr/>
           <a:lstStyle/>
           <a:p>
             <a:pPr algn="just"/>
+            <a:r>
+              <a:rPr lang="en-US" sz="2000" smtClean="0">
+                <a:latin typeface="Arial" panose="020B0604020202020204" pitchFamily="34" charset="0"/>
+                <a:cs typeface="Arial" panose="020B0604020202020204" pitchFamily="34" charset="0"/>
+              </a:rPr>
+              <a:t>Reuse a single object instead </a:t>
+            </a:r>
             <a:r>
               <a:rPr lang="en-US" sz="2000">
                 <a:latin typeface="Arial" panose="020B0604020202020204" pitchFamily="34" charset="0"/>
                 <a:cs typeface="Arial" panose="020B0604020202020204" pitchFamily="34" charset="0"/>
               </a:rPr>
-              <a:t>Only their values ​​initialized </a:t>
-            </a:r>
+              <a:t>of creating a new functionally equivalent object each time it is needed. An object can always be reused if it is immutable</a:t>
+            </a:r>
+            <a:r>
+              <a:rPr lang="en-US" sz="2000" smtClean="0">
+                <a:latin typeface="Arial" panose="020B0604020202020204" pitchFamily="34" charset="0"/>
+                <a:cs typeface="Arial" panose="020B0604020202020204" pitchFamily="34" charset="0"/>
+              </a:rPr>
+              <a:t>.</a:t>
+            </a:r>
+          </a:p>
+          <a:p>
+            <a:pPr algn="just"/>
             <a:r>
               <a:rPr lang="en-US" sz="2000">
                 <a:latin typeface="Arial" panose="020B0604020202020204" pitchFamily="34" charset="0"/>
                 <a:cs typeface="Arial" panose="020B0604020202020204" pitchFamily="34" charset="0"/>
               </a:rPr>
-              <a:t>when </a:t>
+              <a:t>You can often avoid creating unnecessary objects by using static factory </a:t>
             </a:r>
             <a:r>
               <a:rPr lang="en-US" sz="2000" smtClean="0">
                 <a:latin typeface="Arial" panose="020B0604020202020204" pitchFamily="34" charset="0"/>
                 <a:cs typeface="Arial" panose="020B0604020202020204" pitchFamily="34" charset="0"/>
               </a:rPr>
-              <a:t>need to use.</a:t>
+              <a:t>methods.</a:t>
             </a:r>
           </a:p>
           <a:p>
@@ -6171,727 +6184,172 @@
                 <a:latin typeface="Arial" panose="020B0604020202020204" pitchFamily="34" charset="0"/>
                 <a:cs typeface="Arial" panose="020B0604020202020204" pitchFamily="34" charset="0"/>
               </a:rPr>
-              <a:t>For </a:t>
+              <a:t>Y</a:t>
             </a:r>
             <a:r>
               <a:rPr lang="en-US" sz="2000" smtClean="0">
                 <a:latin typeface="Arial" panose="020B0604020202020204" pitchFamily="34" charset="0"/>
                 <a:cs typeface="Arial" panose="020B0604020202020204" pitchFamily="34" charset="0"/>
               </a:rPr>
-              <a:t>example: </a:t>
-            </a:r>
+              <a:t>ou </a:t>
+            </a:r>
+            <a:r>
+              <a:rPr lang="en-US" sz="2000">
+                <a:latin typeface="Arial" panose="020B0604020202020204" pitchFamily="34" charset="0"/>
+                <a:cs typeface="Arial" panose="020B0604020202020204" pitchFamily="34" charset="0"/>
+              </a:rPr>
+              <a:t>can also reuse mutable objects if you know they won’t be modified</a:t>
+            </a:r>
+            <a:endParaRPr lang="en-US" sz="2000" smtClean="0">
+              <a:latin typeface="Arial" panose="020B0604020202020204" pitchFamily="34" charset="0"/>
+              <a:cs typeface="Arial" panose="020B0604020202020204" pitchFamily="34" charset="0"/>
+            </a:endParaRPr>
+          </a:p>
+          <a:p>
+            <a:pPr algn="just"/>
             <a:endParaRPr lang="en-US" sz="2000">
               <a:latin typeface="Arial" panose="020B0604020202020204" pitchFamily="34" charset="0"/>
               <a:cs typeface="Arial" panose="020B0604020202020204" pitchFamily="34" charset="0"/>
             </a:endParaRPr>
           </a:p>
           <a:p>
-            <a:pPr marL="914400" lvl="2" indent="0" defTabSz="914400" eaLnBrk="0" fontAlgn="base" hangingPunct="0">
-              <a:spcBef>
-                <a:spcPct val="0"/>
-              </a:spcBef>
-              <a:spcAft>
-                <a:spcPct val="0"/>
-              </a:spcAft>
-              <a:buClrTx/>
-              <a:buSzTx/>
+            <a:pPr marL="0" indent="0">
               <a:buNone/>
             </a:pPr>
-            <a:r>
-              <a:rPr lang="en-US" altLang="en-US">
-                <a:solidFill>
-                  <a:srgbClr val="404040"/>
-                </a:solidFill>
-                <a:latin typeface="Monaco"/>
-              </a:rPr>
-              <a:t>public</a:t>
-            </a:r>
-            <a:r>
-              <a:rPr lang="en-US" altLang="en-US" sz="1000">
-                <a:solidFill>
-                  <a:srgbClr val="404040"/>
-                </a:solidFill>
-                <a:latin typeface="Gudea"/>
-              </a:rPr>
-              <a:t> </a:t>
-            </a:r>
-            <a:r>
-              <a:rPr lang="en-US" altLang="en-US">
-                <a:solidFill>
-                  <a:srgbClr val="404040"/>
-                </a:solidFill>
-                <a:latin typeface="Monaco"/>
-              </a:rPr>
-              <a:t>class</a:t>
-            </a:r>
-            <a:r>
-              <a:rPr lang="en-US" altLang="en-US" sz="1000">
-                <a:solidFill>
-                  <a:srgbClr val="404040"/>
-                </a:solidFill>
-                <a:latin typeface="Gudea"/>
-              </a:rPr>
-              <a:t> </a:t>
-            </a:r>
-            <a:r>
-              <a:rPr lang="en-US" altLang="en-US">
-                <a:solidFill>
-                  <a:srgbClr val="404040"/>
-                </a:solidFill>
-                <a:latin typeface="Monaco"/>
-              </a:rPr>
-              <a:t>Countries {</a:t>
-            </a:r>
-            <a:endParaRPr lang="en-US" altLang="en-US" sz="1000">
-              <a:solidFill>
-                <a:schemeClr val="tx1"/>
-              </a:solidFill>
-            </a:endParaRPr>
-          </a:p>
-          <a:p>
-            <a:pPr marL="914400" lvl="2" indent="0" defTabSz="914400" eaLnBrk="0" fontAlgn="base" hangingPunct="0">
-              <a:spcBef>
-                <a:spcPct val="0"/>
-              </a:spcBef>
-              <a:spcAft>
-                <a:spcPct val="0"/>
-              </a:spcAft>
-              <a:buClrTx/>
-              <a:buSzTx/>
-              <a:buNone/>
-            </a:pPr>
-            <a:r>
-              <a:rPr lang="en-US" altLang="en-US">
-                <a:solidFill>
-                  <a:srgbClr val="404040"/>
-                </a:solidFill>
-                <a:latin typeface="Monaco"/>
-              </a:rPr>
-              <a:t>    private</a:t>
-            </a:r>
-            <a:r>
-              <a:rPr lang="en-US" altLang="en-US" sz="1000">
-                <a:solidFill>
-                  <a:srgbClr val="404040"/>
-                </a:solidFill>
-                <a:latin typeface="Gudea"/>
-              </a:rPr>
-              <a:t> </a:t>
-            </a:r>
-            <a:r>
-              <a:rPr lang="en-US" altLang="en-US">
-                <a:solidFill>
-                  <a:srgbClr val="404040"/>
-                </a:solidFill>
-                <a:latin typeface="Monaco"/>
-              </a:rPr>
-              <a:t>List countries;</a:t>
-            </a:r>
-            <a:endParaRPr lang="en-US" altLang="en-US" sz="1000">
-              <a:solidFill>
-                <a:schemeClr val="tx1"/>
-              </a:solidFill>
-            </a:endParaRPr>
-          </a:p>
-          <a:p>
-            <a:pPr marL="914400" lvl="2" indent="0" defTabSz="914400" eaLnBrk="0" fontAlgn="base" hangingPunct="0">
-              <a:spcBef>
-                <a:spcPct val="0"/>
-              </a:spcBef>
-              <a:spcAft>
-                <a:spcPct val="0"/>
-              </a:spcAft>
-              <a:buClrTx/>
-              <a:buSzTx/>
-              <a:buNone/>
-            </a:pPr>
-            <a:r>
-              <a:rPr lang="en-US" altLang="en-US">
-                <a:solidFill>
-                  <a:srgbClr val="404040"/>
-                </a:solidFill>
-                <a:latin typeface="Monaco"/>
-              </a:rPr>
-              <a:t>    </a:t>
-            </a:r>
-            <a:endParaRPr lang="en-US" altLang="en-US" sz="1000">
-              <a:solidFill>
-                <a:schemeClr val="tx1"/>
-              </a:solidFill>
-            </a:endParaRPr>
-          </a:p>
-          <a:p>
-            <a:pPr marL="914400" lvl="2" indent="0" defTabSz="914400" eaLnBrk="0" fontAlgn="base" hangingPunct="0">
-              <a:spcBef>
-                <a:spcPct val="0"/>
-              </a:spcBef>
-              <a:spcAft>
-                <a:spcPct val="0"/>
-              </a:spcAft>
-              <a:buClrTx/>
-              <a:buSzTx/>
-              <a:buNone/>
-            </a:pPr>
-            <a:r>
-              <a:rPr lang="en-US" altLang="en-US">
-                <a:solidFill>
-                  <a:srgbClr val="404040"/>
-                </a:solidFill>
-                <a:latin typeface="Monaco"/>
-              </a:rPr>
-              <a:t>    public</a:t>
-            </a:r>
-            <a:r>
-              <a:rPr lang="en-US" altLang="en-US" sz="1000">
-                <a:solidFill>
-                  <a:srgbClr val="404040"/>
-                </a:solidFill>
-                <a:latin typeface="Gudea"/>
-              </a:rPr>
-              <a:t> </a:t>
-            </a:r>
-            <a:r>
-              <a:rPr lang="en-US" altLang="en-US">
-                <a:solidFill>
-                  <a:srgbClr val="404040"/>
-                </a:solidFill>
-                <a:latin typeface="Monaco"/>
-              </a:rPr>
-              <a:t>List getCountries() {</a:t>
-            </a:r>
-            <a:endParaRPr lang="en-US" altLang="en-US" sz="1000">
-              <a:solidFill>
-                <a:schemeClr val="tx1"/>
-              </a:solidFill>
-            </a:endParaRPr>
-          </a:p>
-          <a:p>
-            <a:pPr marL="914400" lvl="2" indent="0" defTabSz="914400" eaLnBrk="0" fontAlgn="base" hangingPunct="0">
-              <a:spcBef>
-                <a:spcPct val="0"/>
-              </a:spcBef>
-              <a:spcAft>
-                <a:spcPct val="0"/>
-              </a:spcAft>
-              <a:buClrTx/>
-              <a:buSzTx/>
-              <a:buNone/>
-            </a:pPr>
-            <a:r>
-              <a:rPr lang="en-US" altLang="en-US">
-                <a:solidFill>
-                  <a:srgbClr val="404040"/>
-                </a:solidFill>
-                <a:latin typeface="Monaco"/>
-              </a:rPr>
-              <a:t>        </a:t>
-            </a:r>
-            <a:endParaRPr lang="en-US" altLang="en-US" sz="1000">
-              <a:solidFill>
-                <a:schemeClr val="tx1"/>
-              </a:solidFill>
-            </a:endParaRPr>
-          </a:p>
-          <a:p>
-            <a:pPr marL="914400" lvl="2" indent="0" defTabSz="914400" eaLnBrk="0" fontAlgn="base" hangingPunct="0">
-              <a:spcBef>
-                <a:spcPct val="0"/>
-              </a:spcBef>
-              <a:spcAft>
-                <a:spcPct val="0"/>
-              </a:spcAft>
-              <a:buClrTx/>
-              <a:buSzTx/>
-              <a:buNone/>
-            </a:pPr>
-            <a:r>
-              <a:rPr lang="en-US" altLang="en-US">
-                <a:solidFill>
-                  <a:srgbClr val="404040"/>
-                </a:solidFill>
-                <a:latin typeface="Monaco"/>
-              </a:rPr>
-              <a:t>        //initialize only when required</a:t>
-            </a:r>
-            <a:endParaRPr lang="en-US" altLang="en-US" sz="1000">
-              <a:solidFill>
-                <a:schemeClr val="tx1"/>
-              </a:solidFill>
-            </a:endParaRPr>
-          </a:p>
-          <a:p>
-            <a:pPr marL="914400" lvl="2" indent="0" defTabSz="914400" eaLnBrk="0" fontAlgn="base" hangingPunct="0">
-              <a:spcBef>
-                <a:spcPct val="0"/>
-              </a:spcBef>
-              <a:spcAft>
-                <a:spcPct val="0"/>
-              </a:spcAft>
-              <a:buClrTx/>
-              <a:buSzTx/>
-              <a:buNone/>
-            </a:pPr>
-            <a:r>
-              <a:rPr lang="en-US" altLang="en-US">
-                <a:solidFill>
-                  <a:srgbClr val="404040"/>
-                </a:solidFill>
-                <a:latin typeface="Monaco"/>
-              </a:rPr>
-              <a:t>        if(null</a:t>
-            </a:r>
-            <a:r>
-              <a:rPr lang="en-US" altLang="en-US" sz="1000">
-                <a:solidFill>
-                  <a:srgbClr val="404040"/>
-                </a:solidFill>
-                <a:latin typeface="Gudea"/>
-              </a:rPr>
-              <a:t> </a:t>
-            </a:r>
-            <a:r>
-              <a:rPr lang="en-US" altLang="en-US">
-                <a:solidFill>
-                  <a:srgbClr val="404040"/>
-                </a:solidFill>
-                <a:latin typeface="Monaco"/>
-              </a:rPr>
-              <a:t>== countries) {</a:t>
-            </a:r>
-            <a:endParaRPr lang="en-US" altLang="en-US" sz="1000">
-              <a:solidFill>
-                <a:schemeClr val="tx1"/>
-              </a:solidFill>
-            </a:endParaRPr>
-          </a:p>
-          <a:p>
-            <a:pPr marL="914400" lvl="2" indent="0" defTabSz="914400" eaLnBrk="0" fontAlgn="base" hangingPunct="0">
-              <a:spcBef>
-                <a:spcPct val="0"/>
-              </a:spcBef>
-              <a:spcAft>
-                <a:spcPct val="0"/>
-              </a:spcAft>
-              <a:buClrTx/>
-              <a:buSzTx/>
-              <a:buNone/>
-            </a:pPr>
-            <a:r>
-              <a:rPr lang="en-US" altLang="en-US">
-                <a:solidFill>
-                  <a:srgbClr val="404040"/>
-                </a:solidFill>
-                <a:latin typeface="Monaco"/>
-              </a:rPr>
-              <a:t>            countries = new</a:t>
-            </a:r>
-            <a:r>
-              <a:rPr lang="en-US" altLang="en-US" sz="1000">
-                <a:solidFill>
-                  <a:srgbClr val="404040"/>
-                </a:solidFill>
-                <a:latin typeface="Gudea"/>
-              </a:rPr>
-              <a:t> </a:t>
-            </a:r>
-            <a:r>
-              <a:rPr lang="en-US" altLang="en-US">
-                <a:solidFill>
-                  <a:srgbClr val="404040"/>
-                </a:solidFill>
-                <a:latin typeface="Monaco"/>
-              </a:rPr>
-              <a:t>ArrayList();</a:t>
-            </a:r>
-            <a:endParaRPr lang="en-US" altLang="en-US" sz="1000">
-              <a:solidFill>
-                <a:schemeClr val="tx1"/>
-              </a:solidFill>
-            </a:endParaRPr>
-          </a:p>
-          <a:p>
-            <a:pPr marL="914400" lvl="2" indent="0" defTabSz="914400" eaLnBrk="0" fontAlgn="base" hangingPunct="0">
-              <a:spcBef>
-                <a:spcPct val="0"/>
-              </a:spcBef>
-              <a:spcAft>
-                <a:spcPct val="0"/>
-              </a:spcAft>
-              <a:buClrTx/>
-              <a:buSzTx/>
-              <a:buNone/>
-            </a:pPr>
-            <a:r>
-              <a:rPr lang="en-US" altLang="en-US">
-                <a:solidFill>
-                  <a:srgbClr val="404040"/>
-                </a:solidFill>
-                <a:latin typeface="Monaco"/>
-              </a:rPr>
-              <a:t>        }</a:t>
-            </a:r>
-            <a:endParaRPr lang="en-US" altLang="en-US" sz="1000">
-              <a:solidFill>
-                <a:schemeClr val="tx1"/>
-              </a:solidFill>
-            </a:endParaRPr>
-          </a:p>
-          <a:p>
-            <a:pPr marL="914400" lvl="2" indent="0" defTabSz="914400" eaLnBrk="0" fontAlgn="base" hangingPunct="0">
-              <a:spcBef>
-                <a:spcPct val="0"/>
-              </a:spcBef>
-              <a:spcAft>
-                <a:spcPct val="0"/>
-              </a:spcAft>
-              <a:buClrTx/>
-              <a:buSzTx/>
-              <a:buNone/>
-            </a:pPr>
-            <a:r>
-              <a:rPr lang="en-US" altLang="en-US">
-                <a:solidFill>
-                  <a:srgbClr val="404040"/>
-                </a:solidFill>
-                <a:latin typeface="Monaco"/>
-              </a:rPr>
-              <a:t>        return</a:t>
-            </a:r>
-            <a:r>
-              <a:rPr lang="en-US" altLang="en-US" sz="1000">
-                <a:solidFill>
-                  <a:srgbClr val="404040"/>
-                </a:solidFill>
-                <a:latin typeface="Gudea"/>
-              </a:rPr>
-              <a:t> </a:t>
-            </a:r>
-            <a:r>
-              <a:rPr lang="en-US" altLang="en-US">
-                <a:solidFill>
-                  <a:srgbClr val="404040"/>
-                </a:solidFill>
-                <a:latin typeface="Monaco"/>
-              </a:rPr>
-              <a:t>countries;</a:t>
-            </a:r>
-            <a:endParaRPr lang="en-US" altLang="en-US" sz="1000">
-              <a:solidFill>
-                <a:schemeClr val="tx1"/>
-              </a:solidFill>
-            </a:endParaRPr>
-          </a:p>
-          <a:p>
-            <a:pPr marL="914400" lvl="2" indent="0" defTabSz="914400" eaLnBrk="0" fontAlgn="base" hangingPunct="0">
-              <a:spcBef>
-                <a:spcPct val="0"/>
-              </a:spcBef>
-              <a:spcAft>
-                <a:spcPct val="0"/>
-              </a:spcAft>
-              <a:buClrTx/>
-              <a:buSzTx/>
-              <a:buNone/>
-            </a:pPr>
-            <a:r>
-              <a:rPr lang="en-US" altLang="en-US">
-                <a:solidFill>
-                  <a:srgbClr val="404040"/>
-                </a:solidFill>
-                <a:latin typeface="Monaco"/>
-              </a:rPr>
-              <a:t>    }</a:t>
-            </a:r>
-            <a:endParaRPr lang="en-US" altLang="en-US" sz="1000">
-              <a:solidFill>
-                <a:schemeClr val="tx1"/>
-              </a:solidFill>
-            </a:endParaRPr>
-          </a:p>
-          <a:p>
-            <a:pPr marL="914400" lvl="2" indent="0" defTabSz="914400" eaLnBrk="0" fontAlgn="base" hangingPunct="0">
-              <a:spcBef>
-                <a:spcPct val="0"/>
-              </a:spcBef>
-              <a:spcAft>
-                <a:spcPct val="0"/>
-              </a:spcAft>
-              <a:buClrTx/>
-              <a:buSzTx/>
-              <a:buNone/>
-            </a:pPr>
-            <a:r>
-              <a:rPr lang="en-US" altLang="en-US">
-                <a:solidFill>
-                  <a:srgbClr val="404040"/>
-                </a:solidFill>
-                <a:latin typeface="Monaco"/>
-              </a:rPr>
-              <a:t>}</a:t>
-            </a:r>
-            <a:endParaRPr lang="en-US" altLang="en-US">
-              <a:solidFill>
-                <a:schemeClr val="tx1"/>
-              </a:solidFill>
-              <a:latin typeface="Arial" panose="020B0604020202020204" pitchFamily="34" charset="0"/>
-            </a:endParaRPr>
-          </a:p>
-          <a:p>
-            <a:pPr algn="just"/>
-            <a:endParaRPr lang="en-US">
-              <a:latin typeface="Arial" panose="020B0604020202020204" pitchFamily="34" charset="0"/>
-              <a:cs typeface="Arial" panose="020B0604020202020204" pitchFamily="34" charset="0"/>
-            </a:endParaRPr>
-          </a:p>
-        </p:txBody>
-      </p:sp>
-      <p:sp>
-        <p:nvSpPr>
-          <p:cNvPr id="4" name="Rectangle 1"/>
-          <p:cNvSpPr>
-            <a:spLocks noChangeArrowheads="1"/>
+            <a:endParaRPr lang="en-US"/>
+          </a:p>
+        </p:txBody>
+      </p:sp>
+      <p:sp>
+        <p:nvSpPr>
+          <p:cNvPr id="7" name="Title 1"/>
+          <p:cNvSpPr>
+            <a:spLocks noGrp="1"/>
           </p:cNvSpPr>
           <p:nvPr/>
         </p:nvSpPr>
-        <p:spPr bwMode="auto">
+        <p:spPr>
           <a:xfrm>
-            <a:off x="-1524000" y="90101"/>
-            <a:ext cx="65" cy="276999"/>
+            <a:off x="918633" y="803887"/>
+            <a:ext cx="7315200" cy="1303867"/>
           </a:xfrm>
           <a:prstGeom prst="rect">
             <a:avLst/>
           </a:prstGeom>
-          <a:solidFill>
-            <a:srgbClr val="EEEEEE"/>
-          </a:solidFill>
-          <a:ln>
-            <a:noFill/>
-          </a:ln>
           <a:effectLst/>
-          <a:extLst>
-            <a:ext uri="{91240B29-F687-4F45-9708-019B960494DF}">
-              <a14:hiddenLine xmlns:a14="http://schemas.microsoft.com/office/drawing/2010/main" w="9525">
-                <a:solidFill>
-                  <a:schemeClr val="tx1"/>
-                </a:solidFill>
-                <a:miter lim="800000"/>
-                <a:headEnd/>
-                <a:tailEnd/>
-              </a14:hiddenLine>
-            </a:ext>
-            <a:ext uri="{AF507438-7753-43E0-B8FC-AC1667EBCBE1}">
-              <a14:hiddenEffects xmlns:a14="http://schemas.microsoft.com/office/drawing/2010/main">
-                <a:effectLst>
-                  <a:outerShdw dist="35921" dir="2700000" algn="ctr" rotWithShape="0">
-                    <a:schemeClr val="bg2"/>
-                  </a:outerShdw>
-                </a:effectLst>
-              </a14:hiddenEffects>
-            </a:ext>
-          </a:extLst>
         </p:spPr>
         <p:txBody>
-          <a:bodyPr vert="horz" wrap="none" lIns="0" tIns="0" rIns="0" bIns="0" numCol="1" anchor="ctr" anchorCtr="0" compatLnSpc="1">
-            <a:prstTxWarp prst="textNoShape">
-              <a:avLst/>
-            </a:prstTxWarp>
-            <a:spAutoFit/>
+          <a:bodyPr vert="horz" lIns="91440" tIns="45720" rIns="91440" bIns="45720" rtlCol="0" anchor="ctr">
+            <a:noAutofit/>
           </a:bodyPr>
           <a:lstStyle>
-            <a:lvl1pPr eaLnBrk="0" fontAlgn="base" hangingPunct="0">
+            <a:lvl1pPr algn="ctr" defTabSz="457200" rtl="0" eaLnBrk="1" latinLnBrk="0" hangingPunct="1">
               <a:spcBef>
                 <a:spcPct val="0"/>
               </a:spcBef>
-              <a:spcAft>
-                <a:spcPct val="0"/>
-              </a:spcAft>
+              <a:buNone/>
+              <a:defRPr sz="4000" kern="1200" cap="none">
+                <a:ln w="3175" cmpd="sng">
+                  <a:noFill/>
+                </a:ln>
+                <a:solidFill>
+                  <a:schemeClr val="tx1">
+                    <a:lumMod val="85000"/>
+                    <a:lumOff val="15000"/>
+                  </a:schemeClr>
+                </a:solidFill>
+                <a:effectLst/>
+                <a:latin typeface="+mj-lt"/>
+                <a:ea typeface="+mj-ea"/>
+                <a:cs typeface="+mj-cs"/>
+              </a:defRPr>
+            </a:lvl1pPr>
+            <a:lvl2pPr eaLnBrk="1" hangingPunct="1">
               <a:defRPr>
                 <a:solidFill>
-                  <a:schemeClr val="tx1"/>
-                </a:solidFill>
-                <a:latin typeface="Arial" panose="020B0604020202020204" pitchFamily="34" charset="0"/>
-              </a:defRPr>
-            </a:lvl1pPr>
-            <a:lvl2pPr eaLnBrk="0" fontAlgn="base" hangingPunct="0">
-              <a:spcBef>
-                <a:spcPct val="0"/>
-              </a:spcBef>
-              <a:spcAft>
-                <a:spcPct val="0"/>
-              </a:spcAft>
+                  <a:schemeClr val="tx2"/>
+                </a:solidFill>
+              </a:defRPr>
+            </a:lvl2pPr>
+            <a:lvl3pPr eaLnBrk="1" hangingPunct="1">
               <a:defRPr>
                 <a:solidFill>
-                  <a:schemeClr val="tx1"/>
-                </a:solidFill>
-                <a:latin typeface="Arial" panose="020B0604020202020204" pitchFamily="34" charset="0"/>
-              </a:defRPr>
-            </a:lvl2pPr>
-            <a:lvl3pPr eaLnBrk="0" fontAlgn="base" hangingPunct="0">
-              <a:spcBef>
-                <a:spcPct val="0"/>
-              </a:spcBef>
-              <a:spcAft>
-                <a:spcPct val="0"/>
-              </a:spcAft>
+                  <a:schemeClr val="tx2"/>
+                </a:solidFill>
+              </a:defRPr>
+            </a:lvl3pPr>
+            <a:lvl4pPr eaLnBrk="1" hangingPunct="1">
               <a:defRPr>
                 <a:solidFill>
-                  <a:schemeClr val="tx1"/>
-                </a:solidFill>
-                <a:latin typeface="Arial" panose="020B0604020202020204" pitchFamily="34" charset="0"/>
-              </a:defRPr>
-            </a:lvl3pPr>
-            <a:lvl4pPr eaLnBrk="0" fontAlgn="base" hangingPunct="0">
-              <a:spcBef>
-                <a:spcPct val="0"/>
-              </a:spcBef>
-              <a:spcAft>
-                <a:spcPct val="0"/>
-              </a:spcAft>
+                  <a:schemeClr val="tx2"/>
+                </a:solidFill>
+              </a:defRPr>
+            </a:lvl4pPr>
+            <a:lvl5pPr eaLnBrk="1" hangingPunct="1">
               <a:defRPr>
                 <a:solidFill>
-                  <a:schemeClr val="tx1"/>
-                </a:solidFill>
-                <a:latin typeface="Arial" panose="020B0604020202020204" pitchFamily="34" charset="0"/>
-              </a:defRPr>
-            </a:lvl4pPr>
-            <a:lvl5pPr eaLnBrk="0" fontAlgn="base" hangingPunct="0">
-              <a:spcBef>
-                <a:spcPct val="0"/>
-              </a:spcBef>
-              <a:spcAft>
-                <a:spcPct val="0"/>
-              </a:spcAft>
+                  <a:schemeClr val="tx2"/>
+                </a:solidFill>
+              </a:defRPr>
+            </a:lvl5pPr>
+            <a:lvl6pPr eaLnBrk="1" hangingPunct="1">
               <a:defRPr>
                 <a:solidFill>
-                  <a:schemeClr val="tx1"/>
-                </a:solidFill>
-                <a:latin typeface="Arial" panose="020B0604020202020204" pitchFamily="34" charset="0"/>
-              </a:defRPr>
-            </a:lvl5pPr>
-            <a:lvl6pPr eaLnBrk="0" fontAlgn="base" hangingPunct="0">
-              <a:spcBef>
-                <a:spcPct val="0"/>
-              </a:spcBef>
-              <a:spcAft>
-                <a:spcPct val="0"/>
-              </a:spcAft>
+                  <a:schemeClr val="tx2"/>
+                </a:solidFill>
+              </a:defRPr>
+            </a:lvl6pPr>
+            <a:lvl7pPr eaLnBrk="1" hangingPunct="1">
               <a:defRPr>
                 <a:solidFill>
-                  <a:schemeClr val="tx1"/>
-                </a:solidFill>
-                <a:latin typeface="Arial" panose="020B0604020202020204" pitchFamily="34" charset="0"/>
-              </a:defRPr>
-            </a:lvl6pPr>
-            <a:lvl7pPr eaLnBrk="0" fontAlgn="base" hangingPunct="0">
-              <a:spcBef>
-                <a:spcPct val="0"/>
-              </a:spcBef>
-              <a:spcAft>
-                <a:spcPct val="0"/>
-              </a:spcAft>
+                  <a:schemeClr val="tx2"/>
+                </a:solidFill>
+              </a:defRPr>
+            </a:lvl7pPr>
+            <a:lvl8pPr eaLnBrk="1" hangingPunct="1">
               <a:defRPr>
                 <a:solidFill>
-                  <a:schemeClr val="tx1"/>
-                </a:solidFill>
-                <a:latin typeface="Arial" panose="020B0604020202020204" pitchFamily="34" charset="0"/>
-              </a:defRPr>
-            </a:lvl7pPr>
-            <a:lvl8pPr eaLnBrk="0" fontAlgn="base" hangingPunct="0">
-              <a:spcBef>
-                <a:spcPct val="0"/>
-              </a:spcBef>
-              <a:spcAft>
-                <a:spcPct val="0"/>
-              </a:spcAft>
+                  <a:schemeClr val="tx2"/>
+                </a:solidFill>
+              </a:defRPr>
+            </a:lvl8pPr>
+            <a:lvl9pPr eaLnBrk="1" hangingPunct="1">
               <a:defRPr>
                 <a:solidFill>
-                  <a:schemeClr val="tx1"/>
-                </a:solidFill>
-                <a:latin typeface="Arial" panose="020B0604020202020204" pitchFamily="34" charset="0"/>
-              </a:defRPr>
-            </a:lvl8pPr>
-            <a:lvl9pPr eaLnBrk="0" fontAlgn="base" hangingPunct="0">
-              <a:spcBef>
-                <a:spcPct val="0"/>
-              </a:spcBef>
-              <a:spcAft>
-                <a:spcPct val="0"/>
-              </a:spcAft>
-              <a:defRPr>
-                <a:solidFill>
-                  <a:schemeClr val="tx1"/>
-                </a:solidFill>
-                <a:latin typeface="Arial" panose="020B0604020202020204" pitchFamily="34" charset="0"/>
+                  <a:schemeClr val="tx2"/>
+                </a:solidFill>
               </a:defRPr>
             </a:lvl9pPr>
           </a:lstStyle>
-          <a:p>
-            <a:pPr defTabSz="914400"/>
-            <a:endParaRPr lang="en-US" altLang="en-US"/>
-          </a:p>
-        </p:txBody>
-      </p:sp>
-      <p:sp>
-        <p:nvSpPr>
-          <p:cNvPr id="7" name="Title 1"/>
-          <p:cNvSpPr>
-            <a:spLocks noGrp="1"/>
-          </p:cNvSpPr>
-          <p:nvPr>
-            <p:ph type="title"/>
-          </p:nvPr>
-        </p:nvSpPr>
-        <p:spPr>
-          <a:xfrm>
-            <a:off x="914401" y="982133"/>
-            <a:ext cx="7315200" cy="1303867"/>
-          </a:xfrm>
-        </p:spPr>
-        <p:txBody>
-          <a:bodyPr>
-            <a:noAutofit/>
-          </a:bodyPr>
-          <a:lstStyle/>
           <a:p>
             <a:r>
               <a:rPr lang="en-US" b="1">
                 <a:latin typeface="Arial" panose="020B0604020202020204" pitchFamily="34" charset="0"/>
                 <a:cs typeface="Arial" panose="020B0604020202020204" pitchFamily="34" charset="0"/>
               </a:rPr>
-              <a:t>How </a:t>
+              <a:t>How t</a:t>
+            </a:r>
+            <a:r>
+              <a:rPr lang="en-US" b="1" smtClean="0">
+                <a:latin typeface="Arial" panose="020B0604020202020204" pitchFamily="34" charset="0"/>
+                <a:cs typeface="Arial" panose="020B0604020202020204" pitchFamily="34" charset="0"/>
+              </a:rPr>
+              <a:t>o </a:t>
             </a:r>
             <a:r>
               <a:rPr lang="en-US" b="1">
                 <a:latin typeface="Arial" panose="020B0604020202020204" pitchFamily="34" charset="0"/>
                 <a:cs typeface="Arial" panose="020B0604020202020204" pitchFamily="34" charset="0"/>
               </a:rPr>
-              <a:t>t</a:t>
-            </a:r>
-            <a:r>
-              <a:rPr lang="en-US" b="1" smtClean="0">
-                <a:latin typeface="Arial" panose="020B0604020202020204" pitchFamily="34" charset="0"/>
-                <a:cs typeface="Arial" panose="020B0604020202020204" pitchFamily="34" charset="0"/>
-              </a:rPr>
-              <a:t>o </a:t>
-            </a:r>
-            <a:r>
-              <a:rPr lang="en-US" b="1">
-                <a:latin typeface="Arial" panose="020B0604020202020204" pitchFamily="34" charset="0"/>
-                <a:cs typeface="Arial" panose="020B0604020202020204" pitchFamily="34" charset="0"/>
-              </a:rPr>
               <a:t>avoid creating unnecessary objects?</a:t>
             </a:r>
-            <a:endParaRPr lang="en-US" b="1">
-              <a:latin typeface="Arial" panose="020B0604020202020204" pitchFamily="34" charset="0"/>
-              <a:cs typeface="Arial" panose="020B0604020202020204" pitchFamily="34" charset="0"/>
-            </a:endParaRPr>
           </a:p>
         </p:txBody>
       </p:sp>
     </p:spTree>
     <p:extLst>
       <p:ext uri="{BB962C8B-B14F-4D97-AF65-F5344CB8AC3E}">
-        <p14:creationId xmlns:p14="http://schemas.microsoft.com/office/powerpoint/2010/main" val="3866028125"/>
+        <p14:creationId xmlns:p14="http://schemas.microsoft.com/office/powerpoint/2010/main" val="325507972"/>
       </p:ext>
     </p:extLst>
   </p:cSld>
@@ -6927,110 +6385,193 @@
       </p:grpSpPr>
       <p:sp>
         <p:nvSpPr>
-          <p:cNvPr id="3" name="Content Placeholder 2"/>
-          <p:cNvSpPr>
-            <a:spLocks noGrp="1"/>
-          </p:cNvSpPr>
-          <p:nvPr>
-            <p:ph idx="1"/>
-          </p:nvPr>
-        </p:nvSpPr>
-        <p:spPr>
+          <p:cNvPr id="5" name="Rectangle 2"/>
+          <p:cNvSpPr>
+            <a:spLocks noChangeArrowheads="1"/>
+          </p:cNvSpPr>
+          <p:nvPr/>
+        </p:nvSpPr>
+        <p:spPr bwMode="auto">
           <a:xfrm>
-            <a:off x="1145406" y="2490135"/>
-            <a:ext cx="6830195" cy="3444997"/>
+            <a:off x="-1524000" y="90101"/>
+            <a:ext cx="65" cy="276999"/>
           </a:xfrm>
+          <a:prstGeom prst="rect">
+            <a:avLst/>
+          </a:prstGeom>
+          <a:solidFill>
+            <a:srgbClr val="EEEEEE"/>
+          </a:solidFill>
+          <a:ln>
+            <a:noFill/>
+          </a:ln>
+          <a:effectLst/>
+          <a:extLst>
+            <a:ext uri="{91240B29-F687-4F45-9708-019B960494DF}">
+              <a14:hiddenLine xmlns:a14="http://schemas.microsoft.com/office/drawing/2010/main" w="9525">
+                <a:solidFill>
+                  <a:schemeClr val="tx1"/>
+                </a:solidFill>
+                <a:miter lim="800000"/>
+                <a:headEnd/>
+                <a:tailEnd/>
+              </a14:hiddenLine>
+            </a:ext>
+            <a:ext uri="{AF507438-7753-43E0-B8FC-AC1667EBCBE1}">
+              <a14:hiddenEffects xmlns:a14="http://schemas.microsoft.com/office/drawing/2010/main">
+                <a:effectLst>
+                  <a:outerShdw dist="35921" dir="2700000" algn="ctr" rotWithShape="0">
+                    <a:schemeClr val="bg2"/>
+                  </a:outerShdw>
+                </a:effectLst>
+              </a14:hiddenEffects>
+            </a:ext>
+          </a:extLst>
         </p:spPr>
         <p:txBody>
-          <a:bodyPr/>
-          <a:lstStyle/>
-          <a:p>
-            <a:pPr algn="just"/>
-            <a:r>
-              <a:rPr lang="en-US" sz="2000" smtClean="0">
+          <a:bodyPr vert="horz" wrap="none" lIns="0" tIns="0" rIns="0" bIns="0" numCol="1" anchor="ctr" anchorCtr="0" compatLnSpc="1">
+            <a:prstTxWarp prst="textNoShape">
+              <a:avLst/>
+            </a:prstTxWarp>
+            <a:spAutoFit/>
+          </a:bodyPr>
+          <a:lstStyle>
+            <a:lvl1pPr eaLnBrk="0" fontAlgn="base" hangingPunct="0">
+              <a:spcBef>
+                <a:spcPct val="0"/>
+              </a:spcBef>
+              <a:spcAft>
+                <a:spcPct val="0"/>
+              </a:spcAft>
+              <a:defRPr>
+                <a:solidFill>
+                  <a:schemeClr val="tx1"/>
+                </a:solidFill>
                 <a:latin typeface="Arial" panose="020B0604020202020204" pitchFamily="34" charset="0"/>
-                <a:cs typeface="Arial" panose="020B0604020202020204" pitchFamily="34" charset="0"/>
-              </a:rPr>
-              <a:t>Reuse a single object instead </a:t>
-            </a:r>
-            <a:r>
-              <a:rPr lang="en-US" sz="2000">
+              </a:defRPr>
+            </a:lvl1pPr>
+            <a:lvl2pPr eaLnBrk="0" fontAlgn="base" hangingPunct="0">
+              <a:spcBef>
+                <a:spcPct val="0"/>
+              </a:spcBef>
+              <a:spcAft>
+                <a:spcPct val="0"/>
+              </a:spcAft>
+              <a:defRPr>
+                <a:solidFill>
+                  <a:schemeClr val="tx1"/>
+                </a:solidFill>
                 <a:latin typeface="Arial" panose="020B0604020202020204" pitchFamily="34" charset="0"/>
-                <a:cs typeface="Arial" panose="020B0604020202020204" pitchFamily="34" charset="0"/>
-              </a:rPr>
-              <a:t>of creating a new functionally equivalent object each time it is needed. An object can always be reused if it is </a:t>
-            </a:r>
-            <a:r>
-              <a:rPr lang="en-US" sz="2000">
+              </a:defRPr>
+            </a:lvl2pPr>
+            <a:lvl3pPr eaLnBrk="0" fontAlgn="base" hangingPunct="0">
+              <a:spcBef>
+                <a:spcPct val="0"/>
+              </a:spcBef>
+              <a:spcAft>
+                <a:spcPct val="0"/>
+              </a:spcAft>
+              <a:defRPr>
+                <a:solidFill>
+                  <a:schemeClr val="tx1"/>
+                </a:solidFill>
                 <a:latin typeface="Arial" panose="020B0604020202020204" pitchFamily="34" charset="0"/>
-                <a:cs typeface="Arial" panose="020B0604020202020204" pitchFamily="34" charset="0"/>
-              </a:rPr>
-              <a:t>immutable</a:t>
-            </a:r>
-            <a:r>
-              <a:rPr lang="en-US" sz="2000" smtClean="0">
+              </a:defRPr>
+            </a:lvl3pPr>
+            <a:lvl4pPr eaLnBrk="0" fontAlgn="base" hangingPunct="0">
+              <a:spcBef>
+                <a:spcPct val="0"/>
+              </a:spcBef>
+              <a:spcAft>
+                <a:spcPct val="0"/>
+              </a:spcAft>
+              <a:defRPr>
+                <a:solidFill>
+                  <a:schemeClr val="tx1"/>
+                </a:solidFill>
                 <a:latin typeface="Arial" panose="020B0604020202020204" pitchFamily="34" charset="0"/>
-                <a:cs typeface="Arial" panose="020B0604020202020204" pitchFamily="34" charset="0"/>
-              </a:rPr>
-              <a:t>.</a:t>
-            </a:r>
-          </a:p>
-          <a:p>
-            <a:pPr algn="just"/>
-            <a:r>
-              <a:rPr lang="en-US" sz="2000">
+              </a:defRPr>
+            </a:lvl4pPr>
+            <a:lvl5pPr eaLnBrk="0" fontAlgn="base" hangingPunct="0">
+              <a:spcBef>
+                <a:spcPct val="0"/>
+              </a:spcBef>
+              <a:spcAft>
+                <a:spcPct val="0"/>
+              </a:spcAft>
+              <a:defRPr>
+                <a:solidFill>
+                  <a:schemeClr val="tx1"/>
+                </a:solidFill>
                 <a:latin typeface="Arial" panose="020B0604020202020204" pitchFamily="34" charset="0"/>
-                <a:cs typeface="Arial" panose="020B0604020202020204" pitchFamily="34" charset="0"/>
-              </a:rPr>
-              <a:t>You can often avoid creating unnecessary objects by using static </a:t>
-            </a:r>
-            <a:r>
-              <a:rPr lang="en-US" sz="2000">
+              </a:defRPr>
+            </a:lvl5pPr>
+            <a:lvl6pPr eaLnBrk="0" fontAlgn="base" hangingPunct="0">
+              <a:spcBef>
+                <a:spcPct val="0"/>
+              </a:spcBef>
+              <a:spcAft>
+                <a:spcPct val="0"/>
+              </a:spcAft>
+              <a:defRPr>
+                <a:solidFill>
+                  <a:schemeClr val="tx1"/>
+                </a:solidFill>
                 <a:latin typeface="Arial" panose="020B0604020202020204" pitchFamily="34" charset="0"/>
-                <a:cs typeface="Arial" panose="020B0604020202020204" pitchFamily="34" charset="0"/>
-              </a:rPr>
-              <a:t>factory </a:t>
-            </a:r>
-            <a:r>
-              <a:rPr lang="en-US" sz="2000" smtClean="0">
+              </a:defRPr>
+            </a:lvl6pPr>
+            <a:lvl7pPr eaLnBrk="0" fontAlgn="base" hangingPunct="0">
+              <a:spcBef>
+                <a:spcPct val="0"/>
+              </a:spcBef>
+              <a:spcAft>
+                <a:spcPct val="0"/>
+              </a:spcAft>
+              <a:defRPr>
+                <a:solidFill>
+                  <a:schemeClr val="tx1"/>
+                </a:solidFill>
                 <a:latin typeface="Arial" panose="020B0604020202020204" pitchFamily="34" charset="0"/>
-                <a:cs typeface="Arial" panose="020B0604020202020204" pitchFamily="34" charset="0"/>
-              </a:rPr>
-              <a:t>methods.</a:t>
-            </a:r>
-          </a:p>
-          <a:p>
-            <a:pPr algn="just"/>
-            <a:r>
-              <a:rPr lang="en-US" sz="2000">
+              </a:defRPr>
+            </a:lvl7pPr>
+            <a:lvl8pPr eaLnBrk="0" fontAlgn="base" hangingPunct="0">
+              <a:spcBef>
+                <a:spcPct val="0"/>
+              </a:spcBef>
+              <a:spcAft>
+                <a:spcPct val="0"/>
+              </a:spcAft>
+              <a:defRPr>
+                <a:solidFill>
+                  <a:schemeClr val="tx1"/>
+                </a:solidFill>
                 <a:latin typeface="Arial" panose="020B0604020202020204" pitchFamily="34" charset="0"/>
-                <a:cs typeface="Arial" panose="020B0604020202020204" pitchFamily="34" charset="0"/>
-              </a:rPr>
-              <a:t>In addition to reusing immutable objects, you can also reuse mutable objects if you know they won’t be modified</a:t>
-            </a:r>
-            <a:endParaRPr lang="en-US" sz="2000" smtClean="0">
-              <a:latin typeface="Arial" panose="020B0604020202020204" pitchFamily="34" charset="0"/>
-              <a:cs typeface="Arial" panose="020B0604020202020204" pitchFamily="34" charset="0"/>
-            </a:endParaRPr>
-          </a:p>
-          <a:p>
-            <a:pPr algn="just"/>
-            <a:endParaRPr lang="en-US" sz="2000">
-              <a:latin typeface="Arial" panose="020B0604020202020204" pitchFamily="34" charset="0"/>
-              <a:cs typeface="Arial" panose="020B0604020202020204" pitchFamily="34" charset="0"/>
-            </a:endParaRPr>
-          </a:p>
-          <a:p>
-            <a:pPr marL="0" indent="0">
-              <a:buNone/>
-            </a:pPr>
-            <a:endParaRPr lang="en-US"/>
-          </a:p>
-        </p:txBody>
-      </p:sp>
-      <p:sp>
-        <p:nvSpPr>
-          <p:cNvPr id="7" name="Title 1"/>
+              </a:defRPr>
+            </a:lvl8pPr>
+            <a:lvl9pPr eaLnBrk="0" fontAlgn="base" hangingPunct="0">
+              <a:spcBef>
+                <a:spcPct val="0"/>
+              </a:spcBef>
+              <a:spcAft>
+                <a:spcPct val="0"/>
+              </a:spcAft>
+              <a:defRPr>
+                <a:solidFill>
+                  <a:schemeClr val="tx1"/>
+                </a:solidFill>
+                <a:latin typeface="Arial" panose="020B0604020202020204" pitchFamily="34" charset="0"/>
+              </a:defRPr>
+            </a:lvl9pPr>
+          </a:lstStyle>
+          <a:p>
+            <a:pPr defTabSz="914400"/>
+            <a:endParaRPr lang="en-US" altLang="en-US"/>
+          </a:p>
+        </p:txBody>
+      </p:sp>
+      <p:sp>
+        <p:nvSpPr>
+          <p:cNvPr id="12" name="Title 1"/>
           <p:cNvSpPr>
             <a:spLocks noGrp="1"/>
           </p:cNvSpPr>
@@ -7154,10 +6695,405 @@
           </a:p>
         </p:txBody>
       </p:sp>
+      <p:sp>
+        <p:nvSpPr>
+          <p:cNvPr id="13" name="Content Placeholder 2"/>
+          <p:cNvSpPr>
+            <a:spLocks noGrp="1"/>
+          </p:cNvSpPr>
+          <p:nvPr/>
+        </p:nvSpPr>
+        <p:spPr>
+          <a:xfrm>
+            <a:off x="1161135" y="2534274"/>
+            <a:ext cx="6830195" cy="3444997"/>
+          </a:xfrm>
+          <a:prstGeom prst="rect">
+            <a:avLst/>
+          </a:prstGeom>
+        </p:spPr>
+        <p:txBody>
+          <a:bodyPr vert="horz" lIns="91440" tIns="45720" rIns="91440" bIns="45720" rtlCol="0" anchor="t">
+            <a:normAutofit/>
+          </a:bodyPr>
+          <a:lstStyle>
+            <a:lvl1pPr marL="285750" indent="-285750" algn="l" defTabSz="457200" rtl="0" eaLnBrk="1" latinLnBrk="0" hangingPunct="1">
+              <a:spcBef>
+                <a:spcPct val="20000"/>
+              </a:spcBef>
+              <a:spcAft>
+                <a:spcPts val="600"/>
+              </a:spcAft>
+              <a:buClr>
+                <a:schemeClr val="accent1"/>
+              </a:buClr>
+              <a:buSzPct val="115000"/>
+              <a:buFont typeface="Arial"/>
+              <a:buChar char="•"/>
+              <a:defRPr sz="2400" kern="1200" cap="none">
+                <a:solidFill>
+                  <a:schemeClr val="tx1">
+                    <a:lumMod val="85000"/>
+                    <a:lumOff val="15000"/>
+                  </a:schemeClr>
+                </a:solidFill>
+                <a:effectLst/>
+                <a:latin typeface="+mn-lt"/>
+                <a:ea typeface="+mn-ea"/>
+                <a:cs typeface="+mn-cs"/>
+              </a:defRPr>
+            </a:lvl1pPr>
+            <a:lvl2pPr marL="742950" indent="-285750" algn="l" defTabSz="457200" rtl="0" eaLnBrk="1" latinLnBrk="0" hangingPunct="1">
+              <a:spcBef>
+                <a:spcPct val="20000"/>
+              </a:spcBef>
+              <a:spcAft>
+                <a:spcPts val="600"/>
+              </a:spcAft>
+              <a:buClr>
+                <a:schemeClr val="accent1"/>
+              </a:buClr>
+              <a:buSzPct val="115000"/>
+              <a:buFont typeface="Arial"/>
+              <a:buChar char="•"/>
+              <a:defRPr sz="2000" kern="1200" cap="none">
+                <a:solidFill>
+                  <a:schemeClr val="tx1">
+                    <a:lumMod val="85000"/>
+                    <a:lumOff val="15000"/>
+                  </a:schemeClr>
+                </a:solidFill>
+                <a:effectLst/>
+                <a:latin typeface="+mn-lt"/>
+                <a:ea typeface="+mn-ea"/>
+                <a:cs typeface="+mn-cs"/>
+              </a:defRPr>
+            </a:lvl2pPr>
+            <a:lvl3pPr marL="1200150" indent="-285750" algn="l" defTabSz="457200" rtl="0" eaLnBrk="1" latinLnBrk="0" hangingPunct="1">
+              <a:spcBef>
+                <a:spcPct val="20000"/>
+              </a:spcBef>
+              <a:spcAft>
+                <a:spcPts val="600"/>
+              </a:spcAft>
+              <a:buClr>
+                <a:schemeClr val="accent1"/>
+              </a:buClr>
+              <a:buSzPct val="115000"/>
+              <a:buFont typeface="Arial"/>
+              <a:buChar char="•"/>
+              <a:defRPr sz="1800" kern="1200" cap="none">
+                <a:solidFill>
+                  <a:schemeClr val="tx1">
+                    <a:lumMod val="85000"/>
+                    <a:lumOff val="15000"/>
+                  </a:schemeClr>
+                </a:solidFill>
+                <a:effectLst/>
+                <a:latin typeface="+mn-lt"/>
+                <a:ea typeface="+mn-ea"/>
+                <a:cs typeface="+mn-cs"/>
+              </a:defRPr>
+            </a:lvl3pPr>
+            <a:lvl4pPr marL="1543050" indent="-171450" algn="l" defTabSz="457200" rtl="0" eaLnBrk="1" latinLnBrk="0" hangingPunct="1">
+              <a:spcBef>
+                <a:spcPct val="20000"/>
+              </a:spcBef>
+              <a:spcAft>
+                <a:spcPts val="600"/>
+              </a:spcAft>
+              <a:buClr>
+                <a:schemeClr val="accent1"/>
+              </a:buClr>
+              <a:buSzPct val="115000"/>
+              <a:buFont typeface="Arial"/>
+              <a:buChar char="•"/>
+              <a:defRPr sz="1600" kern="1200" cap="none">
+                <a:solidFill>
+                  <a:schemeClr val="tx1">
+                    <a:lumMod val="85000"/>
+                    <a:lumOff val="15000"/>
+                  </a:schemeClr>
+                </a:solidFill>
+                <a:effectLst/>
+                <a:latin typeface="+mn-lt"/>
+                <a:ea typeface="+mn-ea"/>
+                <a:cs typeface="+mn-cs"/>
+              </a:defRPr>
+            </a:lvl4pPr>
+            <a:lvl5pPr marL="2000250" indent="-171450" algn="l" defTabSz="457200" rtl="0" eaLnBrk="1" latinLnBrk="0" hangingPunct="1">
+              <a:spcBef>
+                <a:spcPct val="20000"/>
+              </a:spcBef>
+              <a:spcAft>
+                <a:spcPts val="600"/>
+              </a:spcAft>
+              <a:buClr>
+                <a:schemeClr val="accent1"/>
+              </a:buClr>
+              <a:buSzPct val="115000"/>
+              <a:buFont typeface="Arial"/>
+              <a:buChar char="•"/>
+              <a:defRPr sz="1400" kern="1200" cap="none">
+                <a:solidFill>
+                  <a:schemeClr val="tx1">
+                    <a:lumMod val="85000"/>
+                    <a:lumOff val="15000"/>
+                  </a:schemeClr>
+                </a:solidFill>
+                <a:effectLst/>
+                <a:latin typeface="+mn-lt"/>
+                <a:ea typeface="+mn-ea"/>
+                <a:cs typeface="+mn-cs"/>
+              </a:defRPr>
+            </a:lvl5pPr>
+            <a:lvl6pPr marL="2514600" indent="-228600" algn="l" defTabSz="457200" rtl="0" eaLnBrk="1" latinLnBrk="0" hangingPunct="1">
+              <a:spcBef>
+                <a:spcPct val="20000"/>
+              </a:spcBef>
+              <a:spcAft>
+                <a:spcPts val="600"/>
+              </a:spcAft>
+              <a:buClr>
+                <a:schemeClr val="accent1"/>
+              </a:buClr>
+              <a:buSzPct val="115000"/>
+              <a:buFont typeface="Arial"/>
+              <a:buChar char="•"/>
+              <a:defRPr sz="1400" kern="1200" cap="none">
+                <a:solidFill>
+                  <a:schemeClr val="tx1">
+                    <a:lumMod val="85000"/>
+                    <a:lumOff val="15000"/>
+                  </a:schemeClr>
+                </a:solidFill>
+                <a:effectLst/>
+                <a:latin typeface="+mn-lt"/>
+                <a:ea typeface="+mn-ea"/>
+                <a:cs typeface="+mn-cs"/>
+              </a:defRPr>
+            </a:lvl6pPr>
+            <a:lvl7pPr marL="2971800" indent="-228600" algn="l" defTabSz="457200" rtl="0" eaLnBrk="1" latinLnBrk="0" hangingPunct="1">
+              <a:spcBef>
+                <a:spcPct val="20000"/>
+              </a:spcBef>
+              <a:spcAft>
+                <a:spcPts val="600"/>
+              </a:spcAft>
+              <a:buClr>
+                <a:schemeClr val="accent1"/>
+              </a:buClr>
+              <a:buSzPct val="115000"/>
+              <a:buFont typeface="Arial"/>
+              <a:buChar char="•"/>
+              <a:defRPr sz="1400" kern="1200" cap="none">
+                <a:solidFill>
+                  <a:schemeClr val="tx1">
+                    <a:lumMod val="85000"/>
+                    <a:lumOff val="15000"/>
+                  </a:schemeClr>
+                </a:solidFill>
+                <a:effectLst/>
+                <a:latin typeface="+mn-lt"/>
+                <a:ea typeface="+mn-ea"/>
+                <a:cs typeface="+mn-cs"/>
+              </a:defRPr>
+            </a:lvl7pPr>
+            <a:lvl8pPr marL="3429000" indent="-228600" algn="l" defTabSz="457200" rtl="0" eaLnBrk="1" latinLnBrk="0" hangingPunct="1">
+              <a:spcBef>
+                <a:spcPct val="20000"/>
+              </a:spcBef>
+              <a:spcAft>
+                <a:spcPts val="600"/>
+              </a:spcAft>
+              <a:buClr>
+                <a:schemeClr val="accent1"/>
+              </a:buClr>
+              <a:buSzPct val="115000"/>
+              <a:buFont typeface="Arial"/>
+              <a:buChar char="•"/>
+              <a:defRPr sz="1400" kern="1200" cap="none">
+                <a:solidFill>
+                  <a:schemeClr val="tx1">
+                    <a:lumMod val="85000"/>
+                    <a:lumOff val="15000"/>
+                  </a:schemeClr>
+                </a:solidFill>
+                <a:effectLst/>
+                <a:latin typeface="+mn-lt"/>
+                <a:ea typeface="+mn-ea"/>
+                <a:cs typeface="+mn-cs"/>
+              </a:defRPr>
+            </a:lvl8pPr>
+            <a:lvl9pPr marL="3886200" indent="-228600" algn="l" defTabSz="457200" rtl="0" eaLnBrk="1" latinLnBrk="0" hangingPunct="1">
+              <a:spcBef>
+                <a:spcPct val="20000"/>
+              </a:spcBef>
+              <a:spcAft>
+                <a:spcPts val="600"/>
+              </a:spcAft>
+              <a:buClr>
+                <a:schemeClr val="accent1"/>
+              </a:buClr>
+              <a:buSzPct val="115000"/>
+              <a:buFont typeface="Arial"/>
+              <a:buChar char="•"/>
+              <a:defRPr sz="1400" kern="1200" cap="none">
+                <a:solidFill>
+                  <a:schemeClr val="tx1">
+                    <a:lumMod val="85000"/>
+                    <a:lumOff val="15000"/>
+                  </a:schemeClr>
+                </a:solidFill>
+                <a:effectLst/>
+                <a:latin typeface="+mn-lt"/>
+                <a:ea typeface="+mn-ea"/>
+                <a:cs typeface="+mn-cs"/>
+              </a:defRPr>
+            </a:lvl9pPr>
+          </a:lstStyle>
+          <a:p>
+            <a:pPr algn="just"/>
+            <a:r>
+              <a:rPr lang="en-US" sz="2000">
+                <a:latin typeface="Arial" panose="020B0604020202020204" pitchFamily="34" charset="0"/>
+                <a:cs typeface="Arial" panose="020B0604020202020204" pitchFamily="34" charset="0"/>
+              </a:rPr>
+              <a:t>For </a:t>
+            </a:r>
+            <a:r>
+              <a:rPr lang="en-US" sz="2000" smtClean="0">
+                <a:latin typeface="Arial" panose="020B0604020202020204" pitchFamily="34" charset="0"/>
+                <a:cs typeface="Arial" panose="020B0604020202020204" pitchFamily="34" charset="0"/>
+              </a:rPr>
+              <a:t>example:</a:t>
+            </a:r>
+          </a:p>
+          <a:p>
+            <a:pPr marL="0" indent="0" algn="just">
+              <a:buNone/>
+            </a:pPr>
+            <a:r>
+              <a:rPr lang="en-US" sz="2000">
+                <a:latin typeface="Arial" panose="020B0604020202020204" pitchFamily="34" charset="0"/>
+                <a:cs typeface="Arial" panose="020B0604020202020204" pitchFamily="34" charset="0"/>
+              </a:rPr>
+              <a:t> </a:t>
+            </a:r>
+            <a:r>
+              <a:rPr lang="en-US" sz="2000" smtClean="0">
+                <a:latin typeface="Arial" panose="020B0604020202020204" pitchFamily="34" charset="0"/>
+                <a:cs typeface="Arial" panose="020B0604020202020204" pitchFamily="34" charset="0"/>
+              </a:rPr>
+              <a:t>+ Ex1: 		</a:t>
+            </a:r>
+            <a:r>
+              <a:rPr lang="en-US" sz="2000" smtClean="0">
+                <a:solidFill>
+                  <a:srgbClr val="FF0000"/>
+                </a:solidFill>
+                <a:latin typeface="Arial" panose="020B0604020202020204" pitchFamily="34" charset="0"/>
+                <a:cs typeface="Arial" panose="020B0604020202020204" pitchFamily="34" charset="0"/>
+              </a:rPr>
+              <a:t>String s4 = new String(“Hello”);</a:t>
+            </a:r>
+            <a:r>
+              <a:rPr lang="en-US" sz="2000" smtClean="0">
+                <a:latin typeface="Arial" panose="020B0604020202020204" pitchFamily="34" charset="0"/>
+                <a:cs typeface="Arial" panose="020B0604020202020204" pitchFamily="34" charset="0"/>
+              </a:rPr>
+              <a:t> // don’t do this</a:t>
+            </a:r>
+          </a:p>
+          <a:p>
+            <a:pPr marL="0" indent="0" algn="just">
+              <a:buNone/>
+            </a:pPr>
+            <a:r>
+              <a:rPr lang="en-US" sz="2000">
+                <a:latin typeface="Arial" panose="020B0604020202020204" pitchFamily="34" charset="0"/>
+                <a:cs typeface="Arial" panose="020B0604020202020204" pitchFamily="34" charset="0"/>
+              </a:rPr>
+              <a:t>	</a:t>
+            </a:r>
+            <a:r>
+              <a:rPr lang="en-US" sz="2000" smtClean="0">
+                <a:latin typeface="Arial" panose="020B0604020202020204" pitchFamily="34" charset="0"/>
+                <a:cs typeface="Arial" panose="020B0604020202020204" pitchFamily="34" charset="0"/>
+              </a:rPr>
+              <a:t>	=&gt;  </a:t>
+            </a:r>
+            <a:r>
+              <a:rPr lang="en-US" sz="2000" smtClean="0">
+                <a:solidFill>
+                  <a:srgbClr val="00B050"/>
+                </a:solidFill>
+                <a:latin typeface="Arial" panose="020B0604020202020204" pitchFamily="34" charset="0"/>
+                <a:cs typeface="Arial" panose="020B0604020202020204" pitchFamily="34" charset="0"/>
+              </a:rPr>
+              <a:t>String s1 = “Hello”;</a:t>
+            </a:r>
+            <a:endParaRPr lang="en-US" sz="2000">
+              <a:solidFill>
+                <a:srgbClr val="00B050"/>
+              </a:solidFill>
+              <a:latin typeface="Arial" panose="020B0604020202020204" pitchFamily="34" charset="0"/>
+              <a:cs typeface="Arial" panose="020B0604020202020204" pitchFamily="34" charset="0"/>
+            </a:endParaRPr>
+          </a:p>
+          <a:p>
+            <a:pPr marL="0" indent="0">
+              <a:buNone/>
+            </a:pPr>
+            <a:endParaRPr lang="en-US"/>
+          </a:p>
+        </p:txBody>
+      </p:sp>
+      <p:pic>
+        <p:nvPicPr>
+          <p:cNvPr id="1028" name="Picture 4" descr="OOP_StringLliteralVsObject.png"/>
+          <p:cNvPicPr>
+            <a:picLocks noChangeAspect="1" noChangeArrowheads="1"/>
+          </p:cNvPicPr>
+          <p:nvPr/>
+        </p:nvPicPr>
+        <p:blipFill>
+          <a:blip r:embed="rId2">
+            <a:extLst>
+              <a:ext uri="{28A0092B-C50C-407E-A947-70E740481C1C}">
+                <a14:useLocalDpi xmlns:a14="http://schemas.microsoft.com/office/drawing/2010/main" val="0"/>
+              </a:ext>
+            </a:extLst>
+          </a:blip>
+          <a:srcRect/>
+          <a:stretch>
+            <a:fillRect/>
+          </a:stretch>
+        </p:blipFill>
+        <p:spPr bwMode="auto">
+          <a:xfrm>
+            <a:off x="2361995" y="3824839"/>
+            <a:ext cx="4856951" cy="2154432"/>
+          </a:xfrm>
+          <a:prstGeom prst="rect">
+            <a:avLst/>
+          </a:prstGeom>
+          <a:noFill/>
+          <a:extLst>
+            <a:ext uri="{909E8E84-426E-40DD-AFC4-6F175D3DCCD1}">
+              <a14:hiddenFill xmlns:a14="http://schemas.microsoft.com/office/drawing/2010/main">
+                <a:solidFill>
+                  <a:srgbClr val="FFFFFF"/>
+                </a:solidFill>
+              </a14:hiddenFill>
+            </a:ext>
+          </a:extLst>
+        </p:spPr>
+      </p:pic>
     </p:spTree>
     <p:extLst>
       <p:ext uri="{BB962C8B-B14F-4D97-AF65-F5344CB8AC3E}">
-        <p14:creationId xmlns:p14="http://schemas.microsoft.com/office/powerpoint/2010/main" val="325507972"/>
+        <p14:creationId xmlns:p14="http://schemas.microsoft.com/office/powerpoint/2010/main" val="1219746398"/>
       </p:ext>
     </p:extLst>
   </p:cSld>
@@ -7193,193 +7129,7 @@
       </p:grpSpPr>
       <p:sp>
         <p:nvSpPr>
-          <p:cNvPr id="5" name="Rectangle 2"/>
-          <p:cNvSpPr>
-            <a:spLocks noChangeArrowheads="1"/>
-          </p:cNvSpPr>
-          <p:nvPr/>
-        </p:nvSpPr>
-        <p:spPr bwMode="auto">
-          <a:xfrm>
-            <a:off x="-1524000" y="90101"/>
-            <a:ext cx="65" cy="276999"/>
-          </a:xfrm>
-          <a:prstGeom prst="rect">
-            <a:avLst/>
-          </a:prstGeom>
-          <a:solidFill>
-            <a:srgbClr val="EEEEEE"/>
-          </a:solidFill>
-          <a:ln>
-            <a:noFill/>
-          </a:ln>
-          <a:effectLst/>
-          <a:extLst>
-            <a:ext uri="{91240B29-F687-4F45-9708-019B960494DF}">
-              <a14:hiddenLine xmlns:a14="http://schemas.microsoft.com/office/drawing/2010/main" w="9525">
-                <a:solidFill>
-                  <a:schemeClr val="tx1"/>
-                </a:solidFill>
-                <a:miter lim="800000"/>
-                <a:headEnd/>
-                <a:tailEnd/>
-              </a14:hiddenLine>
-            </a:ext>
-            <a:ext uri="{AF507438-7753-43E0-B8FC-AC1667EBCBE1}">
-              <a14:hiddenEffects xmlns:a14="http://schemas.microsoft.com/office/drawing/2010/main">
-                <a:effectLst>
-                  <a:outerShdw dist="35921" dir="2700000" algn="ctr" rotWithShape="0">
-                    <a:schemeClr val="bg2"/>
-                  </a:outerShdw>
-                </a:effectLst>
-              </a14:hiddenEffects>
-            </a:ext>
-          </a:extLst>
-        </p:spPr>
-        <p:txBody>
-          <a:bodyPr vert="horz" wrap="none" lIns="0" tIns="0" rIns="0" bIns="0" numCol="1" anchor="ctr" anchorCtr="0" compatLnSpc="1">
-            <a:prstTxWarp prst="textNoShape">
-              <a:avLst/>
-            </a:prstTxWarp>
-            <a:spAutoFit/>
-          </a:bodyPr>
-          <a:lstStyle>
-            <a:lvl1pPr eaLnBrk="0" fontAlgn="base" hangingPunct="0">
-              <a:spcBef>
-                <a:spcPct val="0"/>
-              </a:spcBef>
-              <a:spcAft>
-                <a:spcPct val="0"/>
-              </a:spcAft>
-              <a:defRPr>
-                <a:solidFill>
-                  <a:schemeClr val="tx1"/>
-                </a:solidFill>
-                <a:latin typeface="Arial" panose="020B0604020202020204" pitchFamily="34" charset="0"/>
-              </a:defRPr>
-            </a:lvl1pPr>
-            <a:lvl2pPr eaLnBrk="0" fontAlgn="base" hangingPunct="0">
-              <a:spcBef>
-                <a:spcPct val="0"/>
-              </a:spcBef>
-              <a:spcAft>
-                <a:spcPct val="0"/>
-              </a:spcAft>
-              <a:defRPr>
-                <a:solidFill>
-                  <a:schemeClr val="tx1"/>
-                </a:solidFill>
-                <a:latin typeface="Arial" panose="020B0604020202020204" pitchFamily="34" charset="0"/>
-              </a:defRPr>
-            </a:lvl2pPr>
-            <a:lvl3pPr eaLnBrk="0" fontAlgn="base" hangingPunct="0">
-              <a:spcBef>
-                <a:spcPct val="0"/>
-              </a:spcBef>
-              <a:spcAft>
-                <a:spcPct val="0"/>
-              </a:spcAft>
-              <a:defRPr>
-                <a:solidFill>
-                  <a:schemeClr val="tx1"/>
-                </a:solidFill>
-                <a:latin typeface="Arial" panose="020B0604020202020204" pitchFamily="34" charset="0"/>
-              </a:defRPr>
-            </a:lvl3pPr>
-            <a:lvl4pPr eaLnBrk="0" fontAlgn="base" hangingPunct="0">
-              <a:spcBef>
-                <a:spcPct val="0"/>
-              </a:spcBef>
-              <a:spcAft>
-                <a:spcPct val="0"/>
-              </a:spcAft>
-              <a:defRPr>
-                <a:solidFill>
-                  <a:schemeClr val="tx1"/>
-                </a:solidFill>
-                <a:latin typeface="Arial" panose="020B0604020202020204" pitchFamily="34" charset="0"/>
-              </a:defRPr>
-            </a:lvl4pPr>
-            <a:lvl5pPr eaLnBrk="0" fontAlgn="base" hangingPunct="0">
-              <a:spcBef>
-                <a:spcPct val="0"/>
-              </a:spcBef>
-              <a:spcAft>
-                <a:spcPct val="0"/>
-              </a:spcAft>
-              <a:defRPr>
-                <a:solidFill>
-                  <a:schemeClr val="tx1"/>
-                </a:solidFill>
-                <a:latin typeface="Arial" panose="020B0604020202020204" pitchFamily="34" charset="0"/>
-              </a:defRPr>
-            </a:lvl5pPr>
-            <a:lvl6pPr eaLnBrk="0" fontAlgn="base" hangingPunct="0">
-              <a:spcBef>
-                <a:spcPct val="0"/>
-              </a:spcBef>
-              <a:spcAft>
-                <a:spcPct val="0"/>
-              </a:spcAft>
-              <a:defRPr>
-                <a:solidFill>
-                  <a:schemeClr val="tx1"/>
-                </a:solidFill>
-                <a:latin typeface="Arial" panose="020B0604020202020204" pitchFamily="34" charset="0"/>
-              </a:defRPr>
-            </a:lvl6pPr>
-            <a:lvl7pPr eaLnBrk="0" fontAlgn="base" hangingPunct="0">
-              <a:spcBef>
-                <a:spcPct val="0"/>
-              </a:spcBef>
-              <a:spcAft>
-                <a:spcPct val="0"/>
-              </a:spcAft>
-              <a:defRPr>
-                <a:solidFill>
-                  <a:schemeClr val="tx1"/>
-                </a:solidFill>
-                <a:latin typeface="Arial" panose="020B0604020202020204" pitchFamily="34" charset="0"/>
-              </a:defRPr>
-            </a:lvl7pPr>
-            <a:lvl8pPr eaLnBrk="0" fontAlgn="base" hangingPunct="0">
-              <a:spcBef>
-                <a:spcPct val="0"/>
-              </a:spcBef>
-              <a:spcAft>
-                <a:spcPct val="0"/>
-              </a:spcAft>
-              <a:defRPr>
-                <a:solidFill>
-                  <a:schemeClr val="tx1"/>
-                </a:solidFill>
-                <a:latin typeface="Arial" panose="020B0604020202020204" pitchFamily="34" charset="0"/>
-              </a:defRPr>
-            </a:lvl8pPr>
-            <a:lvl9pPr eaLnBrk="0" fontAlgn="base" hangingPunct="0">
-              <a:spcBef>
-                <a:spcPct val="0"/>
-              </a:spcBef>
-              <a:spcAft>
-                <a:spcPct val="0"/>
-              </a:spcAft>
-              <a:defRPr>
-                <a:solidFill>
-                  <a:schemeClr val="tx1"/>
-                </a:solidFill>
-                <a:latin typeface="Arial" panose="020B0604020202020204" pitchFamily="34" charset="0"/>
-              </a:defRPr>
-            </a:lvl9pPr>
-          </a:lstStyle>
-          <a:p>
-            <a:pPr defTabSz="914400"/>
-            <a:endParaRPr lang="en-US" altLang="en-US"/>
-          </a:p>
-        </p:txBody>
-      </p:sp>
-      <p:sp>
-        <p:nvSpPr>
-          <p:cNvPr id="12" name="Title 1"/>
+          <p:cNvPr id="6" name="Title 1"/>
           <p:cNvSpPr>
             <a:spLocks noGrp="1"/>
           </p:cNvSpPr>
@@ -7505,410 +7255,786 @@
       </p:sp>
       <p:sp>
         <p:nvSpPr>
-          <p:cNvPr id="13" name="Content Placeholder 2"/>
+          <p:cNvPr id="8" name="Content Placeholder 7"/>
           <p:cNvSpPr>
             <a:spLocks noGrp="1"/>
           </p:cNvSpPr>
-          <p:nvPr/>
+          <p:nvPr>
+            <p:ph idx="1"/>
+          </p:nvPr>
         </p:nvSpPr>
         <p:spPr>
           <a:xfrm>
-            <a:off x="1161135" y="2534274"/>
-            <a:ext cx="6830195" cy="3444997"/>
+            <a:off x="1176865" y="2490136"/>
+            <a:ext cx="7428120" cy="3102142"/>
           </a:xfrm>
-          <a:prstGeom prst="rect">
-            <a:avLst/>
-          </a:prstGeom>
         </p:spPr>
         <p:txBody>
-          <a:bodyPr vert="horz" lIns="91440" tIns="45720" rIns="91440" bIns="45720" rtlCol="0" anchor="t">
-            <a:normAutofit/>
+          <a:bodyPr>
+            <a:normAutofit fontScale="70000" lnSpcReduction="20000"/>
           </a:bodyPr>
-          <a:lstStyle>
-            <a:lvl1pPr marL="285750" indent="-285750" algn="l" defTabSz="457200" rtl="0" eaLnBrk="1" latinLnBrk="0" hangingPunct="1">
-              <a:spcBef>
-                <a:spcPct val="20000"/>
-              </a:spcBef>
-              <a:spcAft>
-                <a:spcPts val="600"/>
-              </a:spcAft>
-              <a:buClr>
-                <a:schemeClr val="accent1"/>
-              </a:buClr>
-              <a:buSzPct val="115000"/>
-              <a:buFont typeface="Arial"/>
-              <a:buChar char="•"/>
-              <a:defRPr sz="2400" kern="1200" cap="none">
-                <a:solidFill>
-                  <a:schemeClr val="tx1">
-                    <a:lumMod val="85000"/>
-                    <a:lumOff val="15000"/>
-                  </a:schemeClr>
-                </a:solidFill>
-                <a:effectLst/>
-                <a:latin typeface="+mn-lt"/>
-                <a:ea typeface="+mn-ea"/>
-                <a:cs typeface="+mn-cs"/>
-              </a:defRPr>
-            </a:lvl1pPr>
-            <a:lvl2pPr marL="742950" indent="-285750" algn="l" defTabSz="457200" rtl="0" eaLnBrk="1" latinLnBrk="0" hangingPunct="1">
-              <a:spcBef>
-                <a:spcPct val="20000"/>
-              </a:spcBef>
-              <a:spcAft>
-                <a:spcPts val="600"/>
-              </a:spcAft>
-              <a:buClr>
-                <a:schemeClr val="accent1"/>
-              </a:buClr>
-              <a:buSzPct val="115000"/>
-              <a:buFont typeface="Arial"/>
-              <a:buChar char="•"/>
-              <a:defRPr sz="2000" kern="1200" cap="none">
-                <a:solidFill>
-                  <a:schemeClr val="tx1">
-                    <a:lumMod val="85000"/>
-                    <a:lumOff val="15000"/>
-                  </a:schemeClr>
-                </a:solidFill>
-                <a:effectLst/>
-                <a:latin typeface="+mn-lt"/>
-                <a:ea typeface="+mn-ea"/>
-                <a:cs typeface="+mn-cs"/>
-              </a:defRPr>
-            </a:lvl2pPr>
-            <a:lvl3pPr marL="1200150" indent="-285750" algn="l" defTabSz="457200" rtl="0" eaLnBrk="1" latinLnBrk="0" hangingPunct="1">
-              <a:spcBef>
-                <a:spcPct val="20000"/>
-              </a:spcBef>
-              <a:spcAft>
-                <a:spcPts val="600"/>
-              </a:spcAft>
-              <a:buClr>
-                <a:schemeClr val="accent1"/>
-              </a:buClr>
-              <a:buSzPct val="115000"/>
-              <a:buFont typeface="Arial"/>
-              <a:buChar char="•"/>
-              <a:defRPr sz="1800" kern="1200" cap="none">
-                <a:solidFill>
-                  <a:schemeClr val="tx1">
-                    <a:lumMod val="85000"/>
-                    <a:lumOff val="15000"/>
-                  </a:schemeClr>
-                </a:solidFill>
-                <a:effectLst/>
-                <a:latin typeface="+mn-lt"/>
-                <a:ea typeface="+mn-ea"/>
-                <a:cs typeface="+mn-cs"/>
-              </a:defRPr>
-            </a:lvl3pPr>
-            <a:lvl4pPr marL="1543050" indent="-171450" algn="l" defTabSz="457200" rtl="0" eaLnBrk="1" latinLnBrk="0" hangingPunct="1">
-              <a:spcBef>
-                <a:spcPct val="20000"/>
-              </a:spcBef>
-              <a:spcAft>
-                <a:spcPts val="600"/>
-              </a:spcAft>
-              <a:buClr>
-                <a:schemeClr val="accent1"/>
-              </a:buClr>
-              <a:buSzPct val="115000"/>
-              <a:buFont typeface="Arial"/>
-              <a:buChar char="•"/>
-              <a:defRPr sz="1600" kern="1200" cap="none">
-                <a:solidFill>
-                  <a:schemeClr val="tx1">
-                    <a:lumMod val="85000"/>
-                    <a:lumOff val="15000"/>
-                  </a:schemeClr>
-                </a:solidFill>
-                <a:effectLst/>
-                <a:latin typeface="+mn-lt"/>
-                <a:ea typeface="+mn-ea"/>
-                <a:cs typeface="+mn-cs"/>
-              </a:defRPr>
-            </a:lvl4pPr>
-            <a:lvl5pPr marL="2000250" indent="-171450" algn="l" defTabSz="457200" rtl="0" eaLnBrk="1" latinLnBrk="0" hangingPunct="1">
-              <a:spcBef>
-                <a:spcPct val="20000"/>
-              </a:spcBef>
-              <a:spcAft>
-                <a:spcPts val="600"/>
-              </a:spcAft>
-              <a:buClr>
-                <a:schemeClr val="accent1"/>
-              </a:buClr>
-              <a:buSzPct val="115000"/>
-              <a:buFont typeface="Arial"/>
-              <a:buChar char="•"/>
-              <a:defRPr sz="1400" kern="1200" cap="none">
-                <a:solidFill>
-                  <a:schemeClr val="tx1">
-                    <a:lumMod val="85000"/>
-                    <a:lumOff val="15000"/>
-                  </a:schemeClr>
-                </a:solidFill>
-                <a:effectLst/>
-                <a:latin typeface="+mn-lt"/>
-                <a:ea typeface="+mn-ea"/>
-                <a:cs typeface="+mn-cs"/>
-              </a:defRPr>
-            </a:lvl5pPr>
-            <a:lvl6pPr marL="2514600" indent="-228600" algn="l" defTabSz="457200" rtl="0" eaLnBrk="1" latinLnBrk="0" hangingPunct="1">
-              <a:spcBef>
-                <a:spcPct val="20000"/>
-              </a:spcBef>
-              <a:spcAft>
-                <a:spcPts val="600"/>
-              </a:spcAft>
-              <a:buClr>
-                <a:schemeClr val="accent1"/>
-              </a:buClr>
-              <a:buSzPct val="115000"/>
-              <a:buFont typeface="Arial"/>
-              <a:buChar char="•"/>
-              <a:defRPr sz="1400" kern="1200" cap="none">
-                <a:solidFill>
-                  <a:schemeClr val="tx1">
-                    <a:lumMod val="85000"/>
-                    <a:lumOff val="15000"/>
-                  </a:schemeClr>
-                </a:solidFill>
-                <a:effectLst/>
-                <a:latin typeface="+mn-lt"/>
-                <a:ea typeface="+mn-ea"/>
-                <a:cs typeface="+mn-cs"/>
-              </a:defRPr>
-            </a:lvl6pPr>
-            <a:lvl7pPr marL="2971800" indent="-228600" algn="l" defTabSz="457200" rtl="0" eaLnBrk="1" latinLnBrk="0" hangingPunct="1">
-              <a:spcBef>
-                <a:spcPct val="20000"/>
-              </a:spcBef>
-              <a:spcAft>
-                <a:spcPts val="600"/>
-              </a:spcAft>
-              <a:buClr>
-                <a:schemeClr val="accent1"/>
-              </a:buClr>
-              <a:buSzPct val="115000"/>
-              <a:buFont typeface="Arial"/>
-              <a:buChar char="•"/>
-              <a:defRPr sz="1400" kern="1200" cap="none">
-                <a:solidFill>
-                  <a:schemeClr val="tx1">
-                    <a:lumMod val="85000"/>
-                    <a:lumOff val="15000"/>
-                  </a:schemeClr>
-                </a:solidFill>
-                <a:effectLst/>
-                <a:latin typeface="+mn-lt"/>
-                <a:ea typeface="+mn-ea"/>
-                <a:cs typeface="+mn-cs"/>
-              </a:defRPr>
-            </a:lvl7pPr>
-            <a:lvl8pPr marL="3429000" indent="-228600" algn="l" defTabSz="457200" rtl="0" eaLnBrk="1" latinLnBrk="0" hangingPunct="1">
-              <a:spcBef>
-                <a:spcPct val="20000"/>
-              </a:spcBef>
-              <a:spcAft>
-                <a:spcPts val="600"/>
-              </a:spcAft>
-              <a:buClr>
-                <a:schemeClr val="accent1"/>
-              </a:buClr>
-              <a:buSzPct val="115000"/>
-              <a:buFont typeface="Arial"/>
-              <a:buChar char="•"/>
-              <a:defRPr sz="1400" kern="1200" cap="none">
-                <a:solidFill>
-                  <a:schemeClr val="tx1">
-                    <a:lumMod val="85000"/>
-                    <a:lumOff val="15000"/>
-                  </a:schemeClr>
-                </a:solidFill>
-                <a:effectLst/>
-                <a:latin typeface="+mn-lt"/>
-                <a:ea typeface="+mn-ea"/>
-                <a:cs typeface="+mn-cs"/>
-              </a:defRPr>
-            </a:lvl8pPr>
-            <a:lvl9pPr marL="3886200" indent="-228600" algn="l" defTabSz="457200" rtl="0" eaLnBrk="1" latinLnBrk="0" hangingPunct="1">
-              <a:spcBef>
-                <a:spcPct val="20000"/>
-              </a:spcBef>
-              <a:spcAft>
-                <a:spcPts val="600"/>
-              </a:spcAft>
-              <a:buClr>
-                <a:schemeClr val="accent1"/>
-              </a:buClr>
-              <a:buSzPct val="115000"/>
-              <a:buFont typeface="Arial"/>
-              <a:buChar char="•"/>
-              <a:defRPr sz="1400" kern="1200" cap="none">
-                <a:solidFill>
-                  <a:schemeClr val="tx1">
-                    <a:lumMod val="85000"/>
-                    <a:lumOff val="15000"/>
-                  </a:schemeClr>
-                </a:solidFill>
-                <a:effectLst/>
-                <a:latin typeface="+mn-lt"/>
-                <a:ea typeface="+mn-ea"/>
-                <a:cs typeface="+mn-cs"/>
-              </a:defRPr>
-            </a:lvl9pPr>
-          </a:lstStyle>
-          <a:p>
-            <a:pPr algn="just"/>
-            <a:r>
-              <a:rPr lang="en-US" sz="2000">
-                <a:latin typeface="Arial" panose="020B0604020202020204" pitchFamily="34" charset="0"/>
-                <a:cs typeface="Arial" panose="020B0604020202020204" pitchFamily="34" charset="0"/>
-              </a:rPr>
-              <a:t>For </a:t>
-            </a:r>
-            <a:r>
-              <a:rPr lang="en-US" sz="2000" smtClean="0">
-                <a:latin typeface="Arial" panose="020B0604020202020204" pitchFamily="34" charset="0"/>
-                <a:cs typeface="Arial" panose="020B0604020202020204" pitchFamily="34" charset="0"/>
-              </a:rPr>
-              <a:t>example:</a:t>
-            </a:r>
-          </a:p>
-          <a:p>
-            <a:pPr marL="0" indent="0" algn="just">
+          <a:lstStyle/>
+          <a:p>
+            <a:pPr marL="0" indent="0">
               <a:buNone/>
             </a:pPr>
             <a:r>
-              <a:rPr lang="en-US" sz="2000">
-                <a:latin typeface="Arial" panose="020B0604020202020204" pitchFamily="34" charset="0"/>
-                <a:cs typeface="Arial" panose="020B0604020202020204" pitchFamily="34" charset="0"/>
-              </a:rPr>
-              <a:t> </a:t>
-            </a:r>
-            <a:r>
-              <a:rPr lang="en-US" sz="2000" smtClean="0">
-                <a:latin typeface="Arial" panose="020B0604020202020204" pitchFamily="34" charset="0"/>
-                <a:cs typeface="Arial" panose="020B0604020202020204" pitchFamily="34" charset="0"/>
-              </a:rPr>
-              <a:t>+ Ex1: 	</a:t>
-            </a:r>
-            <a:r>
-              <a:rPr lang="en-US" sz="2000" smtClean="0">
-                <a:latin typeface="Arial" panose="020B0604020202020204" pitchFamily="34" charset="0"/>
-                <a:cs typeface="Arial" panose="020B0604020202020204" pitchFamily="34" charset="0"/>
+              <a:rPr lang="en-US" smtClean="0"/>
+              <a:t>+ Ex2:</a:t>
+            </a:r>
+          </a:p>
+          <a:p>
+            <a:pPr marL="0" lvl="0" indent="0">
+              <a:buNone/>
+            </a:pPr>
+            <a:r>
+              <a:rPr lang="en-US" altLang="en-US" sz="2100" b="1" smtClean="0">
+                <a:solidFill>
+                  <a:srgbClr val="000080"/>
+                </a:solidFill>
+                <a:latin typeface="Courier New" panose="02070309020205020404" pitchFamily="49" charset="0"/>
+                <a:cs typeface="Courier New" panose="02070309020205020404" pitchFamily="49" charset="0"/>
+              </a:rPr>
+              <a:t>class </a:t>
+            </a:r>
+            <a:r>
+              <a:rPr lang="en-US" altLang="en-US" sz="2100">
+                <a:solidFill>
+                  <a:srgbClr val="000000"/>
+                </a:solidFill>
+                <a:latin typeface="Courier New" panose="02070309020205020404" pitchFamily="49" charset="0"/>
+                <a:cs typeface="Courier New" panose="02070309020205020404" pitchFamily="49" charset="0"/>
+              </a:rPr>
+              <a:t>Person1{</a:t>
+            </a:r>
+            <a:br>
+              <a:rPr lang="en-US" altLang="en-US" sz="2100">
+                <a:solidFill>
+                  <a:srgbClr val="000000"/>
+                </a:solidFill>
+                <a:latin typeface="Courier New" panose="02070309020205020404" pitchFamily="49" charset="0"/>
+                <a:cs typeface="Courier New" panose="02070309020205020404" pitchFamily="49" charset="0"/>
+              </a:rPr>
+            </a:br>
+            <a:r>
+              <a:rPr lang="en-US" altLang="en-US" sz="2100">
+                <a:solidFill>
+                  <a:srgbClr val="000000"/>
+                </a:solidFill>
+                <a:latin typeface="Courier New" panose="02070309020205020404" pitchFamily="49" charset="0"/>
+                <a:cs typeface="Courier New" panose="02070309020205020404" pitchFamily="49" charset="0"/>
+              </a:rPr>
+              <a:t>    </a:t>
+            </a:r>
+            <a:r>
+              <a:rPr lang="en-US" altLang="en-US" sz="2100" b="1">
+                <a:solidFill>
+                  <a:srgbClr val="000080"/>
+                </a:solidFill>
+                <a:latin typeface="Courier New" panose="02070309020205020404" pitchFamily="49" charset="0"/>
+                <a:cs typeface="Courier New" panose="02070309020205020404" pitchFamily="49" charset="0"/>
+              </a:rPr>
+              <a:t>private </a:t>
+            </a:r>
+            <a:r>
+              <a:rPr lang="en-US" altLang="en-US" sz="2100">
+                <a:solidFill>
+                  <a:srgbClr val="000000"/>
+                </a:solidFill>
+                <a:latin typeface="Courier New" panose="02070309020205020404" pitchFamily="49" charset="0"/>
+                <a:cs typeface="Courier New" panose="02070309020205020404" pitchFamily="49" charset="0"/>
+              </a:rPr>
+              <a:t>Date </a:t>
+            </a:r>
+            <a:r>
+              <a:rPr lang="en-US" altLang="en-US" sz="2100" b="1">
+                <a:solidFill>
+                  <a:srgbClr val="660E7A"/>
+                </a:solidFill>
+                <a:latin typeface="Courier New" panose="02070309020205020404" pitchFamily="49" charset="0"/>
+                <a:cs typeface="Courier New" panose="02070309020205020404" pitchFamily="49" charset="0"/>
+              </a:rPr>
+              <a:t>birthDate </a:t>
+            </a:r>
+            <a:r>
+              <a:rPr lang="en-US" altLang="en-US" sz="2100" smtClean="0">
+                <a:solidFill>
+                  <a:srgbClr val="000000"/>
+                </a:solidFill>
+                <a:latin typeface="Courier New" panose="02070309020205020404" pitchFamily="49" charset="0"/>
+                <a:cs typeface="Courier New" panose="02070309020205020404" pitchFamily="49" charset="0"/>
+              </a:rPr>
+              <a:t>= null</a:t>
+            </a:r>
+            <a:r>
+              <a:rPr lang="en-US" altLang="en-US" sz="2100">
+                <a:solidFill>
+                  <a:srgbClr val="000000"/>
+                </a:solidFill>
+                <a:latin typeface="Courier New" panose="02070309020205020404" pitchFamily="49" charset="0"/>
+                <a:cs typeface="Courier New" panose="02070309020205020404" pitchFamily="49" charset="0"/>
+              </a:rPr>
+              <a:t/>
+            </a:r>
+            <a:br>
+              <a:rPr lang="en-US" altLang="en-US" sz="2100">
+                <a:solidFill>
+                  <a:srgbClr val="000000"/>
+                </a:solidFill>
+                <a:latin typeface="Courier New" panose="02070309020205020404" pitchFamily="49" charset="0"/>
+                <a:cs typeface="Courier New" panose="02070309020205020404" pitchFamily="49" charset="0"/>
+              </a:rPr>
+            </a:br>
+            <a:r>
+              <a:rPr lang="en-US" altLang="en-US" sz="2100">
+                <a:solidFill>
+                  <a:srgbClr val="000000"/>
+                </a:solidFill>
+                <a:latin typeface="Courier New" panose="02070309020205020404" pitchFamily="49" charset="0"/>
+                <a:cs typeface="Courier New" panose="02070309020205020404" pitchFamily="49" charset="0"/>
+              </a:rPr>
+              <a:t/>
+            </a:r>
+            <a:br>
+              <a:rPr lang="en-US" altLang="en-US" sz="2100">
+                <a:solidFill>
+                  <a:srgbClr val="000000"/>
+                </a:solidFill>
+                <a:latin typeface="Courier New" panose="02070309020205020404" pitchFamily="49" charset="0"/>
+                <a:cs typeface="Courier New" panose="02070309020205020404" pitchFamily="49" charset="0"/>
+              </a:rPr>
+            </a:br>
+            <a:r>
+              <a:rPr lang="en-US" altLang="en-US" sz="2100">
+                <a:solidFill>
+                  <a:srgbClr val="000000"/>
+                </a:solidFill>
+                <a:latin typeface="Courier New" panose="02070309020205020404" pitchFamily="49" charset="0"/>
+                <a:cs typeface="Courier New" panose="02070309020205020404" pitchFamily="49" charset="0"/>
+              </a:rPr>
+              <a:t>    </a:t>
+            </a:r>
+            <a:r>
+              <a:rPr lang="en-US" altLang="en-US" sz="2100" b="1">
+                <a:solidFill>
+                  <a:srgbClr val="000080"/>
+                </a:solidFill>
+                <a:latin typeface="Courier New" panose="02070309020205020404" pitchFamily="49" charset="0"/>
+                <a:cs typeface="Courier New" panose="02070309020205020404" pitchFamily="49" charset="0"/>
+              </a:rPr>
+              <a:t>public boolean </a:t>
+            </a:r>
+            <a:r>
+              <a:rPr lang="en-US" altLang="en-US" sz="2100">
+                <a:solidFill>
+                  <a:srgbClr val="000000"/>
+                </a:solidFill>
+                <a:latin typeface="Courier New" panose="02070309020205020404" pitchFamily="49" charset="0"/>
+                <a:cs typeface="Courier New" panose="02070309020205020404" pitchFamily="49" charset="0"/>
+              </a:rPr>
+              <a:t>isBabyBoomer(){</a:t>
+            </a:r>
+            <a:br>
+              <a:rPr lang="en-US" altLang="en-US" sz="2100">
+                <a:solidFill>
+                  <a:srgbClr val="000000"/>
+                </a:solidFill>
+                <a:latin typeface="Courier New" panose="02070309020205020404" pitchFamily="49" charset="0"/>
+                <a:cs typeface="Courier New" panose="02070309020205020404" pitchFamily="49" charset="0"/>
+              </a:rPr>
+            </a:br>
+            <a:r>
+              <a:rPr lang="en-US" altLang="en-US" sz="2100">
+                <a:solidFill>
+                  <a:srgbClr val="000000"/>
+                </a:solidFill>
+                <a:latin typeface="Courier New" panose="02070309020205020404" pitchFamily="49" charset="0"/>
+                <a:cs typeface="Courier New" panose="02070309020205020404" pitchFamily="49" charset="0"/>
+              </a:rPr>
+              <a:t>        Calendar gmtCal </a:t>
+            </a:r>
+            <a:r>
+              <a:rPr lang="en-US" altLang="en-US" sz="2100" smtClean="0">
+                <a:solidFill>
+                  <a:srgbClr val="000000"/>
+                </a:solidFill>
+                <a:latin typeface="Courier New" panose="02070309020205020404" pitchFamily="49" charset="0"/>
+                <a:cs typeface="Courier New" panose="02070309020205020404" pitchFamily="49" charset="0"/>
+              </a:rPr>
+              <a:t>= 												Calendar.</a:t>
+            </a:r>
+            <a:r>
+              <a:rPr lang="en-US" altLang="en-US" sz="2100" i="1" smtClean="0">
+                <a:solidFill>
+                  <a:srgbClr val="000000"/>
+                </a:solidFill>
+                <a:latin typeface="Courier New" panose="02070309020205020404" pitchFamily="49" charset="0"/>
+                <a:cs typeface="Courier New" panose="02070309020205020404" pitchFamily="49" charset="0"/>
+              </a:rPr>
+              <a:t>getInstance</a:t>
+            </a:r>
+            <a:r>
+              <a:rPr lang="en-US" altLang="en-US" sz="2100" smtClean="0">
+                <a:solidFill>
+                  <a:srgbClr val="000000"/>
+                </a:solidFill>
+                <a:latin typeface="Courier New" panose="02070309020205020404" pitchFamily="49" charset="0"/>
+                <a:cs typeface="Courier New" panose="02070309020205020404" pitchFamily="49" charset="0"/>
+              </a:rPr>
+              <a:t>(TimeZone.</a:t>
+            </a:r>
+            <a:r>
+              <a:rPr lang="en-US" altLang="en-US" sz="2100" i="1" smtClean="0">
+                <a:solidFill>
+                  <a:srgbClr val="000000"/>
+                </a:solidFill>
+                <a:latin typeface="Courier New" panose="02070309020205020404" pitchFamily="49" charset="0"/>
+                <a:cs typeface="Courier New" panose="02070309020205020404" pitchFamily="49" charset="0"/>
+              </a:rPr>
+              <a:t>getTimeZone</a:t>
+            </a:r>
+            <a:r>
+              <a:rPr lang="en-US" altLang="en-US" sz="2100">
+                <a:solidFill>
+                  <a:srgbClr val="000000"/>
+                </a:solidFill>
+                <a:latin typeface="Courier New" panose="02070309020205020404" pitchFamily="49" charset="0"/>
+                <a:cs typeface="Courier New" panose="02070309020205020404" pitchFamily="49" charset="0"/>
+              </a:rPr>
+              <a:t>(</a:t>
+            </a:r>
+            <a:r>
+              <a:rPr lang="en-US" altLang="en-US" sz="2100" b="1">
+                <a:solidFill>
+                  <a:srgbClr val="008000"/>
+                </a:solidFill>
+                <a:latin typeface="Courier New" panose="02070309020205020404" pitchFamily="49" charset="0"/>
+                <a:cs typeface="Courier New" panose="02070309020205020404" pitchFamily="49" charset="0"/>
+              </a:rPr>
+              <a:t>"GMT"</a:t>
+            </a:r>
+            <a:r>
+              <a:rPr lang="en-US" altLang="en-US" sz="2100">
+                <a:solidFill>
+                  <a:srgbClr val="000000"/>
+                </a:solidFill>
+                <a:latin typeface="Courier New" panose="02070309020205020404" pitchFamily="49" charset="0"/>
+                <a:cs typeface="Courier New" panose="02070309020205020404" pitchFamily="49" charset="0"/>
+              </a:rPr>
+              <a:t>));</a:t>
+            </a:r>
+            <a:br>
+              <a:rPr lang="en-US" altLang="en-US" sz="2100">
+                <a:solidFill>
+                  <a:srgbClr val="000000"/>
+                </a:solidFill>
+                <a:latin typeface="Courier New" panose="02070309020205020404" pitchFamily="49" charset="0"/>
+                <a:cs typeface="Courier New" panose="02070309020205020404" pitchFamily="49" charset="0"/>
+              </a:rPr>
+            </a:br>
+            <a:r>
+              <a:rPr lang="en-US" altLang="en-US" sz="2100">
+                <a:solidFill>
+                  <a:srgbClr val="000000"/>
+                </a:solidFill>
+                <a:latin typeface="Courier New" panose="02070309020205020404" pitchFamily="49" charset="0"/>
+                <a:cs typeface="Courier New" panose="02070309020205020404" pitchFamily="49" charset="0"/>
+              </a:rPr>
+              <a:t>        gmtCal.set(</a:t>
+            </a:r>
+            <a:r>
+              <a:rPr lang="en-US" altLang="en-US" sz="2100">
+                <a:solidFill>
+                  <a:srgbClr val="0000FF"/>
+                </a:solidFill>
+                <a:latin typeface="Courier New" panose="02070309020205020404" pitchFamily="49" charset="0"/>
+                <a:cs typeface="Courier New" panose="02070309020205020404" pitchFamily="49" charset="0"/>
+              </a:rPr>
+              <a:t>3900</a:t>
+            </a:r>
+            <a:r>
+              <a:rPr lang="en-US" altLang="en-US" sz="2100">
+                <a:solidFill>
+                  <a:srgbClr val="000000"/>
+                </a:solidFill>
+                <a:latin typeface="Courier New" panose="02070309020205020404" pitchFamily="49" charset="0"/>
+                <a:cs typeface="Courier New" panose="02070309020205020404" pitchFamily="49" charset="0"/>
+              </a:rPr>
+              <a:t>, Calendar.</a:t>
+            </a:r>
+            <a:r>
+              <a:rPr lang="en-US" altLang="en-US" sz="2100" b="1" i="1">
+                <a:solidFill>
+                  <a:srgbClr val="660E7A"/>
+                </a:solidFill>
+                <a:latin typeface="Courier New" panose="02070309020205020404" pitchFamily="49" charset="0"/>
+                <a:cs typeface="Courier New" panose="02070309020205020404" pitchFamily="49" charset="0"/>
+              </a:rPr>
+              <a:t>JANUARY</a:t>
+            </a:r>
+            <a:r>
+              <a:rPr lang="en-US" altLang="en-US" sz="2100">
+                <a:solidFill>
+                  <a:srgbClr val="000000"/>
+                </a:solidFill>
+                <a:latin typeface="Courier New" panose="02070309020205020404" pitchFamily="49" charset="0"/>
+                <a:cs typeface="Courier New" panose="02070309020205020404" pitchFamily="49" charset="0"/>
+              </a:rPr>
+              <a:t>, </a:t>
+            </a:r>
+            <a:r>
+              <a:rPr lang="en-US" altLang="en-US" sz="2100">
+                <a:solidFill>
+                  <a:srgbClr val="0000FF"/>
+                </a:solidFill>
+                <a:latin typeface="Courier New" panose="02070309020205020404" pitchFamily="49" charset="0"/>
+                <a:cs typeface="Courier New" panose="02070309020205020404" pitchFamily="49" charset="0"/>
+              </a:rPr>
+              <a:t>1</a:t>
+            </a:r>
+            <a:r>
+              <a:rPr lang="en-US" altLang="en-US" sz="2100">
+                <a:solidFill>
+                  <a:srgbClr val="000000"/>
+                </a:solidFill>
+                <a:latin typeface="Courier New" panose="02070309020205020404" pitchFamily="49" charset="0"/>
+                <a:cs typeface="Courier New" panose="02070309020205020404" pitchFamily="49" charset="0"/>
+              </a:rPr>
+              <a:t>, </a:t>
+            </a:r>
+            <a:r>
+              <a:rPr lang="en-US" altLang="en-US" sz="2100">
+                <a:solidFill>
+                  <a:srgbClr val="0000FF"/>
+                </a:solidFill>
+                <a:latin typeface="Courier New" panose="02070309020205020404" pitchFamily="49" charset="0"/>
+                <a:cs typeface="Courier New" panose="02070309020205020404" pitchFamily="49" charset="0"/>
+              </a:rPr>
+              <a:t>0</a:t>
+            </a:r>
+            <a:r>
+              <a:rPr lang="en-US" altLang="en-US" sz="2100">
+                <a:solidFill>
+                  <a:srgbClr val="000000"/>
+                </a:solidFill>
+                <a:latin typeface="Courier New" panose="02070309020205020404" pitchFamily="49" charset="0"/>
+                <a:cs typeface="Courier New" panose="02070309020205020404" pitchFamily="49" charset="0"/>
+              </a:rPr>
+              <a:t>, </a:t>
+            </a:r>
+            <a:r>
+              <a:rPr lang="en-US" altLang="en-US" sz="2100">
+                <a:solidFill>
+                  <a:srgbClr val="0000FF"/>
+                </a:solidFill>
+                <a:latin typeface="Courier New" panose="02070309020205020404" pitchFamily="49" charset="0"/>
+                <a:cs typeface="Courier New" panose="02070309020205020404" pitchFamily="49" charset="0"/>
+              </a:rPr>
+              <a:t>0</a:t>
+            </a:r>
+            <a:r>
+              <a:rPr lang="en-US" altLang="en-US" sz="2100">
+                <a:solidFill>
+                  <a:srgbClr val="000000"/>
+                </a:solidFill>
+                <a:latin typeface="Courier New" panose="02070309020205020404" pitchFamily="49" charset="0"/>
+                <a:cs typeface="Courier New" panose="02070309020205020404" pitchFamily="49" charset="0"/>
+              </a:rPr>
+              <a:t>, </a:t>
+            </a:r>
+            <a:r>
+              <a:rPr lang="en-US" altLang="en-US" sz="2100">
+                <a:solidFill>
+                  <a:srgbClr val="0000FF"/>
+                </a:solidFill>
+                <a:latin typeface="Courier New" panose="02070309020205020404" pitchFamily="49" charset="0"/>
+                <a:cs typeface="Courier New" panose="02070309020205020404" pitchFamily="49" charset="0"/>
+              </a:rPr>
+              <a:t>0</a:t>
+            </a:r>
+            <a:r>
+              <a:rPr lang="en-US" altLang="en-US" sz="2100">
+                <a:solidFill>
+                  <a:srgbClr val="000000"/>
+                </a:solidFill>
+                <a:latin typeface="Courier New" panose="02070309020205020404" pitchFamily="49" charset="0"/>
+                <a:cs typeface="Courier New" panose="02070309020205020404" pitchFamily="49" charset="0"/>
+              </a:rPr>
+              <a:t>);</a:t>
+            </a:r>
+            <a:br>
+              <a:rPr lang="en-US" altLang="en-US" sz="2100">
+                <a:solidFill>
+                  <a:srgbClr val="000000"/>
+                </a:solidFill>
+                <a:latin typeface="Courier New" panose="02070309020205020404" pitchFamily="49" charset="0"/>
+                <a:cs typeface="Courier New" panose="02070309020205020404" pitchFamily="49" charset="0"/>
+              </a:rPr>
+            </a:br>
+            <a:r>
+              <a:rPr lang="en-US" altLang="en-US" sz="2100">
+                <a:solidFill>
+                  <a:srgbClr val="000000"/>
+                </a:solidFill>
+                <a:latin typeface="Courier New" panose="02070309020205020404" pitchFamily="49" charset="0"/>
+                <a:cs typeface="Courier New" panose="02070309020205020404" pitchFamily="49" charset="0"/>
+              </a:rPr>
+              <a:t>        Date boomStart = gmtCal.getTime();</a:t>
+            </a:r>
+            <a:br>
+              <a:rPr lang="en-US" altLang="en-US" sz="2100">
+                <a:solidFill>
+                  <a:srgbClr val="000000"/>
+                </a:solidFill>
+                <a:latin typeface="Courier New" panose="02070309020205020404" pitchFamily="49" charset="0"/>
+                <a:cs typeface="Courier New" panose="02070309020205020404" pitchFamily="49" charset="0"/>
+              </a:rPr>
+            </a:br>
+            <a:r>
+              <a:rPr lang="en-US" altLang="en-US" sz="2100">
+                <a:solidFill>
+                  <a:srgbClr val="000000"/>
+                </a:solidFill>
+                <a:latin typeface="Courier New" panose="02070309020205020404" pitchFamily="49" charset="0"/>
+                <a:cs typeface="Courier New" panose="02070309020205020404" pitchFamily="49" charset="0"/>
+              </a:rPr>
+              <a:t>        gmtCal.set(</a:t>
+            </a:r>
+            <a:r>
+              <a:rPr lang="en-US" altLang="en-US" sz="2100">
+                <a:solidFill>
+                  <a:srgbClr val="0000FF"/>
+                </a:solidFill>
+                <a:latin typeface="Courier New" panose="02070309020205020404" pitchFamily="49" charset="0"/>
+                <a:cs typeface="Courier New" panose="02070309020205020404" pitchFamily="49" charset="0"/>
+              </a:rPr>
+              <a:t>3920</a:t>
+            </a:r>
+            <a:r>
+              <a:rPr lang="en-US" altLang="en-US" sz="2100">
+                <a:solidFill>
+                  <a:srgbClr val="000000"/>
+                </a:solidFill>
+                <a:latin typeface="Courier New" panose="02070309020205020404" pitchFamily="49" charset="0"/>
+                <a:cs typeface="Courier New" panose="02070309020205020404" pitchFamily="49" charset="0"/>
+              </a:rPr>
+              <a:t>, Calendar.</a:t>
+            </a:r>
+            <a:r>
+              <a:rPr lang="en-US" altLang="en-US" sz="2100" b="1" i="1">
+                <a:solidFill>
+                  <a:srgbClr val="660E7A"/>
+                </a:solidFill>
+                <a:latin typeface="Courier New" panose="02070309020205020404" pitchFamily="49" charset="0"/>
+                <a:cs typeface="Courier New" panose="02070309020205020404" pitchFamily="49" charset="0"/>
+              </a:rPr>
+              <a:t>JANUARY</a:t>
+            </a:r>
+            <a:r>
+              <a:rPr lang="en-US" altLang="en-US" sz="2100">
+                <a:solidFill>
+                  <a:srgbClr val="000000"/>
+                </a:solidFill>
+                <a:latin typeface="Courier New" panose="02070309020205020404" pitchFamily="49" charset="0"/>
+                <a:cs typeface="Courier New" panose="02070309020205020404" pitchFamily="49" charset="0"/>
+              </a:rPr>
+              <a:t>, </a:t>
+            </a:r>
+            <a:r>
+              <a:rPr lang="en-US" altLang="en-US" sz="2100">
+                <a:solidFill>
+                  <a:srgbClr val="0000FF"/>
+                </a:solidFill>
+                <a:latin typeface="Courier New" panose="02070309020205020404" pitchFamily="49" charset="0"/>
+                <a:cs typeface="Courier New" panose="02070309020205020404" pitchFamily="49" charset="0"/>
+              </a:rPr>
+              <a:t>1</a:t>
+            </a:r>
+            <a:r>
+              <a:rPr lang="en-US" altLang="en-US" sz="2100">
+                <a:solidFill>
+                  <a:srgbClr val="000000"/>
+                </a:solidFill>
+                <a:latin typeface="Courier New" panose="02070309020205020404" pitchFamily="49" charset="0"/>
+                <a:cs typeface="Courier New" panose="02070309020205020404" pitchFamily="49" charset="0"/>
+              </a:rPr>
+              <a:t>, </a:t>
+            </a:r>
+            <a:r>
+              <a:rPr lang="en-US" altLang="en-US" sz="2100">
+                <a:solidFill>
+                  <a:srgbClr val="0000FF"/>
+                </a:solidFill>
+                <a:latin typeface="Courier New" panose="02070309020205020404" pitchFamily="49" charset="0"/>
+                <a:cs typeface="Courier New" panose="02070309020205020404" pitchFamily="49" charset="0"/>
+              </a:rPr>
+              <a:t>0</a:t>
+            </a:r>
+            <a:r>
+              <a:rPr lang="en-US" altLang="en-US" sz="2100">
+                <a:solidFill>
+                  <a:srgbClr val="000000"/>
+                </a:solidFill>
+                <a:latin typeface="Courier New" panose="02070309020205020404" pitchFamily="49" charset="0"/>
+                <a:cs typeface="Courier New" panose="02070309020205020404" pitchFamily="49" charset="0"/>
+              </a:rPr>
+              <a:t>, </a:t>
+            </a:r>
+            <a:r>
+              <a:rPr lang="en-US" altLang="en-US" sz="2100">
+                <a:solidFill>
+                  <a:srgbClr val="0000FF"/>
+                </a:solidFill>
+                <a:latin typeface="Courier New" panose="02070309020205020404" pitchFamily="49" charset="0"/>
+                <a:cs typeface="Courier New" panose="02070309020205020404" pitchFamily="49" charset="0"/>
+              </a:rPr>
+              <a:t>0</a:t>
+            </a:r>
+            <a:r>
+              <a:rPr lang="en-US" altLang="en-US" sz="2100">
+                <a:solidFill>
+                  <a:srgbClr val="000000"/>
+                </a:solidFill>
+                <a:latin typeface="Courier New" panose="02070309020205020404" pitchFamily="49" charset="0"/>
+                <a:cs typeface="Courier New" panose="02070309020205020404" pitchFamily="49" charset="0"/>
+              </a:rPr>
+              <a:t>, </a:t>
+            </a:r>
+            <a:r>
+              <a:rPr lang="en-US" altLang="en-US" sz="2100">
+                <a:solidFill>
+                  <a:srgbClr val="0000FF"/>
+                </a:solidFill>
+                <a:latin typeface="Courier New" panose="02070309020205020404" pitchFamily="49" charset="0"/>
+                <a:cs typeface="Courier New" panose="02070309020205020404" pitchFamily="49" charset="0"/>
+              </a:rPr>
+              <a:t>0</a:t>
+            </a:r>
+            <a:r>
+              <a:rPr lang="en-US" altLang="en-US" sz="2100">
+                <a:solidFill>
+                  <a:srgbClr val="000000"/>
+                </a:solidFill>
+                <a:latin typeface="Courier New" panose="02070309020205020404" pitchFamily="49" charset="0"/>
+                <a:cs typeface="Courier New" panose="02070309020205020404" pitchFamily="49" charset="0"/>
+              </a:rPr>
+              <a:t>);</a:t>
+            </a:r>
+            <a:br>
+              <a:rPr lang="en-US" altLang="en-US" sz="2100">
+                <a:solidFill>
+                  <a:srgbClr val="000000"/>
+                </a:solidFill>
+                <a:latin typeface="Courier New" panose="02070309020205020404" pitchFamily="49" charset="0"/>
+                <a:cs typeface="Courier New" panose="02070309020205020404" pitchFamily="49" charset="0"/>
+              </a:rPr>
+            </a:br>
+            <a:r>
+              <a:rPr lang="en-US" altLang="en-US" sz="2100">
+                <a:solidFill>
+                  <a:srgbClr val="000000"/>
+                </a:solidFill>
+                <a:latin typeface="Courier New" panose="02070309020205020404" pitchFamily="49" charset="0"/>
+                <a:cs typeface="Courier New" panose="02070309020205020404" pitchFamily="49" charset="0"/>
+              </a:rPr>
+              <a:t>        Date boomEnd = gmtCal.getTime();</a:t>
+            </a:r>
+            <a:br>
+              <a:rPr lang="en-US" altLang="en-US" sz="2100">
+                <a:solidFill>
+                  <a:srgbClr val="000000"/>
+                </a:solidFill>
+                <a:latin typeface="Courier New" panose="02070309020205020404" pitchFamily="49" charset="0"/>
+                <a:cs typeface="Courier New" panose="02070309020205020404" pitchFamily="49" charset="0"/>
+              </a:rPr>
+            </a:br>
+            <a:r>
+              <a:rPr lang="en-US" altLang="en-US" sz="2100">
+                <a:solidFill>
+                  <a:srgbClr val="000000"/>
+                </a:solidFill>
+                <a:latin typeface="Courier New" panose="02070309020205020404" pitchFamily="49" charset="0"/>
+                <a:cs typeface="Courier New" panose="02070309020205020404" pitchFamily="49" charset="0"/>
+              </a:rPr>
+              <a:t>        </a:t>
+            </a:r>
+            <a:r>
+              <a:rPr lang="en-US" altLang="en-US" sz="2100" b="1">
+                <a:solidFill>
+                  <a:srgbClr val="000080"/>
+                </a:solidFill>
+                <a:latin typeface="Courier New" panose="02070309020205020404" pitchFamily="49" charset="0"/>
+                <a:cs typeface="Courier New" panose="02070309020205020404" pitchFamily="49" charset="0"/>
+              </a:rPr>
+              <a:t>return </a:t>
+            </a:r>
+            <a:r>
+              <a:rPr lang="en-US" altLang="en-US" sz="2100" b="1" smtClean="0">
+                <a:solidFill>
+                  <a:srgbClr val="000080"/>
+                </a:solidFill>
+                <a:latin typeface="Courier New" panose="02070309020205020404" pitchFamily="49" charset="0"/>
+                <a:cs typeface="Courier New" panose="02070309020205020404" pitchFamily="49" charset="0"/>
               </a:rPr>
               <a:t>	</a:t>
             </a:r>
             <a:r>
-              <a:rPr lang="en-US" sz="2000" smtClean="0">
-                <a:solidFill>
-                  <a:srgbClr val="FF0000"/>
-                </a:solidFill>
-                <a:latin typeface="Arial" panose="020B0604020202020204" pitchFamily="34" charset="0"/>
-                <a:cs typeface="Arial" panose="020B0604020202020204" pitchFamily="34" charset="0"/>
-              </a:rPr>
-              <a:t>String s4 = new String(“Hello”);</a:t>
-            </a:r>
-            <a:r>
-              <a:rPr lang="en-US" sz="2000" smtClean="0">
-                <a:latin typeface="Arial" panose="020B0604020202020204" pitchFamily="34" charset="0"/>
-                <a:cs typeface="Arial" panose="020B0604020202020204" pitchFamily="34" charset="0"/>
-              </a:rPr>
-              <a:t> // don’t do this</a:t>
-            </a:r>
-          </a:p>
-          <a:p>
-            <a:pPr marL="0" indent="0" algn="just">
-              <a:buNone/>
-            </a:pPr>
-            <a:r>
-              <a:rPr lang="en-US" sz="2000">
-                <a:latin typeface="Arial" panose="020B0604020202020204" pitchFamily="34" charset="0"/>
-                <a:cs typeface="Arial" panose="020B0604020202020204" pitchFamily="34" charset="0"/>
-              </a:rPr>
-              <a:t>	</a:t>
-            </a:r>
-            <a:r>
-              <a:rPr lang="en-US" sz="2000" smtClean="0">
-                <a:latin typeface="Arial" panose="020B0604020202020204" pitchFamily="34" charset="0"/>
-                <a:cs typeface="Arial" panose="020B0604020202020204" pitchFamily="34" charset="0"/>
-              </a:rPr>
-              <a:t>	=&gt;  </a:t>
-            </a:r>
-            <a:r>
-              <a:rPr lang="en-US" sz="2000" smtClean="0">
-                <a:solidFill>
-                  <a:srgbClr val="00B050"/>
-                </a:solidFill>
-                <a:latin typeface="Arial" panose="020B0604020202020204" pitchFamily="34" charset="0"/>
-                <a:cs typeface="Arial" panose="020B0604020202020204" pitchFamily="34" charset="0"/>
-              </a:rPr>
-              <a:t>String s1 = “Hello”;</a:t>
-            </a:r>
-            <a:endParaRPr lang="en-US" sz="2000">
+              <a:rPr lang="en-US" altLang="en-US" sz="2100" smtClean="0">
+                <a:solidFill>
+                  <a:srgbClr val="000000"/>
+                </a:solidFill>
+                <a:latin typeface="Courier New" panose="02070309020205020404" pitchFamily="49" charset="0"/>
+                <a:cs typeface="Courier New" panose="02070309020205020404" pitchFamily="49" charset="0"/>
+              </a:rPr>
+              <a:t>(</a:t>
+            </a:r>
+            <a:r>
+              <a:rPr lang="en-US" altLang="en-US" sz="2100" b="1">
+                <a:solidFill>
+                  <a:srgbClr val="660E7A"/>
+                </a:solidFill>
+                <a:latin typeface="Courier New" panose="02070309020205020404" pitchFamily="49" charset="0"/>
+                <a:cs typeface="Courier New" panose="02070309020205020404" pitchFamily="49" charset="0"/>
+              </a:rPr>
+              <a:t>birthDate</a:t>
+            </a:r>
+            <a:r>
+              <a:rPr lang="en-US" altLang="en-US" sz="2100">
+                <a:solidFill>
+                  <a:srgbClr val="000000"/>
+                </a:solidFill>
+                <a:latin typeface="Courier New" panose="02070309020205020404" pitchFamily="49" charset="0"/>
+                <a:cs typeface="Courier New" panose="02070309020205020404" pitchFamily="49" charset="0"/>
+              </a:rPr>
+              <a:t>.compareTo(boomStart) &gt;= </a:t>
+            </a:r>
+            <a:r>
+              <a:rPr lang="en-US" altLang="en-US" sz="2100">
+                <a:solidFill>
+                  <a:srgbClr val="0000FF"/>
+                </a:solidFill>
+                <a:latin typeface="Courier New" panose="02070309020205020404" pitchFamily="49" charset="0"/>
+                <a:cs typeface="Courier New" panose="02070309020205020404" pitchFamily="49" charset="0"/>
+              </a:rPr>
+              <a:t>0</a:t>
+            </a:r>
+            <a:r>
+              <a:rPr lang="en-US" altLang="en-US" sz="2100">
+                <a:solidFill>
+                  <a:srgbClr val="000000"/>
+                </a:solidFill>
+                <a:latin typeface="Courier New" panose="02070309020205020404" pitchFamily="49" charset="0"/>
+                <a:cs typeface="Courier New" panose="02070309020205020404" pitchFamily="49" charset="0"/>
+              </a:rPr>
+              <a:t>) &amp;&amp; </a:t>
+            </a:r>
+            <a:r>
+              <a:rPr lang="en-US" altLang="en-US" sz="2100" smtClean="0">
+                <a:solidFill>
+                  <a:srgbClr val="000000"/>
+                </a:solidFill>
+                <a:latin typeface="Courier New" panose="02070309020205020404" pitchFamily="49" charset="0"/>
+                <a:cs typeface="Courier New" panose="02070309020205020404" pitchFamily="49" charset="0"/>
+              </a:rPr>
+              <a:t>					(</a:t>
+            </a:r>
+            <a:r>
+              <a:rPr lang="en-US" altLang="en-US" sz="2100" b="1">
+                <a:solidFill>
+                  <a:srgbClr val="660E7A"/>
+                </a:solidFill>
+                <a:latin typeface="Courier New" panose="02070309020205020404" pitchFamily="49" charset="0"/>
+                <a:cs typeface="Courier New" panose="02070309020205020404" pitchFamily="49" charset="0"/>
+              </a:rPr>
+              <a:t>birthDate</a:t>
+            </a:r>
+            <a:r>
+              <a:rPr lang="en-US" altLang="en-US" sz="2100">
+                <a:solidFill>
+                  <a:srgbClr val="000000"/>
+                </a:solidFill>
+                <a:latin typeface="Courier New" panose="02070309020205020404" pitchFamily="49" charset="0"/>
+                <a:cs typeface="Courier New" panose="02070309020205020404" pitchFamily="49" charset="0"/>
+              </a:rPr>
+              <a:t>.compareTo(boomEnd) &lt; </a:t>
+            </a:r>
+            <a:r>
+              <a:rPr lang="en-US" altLang="en-US" sz="2100">
+                <a:solidFill>
+                  <a:srgbClr val="0000FF"/>
+                </a:solidFill>
+                <a:latin typeface="Courier New" panose="02070309020205020404" pitchFamily="49" charset="0"/>
+                <a:cs typeface="Courier New" panose="02070309020205020404" pitchFamily="49" charset="0"/>
+              </a:rPr>
+              <a:t>0</a:t>
+            </a:r>
+            <a:r>
+              <a:rPr lang="en-US" altLang="en-US" sz="2100">
+                <a:solidFill>
+                  <a:srgbClr val="000000"/>
+                </a:solidFill>
+                <a:latin typeface="Courier New" panose="02070309020205020404" pitchFamily="49" charset="0"/>
+                <a:cs typeface="Courier New" panose="02070309020205020404" pitchFamily="49" charset="0"/>
+              </a:rPr>
+              <a:t>);</a:t>
+            </a:r>
+            <a:br>
+              <a:rPr lang="en-US" altLang="en-US" sz="2100">
+                <a:solidFill>
+                  <a:srgbClr val="000000"/>
+                </a:solidFill>
+                <a:latin typeface="Courier New" panose="02070309020205020404" pitchFamily="49" charset="0"/>
+                <a:cs typeface="Courier New" panose="02070309020205020404" pitchFamily="49" charset="0"/>
+              </a:rPr>
+            </a:br>
+            <a:r>
+              <a:rPr lang="en-US" altLang="en-US" sz="2100">
+                <a:solidFill>
+                  <a:srgbClr val="000000"/>
+                </a:solidFill>
+                <a:latin typeface="Courier New" panose="02070309020205020404" pitchFamily="49" charset="0"/>
+                <a:cs typeface="Courier New" panose="02070309020205020404" pitchFamily="49" charset="0"/>
+              </a:rPr>
+              <a:t>    }</a:t>
+            </a:r>
+            <a:br>
+              <a:rPr lang="en-US" altLang="en-US" sz="2100">
+                <a:solidFill>
+                  <a:srgbClr val="000000"/>
+                </a:solidFill>
+                <a:latin typeface="Courier New" panose="02070309020205020404" pitchFamily="49" charset="0"/>
+                <a:cs typeface="Courier New" panose="02070309020205020404" pitchFamily="49" charset="0"/>
+              </a:rPr>
+            </a:br>
+            <a:r>
+              <a:rPr lang="en-US" altLang="en-US" sz="2100">
+                <a:solidFill>
+                  <a:srgbClr val="000000"/>
+                </a:solidFill>
+                <a:latin typeface="Courier New" panose="02070309020205020404" pitchFamily="49" charset="0"/>
+                <a:cs typeface="Courier New" panose="02070309020205020404" pitchFamily="49" charset="0"/>
+              </a:rPr>
+              <a:t>}</a:t>
+            </a:r>
+            <a:endParaRPr lang="en-US" altLang="en-US" sz="2100">
               <a:solidFill>
-                <a:srgbClr val="00B050"/>
+                <a:schemeClr val="tx1"/>
               </a:solidFill>
               <a:latin typeface="Arial" panose="020B0604020202020204" pitchFamily="34" charset="0"/>
-              <a:cs typeface="Arial" panose="020B0604020202020204" pitchFamily="34" charset="0"/>
             </a:endParaRPr>
           </a:p>
           <a:p>
             <a:pPr marL="0" indent="0">
               <a:buNone/>
             </a:pPr>
-            <a:endParaRPr lang="en-US"/>
-          </a:p>
-        </p:txBody>
-      </p:sp>
-      <p:pic>
-        <p:nvPicPr>
-          <p:cNvPr id="1028" name="Picture 4" descr="OOP_StringLliteralVsObject.png"/>
-          <p:cNvPicPr>
-            <a:picLocks noChangeAspect="1" noChangeArrowheads="1"/>
-          </p:cNvPicPr>
-          <p:nvPr/>
-        </p:nvPicPr>
-        <p:blipFill>
-          <a:blip r:embed="rId2">
-            <a:extLst>
-              <a:ext uri="{28A0092B-C50C-407E-A947-70E740481C1C}">
-                <a14:useLocalDpi xmlns:a14="http://schemas.microsoft.com/office/drawing/2010/main" val="0"/>
-              </a:ext>
-            </a:extLst>
-          </a:blip>
-          <a:srcRect/>
-          <a:stretch>
-            <a:fillRect/>
-          </a:stretch>
-        </p:blipFill>
-        <p:spPr bwMode="auto">
-          <a:xfrm>
-            <a:off x="2361995" y="3824839"/>
-            <a:ext cx="4856951" cy="2154432"/>
-          </a:xfrm>
-          <a:prstGeom prst="rect">
-            <a:avLst/>
-          </a:prstGeom>
-          <a:noFill/>
-          <a:extLst>
-            <a:ext uri="{909E8E84-426E-40DD-AFC4-6F175D3DCCD1}">
-              <a14:hiddenFill xmlns:a14="http://schemas.microsoft.com/office/drawing/2010/main">
-                <a:solidFill>
-                  <a:srgbClr val="FFFFFF"/>
-                </a:solidFill>
-              </a14:hiddenFill>
-            </a:ext>
-          </a:extLst>
-        </p:spPr>
-      </p:pic>
+            <a:endParaRPr lang="en-US" b="1"/>
+          </a:p>
+        </p:txBody>
+      </p:sp>
     </p:spTree>
     <p:extLst>
       <p:ext uri="{BB962C8B-B14F-4D97-AF65-F5344CB8AC3E}">
-        <p14:creationId xmlns:p14="http://schemas.microsoft.com/office/powerpoint/2010/main" val="1219746398"/>
+        <p14:creationId xmlns:p14="http://schemas.microsoft.com/office/powerpoint/2010/main" val="2566103996"/>
       </p:ext>
     </p:extLst>
   </p:cSld>
@@ -7944,7 +8070,1070 @@
       </p:grpSpPr>
       <p:sp>
         <p:nvSpPr>
-          <p:cNvPr id="6" name="Title 1"/>
+          <p:cNvPr id="3" name="Content Placeholder 2"/>
+          <p:cNvSpPr>
+            <a:spLocks noGrp="1"/>
+          </p:cNvSpPr>
+          <p:nvPr>
+            <p:ph idx="1"/>
+          </p:nvPr>
+        </p:nvSpPr>
+        <p:spPr>
+          <a:xfrm>
+            <a:off x="1176865" y="2490135"/>
+            <a:ext cx="7524373" cy="3444997"/>
+          </a:xfrm>
+        </p:spPr>
+        <p:txBody>
+          <a:bodyPr>
+            <a:normAutofit fontScale="25000" lnSpcReduction="20000"/>
+          </a:bodyPr>
+          <a:lstStyle/>
+          <a:p>
+            <a:pPr marL="0" indent="0">
+              <a:buNone/>
+            </a:pPr>
+            <a:r>
+              <a:rPr lang="en-US" sz="4900">
+                <a:latin typeface="Arial" panose="020B0604020202020204" pitchFamily="34" charset="0"/>
+                <a:cs typeface="Arial" panose="020B0604020202020204" pitchFamily="34" charset="0"/>
+              </a:rPr>
+              <a:t>+ </a:t>
+            </a:r>
+            <a:r>
+              <a:rPr lang="en-US" sz="4900" smtClean="0">
+                <a:latin typeface="Arial" panose="020B0604020202020204" pitchFamily="34" charset="0"/>
+                <a:cs typeface="Arial" panose="020B0604020202020204" pitchFamily="34" charset="0"/>
+              </a:rPr>
+              <a:t>ex3: </a:t>
+            </a:r>
+          </a:p>
+          <a:p>
+            <a:pPr marL="0" lvl="0" indent="0">
+              <a:buNone/>
+            </a:pPr>
+            <a:r>
+              <a:rPr lang="en-US" altLang="en-US" sz="5600" b="1">
+                <a:solidFill>
+                  <a:srgbClr val="000080"/>
+                </a:solidFill>
+                <a:latin typeface="Courier New" panose="02070309020205020404" pitchFamily="49" charset="0"/>
+                <a:cs typeface="Courier New" panose="02070309020205020404" pitchFamily="49" charset="0"/>
+              </a:rPr>
+              <a:t>class </a:t>
+            </a:r>
+            <a:r>
+              <a:rPr lang="en-US" altLang="en-US" sz="5600">
+                <a:solidFill>
+                  <a:srgbClr val="000000"/>
+                </a:solidFill>
+                <a:latin typeface="Courier New" panose="02070309020205020404" pitchFamily="49" charset="0"/>
+                <a:cs typeface="Courier New" panose="02070309020205020404" pitchFamily="49" charset="0"/>
+              </a:rPr>
+              <a:t>Person2{</a:t>
+            </a:r>
+            <a:br>
+              <a:rPr lang="en-US" altLang="en-US" sz="5600">
+                <a:solidFill>
+                  <a:srgbClr val="000000"/>
+                </a:solidFill>
+                <a:latin typeface="Courier New" panose="02070309020205020404" pitchFamily="49" charset="0"/>
+                <a:cs typeface="Courier New" panose="02070309020205020404" pitchFamily="49" charset="0"/>
+              </a:rPr>
+            </a:br>
+            <a:r>
+              <a:rPr lang="en-US" altLang="en-US" sz="5600">
+                <a:solidFill>
+                  <a:srgbClr val="000000"/>
+                </a:solidFill>
+                <a:latin typeface="Courier New" panose="02070309020205020404" pitchFamily="49" charset="0"/>
+                <a:cs typeface="Courier New" panose="02070309020205020404" pitchFamily="49" charset="0"/>
+              </a:rPr>
+              <a:t>    </a:t>
+            </a:r>
+            <a:r>
+              <a:rPr lang="en-US" altLang="en-US" sz="5600" b="1">
+                <a:solidFill>
+                  <a:srgbClr val="000080"/>
+                </a:solidFill>
+                <a:latin typeface="Courier New" panose="02070309020205020404" pitchFamily="49" charset="0"/>
+                <a:cs typeface="Courier New" panose="02070309020205020404" pitchFamily="49" charset="0"/>
+              </a:rPr>
+              <a:t>private </a:t>
+            </a:r>
+            <a:r>
+              <a:rPr lang="en-US" altLang="en-US" sz="5600">
+                <a:solidFill>
+                  <a:srgbClr val="000000"/>
+                </a:solidFill>
+                <a:latin typeface="Courier New" panose="02070309020205020404" pitchFamily="49" charset="0"/>
+                <a:cs typeface="Courier New" panose="02070309020205020404" pitchFamily="49" charset="0"/>
+              </a:rPr>
+              <a:t>Date </a:t>
+            </a:r>
+            <a:r>
+              <a:rPr lang="en-US" altLang="en-US" sz="5600" b="1">
+                <a:solidFill>
+                  <a:srgbClr val="660E7A"/>
+                </a:solidFill>
+                <a:latin typeface="Courier New" panose="02070309020205020404" pitchFamily="49" charset="0"/>
+                <a:cs typeface="Courier New" panose="02070309020205020404" pitchFamily="49" charset="0"/>
+              </a:rPr>
+              <a:t>birthDate </a:t>
+            </a:r>
+            <a:r>
+              <a:rPr lang="en-US" altLang="en-US" sz="5600" smtClean="0">
+                <a:solidFill>
+                  <a:srgbClr val="000000"/>
+                </a:solidFill>
+                <a:latin typeface="Courier New" panose="02070309020205020404" pitchFamily="49" charset="0"/>
+                <a:cs typeface="Courier New" panose="02070309020205020404" pitchFamily="49" charset="0"/>
+              </a:rPr>
+              <a:t>= null;</a:t>
+            </a:r>
+            <a:r>
+              <a:rPr lang="en-US" altLang="en-US" sz="5600">
+                <a:solidFill>
+                  <a:srgbClr val="000000"/>
+                </a:solidFill>
+                <a:latin typeface="Courier New" panose="02070309020205020404" pitchFamily="49" charset="0"/>
+                <a:cs typeface="Courier New" panose="02070309020205020404" pitchFamily="49" charset="0"/>
+              </a:rPr>
+              <a:t/>
+            </a:r>
+            <a:br>
+              <a:rPr lang="en-US" altLang="en-US" sz="5600">
+                <a:solidFill>
+                  <a:srgbClr val="000000"/>
+                </a:solidFill>
+                <a:latin typeface="Courier New" panose="02070309020205020404" pitchFamily="49" charset="0"/>
+                <a:cs typeface="Courier New" panose="02070309020205020404" pitchFamily="49" charset="0"/>
+              </a:rPr>
+            </a:br>
+            <a:r>
+              <a:rPr lang="en-US" altLang="en-US" sz="5600">
+                <a:solidFill>
+                  <a:srgbClr val="000000"/>
+                </a:solidFill>
+                <a:latin typeface="Courier New" panose="02070309020205020404" pitchFamily="49" charset="0"/>
+                <a:cs typeface="Courier New" panose="02070309020205020404" pitchFamily="49" charset="0"/>
+              </a:rPr>
+              <a:t>    </a:t>
+            </a:r>
+            <a:r>
+              <a:rPr lang="en-US" altLang="en-US" sz="5600" b="1">
+                <a:solidFill>
+                  <a:srgbClr val="000080"/>
+                </a:solidFill>
+                <a:latin typeface="Courier New" panose="02070309020205020404" pitchFamily="49" charset="0"/>
+                <a:cs typeface="Courier New" panose="02070309020205020404" pitchFamily="49" charset="0"/>
+              </a:rPr>
+              <a:t>static final </a:t>
+            </a:r>
+            <a:r>
+              <a:rPr lang="en-US" altLang="en-US" sz="5600">
+                <a:solidFill>
+                  <a:srgbClr val="000000"/>
+                </a:solidFill>
+                <a:latin typeface="Courier New" panose="02070309020205020404" pitchFamily="49" charset="0"/>
+                <a:cs typeface="Courier New" panose="02070309020205020404" pitchFamily="49" charset="0"/>
+              </a:rPr>
+              <a:t>Date </a:t>
+            </a:r>
+            <a:r>
+              <a:rPr lang="en-US" altLang="en-US" sz="5600" b="1" i="1">
+                <a:solidFill>
+                  <a:srgbClr val="660E7A"/>
+                </a:solidFill>
+                <a:latin typeface="Courier New" panose="02070309020205020404" pitchFamily="49" charset="0"/>
+                <a:cs typeface="Courier New" panose="02070309020205020404" pitchFamily="49" charset="0"/>
+              </a:rPr>
+              <a:t>BOOMSTART</a:t>
+            </a:r>
+            <a:r>
+              <a:rPr lang="en-US" altLang="en-US" sz="5600">
+                <a:solidFill>
+                  <a:srgbClr val="000000"/>
+                </a:solidFill>
+                <a:latin typeface="Courier New" panose="02070309020205020404" pitchFamily="49" charset="0"/>
+                <a:cs typeface="Courier New" panose="02070309020205020404" pitchFamily="49" charset="0"/>
+              </a:rPr>
+              <a:t>;</a:t>
+            </a:r>
+            <a:br>
+              <a:rPr lang="en-US" altLang="en-US" sz="5600">
+                <a:solidFill>
+                  <a:srgbClr val="000000"/>
+                </a:solidFill>
+                <a:latin typeface="Courier New" panose="02070309020205020404" pitchFamily="49" charset="0"/>
+                <a:cs typeface="Courier New" panose="02070309020205020404" pitchFamily="49" charset="0"/>
+              </a:rPr>
+            </a:br>
+            <a:r>
+              <a:rPr lang="en-US" altLang="en-US" sz="5600">
+                <a:solidFill>
+                  <a:srgbClr val="000000"/>
+                </a:solidFill>
+                <a:latin typeface="Courier New" panose="02070309020205020404" pitchFamily="49" charset="0"/>
+                <a:cs typeface="Courier New" panose="02070309020205020404" pitchFamily="49" charset="0"/>
+              </a:rPr>
+              <a:t>    </a:t>
+            </a:r>
+            <a:r>
+              <a:rPr lang="en-US" altLang="en-US" sz="5600" b="1">
+                <a:solidFill>
+                  <a:srgbClr val="000080"/>
+                </a:solidFill>
+                <a:latin typeface="Courier New" panose="02070309020205020404" pitchFamily="49" charset="0"/>
+                <a:cs typeface="Courier New" panose="02070309020205020404" pitchFamily="49" charset="0"/>
+              </a:rPr>
+              <a:t>static final </a:t>
+            </a:r>
+            <a:r>
+              <a:rPr lang="en-US" altLang="en-US" sz="5600">
+                <a:solidFill>
+                  <a:srgbClr val="000000"/>
+                </a:solidFill>
+                <a:latin typeface="Courier New" panose="02070309020205020404" pitchFamily="49" charset="0"/>
+                <a:cs typeface="Courier New" panose="02070309020205020404" pitchFamily="49" charset="0"/>
+              </a:rPr>
+              <a:t>Date </a:t>
+            </a:r>
+            <a:r>
+              <a:rPr lang="en-US" altLang="en-US" sz="5600" b="1" i="1">
+                <a:solidFill>
+                  <a:srgbClr val="660E7A"/>
+                </a:solidFill>
+                <a:latin typeface="Courier New" panose="02070309020205020404" pitchFamily="49" charset="0"/>
+                <a:cs typeface="Courier New" panose="02070309020205020404" pitchFamily="49" charset="0"/>
+              </a:rPr>
+              <a:t>BOOMEND</a:t>
+            </a:r>
+            <a:r>
+              <a:rPr lang="en-US" altLang="en-US" sz="5600">
+                <a:solidFill>
+                  <a:srgbClr val="000000"/>
+                </a:solidFill>
+                <a:latin typeface="Courier New" panose="02070309020205020404" pitchFamily="49" charset="0"/>
+                <a:cs typeface="Courier New" panose="02070309020205020404" pitchFamily="49" charset="0"/>
+              </a:rPr>
+              <a:t>;</a:t>
+            </a:r>
+            <a:br>
+              <a:rPr lang="en-US" altLang="en-US" sz="5600">
+                <a:solidFill>
+                  <a:srgbClr val="000000"/>
+                </a:solidFill>
+                <a:latin typeface="Courier New" panose="02070309020205020404" pitchFamily="49" charset="0"/>
+                <a:cs typeface="Courier New" panose="02070309020205020404" pitchFamily="49" charset="0"/>
+              </a:rPr>
+            </a:br>
+            <a:r>
+              <a:rPr lang="en-US" altLang="en-US" sz="5600">
+                <a:solidFill>
+                  <a:srgbClr val="000000"/>
+                </a:solidFill>
+                <a:latin typeface="Courier New" panose="02070309020205020404" pitchFamily="49" charset="0"/>
+                <a:cs typeface="Courier New" panose="02070309020205020404" pitchFamily="49" charset="0"/>
+              </a:rPr>
+              <a:t/>
+            </a:r>
+            <a:br>
+              <a:rPr lang="en-US" altLang="en-US" sz="5600">
+                <a:solidFill>
+                  <a:srgbClr val="000000"/>
+                </a:solidFill>
+                <a:latin typeface="Courier New" panose="02070309020205020404" pitchFamily="49" charset="0"/>
+                <a:cs typeface="Courier New" panose="02070309020205020404" pitchFamily="49" charset="0"/>
+              </a:rPr>
+            </a:br>
+            <a:r>
+              <a:rPr lang="en-US" altLang="en-US" sz="5600">
+                <a:solidFill>
+                  <a:srgbClr val="000000"/>
+                </a:solidFill>
+                <a:latin typeface="Courier New" panose="02070309020205020404" pitchFamily="49" charset="0"/>
+                <a:cs typeface="Courier New" panose="02070309020205020404" pitchFamily="49" charset="0"/>
+              </a:rPr>
+              <a:t>    </a:t>
+            </a:r>
+            <a:r>
+              <a:rPr lang="en-US" altLang="en-US" sz="5600" b="1">
+                <a:solidFill>
+                  <a:srgbClr val="000080"/>
+                </a:solidFill>
+                <a:latin typeface="Courier New" panose="02070309020205020404" pitchFamily="49" charset="0"/>
+                <a:cs typeface="Courier New" panose="02070309020205020404" pitchFamily="49" charset="0"/>
+              </a:rPr>
+              <a:t>static </a:t>
+            </a:r>
+            <a:r>
+              <a:rPr lang="en-US" altLang="en-US" sz="5600">
+                <a:solidFill>
+                  <a:srgbClr val="000000"/>
+                </a:solidFill>
+                <a:latin typeface="Courier New" panose="02070309020205020404" pitchFamily="49" charset="0"/>
+                <a:cs typeface="Courier New" panose="02070309020205020404" pitchFamily="49" charset="0"/>
+              </a:rPr>
+              <a:t>{</a:t>
+            </a:r>
+            <a:br>
+              <a:rPr lang="en-US" altLang="en-US" sz="5600">
+                <a:solidFill>
+                  <a:srgbClr val="000000"/>
+                </a:solidFill>
+                <a:latin typeface="Courier New" panose="02070309020205020404" pitchFamily="49" charset="0"/>
+                <a:cs typeface="Courier New" panose="02070309020205020404" pitchFamily="49" charset="0"/>
+              </a:rPr>
+            </a:br>
+            <a:r>
+              <a:rPr lang="en-US" altLang="en-US" sz="5600">
+                <a:solidFill>
+                  <a:srgbClr val="000000"/>
+                </a:solidFill>
+                <a:latin typeface="Courier New" panose="02070309020205020404" pitchFamily="49" charset="0"/>
+                <a:cs typeface="Courier New" panose="02070309020205020404" pitchFamily="49" charset="0"/>
+              </a:rPr>
+              <a:t>        Calendar gmtCal = </a:t>
+            </a:r>
+            <a:r>
+              <a:rPr lang="en-US" altLang="en-US" sz="5600" smtClean="0">
+                <a:solidFill>
+                  <a:srgbClr val="000000"/>
+                </a:solidFill>
+                <a:latin typeface="Courier New" panose="02070309020205020404" pitchFamily="49" charset="0"/>
+                <a:cs typeface="Courier New" panose="02070309020205020404" pitchFamily="49" charset="0"/>
+              </a:rPr>
+              <a:t>				 										Calendar.</a:t>
+            </a:r>
+            <a:r>
+              <a:rPr lang="en-US" altLang="en-US" sz="5600" i="1" smtClean="0">
+                <a:solidFill>
+                  <a:srgbClr val="000000"/>
+                </a:solidFill>
+                <a:latin typeface="Courier New" panose="02070309020205020404" pitchFamily="49" charset="0"/>
+                <a:cs typeface="Courier New" panose="02070309020205020404" pitchFamily="49" charset="0"/>
+              </a:rPr>
+              <a:t>getInstance</a:t>
+            </a:r>
+            <a:r>
+              <a:rPr lang="en-US" altLang="en-US" sz="5600" smtClean="0">
+                <a:solidFill>
+                  <a:srgbClr val="000000"/>
+                </a:solidFill>
+                <a:latin typeface="Courier New" panose="02070309020205020404" pitchFamily="49" charset="0"/>
+                <a:cs typeface="Courier New" panose="02070309020205020404" pitchFamily="49" charset="0"/>
+              </a:rPr>
+              <a:t>(TimeZone.</a:t>
+            </a:r>
+            <a:r>
+              <a:rPr lang="en-US" altLang="en-US" sz="5600" i="1" smtClean="0">
+                <a:solidFill>
+                  <a:srgbClr val="000000"/>
+                </a:solidFill>
+                <a:latin typeface="Courier New" panose="02070309020205020404" pitchFamily="49" charset="0"/>
+                <a:cs typeface="Courier New" panose="02070309020205020404" pitchFamily="49" charset="0"/>
+              </a:rPr>
+              <a:t>getTimeZone</a:t>
+            </a:r>
+            <a:r>
+              <a:rPr lang="en-US" altLang="en-US" sz="5600">
+                <a:solidFill>
+                  <a:srgbClr val="000000"/>
+                </a:solidFill>
+                <a:latin typeface="Courier New" panose="02070309020205020404" pitchFamily="49" charset="0"/>
+                <a:cs typeface="Courier New" panose="02070309020205020404" pitchFamily="49" charset="0"/>
+              </a:rPr>
+              <a:t>(</a:t>
+            </a:r>
+            <a:r>
+              <a:rPr lang="en-US" altLang="en-US" sz="5600" b="1">
+                <a:solidFill>
+                  <a:srgbClr val="008000"/>
+                </a:solidFill>
+                <a:latin typeface="Courier New" panose="02070309020205020404" pitchFamily="49" charset="0"/>
+                <a:cs typeface="Courier New" panose="02070309020205020404" pitchFamily="49" charset="0"/>
+              </a:rPr>
+              <a:t>"GMT"</a:t>
+            </a:r>
+            <a:r>
+              <a:rPr lang="en-US" altLang="en-US" sz="5600">
+                <a:solidFill>
+                  <a:srgbClr val="000000"/>
+                </a:solidFill>
+                <a:latin typeface="Courier New" panose="02070309020205020404" pitchFamily="49" charset="0"/>
+                <a:cs typeface="Courier New" panose="02070309020205020404" pitchFamily="49" charset="0"/>
+              </a:rPr>
+              <a:t>));</a:t>
+            </a:r>
+            <a:br>
+              <a:rPr lang="en-US" altLang="en-US" sz="5600">
+                <a:solidFill>
+                  <a:srgbClr val="000000"/>
+                </a:solidFill>
+                <a:latin typeface="Courier New" panose="02070309020205020404" pitchFamily="49" charset="0"/>
+                <a:cs typeface="Courier New" panose="02070309020205020404" pitchFamily="49" charset="0"/>
+              </a:rPr>
+            </a:br>
+            <a:r>
+              <a:rPr lang="en-US" altLang="en-US" sz="5600">
+                <a:solidFill>
+                  <a:srgbClr val="000000"/>
+                </a:solidFill>
+                <a:latin typeface="Courier New" panose="02070309020205020404" pitchFamily="49" charset="0"/>
+                <a:cs typeface="Courier New" panose="02070309020205020404" pitchFamily="49" charset="0"/>
+              </a:rPr>
+              <a:t>        gmtCal.set(</a:t>
+            </a:r>
+            <a:r>
+              <a:rPr lang="en-US" altLang="en-US" sz="5600">
+                <a:solidFill>
+                  <a:srgbClr val="0000FF"/>
+                </a:solidFill>
+                <a:latin typeface="Courier New" panose="02070309020205020404" pitchFamily="49" charset="0"/>
+                <a:cs typeface="Courier New" panose="02070309020205020404" pitchFamily="49" charset="0"/>
+              </a:rPr>
+              <a:t>3900</a:t>
+            </a:r>
+            <a:r>
+              <a:rPr lang="en-US" altLang="en-US" sz="5600">
+                <a:solidFill>
+                  <a:srgbClr val="000000"/>
+                </a:solidFill>
+                <a:latin typeface="Courier New" panose="02070309020205020404" pitchFamily="49" charset="0"/>
+                <a:cs typeface="Courier New" panose="02070309020205020404" pitchFamily="49" charset="0"/>
+              </a:rPr>
+              <a:t>, Calendar.</a:t>
+            </a:r>
+            <a:r>
+              <a:rPr lang="en-US" altLang="en-US" sz="5600" b="1" i="1">
+                <a:solidFill>
+                  <a:srgbClr val="660E7A"/>
+                </a:solidFill>
+                <a:latin typeface="Courier New" panose="02070309020205020404" pitchFamily="49" charset="0"/>
+                <a:cs typeface="Courier New" panose="02070309020205020404" pitchFamily="49" charset="0"/>
+              </a:rPr>
+              <a:t>JANUARY</a:t>
+            </a:r>
+            <a:r>
+              <a:rPr lang="en-US" altLang="en-US" sz="5600">
+                <a:solidFill>
+                  <a:srgbClr val="000000"/>
+                </a:solidFill>
+                <a:latin typeface="Courier New" panose="02070309020205020404" pitchFamily="49" charset="0"/>
+                <a:cs typeface="Courier New" panose="02070309020205020404" pitchFamily="49" charset="0"/>
+              </a:rPr>
+              <a:t>, </a:t>
+            </a:r>
+            <a:r>
+              <a:rPr lang="en-US" altLang="en-US" sz="5600">
+                <a:solidFill>
+                  <a:srgbClr val="0000FF"/>
+                </a:solidFill>
+                <a:latin typeface="Courier New" panose="02070309020205020404" pitchFamily="49" charset="0"/>
+                <a:cs typeface="Courier New" panose="02070309020205020404" pitchFamily="49" charset="0"/>
+              </a:rPr>
+              <a:t>1</a:t>
+            </a:r>
+            <a:r>
+              <a:rPr lang="en-US" altLang="en-US" sz="5600">
+                <a:solidFill>
+                  <a:srgbClr val="000000"/>
+                </a:solidFill>
+                <a:latin typeface="Courier New" panose="02070309020205020404" pitchFamily="49" charset="0"/>
+                <a:cs typeface="Courier New" panose="02070309020205020404" pitchFamily="49" charset="0"/>
+              </a:rPr>
+              <a:t>, </a:t>
+            </a:r>
+            <a:r>
+              <a:rPr lang="en-US" altLang="en-US" sz="5600">
+                <a:solidFill>
+                  <a:srgbClr val="0000FF"/>
+                </a:solidFill>
+                <a:latin typeface="Courier New" panose="02070309020205020404" pitchFamily="49" charset="0"/>
+                <a:cs typeface="Courier New" panose="02070309020205020404" pitchFamily="49" charset="0"/>
+              </a:rPr>
+              <a:t>0</a:t>
+            </a:r>
+            <a:r>
+              <a:rPr lang="en-US" altLang="en-US" sz="5600">
+                <a:solidFill>
+                  <a:srgbClr val="000000"/>
+                </a:solidFill>
+                <a:latin typeface="Courier New" panose="02070309020205020404" pitchFamily="49" charset="0"/>
+                <a:cs typeface="Courier New" panose="02070309020205020404" pitchFamily="49" charset="0"/>
+              </a:rPr>
+              <a:t>, </a:t>
+            </a:r>
+            <a:r>
+              <a:rPr lang="en-US" altLang="en-US" sz="5600">
+                <a:solidFill>
+                  <a:srgbClr val="0000FF"/>
+                </a:solidFill>
+                <a:latin typeface="Courier New" panose="02070309020205020404" pitchFamily="49" charset="0"/>
+                <a:cs typeface="Courier New" panose="02070309020205020404" pitchFamily="49" charset="0"/>
+              </a:rPr>
+              <a:t>0</a:t>
+            </a:r>
+            <a:r>
+              <a:rPr lang="en-US" altLang="en-US" sz="5600">
+                <a:solidFill>
+                  <a:srgbClr val="000000"/>
+                </a:solidFill>
+                <a:latin typeface="Courier New" panose="02070309020205020404" pitchFamily="49" charset="0"/>
+                <a:cs typeface="Courier New" panose="02070309020205020404" pitchFamily="49" charset="0"/>
+              </a:rPr>
+              <a:t>, </a:t>
+            </a:r>
+            <a:r>
+              <a:rPr lang="en-US" altLang="en-US" sz="5600">
+                <a:solidFill>
+                  <a:srgbClr val="0000FF"/>
+                </a:solidFill>
+                <a:latin typeface="Courier New" panose="02070309020205020404" pitchFamily="49" charset="0"/>
+                <a:cs typeface="Courier New" panose="02070309020205020404" pitchFamily="49" charset="0"/>
+              </a:rPr>
+              <a:t>0</a:t>
+            </a:r>
+            <a:r>
+              <a:rPr lang="en-US" altLang="en-US" sz="5600">
+                <a:solidFill>
+                  <a:srgbClr val="000000"/>
+                </a:solidFill>
+                <a:latin typeface="Courier New" panose="02070309020205020404" pitchFamily="49" charset="0"/>
+                <a:cs typeface="Courier New" panose="02070309020205020404" pitchFamily="49" charset="0"/>
+              </a:rPr>
+              <a:t>);</a:t>
+            </a:r>
+            <a:br>
+              <a:rPr lang="en-US" altLang="en-US" sz="5600">
+                <a:solidFill>
+                  <a:srgbClr val="000000"/>
+                </a:solidFill>
+                <a:latin typeface="Courier New" panose="02070309020205020404" pitchFamily="49" charset="0"/>
+                <a:cs typeface="Courier New" panose="02070309020205020404" pitchFamily="49" charset="0"/>
+              </a:rPr>
+            </a:br>
+            <a:r>
+              <a:rPr lang="en-US" altLang="en-US" sz="5600">
+                <a:solidFill>
+                  <a:srgbClr val="000000"/>
+                </a:solidFill>
+                <a:latin typeface="Courier New" panose="02070309020205020404" pitchFamily="49" charset="0"/>
+                <a:cs typeface="Courier New" panose="02070309020205020404" pitchFamily="49" charset="0"/>
+              </a:rPr>
+              <a:t>        </a:t>
+            </a:r>
+            <a:r>
+              <a:rPr lang="en-US" altLang="en-US" sz="5600" b="1" i="1">
+                <a:solidFill>
+                  <a:srgbClr val="660E7A"/>
+                </a:solidFill>
+                <a:latin typeface="Courier New" panose="02070309020205020404" pitchFamily="49" charset="0"/>
+                <a:cs typeface="Courier New" panose="02070309020205020404" pitchFamily="49" charset="0"/>
+              </a:rPr>
+              <a:t>BOOMSTART </a:t>
+            </a:r>
+            <a:r>
+              <a:rPr lang="en-US" altLang="en-US" sz="5600">
+                <a:solidFill>
+                  <a:srgbClr val="000000"/>
+                </a:solidFill>
+                <a:latin typeface="Courier New" panose="02070309020205020404" pitchFamily="49" charset="0"/>
+                <a:cs typeface="Courier New" panose="02070309020205020404" pitchFamily="49" charset="0"/>
+              </a:rPr>
+              <a:t>= gmtCal.getTime();</a:t>
+            </a:r>
+            <a:br>
+              <a:rPr lang="en-US" altLang="en-US" sz="5600">
+                <a:solidFill>
+                  <a:srgbClr val="000000"/>
+                </a:solidFill>
+                <a:latin typeface="Courier New" panose="02070309020205020404" pitchFamily="49" charset="0"/>
+                <a:cs typeface="Courier New" panose="02070309020205020404" pitchFamily="49" charset="0"/>
+              </a:rPr>
+            </a:br>
+            <a:r>
+              <a:rPr lang="en-US" altLang="en-US" sz="5600">
+                <a:solidFill>
+                  <a:srgbClr val="000000"/>
+                </a:solidFill>
+                <a:latin typeface="Courier New" panose="02070309020205020404" pitchFamily="49" charset="0"/>
+                <a:cs typeface="Courier New" panose="02070309020205020404" pitchFamily="49" charset="0"/>
+              </a:rPr>
+              <a:t>        gmtCal.set(</a:t>
+            </a:r>
+            <a:r>
+              <a:rPr lang="en-US" altLang="en-US" sz="5600">
+                <a:solidFill>
+                  <a:srgbClr val="0000FF"/>
+                </a:solidFill>
+                <a:latin typeface="Courier New" panose="02070309020205020404" pitchFamily="49" charset="0"/>
+                <a:cs typeface="Courier New" panose="02070309020205020404" pitchFamily="49" charset="0"/>
+              </a:rPr>
+              <a:t>3920</a:t>
+            </a:r>
+            <a:r>
+              <a:rPr lang="en-US" altLang="en-US" sz="5600">
+                <a:solidFill>
+                  <a:srgbClr val="000000"/>
+                </a:solidFill>
+                <a:latin typeface="Courier New" panose="02070309020205020404" pitchFamily="49" charset="0"/>
+                <a:cs typeface="Courier New" panose="02070309020205020404" pitchFamily="49" charset="0"/>
+              </a:rPr>
+              <a:t>, Calendar.</a:t>
+            </a:r>
+            <a:r>
+              <a:rPr lang="en-US" altLang="en-US" sz="5600" b="1" i="1">
+                <a:solidFill>
+                  <a:srgbClr val="660E7A"/>
+                </a:solidFill>
+                <a:latin typeface="Courier New" panose="02070309020205020404" pitchFamily="49" charset="0"/>
+                <a:cs typeface="Courier New" panose="02070309020205020404" pitchFamily="49" charset="0"/>
+              </a:rPr>
+              <a:t>JANUARY</a:t>
+            </a:r>
+            <a:r>
+              <a:rPr lang="en-US" altLang="en-US" sz="5600">
+                <a:solidFill>
+                  <a:srgbClr val="000000"/>
+                </a:solidFill>
+                <a:latin typeface="Courier New" panose="02070309020205020404" pitchFamily="49" charset="0"/>
+                <a:cs typeface="Courier New" panose="02070309020205020404" pitchFamily="49" charset="0"/>
+              </a:rPr>
+              <a:t>, </a:t>
+            </a:r>
+            <a:r>
+              <a:rPr lang="en-US" altLang="en-US" sz="5600">
+                <a:solidFill>
+                  <a:srgbClr val="0000FF"/>
+                </a:solidFill>
+                <a:latin typeface="Courier New" panose="02070309020205020404" pitchFamily="49" charset="0"/>
+                <a:cs typeface="Courier New" panose="02070309020205020404" pitchFamily="49" charset="0"/>
+              </a:rPr>
+              <a:t>1</a:t>
+            </a:r>
+            <a:r>
+              <a:rPr lang="en-US" altLang="en-US" sz="5600">
+                <a:solidFill>
+                  <a:srgbClr val="000000"/>
+                </a:solidFill>
+                <a:latin typeface="Courier New" panose="02070309020205020404" pitchFamily="49" charset="0"/>
+                <a:cs typeface="Courier New" panose="02070309020205020404" pitchFamily="49" charset="0"/>
+              </a:rPr>
+              <a:t>, </a:t>
+            </a:r>
+            <a:r>
+              <a:rPr lang="en-US" altLang="en-US" sz="5600">
+                <a:solidFill>
+                  <a:srgbClr val="0000FF"/>
+                </a:solidFill>
+                <a:latin typeface="Courier New" panose="02070309020205020404" pitchFamily="49" charset="0"/>
+                <a:cs typeface="Courier New" panose="02070309020205020404" pitchFamily="49" charset="0"/>
+              </a:rPr>
+              <a:t>0</a:t>
+            </a:r>
+            <a:r>
+              <a:rPr lang="en-US" altLang="en-US" sz="5600">
+                <a:solidFill>
+                  <a:srgbClr val="000000"/>
+                </a:solidFill>
+                <a:latin typeface="Courier New" panose="02070309020205020404" pitchFamily="49" charset="0"/>
+                <a:cs typeface="Courier New" panose="02070309020205020404" pitchFamily="49" charset="0"/>
+              </a:rPr>
+              <a:t>, </a:t>
+            </a:r>
+            <a:r>
+              <a:rPr lang="en-US" altLang="en-US" sz="5600">
+                <a:solidFill>
+                  <a:srgbClr val="0000FF"/>
+                </a:solidFill>
+                <a:latin typeface="Courier New" panose="02070309020205020404" pitchFamily="49" charset="0"/>
+                <a:cs typeface="Courier New" panose="02070309020205020404" pitchFamily="49" charset="0"/>
+              </a:rPr>
+              <a:t>0</a:t>
+            </a:r>
+            <a:r>
+              <a:rPr lang="en-US" altLang="en-US" sz="5600">
+                <a:solidFill>
+                  <a:srgbClr val="000000"/>
+                </a:solidFill>
+                <a:latin typeface="Courier New" panose="02070309020205020404" pitchFamily="49" charset="0"/>
+                <a:cs typeface="Courier New" panose="02070309020205020404" pitchFamily="49" charset="0"/>
+              </a:rPr>
+              <a:t>, </a:t>
+            </a:r>
+            <a:r>
+              <a:rPr lang="en-US" altLang="en-US" sz="5600">
+                <a:solidFill>
+                  <a:srgbClr val="0000FF"/>
+                </a:solidFill>
+                <a:latin typeface="Courier New" panose="02070309020205020404" pitchFamily="49" charset="0"/>
+                <a:cs typeface="Courier New" panose="02070309020205020404" pitchFamily="49" charset="0"/>
+              </a:rPr>
+              <a:t>0</a:t>
+            </a:r>
+            <a:r>
+              <a:rPr lang="en-US" altLang="en-US" sz="5600">
+                <a:solidFill>
+                  <a:srgbClr val="000000"/>
+                </a:solidFill>
+                <a:latin typeface="Courier New" panose="02070309020205020404" pitchFamily="49" charset="0"/>
+                <a:cs typeface="Courier New" panose="02070309020205020404" pitchFamily="49" charset="0"/>
+              </a:rPr>
+              <a:t>);</a:t>
+            </a:r>
+            <a:br>
+              <a:rPr lang="en-US" altLang="en-US" sz="5600">
+                <a:solidFill>
+                  <a:srgbClr val="000000"/>
+                </a:solidFill>
+                <a:latin typeface="Courier New" panose="02070309020205020404" pitchFamily="49" charset="0"/>
+                <a:cs typeface="Courier New" panose="02070309020205020404" pitchFamily="49" charset="0"/>
+              </a:rPr>
+            </a:br>
+            <a:r>
+              <a:rPr lang="en-US" altLang="en-US" sz="5600">
+                <a:solidFill>
+                  <a:srgbClr val="000000"/>
+                </a:solidFill>
+                <a:latin typeface="Courier New" panose="02070309020205020404" pitchFamily="49" charset="0"/>
+                <a:cs typeface="Courier New" panose="02070309020205020404" pitchFamily="49" charset="0"/>
+              </a:rPr>
+              <a:t>        </a:t>
+            </a:r>
+            <a:r>
+              <a:rPr lang="en-US" altLang="en-US" sz="5600" b="1" i="1">
+                <a:solidFill>
+                  <a:srgbClr val="660E7A"/>
+                </a:solidFill>
+                <a:latin typeface="Courier New" panose="02070309020205020404" pitchFamily="49" charset="0"/>
+                <a:cs typeface="Courier New" panose="02070309020205020404" pitchFamily="49" charset="0"/>
+              </a:rPr>
+              <a:t>BOOMEND </a:t>
+            </a:r>
+            <a:r>
+              <a:rPr lang="en-US" altLang="en-US" sz="5600">
+                <a:solidFill>
+                  <a:srgbClr val="000000"/>
+                </a:solidFill>
+                <a:latin typeface="Courier New" panose="02070309020205020404" pitchFamily="49" charset="0"/>
+                <a:cs typeface="Courier New" panose="02070309020205020404" pitchFamily="49" charset="0"/>
+              </a:rPr>
+              <a:t>= gmtCal.getTime();</a:t>
+            </a:r>
+            <a:br>
+              <a:rPr lang="en-US" altLang="en-US" sz="5600">
+                <a:solidFill>
+                  <a:srgbClr val="000000"/>
+                </a:solidFill>
+                <a:latin typeface="Courier New" panose="02070309020205020404" pitchFamily="49" charset="0"/>
+                <a:cs typeface="Courier New" panose="02070309020205020404" pitchFamily="49" charset="0"/>
+              </a:rPr>
+            </a:br>
+            <a:r>
+              <a:rPr lang="en-US" altLang="en-US" sz="5600">
+                <a:solidFill>
+                  <a:srgbClr val="000000"/>
+                </a:solidFill>
+                <a:latin typeface="Courier New" panose="02070309020205020404" pitchFamily="49" charset="0"/>
+                <a:cs typeface="Courier New" panose="02070309020205020404" pitchFamily="49" charset="0"/>
+              </a:rPr>
+              <a:t>    }</a:t>
+            </a:r>
+            <a:br>
+              <a:rPr lang="en-US" altLang="en-US" sz="5600">
+                <a:solidFill>
+                  <a:srgbClr val="000000"/>
+                </a:solidFill>
+                <a:latin typeface="Courier New" panose="02070309020205020404" pitchFamily="49" charset="0"/>
+                <a:cs typeface="Courier New" panose="02070309020205020404" pitchFamily="49" charset="0"/>
+              </a:rPr>
+            </a:br>
+            <a:r>
+              <a:rPr lang="en-US" altLang="en-US" sz="5600">
+                <a:solidFill>
+                  <a:srgbClr val="000000"/>
+                </a:solidFill>
+                <a:latin typeface="Courier New" panose="02070309020205020404" pitchFamily="49" charset="0"/>
+                <a:cs typeface="Courier New" panose="02070309020205020404" pitchFamily="49" charset="0"/>
+              </a:rPr>
+              <a:t/>
+            </a:r>
+            <a:br>
+              <a:rPr lang="en-US" altLang="en-US" sz="5600">
+                <a:solidFill>
+                  <a:srgbClr val="000000"/>
+                </a:solidFill>
+                <a:latin typeface="Courier New" panose="02070309020205020404" pitchFamily="49" charset="0"/>
+                <a:cs typeface="Courier New" panose="02070309020205020404" pitchFamily="49" charset="0"/>
+              </a:rPr>
+            </a:br>
+            <a:r>
+              <a:rPr lang="en-US" altLang="en-US" sz="5600">
+                <a:solidFill>
+                  <a:srgbClr val="000000"/>
+                </a:solidFill>
+                <a:latin typeface="Courier New" panose="02070309020205020404" pitchFamily="49" charset="0"/>
+                <a:cs typeface="Courier New" panose="02070309020205020404" pitchFamily="49" charset="0"/>
+              </a:rPr>
+              <a:t>    </a:t>
+            </a:r>
+            <a:r>
+              <a:rPr lang="en-US" altLang="en-US" sz="5600" b="1">
+                <a:solidFill>
+                  <a:srgbClr val="000080"/>
+                </a:solidFill>
+                <a:latin typeface="Courier New" panose="02070309020205020404" pitchFamily="49" charset="0"/>
+                <a:cs typeface="Courier New" panose="02070309020205020404" pitchFamily="49" charset="0"/>
+              </a:rPr>
+              <a:t>public boolean </a:t>
+            </a:r>
+            <a:r>
+              <a:rPr lang="en-US" altLang="en-US" sz="5600">
+                <a:solidFill>
+                  <a:srgbClr val="000000"/>
+                </a:solidFill>
+                <a:latin typeface="Courier New" panose="02070309020205020404" pitchFamily="49" charset="0"/>
+                <a:cs typeface="Courier New" panose="02070309020205020404" pitchFamily="49" charset="0"/>
+              </a:rPr>
+              <a:t>isBabyBoomer(){</a:t>
+            </a:r>
+            <a:br>
+              <a:rPr lang="en-US" altLang="en-US" sz="5600">
+                <a:solidFill>
+                  <a:srgbClr val="000000"/>
+                </a:solidFill>
+                <a:latin typeface="Courier New" panose="02070309020205020404" pitchFamily="49" charset="0"/>
+                <a:cs typeface="Courier New" panose="02070309020205020404" pitchFamily="49" charset="0"/>
+              </a:rPr>
+            </a:br>
+            <a:r>
+              <a:rPr lang="en-US" altLang="en-US" sz="5600">
+                <a:solidFill>
+                  <a:srgbClr val="000000"/>
+                </a:solidFill>
+                <a:latin typeface="Courier New" panose="02070309020205020404" pitchFamily="49" charset="0"/>
+                <a:cs typeface="Courier New" panose="02070309020205020404" pitchFamily="49" charset="0"/>
+              </a:rPr>
+              <a:t>        </a:t>
+            </a:r>
+            <a:r>
+              <a:rPr lang="en-US" altLang="en-US" sz="5600" b="1">
+                <a:solidFill>
+                  <a:srgbClr val="000080"/>
+                </a:solidFill>
+                <a:latin typeface="Courier New" panose="02070309020205020404" pitchFamily="49" charset="0"/>
+                <a:cs typeface="Courier New" panose="02070309020205020404" pitchFamily="49" charset="0"/>
+              </a:rPr>
+              <a:t>return </a:t>
+            </a:r>
+            <a:r>
+              <a:rPr lang="en-US" altLang="en-US" sz="5600" b="1" smtClean="0">
+                <a:solidFill>
+                  <a:srgbClr val="000080"/>
+                </a:solidFill>
+                <a:latin typeface="Courier New" panose="02070309020205020404" pitchFamily="49" charset="0"/>
+                <a:cs typeface="Courier New" panose="02070309020205020404" pitchFamily="49" charset="0"/>
+              </a:rPr>
+              <a:t>	</a:t>
+            </a:r>
+            <a:r>
+              <a:rPr lang="en-US" altLang="en-US" sz="5600" smtClean="0">
+                <a:solidFill>
+                  <a:srgbClr val="000000"/>
+                </a:solidFill>
+                <a:latin typeface="Courier New" panose="02070309020205020404" pitchFamily="49" charset="0"/>
+                <a:cs typeface="Courier New" panose="02070309020205020404" pitchFamily="49" charset="0"/>
+              </a:rPr>
+              <a:t>(</a:t>
+            </a:r>
+            <a:r>
+              <a:rPr lang="en-US" altLang="en-US" sz="5600" b="1">
+                <a:solidFill>
+                  <a:srgbClr val="660E7A"/>
+                </a:solidFill>
+                <a:latin typeface="Courier New" panose="02070309020205020404" pitchFamily="49" charset="0"/>
+                <a:cs typeface="Courier New" panose="02070309020205020404" pitchFamily="49" charset="0"/>
+              </a:rPr>
+              <a:t>birthDate</a:t>
+            </a:r>
+            <a:r>
+              <a:rPr lang="en-US" altLang="en-US" sz="5600">
+                <a:solidFill>
+                  <a:srgbClr val="000000"/>
+                </a:solidFill>
+                <a:latin typeface="Courier New" panose="02070309020205020404" pitchFamily="49" charset="0"/>
+                <a:cs typeface="Courier New" panose="02070309020205020404" pitchFamily="49" charset="0"/>
+              </a:rPr>
+              <a:t>.compareTo(</a:t>
+            </a:r>
+            <a:r>
+              <a:rPr lang="en-US" altLang="en-US" sz="5600" b="1" i="1">
+                <a:solidFill>
+                  <a:srgbClr val="660E7A"/>
+                </a:solidFill>
+                <a:latin typeface="Courier New" panose="02070309020205020404" pitchFamily="49" charset="0"/>
+                <a:cs typeface="Courier New" panose="02070309020205020404" pitchFamily="49" charset="0"/>
+              </a:rPr>
+              <a:t>BOOMSTART</a:t>
+            </a:r>
+            <a:r>
+              <a:rPr lang="en-US" altLang="en-US" sz="5600">
+                <a:solidFill>
+                  <a:srgbClr val="000000"/>
+                </a:solidFill>
+                <a:latin typeface="Courier New" panose="02070309020205020404" pitchFamily="49" charset="0"/>
+                <a:cs typeface="Courier New" panose="02070309020205020404" pitchFamily="49" charset="0"/>
+              </a:rPr>
+              <a:t>) &gt;= </a:t>
+            </a:r>
+            <a:r>
+              <a:rPr lang="en-US" altLang="en-US" sz="5600">
+                <a:solidFill>
+                  <a:srgbClr val="0000FF"/>
+                </a:solidFill>
+                <a:latin typeface="Courier New" panose="02070309020205020404" pitchFamily="49" charset="0"/>
+                <a:cs typeface="Courier New" panose="02070309020205020404" pitchFamily="49" charset="0"/>
+              </a:rPr>
+              <a:t>0</a:t>
+            </a:r>
+            <a:r>
+              <a:rPr lang="en-US" altLang="en-US" sz="5600">
+                <a:solidFill>
+                  <a:srgbClr val="000000"/>
+                </a:solidFill>
+                <a:latin typeface="Courier New" panose="02070309020205020404" pitchFamily="49" charset="0"/>
+                <a:cs typeface="Courier New" panose="02070309020205020404" pitchFamily="49" charset="0"/>
+              </a:rPr>
+              <a:t>) &amp;&amp; </a:t>
+            </a:r>
+            <a:r>
+              <a:rPr lang="en-US" altLang="en-US" sz="5600" smtClean="0">
+                <a:solidFill>
+                  <a:srgbClr val="000000"/>
+                </a:solidFill>
+                <a:latin typeface="Courier New" panose="02070309020205020404" pitchFamily="49" charset="0"/>
+                <a:cs typeface="Courier New" panose="02070309020205020404" pitchFamily="49" charset="0"/>
+              </a:rPr>
+              <a:t>							(</a:t>
+            </a:r>
+            <a:r>
+              <a:rPr lang="en-US" altLang="en-US" sz="5600" b="1">
+                <a:solidFill>
+                  <a:srgbClr val="660E7A"/>
+                </a:solidFill>
+                <a:latin typeface="Courier New" panose="02070309020205020404" pitchFamily="49" charset="0"/>
+                <a:cs typeface="Courier New" panose="02070309020205020404" pitchFamily="49" charset="0"/>
+              </a:rPr>
+              <a:t>birthDate</a:t>
+            </a:r>
+            <a:r>
+              <a:rPr lang="en-US" altLang="en-US" sz="5600">
+                <a:solidFill>
+                  <a:srgbClr val="000000"/>
+                </a:solidFill>
+                <a:latin typeface="Courier New" panose="02070309020205020404" pitchFamily="49" charset="0"/>
+                <a:cs typeface="Courier New" panose="02070309020205020404" pitchFamily="49" charset="0"/>
+              </a:rPr>
+              <a:t>.compareTo(</a:t>
+            </a:r>
+            <a:r>
+              <a:rPr lang="en-US" altLang="en-US" sz="5600" b="1" i="1">
+                <a:solidFill>
+                  <a:srgbClr val="660E7A"/>
+                </a:solidFill>
+                <a:latin typeface="Courier New" panose="02070309020205020404" pitchFamily="49" charset="0"/>
+                <a:cs typeface="Courier New" panose="02070309020205020404" pitchFamily="49" charset="0"/>
+              </a:rPr>
+              <a:t>BOOMEND</a:t>
+            </a:r>
+            <a:r>
+              <a:rPr lang="en-US" altLang="en-US" sz="5600">
+                <a:solidFill>
+                  <a:srgbClr val="000000"/>
+                </a:solidFill>
+                <a:latin typeface="Courier New" panose="02070309020205020404" pitchFamily="49" charset="0"/>
+                <a:cs typeface="Courier New" panose="02070309020205020404" pitchFamily="49" charset="0"/>
+              </a:rPr>
+              <a:t>) &lt; </a:t>
+            </a:r>
+            <a:r>
+              <a:rPr lang="en-US" altLang="en-US" sz="5600">
+                <a:solidFill>
+                  <a:srgbClr val="0000FF"/>
+                </a:solidFill>
+                <a:latin typeface="Courier New" panose="02070309020205020404" pitchFamily="49" charset="0"/>
+                <a:cs typeface="Courier New" panose="02070309020205020404" pitchFamily="49" charset="0"/>
+              </a:rPr>
+              <a:t>0</a:t>
+            </a:r>
+            <a:r>
+              <a:rPr lang="en-US" altLang="en-US" sz="5600">
+                <a:solidFill>
+                  <a:srgbClr val="000000"/>
+                </a:solidFill>
+                <a:latin typeface="Courier New" panose="02070309020205020404" pitchFamily="49" charset="0"/>
+                <a:cs typeface="Courier New" panose="02070309020205020404" pitchFamily="49" charset="0"/>
+              </a:rPr>
+              <a:t>);</a:t>
+            </a:r>
+            <a:br>
+              <a:rPr lang="en-US" altLang="en-US" sz="5600">
+                <a:solidFill>
+                  <a:srgbClr val="000000"/>
+                </a:solidFill>
+                <a:latin typeface="Courier New" panose="02070309020205020404" pitchFamily="49" charset="0"/>
+                <a:cs typeface="Courier New" panose="02070309020205020404" pitchFamily="49" charset="0"/>
+              </a:rPr>
+            </a:br>
+            <a:r>
+              <a:rPr lang="en-US" altLang="en-US" sz="5600">
+                <a:solidFill>
+                  <a:srgbClr val="000000"/>
+                </a:solidFill>
+                <a:latin typeface="Courier New" panose="02070309020205020404" pitchFamily="49" charset="0"/>
+                <a:cs typeface="Courier New" panose="02070309020205020404" pitchFamily="49" charset="0"/>
+              </a:rPr>
+              <a:t>    }</a:t>
+            </a:r>
+            <a:br>
+              <a:rPr lang="en-US" altLang="en-US" sz="5600">
+                <a:solidFill>
+                  <a:srgbClr val="000000"/>
+                </a:solidFill>
+                <a:latin typeface="Courier New" panose="02070309020205020404" pitchFamily="49" charset="0"/>
+                <a:cs typeface="Courier New" panose="02070309020205020404" pitchFamily="49" charset="0"/>
+              </a:rPr>
+            </a:br>
+            <a:r>
+              <a:rPr lang="en-US" altLang="en-US" sz="5600">
+                <a:solidFill>
+                  <a:srgbClr val="000000"/>
+                </a:solidFill>
+                <a:latin typeface="Courier New" panose="02070309020205020404" pitchFamily="49" charset="0"/>
+                <a:cs typeface="Courier New" panose="02070309020205020404" pitchFamily="49" charset="0"/>
+              </a:rPr>
+              <a:t>}</a:t>
+            </a:r>
+            <a:endParaRPr lang="en-US" altLang="en-US" sz="5600">
+              <a:solidFill>
+                <a:schemeClr val="tx1"/>
+              </a:solidFill>
+              <a:latin typeface="Arial" panose="020B0604020202020204" pitchFamily="34" charset="0"/>
+            </a:endParaRPr>
+          </a:p>
+          <a:p>
+            <a:pPr marL="0" indent="0">
+              <a:buNone/>
+            </a:pPr>
+            <a:endParaRPr lang="en-US"/>
+          </a:p>
+        </p:txBody>
+      </p:sp>
+      <p:sp>
+        <p:nvSpPr>
+          <p:cNvPr id="4" name="Title 1"/>
           <p:cNvSpPr>
             <a:spLocks noGrp="1"/>
           </p:cNvSpPr>
@@ -8068,878 +9257,10 @@
           </a:p>
         </p:txBody>
       </p:sp>
-      <p:sp>
-        <p:nvSpPr>
-          <p:cNvPr id="8" name="Content Placeholder 7"/>
-          <p:cNvSpPr>
-            <a:spLocks noGrp="1"/>
-          </p:cNvSpPr>
-          <p:nvPr>
-            <p:ph idx="1"/>
-          </p:nvPr>
-        </p:nvSpPr>
-        <p:spPr>
-          <a:xfrm>
-            <a:off x="1176865" y="2490136"/>
-            <a:ext cx="7428120" cy="3102142"/>
-          </a:xfrm>
-        </p:spPr>
-        <p:txBody>
-          <a:bodyPr>
-            <a:normAutofit fontScale="70000" lnSpcReduction="20000"/>
-          </a:bodyPr>
-          <a:lstStyle/>
-          <a:p>
-            <a:pPr marL="0" indent="0">
-              <a:buNone/>
-            </a:pPr>
-            <a:r>
-              <a:rPr lang="en-US" smtClean="0"/>
-              <a:t>+ Ex2:</a:t>
-            </a:r>
-          </a:p>
-          <a:p>
-            <a:pPr marL="0" lvl="0" indent="0">
-              <a:buNone/>
-            </a:pPr>
-            <a:r>
-              <a:rPr lang="en-US" altLang="en-US" sz="2100" b="1" smtClean="0">
-                <a:solidFill>
-                  <a:srgbClr val="000080"/>
-                </a:solidFill>
-                <a:latin typeface="Courier New" panose="02070309020205020404" pitchFamily="49" charset="0"/>
-                <a:cs typeface="Courier New" panose="02070309020205020404" pitchFamily="49" charset="0"/>
-              </a:rPr>
-              <a:t>class </a:t>
-            </a:r>
-            <a:r>
-              <a:rPr lang="en-US" altLang="en-US" sz="2100">
-                <a:solidFill>
-                  <a:srgbClr val="000000"/>
-                </a:solidFill>
-                <a:latin typeface="Courier New" panose="02070309020205020404" pitchFamily="49" charset="0"/>
-                <a:cs typeface="Courier New" panose="02070309020205020404" pitchFamily="49" charset="0"/>
-              </a:rPr>
-              <a:t>Person1{</a:t>
-            </a:r>
-            <a:br>
-              <a:rPr lang="en-US" altLang="en-US" sz="2100">
-                <a:solidFill>
-                  <a:srgbClr val="000000"/>
-                </a:solidFill>
-                <a:latin typeface="Courier New" panose="02070309020205020404" pitchFamily="49" charset="0"/>
-                <a:cs typeface="Courier New" panose="02070309020205020404" pitchFamily="49" charset="0"/>
-              </a:rPr>
-            </a:br>
-            <a:r>
-              <a:rPr lang="en-US" altLang="en-US" sz="2100">
-                <a:solidFill>
-                  <a:srgbClr val="000000"/>
-                </a:solidFill>
-                <a:latin typeface="Courier New" panose="02070309020205020404" pitchFamily="49" charset="0"/>
-                <a:cs typeface="Courier New" panose="02070309020205020404" pitchFamily="49" charset="0"/>
-              </a:rPr>
-              <a:t>    </a:t>
-            </a:r>
-            <a:r>
-              <a:rPr lang="en-US" altLang="en-US" sz="2100" b="1">
-                <a:solidFill>
-                  <a:srgbClr val="000080"/>
-                </a:solidFill>
-                <a:latin typeface="Courier New" panose="02070309020205020404" pitchFamily="49" charset="0"/>
-                <a:cs typeface="Courier New" panose="02070309020205020404" pitchFamily="49" charset="0"/>
-              </a:rPr>
-              <a:t>private </a:t>
-            </a:r>
-            <a:r>
-              <a:rPr lang="en-US" altLang="en-US" sz="2100">
-                <a:solidFill>
-                  <a:srgbClr val="000000"/>
-                </a:solidFill>
-                <a:latin typeface="Courier New" panose="02070309020205020404" pitchFamily="49" charset="0"/>
-                <a:cs typeface="Courier New" panose="02070309020205020404" pitchFamily="49" charset="0"/>
-              </a:rPr>
-              <a:t>Date </a:t>
-            </a:r>
-            <a:r>
-              <a:rPr lang="en-US" altLang="en-US" sz="2100" b="1">
-                <a:solidFill>
-                  <a:srgbClr val="660E7A"/>
-                </a:solidFill>
-                <a:latin typeface="Courier New" panose="02070309020205020404" pitchFamily="49" charset="0"/>
-                <a:cs typeface="Courier New" panose="02070309020205020404" pitchFamily="49" charset="0"/>
-              </a:rPr>
-              <a:t>birthDate </a:t>
-            </a:r>
-            <a:r>
-              <a:rPr lang="en-US" altLang="en-US" sz="2100">
-                <a:solidFill>
-                  <a:srgbClr val="000000"/>
-                </a:solidFill>
-                <a:latin typeface="Courier New" panose="02070309020205020404" pitchFamily="49" charset="0"/>
-                <a:cs typeface="Courier New" panose="02070309020205020404" pitchFamily="49" charset="0"/>
-              </a:rPr>
-              <a:t>= </a:t>
-            </a:r>
-            <a:r>
-              <a:rPr lang="en-US" altLang="en-US" sz="2100" b="1">
-                <a:solidFill>
-                  <a:srgbClr val="000080"/>
-                </a:solidFill>
-                <a:latin typeface="Courier New" panose="02070309020205020404" pitchFamily="49" charset="0"/>
-                <a:cs typeface="Courier New" panose="02070309020205020404" pitchFamily="49" charset="0"/>
-              </a:rPr>
-              <a:t>new </a:t>
-            </a:r>
-            <a:r>
-              <a:rPr lang="en-US" altLang="en-US" sz="2100">
-                <a:solidFill>
-                  <a:srgbClr val="000000"/>
-                </a:solidFill>
-                <a:latin typeface="Courier New" panose="02070309020205020404" pitchFamily="49" charset="0"/>
-                <a:cs typeface="Courier New" panose="02070309020205020404" pitchFamily="49" charset="0"/>
-              </a:rPr>
-              <a:t>Date(</a:t>
-            </a:r>
-            <a:r>
-              <a:rPr lang="en-US" altLang="en-US" sz="2100">
-                <a:solidFill>
-                  <a:srgbClr val="0000FF"/>
-                </a:solidFill>
-                <a:latin typeface="Courier New" panose="02070309020205020404" pitchFamily="49" charset="0"/>
-                <a:cs typeface="Courier New" panose="02070309020205020404" pitchFamily="49" charset="0"/>
-              </a:rPr>
-              <a:t>2000</a:t>
-            </a:r>
-            <a:r>
-              <a:rPr lang="en-US" altLang="en-US" sz="2100">
-                <a:solidFill>
-                  <a:srgbClr val="000000"/>
-                </a:solidFill>
-                <a:latin typeface="Courier New" panose="02070309020205020404" pitchFamily="49" charset="0"/>
-                <a:cs typeface="Courier New" panose="02070309020205020404" pitchFamily="49" charset="0"/>
-              </a:rPr>
-              <a:t>,</a:t>
-            </a:r>
-            <a:r>
-              <a:rPr lang="en-US" altLang="en-US" sz="2100">
-                <a:solidFill>
-                  <a:srgbClr val="0000FF"/>
-                </a:solidFill>
-                <a:latin typeface="Courier New" panose="02070309020205020404" pitchFamily="49" charset="0"/>
-                <a:cs typeface="Courier New" panose="02070309020205020404" pitchFamily="49" charset="0"/>
-              </a:rPr>
-              <a:t>1</a:t>
-            </a:r>
-            <a:r>
-              <a:rPr lang="en-US" altLang="en-US" sz="2100">
-                <a:solidFill>
-                  <a:srgbClr val="000000"/>
-                </a:solidFill>
-                <a:latin typeface="Courier New" panose="02070309020205020404" pitchFamily="49" charset="0"/>
-                <a:cs typeface="Courier New" panose="02070309020205020404" pitchFamily="49" charset="0"/>
-              </a:rPr>
-              <a:t>,</a:t>
-            </a:r>
-            <a:r>
-              <a:rPr lang="en-US" altLang="en-US" sz="2100">
-                <a:solidFill>
-                  <a:srgbClr val="0000FF"/>
-                </a:solidFill>
-                <a:latin typeface="Courier New" panose="02070309020205020404" pitchFamily="49" charset="0"/>
-                <a:cs typeface="Courier New" panose="02070309020205020404" pitchFamily="49" charset="0"/>
-              </a:rPr>
-              <a:t>1</a:t>
-            </a:r>
-            <a:r>
-              <a:rPr lang="en-US" altLang="en-US" sz="2100">
-                <a:solidFill>
-                  <a:srgbClr val="000000"/>
-                </a:solidFill>
-                <a:latin typeface="Courier New" panose="02070309020205020404" pitchFamily="49" charset="0"/>
-                <a:cs typeface="Courier New" panose="02070309020205020404" pitchFamily="49" charset="0"/>
-              </a:rPr>
-              <a:t>);</a:t>
-            </a:r>
-            <a:br>
-              <a:rPr lang="en-US" altLang="en-US" sz="2100">
-                <a:solidFill>
-                  <a:srgbClr val="000000"/>
-                </a:solidFill>
-                <a:latin typeface="Courier New" panose="02070309020205020404" pitchFamily="49" charset="0"/>
-                <a:cs typeface="Courier New" panose="02070309020205020404" pitchFamily="49" charset="0"/>
-              </a:rPr>
-            </a:br>
-            <a:r>
-              <a:rPr lang="en-US" altLang="en-US" sz="2100">
-                <a:solidFill>
-                  <a:srgbClr val="000000"/>
-                </a:solidFill>
-                <a:latin typeface="Courier New" panose="02070309020205020404" pitchFamily="49" charset="0"/>
-                <a:cs typeface="Courier New" panose="02070309020205020404" pitchFamily="49" charset="0"/>
-              </a:rPr>
-              <a:t/>
-            </a:r>
-            <a:br>
-              <a:rPr lang="en-US" altLang="en-US" sz="2100">
-                <a:solidFill>
-                  <a:srgbClr val="000000"/>
-                </a:solidFill>
-                <a:latin typeface="Courier New" panose="02070309020205020404" pitchFamily="49" charset="0"/>
-                <a:cs typeface="Courier New" panose="02070309020205020404" pitchFamily="49" charset="0"/>
-              </a:rPr>
-            </a:br>
-            <a:r>
-              <a:rPr lang="en-US" altLang="en-US" sz="2100">
-                <a:solidFill>
-                  <a:srgbClr val="000000"/>
-                </a:solidFill>
-                <a:latin typeface="Courier New" panose="02070309020205020404" pitchFamily="49" charset="0"/>
-                <a:cs typeface="Courier New" panose="02070309020205020404" pitchFamily="49" charset="0"/>
-              </a:rPr>
-              <a:t>    </a:t>
-            </a:r>
-            <a:r>
-              <a:rPr lang="en-US" altLang="en-US" sz="2100" b="1">
-                <a:solidFill>
-                  <a:srgbClr val="000080"/>
-                </a:solidFill>
-                <a:latin typeface="Courier New" panose="02070309020205020404" pitchFamily="49" charset="0"/>
-                <a:cs typeface="Courier New" panose="02070309020205020404" pitchFamily="49" charset="0"/>
-              </a:rPr>
-              <a:t>public boolean </a:t>
-            </a:r>
-            <a:r>
-              <a:rPr lang="en-US" altLang="en-US" sz="2100">
-                <a:solidFill>
-                  <a:srgbClr val="000000"/>
-                </a:solidFill>
-                <a:latin typeface="Courier New" panose="02070309020205020404" pitchFamily="49" charset="0"/>
-                <a:cs typeface="Courier New" panose="02070309020205020404" pitchFamily="49" charset="0"/>
-              </a:rPr>
-              <a:t>isBabyBoomer(){</a:t>
-            </a:r>
-            <a:br>
-              <a:rPr lang="en-US" altLang="en-US" sz="2100">
-                <a:solidFill>
-                  <a:srgbClr val="000000"/>
-                </a:solidFill>
-                <a:latin typeface="Courier New" panose="02070309020205020404" pitchFamily="49" charset="0"/>
-                <a:cs typeface="Courier New" panose="02070309020205020404" pitchFamily="49" charset="0"/>
-              </a:rPr>
-            </a:br>
-            <a:r>
-              <a:rPr lang="en-US" altLang="en-US" sz="2100">
-                <a:solidFill>
-                  <a:srgbClr val="000000"/>
-                </a:solidFill>
-                <a:latin typeface="Courier New" panose="02070309020205020404" pitchFamily="49" charset="0"/>
-                <a:cs typeface="Courier New" panose="02070309020205020404" pitchFamily="49" charset="0"/>
-              </a:rPr>
-              <a:t>        Calendar </a:t>
-            </a:r>
-            <a:r>
-              <a:rPr lang="en-US" altLang="en-US" sz="2100">
-                <a:solidFill>
-                  <a:srgbClr val="000000"/>
-                </a:solidFill>
-                <a:latin typeface="Courier New" panose="02070309020205020404" pitchFamily="49" charset="0"/>
-                <a:cs typeface="Courier New" panose="02070309020205020404" pitchFamily="49" charset="0"/>
-              </a:rPr>
-              <a:t>gmtCal </a:t>
-            </a:r>
-            <a:r>
-              <a:rPr lang="en-US" altLang="en-US" sz="2100" smtClean="0">
-                <a:solidFill>
-                  <a:srgbClr val="000000"/>
-                </a:solidFill>
-                <a:latin typeface="Courier New" panose="02070309020205020404" pitchFamily="49" charset="0"/>
-                <a:cs typeface="Courier New" panose="02070309020205020404" pitchFamily="49" charset="0"/>
-              </a:rPr>
-              <a:t>= 												Calendar.</a:t>
-            </a:r>
-            <a:r>
-              <a:rPr lang="en-US" altLang="en-US" sz="2100" i="1" smtClean="0">
-                <a:solidFill>
-                  <a:srgbClr val="000000"/>
-                </a:solidFill>
-                <a:latin typeface="Courier New" panose="02070309020205020404" pitchFamily="49" charset="0"/>
-                <a:cs typeface="Courier New" panose="02070309020205020404" pitchFamily="49" charset="0"/>
-              </a:rPr>
-              <a:t>getInstance</a:t>
-            </a:r>
-            <a:r>
-              <a:rPr lang="en-US" altLang="en-US" sz="2100" smtClean="0">
-                <a:solidFill>
-                  <a:srgbClr val="000000"/>
-                </a:solidFill>
-                <a:latin typeface="Courier New" panose="02070309020205020404" pitchFamily="49" charset="0"/>
-                <a:cs typeface="Courier New" panose="02070309020205020404" pitchFamily="49" charset="0"/>
-              </a:rPr>
-              <a:t>(TimeZone.</a:t>
-            </a:r>
-            <a:r>
-              <a:rPr lang="en-US" altLang="en-US" sz="2100" i="1" smtClean="0">
-                <a:solidFill>
-                  <a:srgbClr val="000000"/>
-                </a:solidFill>
-                <a:latin typeface="Courier New" panose="02070309020205020404" pitchFamily="49" charset="0"/>
-                <a:cs typeface="Courier New" panose="02070309020205020404" pitchFamily="49" charset="0"/>
-              </a:rPr>
-              <a:t>getTimeZone</a:t>
-            </a:r>
-            <a:r>
-              <a:rPr lang="en-US" altLang="en-US" sz="2100">
-                <a:solidFill>
-                  <a:srgbClr val="000000"/>
-                </a:solidFill>
-                <a:latin typeface="Courier New" panose="02070309020205020404" pitchFamily="49" charset="0"/>
-                <a:cs typeface="Courier New" panose="02070309020205020404" pitchFamily="49" charset="0"/>
-              </a:rPr>
-              <a:t>(</a:t>
-            </a:r>
-            <a:r>
-              <a:rPr lang="en-US" altLang="en-US" sz="2100" b="1">
-                <a:solidFill>
-                  <a:srgbClr val="008000"/>
-                </a:solidFill>
-                <a:latin typeface="Courier New" panose="02070309020205020404" pitchFamily="49" charset="0"/>
-                <a:cs typeface="Courier New" panose="02070309020205020404" pitchFamily="49" charset="0"/>
-              </a:rPr>
-              <a:t>"GMT"</a:t>
-            </a:r>
-            <a:r>
-              <a:rPr lang="en-US" altLang="en-US" sz="2100">
-                <a:solidFill>
-                  <a:srgbClr val="000000"/>
-                </a:solidFill>
-                <a:latin typeface="Courier New" panose="02070309020205020404" pitchFamily="49" charset="0"/>
-                <a:cs typeface="Courier New" panose="02070309020205020404" pitchFamily="49" charset="0"/>
-              </a:rPr>
-              <a:t>));</a:t>
-            </a:r>
-            <a:br>
-              <a:rPr lang="en-US" altLang="en-US" sz="2100">
-                <a:solidFill>
-                  <a:srgbClr val="000000"/>
-                </a:solidFill>
-                <a:latin typeface="Courier New" panose="02070309020205020404" pitchFamily="49" charset="0"/>
-                <a:cs typeface="Courier New" panose="02070309020205020404" pitchFamily="49" charset="0"/>
-              </a:rPr>
-            </a:br>
-            <a:r>
-              <a:rPr lang="en-US" altLang="en-US" sz="2100">
-                <a:solidFill>
-                  <a:srgbClr val="000000"/>
-                </a:solidFill>
-                <a:latin typeface="Courier New" panose="02070309020205020404" pitchFamily="49" charset="0"/>
-                <a:cs typeface="Courier New" panose="02070309020205020404" pitchFamily="49" charset="0"/>
-              </a:rPr>
-              <a:t>        gmtCal.set(</a:t>
-            </a:r>
-            <a:r>
-              <a:rPr lang="en-US" altLang="en-US" sz="2100">
-                <a:solidFill>
-                  <a:srgbClr val="0000FF"/>
-                </a:solidFill>
-                <a:latin typeface="Courier New" panose="02070309020205020404" pitchFamily="49" charset="0"/>
-                <a:cs typeface="Courier New" panose="02070309020205020404" pitchFamily="49" charset="0"/>
-              </a:rPr>
-              <a:t>3900</a:t>
-            </a:r>
-            <a:r>
-              <a:rPr lang="en-US" altLang="en-US" sz="2100">
-                <a:solidFill>
-                  <a:srgbClr val="000000"/>
-                </a:solidFill>
-                <a:latin typeface="Courier New" panose="02070309020205020404" pitchFamily="49" charset="0"/>
-                <a:cs typeface="Courier New" panose="02070309020205020404" pitchFamily="49" charset="0"/>
-              </a:rPr>
-              <a:t>, Calendar.</a:t>
-            </a:r>
-            <a:r>
-              <a:rPr lang="en-US" altLang="en-US" sz="2100" b="1" i="1">
-                <a:solidFill>
-                  <a:srgbClr val="660E7A"/>
-                </a:solidFill>
-                <a:latin typeface="Courier New" panose="02070309020205020404" pitchFamily="49" charset="0"/>
-                <a:cs typeface="Courier New" panose="02070309020205020404" pitchFamily="49" charset="0"/>
-              </a:rPr>
-              <a:t>JANUARY</a:t>
-            </a:r>
-            <a:r>
-              <a:rPr lang="en-US" altLang="en-US" sz="2100">
-                <a:solidFill>
-                  <a:srgbClr val="000000"/>
-                </a:solidFill>
-                <a:latin typeface="Courier New" panose="02070309020205020404" pitchFamily="49" charset="0"/>
-                <a:cs typeface="Courier New" panose="02070309020205020404" pitchFamily="49" charset="0"/>
-              </a:rPr>
-              <a:t>, </a:t>
-            </a:r>
-            <a:r>
-              <a:rPr lang="en-US" altLang="en-US" sz="2100">
-                <a:solidFill>
-                  <a:srgbClr val="0000FF"/>
-                </a:solidFill>
-                <a:latin typeface="Courier New" panose="02070309020205020404" pitchFamily="49" charset="0"/>
-                <a:cs typeface="Courier New" panose="02070309020205020404" pitchFamily="49" charset="0"/>
-              </a:rPr>
-              <a:t>1</a:t>
-            </a:r>
-            <a:r>
-              <a:rPr lang="en-US" altLang="en-US" sz="2100">
-                <a:solidFill>
-                  <a:srgbClr val="000000"/>
-                </a:solidFill>
-                <a:latin typeface="Courier New" panose="02070309020205020404" pitchFamily="49" charset="0"/>
-                <a:cs typeface="Courier New" panose="02070309020205020404" pitchFamily="49" charset="0"/>
-              </a:rPr>
-              <a:t>, </a:t>
-            </a:r>
-            <a:r>
-              <a:rPr lang="en-US" altLang="en-US" sz="2100">
-                <a:solidFill>
-                  <a:srgbClr val="0000FF"/>
-                </a:solidFill>
-                <a:latin typeface="Courier New" panose="02070309020205020404" pitchFamily="49" charset="0"/>
-                <a:cs typeface="Courier New" panose="02070309020205020404" pitchFamily="49" charset="0"/>
-              </a:rPr>
-              <a:t>0</a:t>
-            </a:r>
-            <a:r>
-              <a:rPr lang="en-US" altLang="en-US" sz="2100">
-                <a:solidFill>
-                  <a:srgbClr val="000000"/>
-                </a:solidFill>
-                <a:latin typeface="Courier New" panose="02070309020205020404" pitchFamily="49" charset="0"/>
-                <a:cs typeface="Courier New" panose="02070309020205020404" pitchFamily="49" charset="0"/>
-              </a:rPr>
-              <a:t>, </a:t>
-            </a:r>
-            <a:r>
-              <a:rPr lang="en-US" altLang="en-US" sz="2100">
-                <a:solidFill>
-                  <a:srgbClr val="0000FF"/>
-                </a:solidFill>
-                <a:latin typeface="Courier New" panose="02070309020205020404" pitchFamily="49" charset="0"/>
-                <a:cs typeface="Courier New" panose="02070309020205020404" pitchFamily="49" charset="0"/>
-              </a:rPr>
-              <a:t>0</a:t>
-            </a:r>
-            <a:r>
-              <a:rPr lang="en-US" altLang="en-US" sz="2100">
-                <a:solidFill>
-                  <a:srgbClr val="000000"/>
-                </a:solidFill>
-                <a:latin typeface="Courier New" panose="02070309020205020404" pitchFamily="49" charset="0"/>
-                <a:cs typeface="Courier New" panose="02070309020205020404" pitchFamily="49" charset="0"/>
-              </a:rPr>
-              <a:t>, </a:t>
-            </a:r>
-            <a:r>
-              <a:rPr lang="en-US" altLang="en-US" sz="2100">
-                <a:solidFill>
-                  <a:srgbClr val="0000FF"/>
-                </a:solidFill>
-                <a:latin typeface="Courier New" panose="02070309020205020404" pitchFamily="49" charset="0"/>
-                <a:cs typeface="Courier New" panose="02070309020205020404" pitchFamily="49" charset="0"/>
-              </a:rPr>
-              <a:t>0</a:t>
-            </a:r>
-            <a:r>
-              <a:rPr lang="en-US" altLang="en-US" sz="2100">
-                <a:solidFill>
-                  <a:srgbClr val="000000"/>
-                </a:solidFill>
-                <a:latin typeface="Courier New" panose="02070309020205020404" pitchFamily="49" charset="0"/>
-                <a:cs typeface="Courier New" panose="02070309020205020404" pitchFamily="49" charset="0"/>
-              </a:rPr>
-              <a:t>);</a:t>
-            </a:r>
-            <a:br>
-              <a:rPr lang="en-US" altLang="en-US" sz="2100">
-                <a:solidFill>
-                  <a:srgbClr val="000000"/>
-                </a:solidFill>
-                <a:latin typeface="Courier New" panose="02070309020205020404" pitchFamily="49" charset="0"/>
-                <a:cs typeface="Courier New" panose="02070309020205020404" pitchFamily="49" charset="0"/>
-              </a:rPr>
-            </a:br>
-            <a:r>
-              <a:rPr lang="en-US" altLang="en-US" sz="2100">
-                <a:solidFill>
-                  <a:srgbClr val="000000"/>
-                </a:solidFill>
-                <a:latin typeface="Courier New" panose="02070309020205020404" pitchFamily="49" charset="0"/>
-                <a:cs typeface="Courier New" panose="02070309020205020404" pitchFamily="49" charset="0"/>
-              </a:rPr>
-              <a:t>        Date boomStart = gmtCal.getTime();</a:t>
-            </a:r>
-            <a:br>
-              <a:rPr lang="en-US" altLang="en-US" sz="2100">
-                <a:solidFill>
-                  <a:srgbClr val="000000"/>
-                </a:solidFill>
-                <a:latin typeface="Courier New" panose="02070309020205020404" pitchFamily="49" charset="0"/>
-                <a:cs typeface="Courier New" panose="02070309020205020404" pitchFamily="49" charset="0"/>
-              </a:rPr>
-            </a:br>
-            <a:r>
-              <a:rPr lang="en-US" altLang="en-US" sz="2100">
-                <a:solidFill>
-                  <a:srgbClr val="000000"/>
-                </a:solidFill>
-                <a:latin typeface="Courier New" panose="02070309020205020404" pitchFamily="49" charset="0"/>
-                <a:cs typeface="Courier New" panose="02070309020205020404" pitchFamily="49" charset="0"/>
-              </a:rPr>
-              <a:t>        gmtCal.set(</a:t>
-            </a:r>
-            <a:r>
-              <a:rPr lang="en-US" altLang="en-US" sz="2100">
-                <a:solidFill>
-                  <a:srgbClr val="0000FF"/>
-                </a:solidFill>
-                <a:latin typeface="Courier New" panose="02070309020205020404" pitchFamily="49" charset="0"/>
-                <a:cs typeface="Courier New" panose="02070309020205020404" pitchFamily="49" charset="0"/>
-              </a:rPr>
-              <a:t>3920</a:t>
-            </a:r>
-            <a:r>
-              <a:rPr lang="en-US" altLang="en-US" sz="2100">
-                <a:solidFill>
-                  <a:srgbClr val="000000"/>
-                </a:solidFill>
-                <a:latin typeface="Courier New" panose="02070309020205020404" pitchFamily="49" charset="0"/>
-                <a:cs typeface="Courier New" panose="02070309020205020404" pitchFamily="49" charset="0"/>
-              </a:rPr>
-              <a:t>, Calendar.</a:t>
-            </a:r>
-            <a:r>
-              <a:rPr lang="en-US" altLang="en-US" sz="2100" b="1" i="1">
-                <a:solidFill>
-                  <a:srgbClr val="660E7A"/>
-                </a:solidFill>
-                <a:latin typeface="Courier New" panose="02070309020205020404" pitchFamily="49" charset="0"/>
-                <a:cs typeface="Courier New" panose="02070309020205020404" pitchFamily="49" charset="0"/>
-              </a:rPr>
-              <a:t>JANUARY</a:t>
-            </a:r>
-            <a:r>
-              <a:rPr lang="en-US" altLang="en-US" sz="2100">
-                <a:solidFill>
-                  <a:srgbClr val="000000"/>
-                </a:solidFill>
-                <a:latin typeface="Courier New" panose="02070309020205020404" pitchFamily="49" charset="0"/>
-                <a:cs typeface="Courier New" panose="02070309020205020404" pitchFamily="49" charset="0"/>
-              </a:rPr>
-              <a:t>, </a:t>
-            </a:r>
-            <a:r>
-              <a:rPr lang="en-US" altLang="en-US" sz="2100">
-                <a:solidFill>
-                  <a:srgbClr val="0000FF"/>
-                </a:solidFill>
-                <a:latin typeface="Courier New" panose="02070309020205020404" pitchFamily="49" charset="0"/>
-                <a:cs typeface="Courier New" panose="02070309020205020404" pitchFamily="49" charset="0"/>
-              </a:rPr>
-              <a:t>1</a:t>
-            </a:r>
-            <a:r>
-              <a:rPr lang="en-US" altLang="en-US" sz="2100">
-                <a:solidFill>
-                  <a:srgbClr val="000000"/>
-                </a:solidFill>
-                <a:latin typeface="Courier New" panose="02070309020205020404" pitchFamily="49" charset="0"/>
-                <a:cs typeface="Courier New" panose="02070309020205020404" pitchFamily="49" charset="0"/>
-              </a:rPr>
-              <a:t>, </a:t>
-            </a:r>
-            <a:r>
-              <a:rPr lang="en-US" altLang="en-US" sz="2100">
-                <a:solidFill>
-                  <a:srgbClr val="0000FF"/>
-                </a:solidFill>
-                <a:latin typeface="Courier New" panose="02070309020205020404" pitchFamily="49" charset="0"/>
-                <a:cs typeface="Courier New" panose="02070309020205020404" pitchFamily="49" charset="0"/>
-              </a:rPr>
-              <a:t>0</a:t>
-            </a:r>
-            <a:r>
-              <a:rPr lang="en-US" altLang="en-US" sz="2100">
-                <a:solidFill>
-                  <a:srgbClr val="000000"/>
-                </a:solidFill>
-                <a:latin typeface="Courier New" panose="02070309020205020404" pitchFamily="49" charset="0"/>
-                <a:cs typeface="Courier New" panose="02070309020205020404" pitchFamily="49" charset="0"/>
-              </a:rPr>
-              <a:t>, </a:t>
-            </a:r>
-            <a:r>
-              <a:rPr lang="en-US" altLang="en-US" sz="2100">
-                <a:solidFill>
-                  <a:srgbClr val="0000FF"/>
-                </a:solidFill>
-                <a:latin typeface="Courier New" panose="02070309020205020404" pitchFamily="49" charset="0"/>
-                <a:cs typeface="Courier New" panose="02070309020205020404" pitchFamily="49" charset="0"/>
-              </a:rPr>
-              <a:t>0</a:t>
-            </a:r>
-            <a:r>
-              <a:rPr lang="en-US" altLang="en-US" sz="2100">
-                <a:solidFill>
-                  <a:srgbClr val="000000"/>
-                </a:solidFill>
-                <a:latin typeface="Courier New" panose="02070309020205020404" pitchFamily="49" charset="0"/>
-                <a:cs typeface="Courier New" panose="02070309020205020404" pitchFamily="49" charset="0"/>
-              </a:rPr>
-              <a:t>, </a:t>
-            </a:r>
-            <a:r>
-              <a:rPr lang="en-US" altLang="en-US" sz="2100">
-                <a:solidFill>
-                  <a:srgbClr val="0000FF"/>
-                </a:solidFill>
-                <a:latin typeface="Courier New" panose="02070309020205020404" pitchFamily="49" charset="0"/>
-                <a:cs typeface="Courier New" panose="02070309020205020404" pitchFamily="49" charset="0"/>
-              </a:rPr>
-              <a:t>0</a:t>
-            </a:r>
-            <a:r>
-              <a:rPr lang="en-US" altLang="en-US" sz="2100">
-                <a:solidFill>
-                  <a:srgbClr val="000000"/>
-                </a:solidFill>
-                <a:latin typeface="Courier New" panose="02070309020205020404" pitchFamily="49" charset="0"/>
-                <a:cs typeface="Courier New" panose="02070309020205020404" pitchFamily="49" charset="0"/>
-              </a:rPr>
-              <a:t>);</a:t>
-            </a:r>
-            <a:br>
-              <a:rPr lang="en-US" altLang="en-US" sz="2100">
-                <a:solidFill>
-                  <a:srgbClr val="000000"/>
-                </a:solidFill>
-                <a:latin typeface="Courier New" panose="02070309020205020404" pitchFamily="49" charset="0"/>
-                <a:cs typeface="Courier New" panose="02070309020205020404" pitchFamily="49" charset="0"/>
-              </a:rPr>
-            </a:br>
-            <a:r>
-              <a:rPr lang="en-US" altLang="en-US" sz="2100">
-                <a:solidFill>
-                  <a:srgbClr val="000000"/>
-                </a:solidFill>
-                <a:latin typeface="Courier New" panose="02070309020205020404" pitchFamily="49" charset="0"/>
-                <a:cs typeface="Courier New" panose="02070309020205020404" pitchFamily="49" charset="0"/>
-              </a:rPr>
-              <a:t>        Date boomEnd = gmtCal.getTime();</a:t>
-            </a:r>
-            <a:br>
-              <a:rPr lang="en-US" altLang="en-US" sz="2100">
-                <a:solidFill>
-                  <a:srgbClr val="000000"/>
-                </a:solidFill>
-                <a:latin typeface="Courier New" panose="02070309020205020404" pitchFamily="49" charset="0"/>
-                <a:cs typeface="Courier New" panose="02070309020205020404" pitchFamily="49" charset="0"/>
-              </a:rPr>
-            </a:br>
-            <a:r>
-              <a:rPr lang="en-US" altLang="en-US" sz="2100">
-                <a:solidFill>
-                  <a:srgbClr val="000000"/>
-                </a:solidFill>
-                <a:latin typeface="Courier New" panose="02070309020205020404" pitchFamily="49" charset="0"/>
-                <a:cs typeface="Courier New" panose="02070309020205020404" pitchFamily="49" charset="0"/>
-              </a:rPr>
-              <a:t>        </a:t>
-            </a:r>
-            <a:r>
-              <a:rPr lang="en-US" altLang="en-US" sz="2100" b="1">
-                <a:solidFill>
-                  <a:srgbClr val="000080"/>
-                </a:solidFill>
-                <a:latin typeface="Courier New" panose="02070309020205020404" pitchFamily="49" charset="0"/>
-                <a:cs typeface="Courier New" panose="02070309020205020404" pitchFamily="49" charset="0"/>
-              </a:rPr>
-              <a:t>return </a:t>
-            </a:r>
-            <a:r>
-              <a:rPr lang="en-US" altLang="en-US" sz="2100" b="1" smtClean="0">
-                <a:solidFill>
-                  <a:srgbClr val="000080"/>
-                </a:solidFill>
-                <a:latin typeface="Courier New" panose="02070309020205020404" pitchFamily="49" charset="0"/>
-                <a:cs typeface="Courier New" panose="02070309020205020404" pitchFamily="49" charset="0"/>
-              </a:rPr>
-              <a:t>	</a:t>
-            </a:r>
-            <a:r>
-              <a:rPr lang="en-US" altLang="en-US" sz="2100" smtClean="0">
-                <a:solidFill>
-                  <a:srgbClr val="000000"/>
-                </a:solidFill>
-                <a:latin typeface="Courier New" panose="02070309020205020404" pitchFamily="49" charset="0"/>
-                <a:cs typeface="Courier New" panose="02070309020205020404" pitchFamily="49" charset="0"/>
-              </a:rPr>
-              <a:t>(</a:t>
-            </a:r>
-            <a:r>
-              <a:rPr lang="en-US" altLang="en-US" sz="2100" b="1">
-                <a:solidFill>
-                  <a:srgbClr val="660E7A"/>
-                </a:solidFill>
-                <a:latin typeface="Courier New" panose="02070309020205020404" pitchFamily="49" charset="0"/>
-                <a:cs typeface="Courier New" panose="02070309020205020404" pitchFamily="49" charset="0"/>
-              </a:rPr>
-              <a:t>birthDate</a:t>
-            </a:r>
-            <a:r>
-              <a:rPr lang="en-US" altLang="en-US" sz="2100">
-                <a:solidFill>
-                  <a:srgbClr val="000000"/>
-                </a:solidFill>
-                <a:latin typeface="Courier New" panose="02070309020205020404" pitchFamily="49" charset="0"/>
-                <a:cs typeface="Courier New" panose="02070309020205020404" pitchFamily="49" charset="0"/>
-              </a:rPr>
-              <a:t>.compareTo(boomStart) &gt;= </a:t>
-            </a:r>
-            <a:r>
-              <a:rPr lang="en-US" altLang="en-US" sz="2100">
-                <a:solidFill>
-                  <a:srgbClr val="0000FF"/>
-                </a:solidFill>
-                <a:latin typeface="Courier New" panose="02070309020205020404" pitchFamily="49" charset="0"/>
-                <a:cs typeface="Courier New" panose="02070309020205020404" pitchFamily="49" charset="0"/>
-              </a:rPr>
-              <a:t>0</a:t>
-            </a:r>
-            <a:r>
-              <a:rPr lang="en-US" altLang="en-US" sz="2100">
-                <a:solidFill>
-                  <a:srgbClr val="000000"/>
-                </a:solidFill>
-                <a:latin typeface="Courier New" panose="02070309020205020404" pitchFamily="49" charset="0"/>
-                <a:cs typeface="Courier New" panose="02070309020205020404" pitchFamily="49" charset="0"/>
-              </a:rPr>
-              <a:t>) </a:t>
-            </a:r>
-            <a:r>
-              <a:rPr lang="en-US" altLang="en-US" sz="2100">
-                <a:solidFill>
-                  <a:srgbClr val="000000"/>
-                </a:solidFill>
-                <a:latin typeface="Courier New" panose="02070309020205020404" pitchFamily="49" charset="0"/>
-                <a:cs typeface="Courier New" panose="02070309020205020404" pitchFamily="49" charset="0"/>
-              </a:rPr>
-              <a:t>&amp;&amp; </a:t>
-            </a:r>
-            <a:r>
-              <a:rPr lang="en-US" altLang="en-US" sz="2100" smtClean="0">
-                <a:solidFill>
-                  <a:srgbClr val="000000"/>
-                </a:solidFill>
-                <a:latin typeface="Courier New" panose="02070309020205020404" pitchFamily="49" charset="0"/>
-                <a:cs typeface="Courier New" panose="02070309020205020404" pitchFamily="49" charset="0"/>
-              </a:rPr>
-              <a:t>					(</a:t>
-            </a:r>
-            <a:r>
-              <a:rPr lang="en-US" altLang="en-US" sz="2100" b="1">
-                <a:solidFill>
-                  <a:srgbClr val="660E7A"/>
-                </a:solidFill>
-                <a:latin typeface="Courier New" panose="02070309020205020404" pitchFamily="49" charset="0"/>
-                <a:cs typeface="Courier New" panose="02070309020205020404" pitchFamily="49" charset="0"/>
-              </a:rPr>
-              <a:t>birthDate</a:t>
-            </a:r>
-            <a:r>
-              <a:rPr lang="en-US" altLang="en-US" sz="2100">
-                <a:solidFill>
-                  <a:srgbClr val="000000"/>
-                </a:solidFill>
-                <a:latin typeface="Courier New" panose="02070309020205020404" pitchFamily="49" charset="0"/>
-                <a:cs typeface="Courier New" panose="02070309020205020404" pitchFamily="49" charset="0"/>
-              </a:rPr>
-              <a:t>.compareTo(boomEnd) &lt; </a:t>
-            </a:r>
-            <a:r>
-              <a:rPr lang="en-US" altLang="en-US" sz="2100">
-                <a:solidFill>
-                  <a:srgbClr val="0000FF"/>
-                </a:solidFill>
-                <a:latin typeface="Courier New" panose="02070309020205020404" pitchFamily="49" charset="0"/>
-                <a:cs typeface="Courier New" panose="02070309020205020404" pitchFamily="49" charset="0"/>
-              </a:rPr>
-              <a:t>0</a:t>
-            </a:r>
-            <a:r>
-              <a:rPr lang="en-US" altLang="en-US" sz="2100">
-                <a:solidFill>
-                  <a:srgbClr val="000000"/>
-                </a:solidFill>
-                <a:latin typeface="Courier New" panose="02070309020205020404" pitchFamily="49" charset="0"/>
-                <a:cs typeface="Courier New" panose="02070309020205020404" pitchFamily="49" charset="0"/>
-              </a:rPr>
-              <a:t>);</a:t>
-            </a:r>
-            <a:br>
-              <a:rPr lang="en-US" altLang="en-US" sz="2100">
-                <a:solidFill>
-                  <a:srgbClr val="000000"/>
-                </a:solidFill>
-                <a:latin typeface="Courier New" panose="02070309020205020404" pitchFamily="49" charset="0"/>
-                <a:cs typeface="Courier New" panose="02070309020205020404" pitchFamily="49" charset="0"/>
-              </a:rPr>
-            </a:br>
-            <a:r>
-              <a:rPr lang="en-US" altLang="en-US" sz="2100">
-                <a:solidFill>
-                  <a:srgbClr val="000000"/>
-                </a:solidFill>
-                <a:latin typeface="Courier New" panose="02070309020205020404" pitchFamily="49" charset="0"/>
-                <a:cs typeface="Courier New" panose="02070309020205020404" pitchFamily="49" charset="0"/>
-              </a:rPr>
-              <a:t>    }</a:t>
-            </a:r>
-            <a:br>
-              <a:rPr lang="en-US" altLang="en-US" sz="2100">
-                <a:solidFill>
-                  <a:srgbClr val="000000"/>
-                </a:solidFill>
-                <a:latin typeface="Courier New" panose="02070309020205020404" pitchFamily="49" charset="0"/>
-                <a:cs typeface="Courier New" panose="02070309020205020404" pitchFamily="49" charset="0"/>
-              </a:rPr>
-            </a:br>
-            <a:r>
-              <a:rPr lang="en-US" altLang="en-US" sz="2100">
-                <a:solidFill>
-                  <a:srgbClr val="000000"/>
-                </a:solidFill>
-                <a:latin typeface="Courier New" panose="02070309020205020404" pitchFamily="49" charset="0"/>
-                <a:cs typeface="Courier New" panose="02070309020205020404" pitchFamily="49" charset="0"/>
-              </a:rPr>
-              <a:t>}</a:t>
-            </a:r>
-            <a:endParaRPr lang="en-US" altLang="en-US" sz="2100">
-              <a:solidFill>
-                <a:schemeClr val="tx1"/>
-              </a:solidFill>
-              <a:latin typeface="Arial" panose="020B0604020202020204" pitchFamily="34" charset="0"/>
-            </a:endParaRPr>
-          </a:p>
-          <a:p>
-            <a:pPr marL="0" indent="0">
-              <a:buNone/>
-            </a:pPr>
-            <a:endParaRPr lang="en-US" b="1"/>
-          </a:p>
-        </p:txBody>
-      </p:sp>
     </p:spTree>
     <p:extLst>
       <p:ext uri="{BB962C8B-B14F-4D97-AF65-F5344CB8AC3E}">
-        <p14:creationId xmlns:p14="http://schemas.microsoft.com/office/powerpoint/2010/main" val="2566103996"/>
+        <p14:creationId xmlns:p14="http://schemas.microsoft.com/office/powerpoint/2010/main" val="859885415"/>
       </p:ext>
     </p:extLst>
   </p:cSld>
@@ -8983,1146 +9304,129 @@
             <p:ph idx="1"/>
           </p:nvPr>
         </p:nvSpPr>
-        <p:spPr>
-          <a:xfrm>
-            <a:off x="1176865" y="2490135"/>
-            <a:ext cx="7524373" cy="3444997"/>
-          </a:xfrm>
-        </p:spPr>
+        <p:spPr/>
         <p:txBody>
           <a:bodyPr>
-            <a:normAutofit fontScale="25000" lnSpcReduction="20000"/>
+            <a:normAutofit lnSpcReduction="10000"/>
           </a:bodyPr>
           <a:lstStyle/>
           <a:p>
-            <a:pPr marL="0" indent="0">
-              <a:buNone/>
-            </a:pPr>
-            <a:r>
-              <a:rPr lang="en-US" sz="4900">
+            <a:r>
+              <a:rPr lang="en-US" sz="2000">
                 <a:latin typeface="Arial" panose="020B0604020202020204" pitchFamily="34" charset="0"/>
                 <a:cs typeface="Arial" panose="020B0604020202020204" pitchFamily="34" charset="0"/>
               </a:rPr>
-              <a:t>+ </a:t>
-            </a:r>
-            <a:r>
-              <a:rPr lang="en-US" sz="4900" smtClean="0">
+              <a:t>Priority use </a:t>
+            </a:r>
+            <a:r>
+              <a:rPr lang="en-US" sz="2000" smtClean="0">
                 <a:latin typeface="Arial" panose="020B0604020202020204" pitchFamily="34" charset="0"/>
                 <a:cs typeface="Arial" panose="020B0604020202020204" pitchFamily="34" charset="0"/>
               </a:rPr>
-              <a:t>ex3: </a:t>
-            </a:r>
-          </a:p>
-          <a:p>
-            <a:pPr marL="0" lvl="0" indent="0">
+              <a:t>primitive </a:t>
+            </a:r>
+            <a:r>
+              <a:rPr lang="en-US" sz="2000">
+                <a:latin typeface="Arial" panose="020B0604020202020204" pitchFamily="34" charset="0"/>
+                <a:cs typeface="Arial" panose="020B0604020202020204" pitchFamily="34" charset="0"/>
+              </a:rPr>
+              <a:t>data types for </a:t>
+            </a:r>
+            <a:r>
+              <a:rPr lang="en-US" sz="2000" smtClean="0">
+                <a:latin typeface="Arial" panose="020B0604020202020204" pitchFamily="34" charset="0"/>
+                <a:cs typeface="Arial" panose="020B0604020202020204" pitchFamily="34" charset="0"/>
+              </a:rPr>
+              <a:t>the variables</a:t>
+            </a:r>
+          </a:p>
+          <a:p>
+            <a:pPr marL="0" indent="0">
               <a:buNone/>
             </a:pPr>
             <a:r>
-              <a:rPr lang="en-US" altLang="en-US" sz="5600" b="1">
-                <a:solidFill>
-                  <a:srgbClr val="000080"/>
-                </a:solidFill>
-                <a:latin typeface="Courier New" panose="02070309020205020404" pitchFamily="49" charset="0"/>
-                <a:cs typeface="Courier New" panose="02070309020205020404" pitchFamily="49" charset="0"/>
-              </a:rPr>
-              <a:t>class </a:t>
-            </a:r>
-            <a:r>
-              <a:rPr lang="en-US" altLang="en-US" sz="5600">
-                <a:solidFill>
-                  <a:srgbClr val="000000"/>
-                </a:solidFill>
-                <a:latin typeface="Courier New" panose="02070309020205020404" pitchFamily="49" charset="0"/>
-                <a:cs typeface="Courier New" panose="02070309020205020404" pitchFamily="49" charset="0"/>
-              </a:rPr>
-              <a:t>Person2{</a:t>
-            </a:r>
-            <a:br>
-              <a:rPr lang="en-US" altLang="en-US" sz="5600">
-                <a:solidFill>
-                  <a:srgbClr val="000000"/>
-                </a:solidFill>
-                <a:latin typeface="Courier New" panose="02070309020205020404" pitchFamily="49" charset="0"/>
-                <a:cs typeface="Courier New" panose="02070309020205020404" pitchFamily="49" charset="0"/>
-              </a:rPr>
-            </a:br>
-            <a:r>
-              <a:rPr lang="en-US" altLang="en-US" sz="5600">
-                <a:solidFill>
-                  <a:srgbClr val="000000"/>
-                </a:solidFill>
-                <a:latin typeface="Courier New" panose="02070309020205020404" pitchFamily="49" charset="0"/>
-                <a:cs typeface="Courier New" panose="02070309020205020404" pitchFamily="49" charset="0"/>
-              </a:rPr>
-              <a:t>    </a:t>
-            </a:r>
-            <a:r>
-              <a:rPr lang="en-US" altLang="en-US" sz="5600" b="1">
-                <a:solidFill>
-                  <a:srgbClr val="000080"/>
-                </a:solidFill>
-                <a:latin typeface="Courier New" panose="02070309020205020404" pitchFamily="49" charset="0"/>
-                <a:cs typeface="Courier New" panose="02070309020205020404" pitchFamily="49" charset="0"/>
-              </a:rPr>
-              <a:t>private </a:t>
-            </a:r>
-            <a:r>
-              <a:rPr lang="en-US" altLang="en-US" sz="5600">
-                <a:solidFill>
-                  <a:srgbClr val="000000"/>
-                </a:solidFill>
-                <a:latin typeface="Courier New" panose="02070309020205020404" pitchFamily="49" charset="0"/>
-                <a:cs typeface="Courier New" panose="02070309020205020404" pitchFamily="49" charset="0"/>
-              </a:rPr>
-              <a:t>Date </a:t>
-            </a:r>
-            <a:r>
-              <a:rPr lang="en-US" altLang="en-US" sz="5600" b="1">
-                <a:solidFill>
-                  <a:srgbClr val="660E7A"/>
-                </a:solidFill>
-                <a:latin typeface="Courier New" panose="02070309020205020404" pitchFamily="49" charset="0"/>
-                <a:cs typeface="Courier New" panose="02070309020205020404" pitchFamily="49" charset="0"/>
-              </a:rPr>
-              <a:t>birthDate </a:t>
-            </a:r>
-            <a:r>
-              <a:rPr lang="en-US" altLang="en-US" sz="5600">
-                <a:solidFill>
-                  <a:srgbClr val="000000"/>
-                </a:solidFill>
-                <a:latin typeface="Courier New" panose="02070309020205020404" pitchFamily="49" charset="0"/>
-                <a:cs typeface="Courier New" panose="02070309020205020404" pitchFamily="49" charset="0"/>
-              </a:rPr>
-              <a:t>= </a:t>
-            </a:r>
-            <a:r>
-              <a:rPr lang="en-US" altLang="en-US" sz="5600" b="1">
-                <a:solidFill>
-                  <a:srgbClr val="000080"/>
-                </a:solidFill>
-                <a:latin typeface="Courier New" panose="02070309020205020404" pitchFamily="49" charset="0"/>
-                <a:cs typeface="Courier New" panose="02070309020205020404" pitchFamily="49" charset="0"/>
-              </a:rPr>
-              <a:t>new </a:t>
-            </a:r>
-            <a:r>
-              <a:rPr lang="en-US" altLang="en-US" sz="5600">
-                <a:solidFill>
-                  <a:srgbClr val="000000"/>
-                </a:solidFill>
-                <a:latin typeface="Courier New" panose="02070309020205020404" pitchFamily="49" charset="0"/>
-                <a:cs typeface="Courier New" panose="02070309020205020404" pitchFamily="49" charset="0"/>
-              </a:rPr>
-              <a:t>Date(</a:t>
-            </a:r>
-            <a:r>
-              <a:rPr lang="en-US" altLang="en-US" sz="5600">
-                <a:solidFill>
-                  <a:srgbClr val="0000FF"/>
-                </a:solidFill>
-                <a:latin typeface="Courier New" panose="02070309020205020404" pitchFamily="49" charset="0"/>
-                <a:cs typeface="Courier New" panose="02070309020205020404" pitchFamily="49" charset="0"/>
-              </a:rPr>
-              <a:t>2000</a:t>
-            </a:r>
-            <a:r>
-              <a:rPr lang="en-US" altLang="en-US" sz="5600">
-                <a:solidFill>
-                  <a:srgbClr val="000000"/>
-                </a:solidFill>
-                <a:latin typeface="Courier New" panose="02070309020205020404" pitchFamily="49" charset="0"/>
-                <a:cs typeface="Courier New" panose="02070309020205020404" pitchFamily="49" charset="0"/>
-              </a:rPr>
-              <a:t>,</a:t>
-            </a:r>
-            <a:r>
-              <a:rPr lang="en-US" altLang="en-US" sz="5600">
-                <a:solidFill>
-                  <a:srgbClr val="0000FF"/>
-                </a:solidFill>
-                <a:latin typeface="Courier New" panose="02070309020205020404" pitchFamily="49" charset="0"/>
-                <a:cs typeface="Courier New" panose="02070309020205020404" pitchFamily="49" charset="0"/>
-              </a:rPr>
-              <a:t>1</a:t>
-            </a:r>
-            <a:r>
-              <a:rPr lang="en-US" altLang="en-US" sz="5600">
-                <a:solidFill>
-                  <a:srgbClr val="000000"/>
-                </a:solidFill>
-                <a:latin typeface="Courier New" panose="02070309020205020404" pitchFamily="49" charset="0"/>
-                <a:cs typeface="Courier New" panose="02070309020205020404" pitchFamily="49" charset="0"/>
-              </a:rPr>
-              <a:t>,</a:t>
-            </a:r>
-            <a:r>
-              <a:rPr lang="en-US" altLang="en-US" sz="5600">
-                <a:solidFill>
-                  <a:srgbClr val="0000FF"/>
-                </a:solidFill>
-                <a:latin typeface="Courier New" panose="02070309020205020404" pitchFamily="49" charset="0"/>
-                <a:cs typeface="Courier New" panose="02070309020205020404" pitchFamily="49" charset="0"/>
-              </a:rPr>
-              <a:t>1</a:t>
-            </a:r>
-            <a:r>
-              <a:rPr lang="en-US" altLang="en-US" sz="5600">
-                <a:solidFill>
-                  <a:srgbClr val="000000"/>
-                </a:solidFill>
-                <a:latin typeface="Courier New" panose="02070309020205020404" pitchFamily="49" charset="0"/>
-                <a:cs typeface="Courier New" panose="02070309020205020404" pitchFamily="49" charset="0"/>
-              </a:rPr>
+              <a:rPr lang="en-US" sz="2000" smtClean="0"/>
+              <a:t>	public </a:t>
+            </a:r>
+            <a:r>
+              <a:rPr lang="en-US" sz="2000"/>
+              <a:t>static void main(String[] args) {</a:t>
+            </a:r>
+          </a:p>
+          <a:p>
+            <a:pPr marL="0" indent="0">
+              <a:buNone/>
+            </a:pPr>
+            <a:r>
+              <a:rPr lang="en-US" sz="2000" smtClean="0"/>
+              <a:t>		Long </a:t>
+            </a:r>
+            <a:r>
+              <a:rPr lang="en-US" sz="2000"/>
+              <a:t>sum = 0L;</a:t>
+            </a:r>
+          </a:p>
+          <a:p>
+            <a:pPr marL="0" indent="0">
+              <a:buNone/>
+            </a:pPr>
+            <a:r>
+              <a:rPr lang="en-US" sz="2000" smtClean="0"/>
+              <a:t>		for </a:t>
+            </a:r>
+            <a:r>
+              <a:rPr lang="en-US" sz="2000"/>
+              <a:t>(long i = 0; i &lt; Integer.MAX_VALUE; i++) {</a:t>
+            </a:r>
+          </a:p>
+          <a:p>
+            <a:pPr marL="0" indent="0">
+              <a:buNone/>
+            </a:pPr>
+            <a:r>
+              <a:rPr lang="en-US" sz="2000" smtClean="0"/>
+              <a:t>			sum </a:t>
+            </a:r>
+            <a:r>
+              <a:rPr lang="en-US" sz="2000"/>
+              <a:t>+= i;</a:t>
+            </a:r>
+          </a:p>
+          <a:p>
+            <a:pPr marL="0" indent="0">
+              <a:buNone/>
+            </a:pPr>
+            <a:r>
+              <a:rPr lang="en-US" sz="2000" smtClean="0"/>
+              <a:t>		}</a:t>
+            </a:r>
+            <a:endParaRPr lang="en-US" sz="2000"/>
+          </a:p>
+          <a:p>
+            <a:pPr marL="0" indent="0">
+              <a:buNone/>
+            </a:pPr>
+            <a:r>
+              <a:rPr lang="en-US" sz="2000" smtClean="0"/>
+              <a:t>		System.out.println(sum</a:t>
+            </a:r>
+            <a:r>
+              <a:rPr lang="en-US" sz="2000"/>
               <a:t>);</a:t>
             </a:r>
-            <a:br>
-              <a:rPr lang="en-US" altLang="en-US" sz="5600">
-                <a:solidFill>
-                  <a:srgbClr val="000000"/>
-                </a:solidFill>
-                <a:latin typeface="Courier New" panose="02070309020205020404" pitchFamily="49" charset="0"/>
-                <a:cs typeface="Courier New" panose="02070309020205020404" pitchFamily="49" charset="0"/>
-              </a:rPr>
-            </a:br>
-            <a:r>
-              <a:rPr lang="en-US" altLang="en-US" sz="5600">
-                <a:solidFill>
-                  <a:srgbClr val="000000"/>
-                </a:solidFill>
-                <a:latin typeface="Courier New" panose="02070309020205020404" pitchFamily="49" charset="0"/>
-                <a:cs typeface="Courier New" panose="02070309020205020404" pitchFamily="49" charset="0"/>
-              </a:rPr>
-              <a:t>    </a:t>
-            </a:r>
-            <a:r>
-              <a:rPr lang="en-US" altLang="en-US" sz="5600" b="1">
-                <a:solidFill>
-                  <a:srgbClr val="000080"/>
-                </a:solidFill>
-                <a:latin typeface="Courier New" panose="02070309020205020404" pitchFamily="49" charset="0"/>
-                <a:cs typeface="Courier New" panose="02070309020205020404" pitchFamily="49" charset="0"/>
-              </a:rPr>
-              <a:t>static final </a:t>
-            </a:r>
-            <a:r>
-              <a:rPr lang="en-US" altLang="en-US" sz="5600">
-                <a:solidFill>
-                  <a:srgbClr val="000000"/>
-                </a:solidFill>
-                <a:latin typeface="Courier New" panose="02070309020205020404" pitchFamily="49" charset="0"/>
-                <a:cs typeface="Courier New" panose="02070309020205020404" pitchFamily="49" charset="0"/>
-              </a:rPr>
-              <a:t>Date </a:t>
-            </a:r>
-            <a:r>
-              <a:rPr lang="en-US" altLang="en-US" sz="5600" b="1" i="1">
-                <a:solidFill>
-                  <a:srgbClr val="660E7A"/>
-                </a:solidFill>
-                <a:latin typeface="Courier New" panose="02070309020205020404" pitchFamily="49" charset="0"/>
-                <a:cs typeface="Courier New" panose="02070309020205020404" pitchFamily="49" charset="0"/>
-              </a:rPr>
-              <a:t>BOOMSTART</a:t>
-            </a:r>
-            <a:r>
-              <a:rPr lang="en-US" altLang="en-US" sz="5600">
-                <a:solidFill>
-                  <a:srgbClr val="000000"/>
-                </a:solidFill>
-                <a:latin typeface="Courier New" panose="02070309020205020404" pitchFamily="49" charset="0"/>
-                <a:cs typeface="Courier New" panose="02070309020205020404" pitchFamily="49" charset="0"/>
-              </a:rPr>
-              <a:t>;</a:t>
-            </a:r>
-            <a:br>
-              <a:rPr lang="en-US" altLang="en-US" sz="5600">
-                <a:solidFill>
-                  <a:srgbClr val="000000"/>
-                </a:solidFill>
-                <a:latin typeface="Courier New" panose="02070309020205020404" pitchFamily="49" charset="0"/>
-                <a:cs typeface="Courier New" panose="02070309020205020404" pitchFamily="49" charset="0"/>
-              </a:rPr>
-            </a:br>
-            <a:r>
-              <a:rPr lang="en-US" altLang="en-US" sz="5600">
-                <a:solidFill>
-                  <a:srgbClr val="000000"/>
-                </a:solidFill>
-                <a:latin typeface="Courier New" panose="02070309020205020404" pitchFamily="49" charset="0"/>
-                <a:cs typeface="Courier New" panose="02070309020205020404" pitchFamily="49" charset="0"/>
-              </a:rPr>
-              <a:t>    </a:t>
-            </a:r>
-            <a:r>
-              <a:rPr lang="en-US" altLang="en-US" sz="5600" b="1">
-                <a:solidFill>
-                  <a:srgbClr val="000080"/>
-                </a:solidFill>
-                <a:latin typeface="Courier New" panose="02070309020205020404" pitchFamily="49" charset="0"/>
-                <a:cs typeface="Courier New" panose="02070309020205020404" pitchFamily="49" charset="0"/>
-              </a:rPr>
-              <a:t>static final </a:t>
-            </a:r>
-            <a:r>
-              <a:rPr lang="en-US" altLang="en-US" sz="5600">
-                <a:solidFill>
-                  <a:srgbClr val="000000"/>
-                </a:solidFill>
-                <a:latin typeface="Courier New" panose="02070309020205020404" pitchFamily="49" charset="0"/>
-                <a:cs typeface="Courier New" panose="02070309020205020404" pitchFamily="49" charset="0"/>
-              </a:rPr>
-              <a:t>Date </a:t>
-            </a:r>
-            <a:r>
-              <a:rPr lang="en-US" altLang="en-US" sz="5600" b="1" i="1">
-                <a:solidFill>
-                  <a:srgbClr val="660E7A"/>
-                </a:solidFill>
-                <a:latin typeface="Courier New" panose="02070309020205020404" pitchFamily="49" charset="0"/>
-                <a:cs typeface="Courier New" panose="02070309020205020404" pitchFamily="49" charset="0"/>
-              </a:rPr>
-              <a:t>BOOMEND</a:t>
-            </a:r>
-            <a:r>
-              <a:rPr lang="en-US" altLang="en-US" sz="5600">
-                <a:solidFill>
-                  <a:srgbClr val="000000"/>
-                </a:solidFill>
-                <a:latin typeface="Courier New" panose="02070309020205020404" pitchFamily="49" charset="0"/>
-                <a:cs typeface="Courier New" panose="02070309020205020404" pitchFamily="49" charset="0"/>
-              </a:rPr>
-              <a:t>;</a:t>
-            </a:r>
-            <a:br>
-              <a:rPr lang="en-US" altLang="en-US" sz="5600">
-                <a:solidFill>
-                  <a:srgbClr val="000000"/>
-                </a:solidFill>
-                <a:latin typeface="Courier New" panose="02070309020205020404" pitchFamily="49" charset="0"/>
-                <a:cs typeface="Courier New" panose="02070309020205020404" pitchFamily="49" charset="0"/>
-              </a:rPr>
-            </a:br>
-            <a:r>
-              <a:rPr lang="en-US" altLang="en-US" sz="5600">
-                <a:solidFill>
-                  <a:srgbClr val="000000"/>
-                </a:solidFill>
-                <a:latin typeface="Courier New" panose="02070309020205020404" pitchFamily="49" charset="0"/>
-                <a:cs typeface="Courier New" panose="02070309020205020404" pitchFamily="49" charset="0"/>
-              </a:rPr>
-              <a:t/>
-            </a:r>
-            <a:br>
-              <a:rPr lang="en-US" altLang="en-US" sz="5600">
-                <a:solidFill>
-                  <a:srgbClr val="000000"/>
-                </a:solidFill>
-                <a:latin typeface="Courier New" panose="02070309020205020404" pitchFamily="49" charset="0"/>
-                <a:cs typeface="Courier New" panose="02070309020205020404" pitchFamily="49" charset="0"/>
-              </a:rPr>
-            </a:br>
-            <a:r>
-              <a:rPr lang="en-US" altLang="en-US" sz="5600">
-                <a:solidFill>
-                  <a:srgbClr val="000000"/>
-                </a:solidFill>
-                <a:latin typeface="Courier New" panose="02070309020205020404" pitchFamily="49" charset="0"/>
-                <a:cs typeface="Courier New" panose="02070309020205020404" pitchFamily="49" charset="0"/>
-              </a:rPr>
-              <a:t>    </a:t>
-            </a:r>
-            <a:r>
-              <a:rPr lang="en-US" altLang="en-US" sz="5600" b="1">
-                <a:solidFill>
-                  <a:srgbClr val="000080"/>
-                </a:solidFill>
-                <a:latin typeface="Courier New" panose="02070309020205020404" pitchFamily="49" charset="0"/>
-                <a:cs typeface="Courier New" panose="02070309020205020404" pitchFamily="49" charset="0"/>
-              </a:rPr>
-              <a:t>static </a:t>
-            </a:r>
-            <a:r>
-              <a:rPr lang="en-US" altLang="en-US" sz="5600">
-                <a:solidFill>
-                  <a:srgbClr val="000000"/>
-                </a:solidFill>
-                <a:latin typeface="Courier New" panose="02070309020205020404" pitchFamily="49" charset="0"/>
-                <a:cs typeface="Courier New" panose="02070309020205020404" pitchFamily="49" charset="0"/>
-              </a:rPr>
-              <a:t>{</a:t>
-            </a:r>
-            <a:br>
-              <a:rPr lang="en-US" altLang="en-US" sz="5600">
-                <a:solidFill>
-                  <a:srgbClr val="000000"/>
-                </a:solidFill>
-                <a:latin typeface="Courier New" panose="02070309020205020404" pitchFamily="49" charset="0"/>
-                <a:cs typeface="Courier New" panose="02070309020205020404" pitchFamily="49" charset="0"/>
-              </a:rPr>
-            </a:br>
-            <a:r>
-              <a:rPr lang="en-US" altLang="en-US" sz="5600">
-                <a:solidFill>
-                  <a:srgbClr val="000000"/>
-                </a:solidFill>
-                <a:latin typeface="Courier New" panose="02070309020205020404" pitchFamily="49" charset="0"/>
-                <a:cs typeface="Courier New" panose="02070309020205020404" pitchFamily="49" charset="0"/>
-              </a:rPr>
-              <a:t>        Calendar gmtCal </a:t>
-            </a:r>
-            <a:r>
-              <a:rPr lang="en-US" altLang="en-US" sz="5600">
-                <a:solidFill>
-                  <a:srgbClr val="000000"/>
-                </a:solidFill>
-                <a:latin typeface="Courier New" panose="02070309020205020404" pitchFamily="49" charset="0"/>
-                <a:cs typeface="Courier New" panose="02070309020205020404" pitchFamily="49" charset="0"/>
-              </a:rPr>
-              <a:t>= </a:t>
-            </a:r>
-            <a:r>
-              <a:rPr lang="en-US" altLang="en-US" sz="5600" smtClean="0">
-                <a:solidFill>
-                  <a:srgbClr val="000000"/>
-                </a:solidFill>
-                <a:latin typeface="Courier New" panose="02070309020205020404" pitchFamily="49" charset="0"/>
-                <a:cs typeface="Courier New" panose="02070309020205020404" pitchFamily="49" charset="0"/>
-              </a:rPr>
-              <a:t>				 										Calendar.</a:t>
-            </a:r>
-            <a:r>
-              <a:rPr lang="en-US" altLang="en-US" sz="5600" i="1" smtClean="0">
-                <a:solidFill>
-                  <a:srgbClr val="000000"/>
-                </a:solidFill>
-                <a:latin typeface="Courier New" panose="02070309020205020404" pitchFamily="49" charset="0"/>
-                <a:cs typeface="Courier New" panose="02070309020205020404" pitchFamily="49" charset="0"/>
-              </a:rPr>
-              <a:t>getInstance</a:t>
-            </a:r>
-            <a:r>
-              <a:rPr lang="en-US" altLang="en-US" sz="5600" smtClean="0">
-                <a:solidFill>
-                  <a:srgbClr val="000000"/>
-                </a:solidFill>
-                <a:latin typeface="Courier New" panose="02070309020205020404" pitchFamily="49" charset="0"/>
-                <a:cs typeface="Courier New" panose="02070309020205020404" pitchFamily="49" charset="0"/>
-              </a:rPr>
-              <a:t>(TimeZone.</a:t>
-            </a:r>
-            <a:r>
-              <a:rPr lang="en-US" altLang="en-US" sz="5600" i="1" smtClean="0">
-                <a:solidFill>
-                  <a:srgbClr val="000000"/>
-                </a:solidFill>
-                <a:latin typeface="Courier New" panose="02070309020205020404" pitchFamily="49" charset="0"/>
-                <a:cs typeface="Courier New" panose="02070309020205020404" pitchFamily="49" charset="0"/>
-              </a:rPr>
-              <a:t>getTimeZone</a:t>
-            </a:r>
-            <a:r>
-              <a:rPr lang="en-US" altLang="en-US" sz="5600">
-                <a:solidFill>
-                  <a:srgbClr val="000000"/>
-                </a:solidFill>
-                <a:latin typeface="Courier New" panose="02070309020205020404" pitchFamily="49" charset="0"/>
-                <a:cs typeface="Courier New" panose="02070309020205020404" pitchFamily="49" charset="0"/>
-              </a:rPr>
-              <a:t>(</a:t>
-            </a:r>
-            <a:r>
-              <a:rPr lang="en-US" altLang="en-US" sz="5600" b="1">
-                <a:solidFill>
-                  <a:srgbClr val="008000"/>
-                </a:solidFill>
-                <a:latin typeface="Courier New" panose="02070309020205020404" pitchFamily="49" charset="0"/>
-                <a:cs typeface="Courier New" panose="02070309020205020404" pitchFamily="49" charset="0"/>
-              </a:rPr>
-              <a:t>"GMT"</a:t>
-            </a:r>
-            <a:r>
-              <a:rPr lang="en-US" altLang="en-US" sz="5600">
-                <a:solidFill>
-                  <a:srgbClr val="000000"/>
-                </a:solidFill>
-                <a:latin typeface="Courier New" panose="02070309020205020404" pitchFamily="49" charset="0"/>
-                <a:cs typeface="Courier New" panose="02070309020205020404" pitchFamily="49" charset="0"/>
-              </a:rPr>
-              <a:t>));</a:t>
-            </a:r>
-            <a:br>
-              <a:rPr lang="en-US" altLang="en-US" sz="5600">
-                <a:solidFill>
-                  <a:srgbClr val="000000"/>
-                </a:solidFill>
-                <a:latin typeface="Courier New" panose="02070309020205020404" pitchFamily="49" charset="0"/>
-                <a:cs typeface="Courier New" panose="02070309020205020404" pitchFamily="49" charset="0"/>
-              </a:rPr>
-            </a:br>
-            <a:r>
-              <a:rPr lang="en-US" altLang="en-US" sz="5600">
-                <a:solidFill>
-                  <a:srgbClr val="000000"/>
-                </a:solidFill>
-                <a:latin typeface="Courier New" panose="02070309020205020404" pitchFamily="49" charset="0"/>
-                <a:cs typeface="Courier New" panose="02070309020205020404" pitchFamily="49" charset="0"/>
-              </a:rPr>
-              <a:t>        gmtCal.set(</a:t>
-            </a:r>
-            <a:r>
-              <a:rPr lang="en-US" altLang="en-US" sz="5600">
-                <a:solidFill>
-                  <a:srgbClr val="0000FF"/>
-                </a:solidFill>
-                <a:latin typeface="Courier New" panose="02070309020205020404" pitchFamily="49" charset="0"/>
-                <a:cs typeface="Courier New" panose="02070309020205020404" pitchFamily="49" charset="0"/>
-              </a:rPr>
-              <a:t>3900</a:t>
-            </a:r>
-            <a:r>
-              <a:rPr lang="en-US" altLang="en-US" sz="5600">
-                <a:solidFill>
-                  <a:srgbClr val="000000"/>
-                </a:solidFill>
-                <a:latin typeface="Courier New" panose="02070309020205020404" pitchFamily="49" charset="0"/>
-                <a:cs typeface="Courier New" panose="02070309020205020404" pitchFamily="49" charset="0"/>
-              </a:rPr>
-              <a:t>, Calendar.</a:t>
-            </a:r>
-            <a:r>
-              <a:rPr lang="en-US" altLang="en-US" sz="5600" b="1" i="1">
-                <a:solidFill>
-                  <a:srgbClr val="660E7A"/>
-                </a:solidFill>
-                <a:latin typeface="Courier New" panose="02070309020205020404" pitchFamily="49" charset="0"/>
-                <a:cs typeface="Courier New" panose="02070309020205020404" pitchFamily="49" charset="0"/>
-              </a:rPr>
-              <a:t>JANUARY</a:t>
-            </a:r>
-            <a:r>
-              <a:rPr lang="en-US" altLang="en-US" sz="5600">
-                <a:solidFill>
-                  <a:srgbClr val="000000"/>
-                </a:solidFill>
-                <a:latin typeface="Courier New" panose="02070309020205020404" pitchFamily="49" charset="0"/>
-                <a:cs typeface="Courier New" panose="02070309020205020404" pitchFamily="49" charset="0"/>
-              </a:rPr>
-              <a:t>, </a:t>
-            </a:r>
-            <a:r>
-              <a:rPr lang="en-US" altLang="en-US" sz="5600">
-                <a:solidFill>
-                  <a:srgbClr val="0000FF"/>
-                </a:solidFill>
-                <a:latin typeface="Courier New" panose="02070309020205020404" pitchFamily="49" charset="0"/>
-                <a:cs typeface="Courier New" panose="02070309020205020404" pitchFamily="49" charset="0"/>
-              </a:rPr>
-              <a:t>1</a:t>
-            </a:r>
-            <a:r>
-              <a:rPr lang="en-US" altLang="en-US" sz="5600">
-                <a:solidFill>
-                  <a:srgbClr val="000000"/>
-                </a:solidFill>
-                <a:latin typeface="Courier New" panose="02070309020205020404" pitchFamily="49" charset="0"/>
-                <a:cs typeface="Courier New" panose="02070309020205020404" pitchFamily="49" charset="0"/>
-              </a:rPr>
-              <a:t>, </a:t>
-            </a:r>
-            <a:r>
-              <a:rPr lang="en-US" altLang="en-US" sz="5600">
-                <a:solidFill>
-                  <a:srgbClr val="0000FF"/>
-                </a:solidFill>
-                <a:latin typeface="Courier New" panose="02070309020205020404" pitchFamily="49" charset="0"/>
-                <a:cs typeface="Courier New" panose="02070309020205020404" pitchFamily="49" charset="0"/>
-              </a:rPr>
-              <a:t>0</a:t>
-            </a:r>
-            <a:r>
-              <a:rPr lang="en-US" altLang="en-US" sz="5600">
-                <a:solidFill>
-                  <a:srgbClr val="000000"/>
-                </a:solidFill>
-                <a:latin typeface="Courier New" panose="02070309020205020404" pitchFamily="49" charset="0"/>
-                <a:cs typeface="Courier New" panose="02070309020205020404" pitchFamily="49" charset="0"/>
-              </a:rPr>
-              <a:t>, </a:t>
-            </a:r>
-            <a:r>
-              <a:rPr lang="en-US" altLang="en-US" sz="5600">
-                <a:solidFill>
-                  <a:srgbClr val="0000FF"/>
-                </a:solidFill>
-                <a:latin typeface="Courier New" panose="02070309020205020404" pitchFamily="49" charset="0"/>
-                <a:cs typeface="Courier New" panose="02070309020205020404" pitchFamily="49" charset="0"/>
-              </a:rPr>
-              <a:t>0</a:t>
-            </a:r>
-            <a:r>
-              <a:rPr lang="en-US" altLang="en-US" sz="5600">
-                <a:solidFill>
-                  <a:srgbClr val="000000"/>
-                </a:solidFill>
-                <a:latin typeface="Courier New" panose="02070309020205020404" pitchFamily="49" charset="0"/>
-                <a:cs typeface="Courier New" panose="02070309020205020404" pitchFamily="49" charset="0"/>
-              </a:rPr>
-              <a:t>, </a:t>
-            </a:r>
-            <a:r>
-              <a:rPr lang="en-US" altLang="en-US" sz="5600">
-                <a:solidFill>
-                  <a:srgbClr val="0000FF"/>
-                </a:solidFill>
-                <a:latin typeface="Courier New" panose="02070309020205020404" pitchFamily="49" charset="0"/>
-                <a:cs typeface="Courier New" panose="02070309020205020404" pitchFamily="49" charset="0"/>
-              </a:rPr>
-              <a:t>0</a:t>
-            </a:r>
-            <a:r>
-              <a:rPr lang="en-US" altLang="en-US" sz="5600">
-                <a:solidFill>
-                  <a:srgbClr val="000000"/>
-                </a:solidFill>
-                <a:latin typeface="Courier New" panose="02070309020205020404" pitchFamily="49" charset="0"/>
-                <a:cs typeface="Courier New" panose="02070309020205020404" pitchFamily="49" charset="0"/>
-              </a:rPr>
-              <a:t>);</a:t>
-            </a:r>
-            <a:br>
-              <a:rPr lang="en-US" altLang="en-US" sz="5600">
-                <a:solidFill>
-                  <a:srgbClr val="000000"/>
-                </a:solidFill>
-                <a:latin typeface="Courier New" panose="02070309020205020404" pitchFamily="49" charset="0"/>
-                <a:cs typeface="Courier New" panose="02070309020205020404" pitchFamily="49" charset="0"/>
-              </a:rPr>
-            </a:br>
-            <a:r>
-              <a:rPr lang="en-US" altLang="en-US" sz="5600">
-                <a:solidFill>
-                  <a:srgbClr val="000000"/>
-                </a:solidFill>
-                <a:latin typeface="Courier New" panose="02070309020205020404" pitchFamily="49" charset="0"/>
-                <a:cs typeface="Courier New" panose="02070309020205020404" pitchFamily="49" charset="0"/>
-              </a:rPr>
-              <a:t>        </a:t>
-            </a:r>
-            <a:r>
-              <a:rPr lang="en-US" altLang="en-US" sz="5600" b="1" i="1">
-                <a:solidFill>
-                  <a:srgbClr val="660E7A"/>
-                </a:solidFill>
-                <a:latin typeface="Courier New" panose="02070309020205020404" pitchFamily="49" charset="0"/>
-                <a:cs typeface="Courier New" panose="02070309020205020404" pitchFamily="49" charset="0"/>
-              </a:rPr>
-              <a:t>BOOMSTART </a:t>
-            </a:r>
-            <a:r>
-              <a:rPr lang="en-US" altLang="en-US" sz="5600">
-                <a:solidFill>
-                  <a:srgbClr val="000000"/>
-                </a:solidFill>
-                <a:latin typeface="Courier New" panose="02070309020205020404" pitchFamily="49" charset="0"/>
-                <a:cs typeface="Courier New" panose="02070309020205020404" pitchFamily="49" charset="0"/>
-              </a:rPr>
-              <a:t>= gmtCal.getTime();</a:t>
-            </a:r>
-            <a:br>
-              <a:rPr lang="en-US" altLang="en-US" sz="5600">
-                <a:solidFill>
-                  <a:srgbClr val="000000"/>
-                </a:solidFill>
-                <a:latin typeface="Courier New" panose="02070309020205020404" pitchFamily="49" charset="0"/>
-                <a:cs typeface="Courier New" panose="02070309020205020404" pitchFamily="49" charset="0"/>
-              </a:rPr>
-            </a:br>
-            <a:r>
-              <a:rPr lang="en-US" altLang="en-US" sz="5600">
-                <a:solidFill>
-                  <a:srgbClr val="000000"/>
-                </a:solidFill>
-                <a:latin typeface="Courier New" panose="02070309020205020404" pitchFamily="49" charset="0"/>
-                <a:cs typeface="Courier New" panose="02070309020205020404" pitchFamily="49" charset="0"/>
-              </a:rPr>
-              <a:t>        gmtCal.set(</a:t>
-            </a:r>
-            <a:r>
-              <a:rPr lang="en-US" altLang="en-US" sz="5600">
-                <a:solidFill>
-                  <a:srgbClr val="0000FF"/>
-                </a:solidFill>
-                <a:latin typeface="Courier New" panose="02070309020205020404" pitchFamily="49" charset="0"/>
-                <a:cs typeface="Courier New" panose="02070309020205020404" pitchFamily="49" charset="0"/>
-              </a:rPr>
-              <a:t>3920</a:t>
-            </a:r>
-            <a:r>
-              <a:rPr lang="en-US" altLang="en-US" sz="5600">
-                <a:solidFill>
-                  <a:srgbClr val="000000"/>
-                </a:solidFill>
-                <a:latin typeface="Courier New" panose="02070309020205020404" pitchFamily="49" charset="0"/>
-                <a:cs typeface="Courier New" panose="02070309020205020404" pitchFamily="49" charset="0"/>
-              </a:rPr>
-              <a:t>, Calendar.</a:t>
-            </a:r>
-            <a:r>
-              <a:rPr lang="en-US" altLang="en-US" sz="5600" b="1" i="1">
-                <a:solidFill>
-                  <a:srgbClr val="660E7A"/>
-                </a:solidFill>
-                <a:latin typeface="Courier New" panose="02070309020205020404" pitchFamily="49" charset="0"/>
-                <a:cs typeface="Courier New" panose="02070309020205020404" pitchFamily="49" charset="0"/>
-              </a:rPr>
-              <a:t>JANUARY</a:t>
-            </a:r>
-            <a:r>
-              <a:rPr lang="en-US" altLang="en-US" sz="5600">
-                <a:solidFill>
-                  <a:srgbClr val="000000"/>
-                </a:solidFill>
-                <a:latin typeface="Courier New" panose="02070309020205020404" pitchFamily="49" charset="0"/>
-                <a:cs typeface="Courier New" panose="02070309020205020404" pitchFamily="49" charset="0"/>
-              </a:rPr>
-              <a:t>, </a:t>
-            </a:r>
-            <a:r>
-              <a:rPr lang="en-US" altLang="en-US" sz="5600">
-                <a:solidFill>
-                  <a:srgbClr val="0000FF"/>
-                </a:solidFill>
-                <a:latin typeface="Courier New" panose="02070309020205020404" pitchFamily="49" charset="0"/>
-                <a:cs typeface="Courier New" panose="02070309020205020404" pitchFamily="49" charset="0"/>
-              </a:rPr>
-              <a:t>1</a:t>
-            </a:r>
-            <a:r>
-              <a:rPr lang="en-US" altLang="en-US" sz="5600">
-                <a:solidFill>
-                  <a:srgbClr val="000000"/>
-                </a:solidFill>
-                <a:latin typeface="Courier New" panose="02070309020205020404" pitchFamily="49" charset="0"/>
-                <a:cs typeface="Courier New" panose="02070309020205020404" pitchFamily="49" charset="0"/>
-              </a:rPr>
-              <a:t>, </a:t>
-            </a:r>
-            <a:r>
-              <a:rPr lang="en-US" altLang="en-US" sz="5600">
-                <a:solidFill>
-                  <a:srgbClr val="0000FF"/>
-                </a:solidFill>
-                <a:latin typeface="Courier New" panose="02070309020205020404" pitchFamily="49" charset="0"/>
-                <a:cs typeface="Courier New" panose="02070309020205020404" pitchFamily="49" charset="0"/>
-              </a:rPr>
-              <a:t>0</a:t>
-            </a:r>
-            <a:r>
-              <a:rPr lang="en-US" altLang="en-US" sz="5600">
-                <a:solidFill>
-                  <a:srgbClr val="000000"/>
-                </a:solidFill>
-                <a:latin typeface="Courier New" panose="02070309020205020404" pitchFamily="49" charset="0"/>
-                <a:cs typeface="Courier New" panose="02070309020205020404" pitchFamily="49" charset="0"/>
-              </a:rPr>
-              <a:t>, </a:t>
-            </a:r>
-            <a:r>
-              <a:rPr lang="en-US" altLang="en-US" sz="5600">
-                <a:solidFill>
-                  <a:srgbClr val="0000FF"/>
-                </a:solidFill>
-                <a:latin typeface="Courier New" panose="02070309020205020404" pitchFamily="49" charset="0"/>
-                <a:cs typeface="Courier New" panose="02070309020205020404" pitchFamily="49" charset="0"/>
-              </a:rPr>
-              <a:t>0</a:t>
-            </a:r>
-            <a:r>
-              <a:rPr lang="en-US" altLang="en-US" sz="5600">
-                <a:solidFill>
-                  <a:srgbClr val="000000"/>
-                </a:solidFill>
-                <a:latin typeface="Courier New" panose="02070309020205020404" pitchFamily="49" charset="0"/>
-                <a:cs typeface="Courier New" panose="02070309020205020404" pitchFamily="49" charset="0"/>
-              </a:rPr>
-              <a:t>, </a:t>
-            </a:r>
-            <a:r>
-              <a:rPr lang="en-US" altLang="en-US" sz="5600">
-                <a:solidFill>
-                  <a:srgbClr val="0000FF"/>
-                </a:solidFill>
-                <a:latin typeface="Courier New" panose="02070309020205020404" pitchFamily="49" charset="0"/>
-                <a:cs typeface="Courier New" panose="02070309020205020404" pitchFamily="49" charset="0"/>
-              </a:rPr>
-              <a:t>0</a:t>
-            </a:r>
-            <a:r>
-              <a:rPr lang="en-US" altLang="en-US" sz="5600">
-                <a:solidFill>
-                  <a:srgbClr val="000000"/>
-                </a:solidFill>
-                <a:latin typeface="Courier New" panose="02070309020205020404" pitchFamily="49" charset="0"/>
-                <a:cs typeface="Courier New" panose="02070309020205020404" pitchFamily="49" charset="0"/>
-              </a:rPr>
-              <a:t>);</a:t>
-            </a:r>
-            <a:br>
-              <a:rPr lang="en-US" altLang="en-US" sz="5600">
-                <a:solidFill>
-                  <a:srgbClr val="000000"/>
-                </a:solidFill>
-                <a:latin typeface="Courier New" panose="02070309020205020404" pitchFamily="49" charset="0"/>
-                <a:cs typeface="Courier New" panose="02070309020205020404" pitchFamily="49" charset="0"/>
-              </a:rPr>
-            </a:br>
-            <a:r>
-              <a:rPr lang="en-US" altLang="en-US" sz="5600">
-                <a:solidFill>
-                  <a:srgbClr val="000000"/>
-                </a:solidFill>
-                <a:latin typeface="Courier New" panose="02070309020205020404" pitchFamily="49" charset="0"/>
-                <a:cs typeface="Courier New" panose="02070309020205020404" pitchFamily="49" charset="0"/>
-              </a:rPr>
-              <a:t>        </a:t>
-            </a:r>
-            <a:r>
-              <a:rPr lang="en-US" altLang="en-US" sz="5600" b="1" i="1">
-                <a:solidFill>
-                  <a:srgbClr val="660E7A"/>
-                </a:solidFill>
-                <a:latin typeface="Courier New" panose="02070309020205020404" pitchFamily="49" charset="0"/>
-                <a:cs typeface="Courier New" panose="02070309020205020404" pitchFamily="49" charset="0"/>
-              </a:rPr>
-              <a:t>BOOMEND </a:t>
-            </a:r>
-            <a:r>
-              <a:rPr lang="en-US" altLang="en-US" sz="5600">
-                <a:solidFill>
-                  <a:srgbClr val="000000"/>
-                </a:solidFill>
-                <a:latin typeface="Courier New" panose="02070309020205020404" pitchFamily="49" charset="0"/>
-                <a:cs typeface="Courier New" panose="02070309020205020404" pitchFamily="49" charset="0"/>
-              </a:rPr>
-              <a:t>= gmtCal.getTime();</a:t>
-            </a:r>
-            <a:br>
-              <a:rPr lang="en-US" altLang="en-US" sz="5600">
-                <a:solidFill>
-                  <a:srgbClr val="000000"/>
-                </a:solidFill>
-                <a:latin typeface="Courier New" panose="02070309020205020404" pitchFamily="49" charset="0"/>
-                <a:cs typeface="Courier New" panose="02070309020205020404" pitchFamily="49" charset="0"/>
-              </a:rPr>
-            </a:br>
-            <a:r>
-              <a:rPr lang="en-US" altLang="en-US" sz="5600">
-                <a:solidFill>
-                  <a:srgbClr val="000000"/>
-                </a:solidFill>
-                <a:latin typeface="Courier New" panose="02070309020205020404" pitchFamily="49" charset="0"/>
-                <a:cs typeface="Courier New" panose="02070309020205020404" pitchFamily="49" charset="0"/>
-              </a:rPr>
-              <a:t>    }</a:t>
-            </a:r>
-            <a:br>
-              <a:rPr lang="en-US" altLang="en-US" sz="5600">
-                <a:solidFill>
-                  <a:srgbClr val="000000"/>
-                </a:solidFill>
-                <a:latin typeface="Courier New" panose="02070309020205020404" pitchFamily="49" charset="0"/>
-                <a:cs typeface="Courier New" panose="02070309020205020404" pitchFamily="49" charset="0"/>
-              </a:rPr>
-            </a:br>
-            <a:r>
-              <a:rPr lang="en-US" altLang="en-US" sz="5600">
-                <a:solidFill>
-                  <a:srgbClr val="000000"/>
-                </a:solidFill>
-                <a:latin typeface="Courier New" panose="02070309020205020404" pitchFamily="49" charset="0"/>
-                <a:cs typeface="Courier New" panose="02070309020205020404" pitchFamily="49" charset="0"/>
-              </a:rPr>
-              <a:t/>
-            </a:r>
-            <a:br>
-              <a:rPr lang="en-US" altLang="en-US" sz="5600">
-                <a:solidFill>
-                  <a:srgbClr val="000000"/>
-                </a:solidFill>
-                <a:latin typeface="Courier New" panose="02070309020205020404" pitchFamily="49" charset="0"/>
-                <a:cs typeface="Courier New" panose="02070309020205020404" pitchFamily="49" charset="0"/>
-              </a:rPr>
-            </a:br>
-            <a:r>
-              <a:rPr lang="en-US" altLang="en-US" sz="5600">
-                <a:solidFill>
-                  <a:srgbClr val="000000"/>
-                </a:solidFill>
-                <a:latin typeface="Courier New" panose="02070309020205020404" pitchFamily="49" charset="0"/>
-                <a:cs typeface="Courier New" panose="02070309020205020404" pitchFamily="49" charset="0"/>
-              </a:rPr>
-              <a:t>    </a:t>
-            </a:r>
-            <a:r>
-              <a:rPr lang="en-US" altLang="en-US" sz="5600" b="1">
-                <a:solidFill>
-                  <a:srgbClr val="000080"/>
-                </a:solidFill>
-                <a:latin typeface="Courier New" panose="02070309020205020404" pitchFamily="49" charset="0"/>
-                <a:cs typeface="Courier New" panose="02070309020205020404" pitchFamily="49" charset="0"/>
-              </a:rPr>
-              <a:t>public boolean </a:t>
-            </a:r>
-            <a:r>
-              <a:rPr lang="en-US" altLang="en-US" sz="5600">
-                <a:solidFill>
-                  <a:srgbClr val="000000"/>
-                </a:solidFill>
-                <a:latin typeface="Courier New" panose="02070309020205020404" pitchFamily="49" charset="0"/>
-                <a:cs typeface="Courier New" panose="02070309020205020404" pitchFamily="49" charset="0"/>
-              </a:rPr>
-              <a:t>isBabyBoomer(){</a:t>
-            </a:r>
-            <a:br>
-              <a:rPr lang="en-US" altLang="en-US" sz="5600">
-                <a:solidFill>
-                  <a:srgbClr val="000000"/>
-                </a:solidFill>
-                <a:latin typeface="Courier New" panose="02070309020205020404" pitchFamily="49" charset="0"/>
-                <a:cs typeface="Courier New" panose="02070309020205020404" pitchFamily="49" charset="0"/>
-              </a:rPr>
-            </a:br>
-            <a:r>
-              <a:rPr lang="en-US" altLang="en-US" sz="5600">
-                <a:solidFill>
-                  <a:srgbClr val="000000"/>
-                </a:solidFill>
-                <a:latin typeface="Courier New" panose="02070309020205020404" pitchFamily="49" charset="0"/>
-                <a:cs typeface="Courier New" panose="02070309020205020404" pitchFamily="49" charset="0"/>
-              </a:rPr>
-              <a:t>        </a:t>
-            </a:r>
-            <a:r>
-              <a:rPr lang="en-US" altLang="en-US" sz="5600" b="1">
-                <a:solidFill>
-                  <a:srgbClr val="000080"/>
-                </a:solidFill>
-                <a:latin typeface="Courier New" panose="02070309020205020404" pitchFamily="49" charset="0"/>
-                <a:cs typeface="Courier New" panose="02070309020205020404" pitchFamily="49" charset="0"/>
-              </a:rPr>
-              <a:t>return </a:t>
-            </a:r>
-            <a:r>
-              <a:rPr lang="en-US" altLang="en-US" sz="5600" b="1" smtClean="0">
-                <a:solidFill>
-                  <a:srgbClr val="000080"/>
-                </a:solidFill>
-                <a:latin typeface="Courier New" panose="02070309020205020404" pitchFamily="49" charset="0"/>
-                <a:cs typeface="Courier New" panose="02070309020205020404" pitchFamily="49" charset="0"/>
-              </a:rPr>
-              <a:t>	</a:t>
-            </a:r>
-            <a:r>
-              <a:rPr lang="en-US" altLang="en-US" sz="5600" smtClean="0">
-                <a:solidFill>
-                  <a:srgbClr val="000000"/>
-                </a:solidFill>
-                <a:latin typeface="Courier New" panose="02070309020205020404" pitchFamily="49" charset="0"/>
-                <a:cs typeface="Courier New" panose="02070309020205020404" pitchFamily="49" charset="0"/>
-              </a:rPr>
-              <a:t>(</a:t>
-            </a:r>
-            <a:r>
-              <a:rPr lang="en-US" altLang="en-US" sz="5600" b="1">
-                <a:solidFill>
-                  <a:srgbClr val="660E7A"/>
-                </a:solidFill>
-                <a:latin typeface="Courier New" panose="02070309020205020404" pitchFamily="49" charset="0"/>
-                <a:cs typeface="Courier New" panose="02070309020205020404" pitchFamily="49" charset="0"/>
-              </a:rPr>
-              <a:t>birthDate</a:t>
-            </a:r>
-            <a:r>
-              <a:rPr lang="en-US" altLang="en-US" sz="5600">
-                <a:solidFill>
-                  <a:srgbClr val="000000"/>
-                </a:solidFill>
-                <a:latin typeface="Courier New" panose="02070309020205020404" pitchFamily="49" charset="0"/>
-                <a:cs typeface="Courier New" panose="02070309020205020404" pitchFamily="49" charset="0"/>
-              </a:rPr>
-              <a:t>.compareTo(</a:t>
-            </a:r>
-            <a:r>
-              <a:rPr lang="en-US" altLang="en-US" sz="5600" b="1" i="1">
-                <a:solidFill>
-                  <a:srgbClr val="660E7A"/>
-                </a:solidFill>
-                <a:latin typeface="Courier New" panose="02070309020205020404" pitchFamily="49" charset="0"/>
-                <a:cs typeface="Courier New" panose="02070309020205020404" pitchFamily="49" charset="0"/>
-              </a:rPr>
-              <a:t>BOOMSTART</a:t>
-            </a:r>
-            <a:r>
-              <a:rPr lang="en-US" altLang="en-US" sz="5600">
-                <a:solidFill>
-                  <a:srgbClr val="000000"/>
-                </a:solidFill>
-                <a:latin typeface="Courier New" panose="02070309020205020404" pitchFamily="49" charset="0"/>
-                <a:cs typeface="Courier New" panose="02070309020205020404" pitchFamily="49" charset="0"/>
-              </a:rPr>
-              <a:t>) &gt;= </a:t>
-            </a:r>
-            <a:r>
-              <a:rPr lang="en-US" altLang="en-US" sz="5600">
-                <a:solidFill>
-                  <a:srgbClr val="0000FF"/>
-                </a:solidFill>
-                <a:latin typeface="Courier New" panose="02070309020205020404" pitchFamily="49" charset="0"/>
-                <a:cs typeface="Courier New" panose="02070309020205020404" pitchFamily="49" charset="0"/>
-              </a:rPr>
-              <a:t>0</a:t>
-            </a:r>
-            <a:r>
-              <a:rPr lang="en-US" altLang="en-US" sz="5600">
-                <a:solidFill>
-                  <a:srgbClr val="000000"/>
-                </a:solidFill>
-                <a:latin typeface="Courier New" panose="02070309020205020404" pitchFamily="49" charset="0"/>
-                <a:cs typeface="Courier New" panose="02070309020205020404" pitchFamily="49" charset="0"/>
-              </a:rPr>
-              <a:t>) </a:t>
-            </a:r>
-            <a:r>
-              <a:rPr lang="en-US" altLang="en-US" sz="5600">
-                <a:solidFill>
-                  <a:srgbClr val="000000"/>
-                </a:solidFill>
-                <a:latin typeface="Courier New" panose="02070309020205020404" pitchFamily="49" charset="0"/>
-                <a:cs typeface="Courier New" panose="02070309020205020404" pitchFamily="49" charset="0"/>
-              </a:rPr>
-              <a:t>&amp;&amp; </a:t>
-            </a:r>
-            <a:r>
-              <a:rPr lang="en-US" altLang="en-US" sz="5600" smtClean="0">
-                <a:solidFill>
-                  <a:srgbClr val="000000"/>
-                </a:solidFill>
-                <a:latin typeface="Courier New" panose="02070309020205020404" pitchFamily="49" charset="0"/>
-                <a:cs typeface="Courier New" panose="02070309020205020404" pitchFamily="49" charset="0"/>
-              </a:rPr>
-              <a:t>							(</a:t>
-            </a:r>
-            <a:r>
-              <a:rPr lang="en-US" altLang="en-US" sz="5600" b="1">
-                <a:solidFill>
-                  <a:srgbClr val="660E7A"/>
-                </a:solidFill>
-                <a:latin typeface="Courier New" panose="02070309020205020404" pitchFamily="49" charset="0"/>
-                <a:cs typeface="Courier New" panose="02070309020205020404" pitchFamily="49" charset="0"/>
-              </a:rPr>
-              <a:t>birthDate</a:t>
-            </a:r>
-            <a:r>
-              <a:rPr lang="en-US" altLang="en-US" sz="5600">
-                <a:solidFill>
-                  <a:srgbClr val="000000"/>
-                </a:solidFill>
-                <a:latin typeface="Courier New" panose="02070309020205020404" pitchFamily="49" charset="0"/>
-                <a:cs typeface="Courier New" panose="02070309020205020404" pitchFamily="49" charset="0"/>
-              </a:rPr>
-              <a:t>.compareTo(</a:t>
-            </a:r>
-            <a:r>
-              <a:rPr lang="en-US" altLang="en-US" sz="5600" b="1" i="1">
-                <a:solidFill>
-                  <a:srgbClr val="660E7A"/>
-                </a:solidFill>
-                <a:latin typeface="Courier New" panose="02070309020205020404" pitchFamily="49" charset="0"/>
-                <a:cs typeface="Courier New" panose="02070309020205020404" pitchFamily="49" charset="0"/>
-              </a:rPr>
-              <a:t>BOOMEND</a:t>
-            </a:r>
-            <a:r>
-              <a:rPr lang="en-US" altLang="en-US" sz="5600">
-                <a:solidFill>
-                  <a:srgbClr val="000000"/>
-                </a:solidFill>
-                <a:latin typeface="Courier New" panose="02070309020205020404" pitchFamily="49" charset="0"/>
-                <a:cs typeface="Courier New" panose="02070309020205020404" pitchFamily="49" charset="0"/>
-              </a:rPr>
-              <a:t>) &lt; </a:t>
-            </a:r>
-            <a:r>
-              <a:rPr lang="en-US" altLang="en-US" sz="5600">
-                <a:solidFill>
-                  <a:srgbClr val="0000FF"/>
-                </a:solidFill>
-                <a:latin typeface="Courier New" panose="02070309020205020404" pitchFamily="49" charset="0"/>
-                <a:cs typeface="Courier New" panose="02070309020205020404" pitchFamily="49" charset="0"/>
-              </a:rPr>
-              <a:t>0</a:t>
-            </a:r>
-            <a:r>
-              <a:rPr lang="en-US" altLang="en-US" sz="5600">
-                <a:solidFill>
-                  <a:srgbClr val="000000"/>
-                </a:solidFill>
-                <a:latin typeface="Courier New" panose="02070309020205020404" pitchFamily="49" charset="0"/>
-                <a:cs typeface="Courier New" panose="02070309020205020404" pitchFamily="49" charset="0"/>
-              </a:rPr>
-              <a:t>);</a:t>
-            </a:r>
-            <a:br>
-              <a:rPr lang="en-US" altLang="en-US" sz="5600">
-                <a:solidFill>
-                  <a:srgbClr val="000000"/>
-                </a:solidFill>
-                <a:latin typeface="Courier New" panose="02070309020205020404" pitchFamily="49" charset="0"/>
-                <a:cs typeface="Courier New" panose="02070309020205020404" pitchFamily="49" charset="0"/>
-              </a:rPr>
-            </a:br>
-            <a:r>
-              <a:rPr lang="en-US" altLang="en-US" sz="5600">
-                <a:solidFill>
-                  <a:srgbClr val="000000"/>
-                </a:solidFill>
-                <a:latin typeface="Courier New" panose="02070309020205020404" pitchFamily="49" charset="0"/>
-                <a:cs typeface="Courier New" panose="02070309020205020404" pitchFamily="49" charset="0"/>
-              </a:rPr>
-              <a:t>    }</a:t>
-            </a:r>
-            <a:br>
-              <a:rPr lang="en-US" altLang="en-US" sz="5600">
-                <a:solidFill>
-                  <a:srgbClr val="000000"/>
-                </a:solidFill>
-                <a:latin typeface="Courier New" panose="02070309020205020404" pitchFamily="49" charset="0"/>
-                <a:cs typeface="Courier New" panose="02070309020205020404" pitchFamily="49" charset="0"/>
-              </a:rPr>
-            </a:br>
-            <a:r>
-              <a:rPr lang="en-US" altLang="en-US" sz="5600">
-                <a:solidFill>
-                  <a:srgbClr val="000000"/>
-                </a:solidFill>
-                <a:latin typeface="Courier New" panose="02070309020205020404" pitchFamily="49" charset="0"/>
-                <a:cs typeface="Courier New" panose="02070309020205020404" pitchFamily="49" charset="0"/>
-              </a:rPr>
-              <a:t>}</a:t>
-            </a:r>
-            <a:endParaRPr lang="en-US" altLang="en-US" sz="5600">
-              <a:solidFill>
-                <a:schemeClr val="tx1"/>
-              </a:solidFill>
+          </a:p>
+          <a:p>
+            <a:pPr marL="0" indent="0">
+              <a:buNone/>
+            </a:pPr>
+            <a:r>
+              <a:rPr lang="en-US" sz="2000" smtClean="0"/>
+              <a:t>	}</a:t>
+            </a:r>
+            <a:endParaRPr lang="en-US" sz="2000">
               <a:latin typeface="Arial" panose="020B0604020202020204" pitchFamily="34" charset="0"/>
+              <a:cs typeface="Arial" panose="020B0604020202020204" pitchFamily="34" charset="0"/>
             </a:endParaRPr>
-          </a:p>
-          <a:p>
-            <a:pPr marL="0" indent="0">
-              <a:buNone/>
-            </a:pPr>
-            <a:endParaRPr lang="en-US"/>
           </a:p>
         </p:txBody>
       </p:sp>
@@ -10255,7 +9559,7 @@
     </p:spTree>
     <p:extLst>
       <p:ext uri="{BB962C8B-B14F-4D97-AF65-F5344CB8AC3E}">
-        <p14:creationId xmlns:p14="http://schemas.microsoft.com/office/powerpoint/2010/main" val="859885415"/>
+        <p14:creationId xmlns:p14="http://schemas.microsoft.com/office/powerpoint/2010/main" val="2405983554"/>
       </p:ext>
     </p:extLst>
   </p:cSld>
@@ -10291,276 +9595,986 @@
       </p:grpSpPr>
       <p:sp>
         <p:nvSpPr>
-          <p:cNvPr id="3" name="Content Placeholder 2"/>
+          <p:cNvPr id="2" name="Title 1"/>
           <p:cNvSpPr>
             <a:spLocks noGrp="1"/>
           </p:cNvSpPr>
+          <p:nvPr>
+            <p:ph type="title"/>
+          </p:nvPr>
+        </p:nvSpPr>
+        <p:spPr/>
+        <p:txBody>
+          <a:bodyPr/>
+          <a:lstStyle/>
+          <a:p>
+            <a:endParaRPr lang="en-US"/>
+          </a:p>
+        </p:txBody>
+      </p:sp>
+      <p:graphicFrame>
+        <p:nvGraphicFramePr>
+          <p:cNvPr id="4" name="Content Placeholder 3"/>
+          <p:cNvGraphicFramePr>
+            <a:graphicFrameLocks noGrp="1"/>
+          </p:cNvGraphicFramePr>
           <p:nvPr>
             <p:ph idx="1"/>
           </p:nvPr>
-        </p:nvSpPr>
-        <p:spPr/>
-        <p:txBody>
-          <a:bodyPr>
-            <a:normAutofit lnSpcReduction="10000"/>
-          </a:bodyPr>
-          <a:lstStyle/>
-          <a:p>
-            <a:r>
-              <a:rPr lang="en-US" sz="2000">
-                <a:latin typeface="Arial" panose="020B0604020202020204" pitchFamily="34" charset="0"/>
-                <a:cs typeface="Arial" panose="020B0604020202020204" pitchFamily="34" charset="0"/>
-              </a:rPr>
-              <a:t>Priority </a:t>
-            </a:r>
-            <a:r>
-              <a:rPr lang="en-US" sz="2000">
-                <a:latin typeface="Arial" panose="020B0604020202020204" pitchFamily="34" charset="0"/>
-                <a:cs typeface="Arial" panose="020B0604020202020204" pitchFamily="34" charset="0"/>
-              </a:rPr>
-              <a:t>use </a:t>
-            </a:r>
-            <a:r>
-              <a:rPr lang="en-US" sz="2000" smtClean="0">
-                <a:latin typeface="Arial" panose="020B0604020202020204" pitchFamily="34" charset="0"/>
-                <a:cs typeface="Arial" panose="020B0604020202020204" pitchFamily="34" charset="0"/>
-              </a:rPr>
-              <a:t>primitive </a:t>
-            </a:r>
-            <a:r>
-              <a:rPr lang="en-US" sz="2000">
-                <a:latin typeface="Arial" panose="020B0604020202020204" pitchFamily="34" charset="0"/>
-                <a:cs typeface="Arial" panose="020B0604020202020204" pitchFamily="34" charset="0"/>
-              </a:rPr>
-              <a:t>data types </a:t>
-            </a:r>
-            <a:r>
-              <a:rPr lang="en-US" sz="2000">
-                <a:latin typeface="Arial" panose="020B0604020202020204" pitchFamily="34" charset="0"/>
-                <a:cs typeface="Arial" panose="020B0604020202020204" pitchFamily="34" charset="0"/>
-              </a:rPr>
-              <a:t>for </a:t>
-            </a:r>
-            <a:r>
-              <a:rPr lang="en-US" sz="2000" smtClean="0">
-                <a:latin typeface="Arial" panose="020B0604020202020204" pitchFamily="34" charset="0"/>
-                <a:cs typeface="Arial" panose="020B0604020202020204" pitchFamily="34" charset="0"/>
-              </a:rPr>
-              <a:t>the variables</a:t>
-            </a:r>
-          </a:p>
-          <a:p>
-            <a:pPr marL="0" indent="0">
-              <a:buNone/>
-            </a:pPr>
-            <a:r>
-              <a:rPr lang="en-US" sz="2000" smtClean="0"/>
-              <a:t>	public </a:t>
-            </a:r>
-            <a:r>
-              <a:rPr lang="en-US" sz="2000"/>
-              <a:t>static void main(String[] args) {</a:t>
-            </a:r>
-          </a:p>
-          <a:p>
-            <a:pPr marL="0" indent="0">
-              <a:buNone/>
-            </a:pPr>
-            <a:r>
-              <a:rPr lang="en-US" sz="2000" smtClean="0"/>
-              <a:t>		Long </a:t>
-            </a:r>
-            <a:r>
-              <a:rPr lang="en-US" sz="2000"/>
-              <a:t>sum = 0L;</a:t>
-            </a:r>
-          </a:p>
-          <a:p>
-            <a:pPr marL="0" indent="0">
-              <a:buNone/>
-            </a:pPr>
-            <a:r>
-              <a:rPr lang="en-US" sz="2000" smtClean="0"/>
-              <a:t>		for </a:t>
-            </a:r>
-            <a:r>
-              <a:rPr lang="en-US" sz="2000"/>
-              <a:t>(long i = 0; i &lt; Integer.MAX_VALUE; i++) {</a:t>
-            </a:r>
-          </a:p>
-          <a:p>
-            <a:pPr marL="0" indent="0">
-              <a:buNone/>
-            </a:pPr>
-            <a:r>
-              <a:rPr lang="en-US" sz="2000" smtClean="0"/>
-              <a:t>			sum </a:t>
-            </a:r>
-            <a:r>
-              <a:rPr lang="en-US" sz="2000"/>
-              <a:t>+= i;</a:t>
-            </a:r>
-          </a:p>
-          <a:p>
-            <a:pPr marL="0" indent="0">
-              <a:buNone/>
-            </a:pPr>
-            <a:r>
-              <a:rPr lang="en-US" sz="2000" smtClean="0"/>
-              <a:t>		}</a:t>
-            </a:r>
-            <a:endParaRPr lang="en-US" sz="2000"/>
-          </a:p>
-          <a:p>
-            <a:pPr marL="0" indent="0">
-              <a:buNone/>
-            </a:pPr>
-            <a:r>
-              <a:rPr lang="en-US" sz="2000" smtClean="0"/>
-              <a:t>		System.out.println(sum</a:t>
-            </a:r>
-            <a:r>
-              <a:rPr lang="en-US" sz="2000"/>
-              <a:t>);</a:t>
-            </a:r>
-          </a:p>
-          <a:p>
-            <a:pPr marL="0" indent="0">
-              <a:buNone/>
-            </a:pPr>
-            <a:r>
-              <a:rPr lang="en-US" sz="2000" smtClean="0"/>
-              <a:t>	}</a:t>
-            </a:r>
-            <a:endParaRPr lang="en-US" sz="2000">
-              <a:latin typeface="Arial" panose="020B0604020202020204" pitchFamily="34" charset="0"/>
-              <a:cs typeface="Arial" panose="020B0604020202020204" pitchFamily="34" charset="0"/>
-            </a:endParaRPr>
-          </a:p>
-        </p:txBody>
-      </p:sp>
-      <p:sp>
-        <p:nvSpPr>
-          <p:cNvPr id="4" name="Title 1"/>
-          <p:cNvSpPr>
-            <a:spLocks noGrp="1"/>
+        </p:nvGraphicFramePr>
+        <p:xfrm>
+          <a:off x="2543011" y="2453006"/>
+          <a:ext cx="4065916" cy="3520440"/>
+        </p:xfrm>
+        <a:graphic>
+          <a:graphicData uri="http://schemas.openxmlformats.org/drawingml/2006/table">
+            <a:tbl>
+              <a:tblPr/>
+              <a:tblGrid>
+                <a:gridCol w="4065916"/>
+              </a:tblGrid>
+              <a:tr h="3444875">
+                <a:tc>
+                  <a:txBody>
+                    <a:bodyPr/>
+                    <a:lstStyle/>
+                    <a:p>
+                      <a:r>
+                        <a:rPr lang="en-US" sz="1100">
+                          <a:solidFill>
+                            <a:srgbClr val="A71D5D"/>
+                          </a:solidFill>
+                          <a:effectLst/>
+                        </a:rPr>
+                        <a:t>public</a:t>
+                      </a:r>
+                      <a:r>
+                        <a:rPr lang="en-US" sz="1100">
+                          <a:effectLst/>
+                        </a:rPr>
+                        <a:t> </a:t>
+                      </a:r>
+                      <a:r>
+                        <a:rPr lang="en-US" sz="1100">
+                          <a:solidFill>
+                            <a:srgbClr val="A71D5D"/>
+                          </a:solidFill>
+                          <a:effectLst/>
+                        </a:rPr>
+                        <a:t>class</a:t>
+                      </a:r>
+                      <a:r>
+                        <a:rPr lang="en-US" sz="1100">
+                          <a:effectLst/>
+                        </a:rPr>
+                        <a:t> </a:t>
+                      </a:r>
+                      <a:r>
+                        <a:rPr lang="en-US" sz="1100">
+                          <a:solidFill>
+                            <a:srgbClr val="795DA3"/>
+                          </a:solidFill>
+                          <a:effectLst/>
+                        </a:rPr>
+                        <a:t>StringIntern</a:t>
+                      </a:r>
+                      <a:r>
+                        <a:rPr lang="en-US" sz="1100">
+                          <a:effectLst/>
+                        </a:rPr>
+                        <a:t> { </a:t>
+                      </a:r>
+                    </a:p>
+                    <a:p>
+                      <a:r>
+                        <a:rPr lang="en-US" sz="1100">
+                          <a:solidFill>
+                            <a:srgbClr val="A71D5D"/>
+                          </a:solidFill>
+                          <a:effectLst/>
+                        </a:rPr>
+                        <a:t>public</a:t>
+                      </a:r>
+                      <a:r>
+                        <a:rPr lang="en-US" sz="1100">
+                          <a:effectLst/>
+                        </a:rPr>
+                        <a:t> </a:t>
+                      </a:r>
+                      <a:r>
+                        <a:rPr lang="en-US" sz="1100">
+                          <a:solidFill>
+                            <a:srgbClr val="A71D5D"/>
+                          </a:solidFill>
+                          <a:effectLst/>
+                        </a:rPr>
+                        <a:t>static</a:t>
+                      </a:r>
+                      <a:r>
+                        <a:rPr lang="en-US" sz="1100">
+                          <a:effectLst/>
+                        </a:rPr>
+                        <a:t> </a:t>
+                      </a:r>
+                      <a:r>
+                        <a:rPr lang="en-US" sz="1100">
+                          <a:solidFill>
+                            <a:srgbClr val="A71D5D"/>
+                          </a:solidFill>
+                          <a:effectLst/>
+                        </a:rPr>
+                        <a:t>void</a:t>
+                      </a:r>
+                      <a:r>
+                        <a:rPr lang="en-US" sz="1100">
+                          <a:effectLst/>
+                        </a:rPr>
+                        <a:t> </a:t>
+                      </a:r>
+                      <a:r>
+                        <a:rPr lang="en-US" sz="1100">
+                          <a:solidFill>
+                            <a:srgbClr val="795DA3"/>
+                          </a:solidFill>
+                          <a:effectLst/>
+                        </a:rPr>
+                        <a:t>main</a:t>
+                      </a:r>
+                      <a:r>
+                        <a:rPr lang="en-US" sz="1100">
+                          <a:effectLst/>
+                        </a:rPr>
+                        <a:t>(</a:t>
+                      </a:r>
+                      <a:r>
+                        <a:rPr lang="en-US" sz="1100">
+                          <a:solidFill>
+                            <a:srgbClr val="A71D5D"/>
+                          </a:solidFill>
+                          <a:effectLst/>
+                        </a:rPr>
+                        <a:t>String</a:t>
+                      </a:r>
+                      <a:r>
+                        <a:rPr lang="en-US" sz="1100">
+                          <a:effectLst/>
+                        </a:rPr>
+                        <a:t>[] </a:t>
+                      </a:r>
+                      <a:r>
+                        <a:rPr lang="en-US" sz="1100">
+                          <a:solidFill>
+                            <a:srgbClr val="1D3E81"/>
+                          </a:solidFill>
+                          <a:effectLst/>
+                        </a:rPr>
+                        <a:t>args</a:t>
+                      </a:r>
+                      <a:r>
+                        <a:rPr lang="en-US" sz="1100">
+                          <a:effectLst/>
+                        </a:rPr>
+                        <a:t>) { </a:t>
+                      </a:r>
+                    </a:p>
+                    <a:p>
+                      <a:r>
+                        <a:rPr lang="en-US" sz="1100">
+                          <a:solidFill>
+                            <a:srgbClr val="333333"/>
+                          </a:solidFill>
+                          <a:effectLst/>
+                        </a:rPr>
+                        <a:t>String</a:t>
+                      </a:r>
+                      <a:r>
+                        <a:rPr lang="en-US" sz="1100">
+                          <a:effectLst/>
+                        </a:rPr>
+                        <a:t> s1 </a:t>
+                      </a:r>
+                      <a:r>
+                        <a:rPr lang="en-US" sz="1100">
+                          <a:solidFill>
+                            <a:srgbClr val="A71D5D"/>
+                          </a:solidFill>
+                          <a:effectLst/>
+                        </a:rPr>
+                        <a:t>=</a:t>
+                      </a:r>
+                      <a:r>
+                        <a:rPr lang="en-US" sz="1100">
+                          <a:effectLst/>
+                        </a:rPr>
+                        <a:t> </a:t>
+                      </a:r>
+                      <a:r>
+                        <a:rPr lang="en-US" sz="1100">
+                          <a:solidFill>
+                            <a:srgbClr val="DF5000"/>
+                          </a:solidFill>
+                          <a:effectLst/>
+                        </a:rPr>
+                        <a:t>"test"</a:t>
+                      </a:r>
+                      <a:r>
+                        <a:rPr lang="en-US" sz="1100">
+                          <a:effectLst/>
+                        </a:rPr>
+                        <a:t>; </a:t>
+                      </a:r>
+                    </a:p>
+                    <a:p>
+                      <a:r>
+                        <a:rPr lang="en-US" sz="1100">
+                          <a:solidFill>
+                            <a:srgbClr val="333333"/>
+                          </a:solidFill>
+                          <a:effectLst/>
+                        </a:rPr>
+                        <a:t>String</a:t>
+                      </a:r>
+                      <a:r>
+                        <a:rPr lang="en-US" sz="1100">
+                          <a:effectLst/>
+                        </a:rPr>
+                        <a:t> s2 </a:t>
+                      </a:r>
+                      <a:r>
+                        <a:rPr lang="en-US" sz="1100">
+                          <a:solidFill>
+                            <a:srgbClr val="A71D5D"/>
+                          </a:solidFill>
+                          <a:effectLst/>
+                        </a:rPr>
+                        <a:t>=</a:t>
+                      </a:r>
+                      <a:r>
+                        <a:rPr lang="en-US" sz="1100">
+                          <a:effectLst/>
+                        </a:rPr>
+                        <a:t> </a:t>
+                      </a:r>
+                      <a:r>
+                        <a:rPr lang="en-US" sz="1100">
+                          <a:solidFill>
+                            <a:srgbClr val="DF5000"/>
+                          </a:solidFill>
+                          <a:effectLst/>
+                        </a:rPr>
+                        <a:t>"test"</a:t>
+                      </a:r>
+                      <a:r>
+                        <a:rPr lang="en-US" sz="1100">
+                          <a:effectLst/>
+                        </a:rPr>
+                        <a:t>; </a:t>
+                      </a:r>
+                    </a:p>
+                    <a:p>
+                      <a:r>
+                        <a:rPr lang="en-US" sz="1100">
+                          <a:effectLst/>
+                        </a:rPr>
+                        <a:t>  </a:t>
+                      </a:r>
+                    </a:p>
+                    <a:p>
+                      <a:r>
+                        <a:rPr lang="en-US" sz="1100">
+                          <a:effectLst/>
+                        </a:rPr>
+                        <a:t>checkEquality(s1, s2); </a:t>
+                      </a:r>
+                    </a:p>
+                    <a:p>
+                      <a:r>
+                        <a:rPr lang="en-US" sz="1100">
+                          <a:effectLst/>
+                        </a:rPr>
+                        <a:t>  </a:t>
+                      </a:r>
+                    </a:p>
+                    <a:p>
+                      <a:r>
+                        <a:rPr lang="en-US" sz="1100">
+                          <a:solidFill>
+                            <a:srgbClr val="333333"/>
+                          </a:solidFill>
+                          <a:effectLst/>
+                        </a:rPr>
+                        <a:t>String</a:t>
+                      </a:r>
+                      <a:r>
+                        <a:rPr lang="en-US" sz="1100">
+                          <a:effectLst/>
+                        </a:rPr>
+                        <a:t> s3 </a:t>
+                      </a:r>
+                      <a:r>
+                        <a:rPr lang="en-US" sz="1100">
+                          <a:solidFill>
+                            <a:srgbClr val="A71D5D"/>
+                          </a:solidFill>
+                          <a:effectLst/>
+                        </a:rPr>
+                        <a:t>=</a:t>
+                      </a:r>
+                      <a:r>
+                        <a:rPr lang="en-US" sz="1100">
+                          <a:effectLst/>
+                        </a:rPr>
+                        <a:t> </a:t>
+                      </a:r>
+                      <a:r>
+                        <a:rPr lang="en-US" sz="1100">
+                          <a:solidFill>
+                            <a:srgbClr val="A71D5D"/>
+                          </a:solidFill>
+                          <a:effectLst/>
+                        </a:rPr>
+                        <a:t>new</a:t>
+                      </a:r>
+                      <a:r>
+                        <a:rPr lang="en-US" sz="1100">
+                          <a:effectLst/>
+                        </a:rPr>
+                        <a:t> </a:t>
+                      </a:r>
+                      <a:r>
+                        <a:rPr lang="en-US" sz="1100">
+                          <a:solidFill>
+                            <a:srgbClr val="333333"/>
+                          </a:solidFill>
+                          <a:effectLst/>
+                        </a:rPr>
+                        <a:t>String</a:t>
+                      </a:r>
+                      <a:r>
+                        <a:rPr lang="en-US" sz="1100">
+                          <a:effectLst/>
+                        </a:rPr>
+                        <a:t>(</a:t>
+                      </a:r>
+                      <a:r>
+                        <a:rPr lang="en-US" sz="1100">
+                          <a:solidFill>
+                            <a:srgbClr val="DF5000"/>
+                          </a:solidFill>
+                          <a:effectLst/>
+                        </a:rPr>
+                        <a:t>"test"</a:t>
+                      </a:r>
+                      <a:r>
+                        <a:rPr lang="en-US" sz="1100">
+                          <a:effectLst/>
+                        </a:rPr>
+                        <a:t>); </a:t>
+                      </a:r>
+                    </a:p>
+                    <a:p>
+                      <a:r>
+                        <a:rPr lang="en-US" sz="1100">
+                          <a:solidFill>
+                            <a:srgbClr val="333333"/>
+                          </a:solidFill>
+                          <a:effectLst/>
+                        </a:rPr>
+                        <a:t>String</a:t>
+                      </a:r>
+                      <a:r>
+                        <a:rPr lang="en-US" sz="1100">
+                          <a:effectLst/>
+                        </a:rPr>
+                        <a:t> s4 </a:t>
+                      </a:r>
+                      <a:r>
+                        <a:rPr lang="en-US" sz="1100">
+                          <a:solidFill>
+                            <a:srgbClr val="A71D5D"/>
+                          </a:solidFill>
+                          <a:effectLst/>
+                        </a:rPr>
+                        <a:t>=</a:t>
+                      </a:r>
+                      <a:r>
+                        <a:rPr lang="en-US" sz="1100">
+                          <a:effectLst/>
+                        </a:rPr>
+                        <a:t> </a:t>
+                      </a:r>
+                      <a:r>
+                        <a:rPr lang="en-US" sz="1100">
+                          <a:solidFill>
+                            <a:srgbClr val="A71D5D"/>
+                          </a:solidFill>
+                          <a:effectLst/>
+                        </a:rPr>
+                        <a:t>new</a:t>
+                      </a:r>
+                      <a:r>
+                        <a:rPr lang="en-US" sz="1100">
+                          <a:effectLst/>
+                        </a:rPr>
+                        <a:t> </a:t>
+                      </a:r>
+                      <a:r>
+                        <a:rPr lang="en-US" sz="1100">
+                          <a:solidFill>
+                            <a:srgbClr val="333333"/>
+                          </a:solidFill>
+                          <a:effectLst/>
+                        </a:rPr>
+                        <a:t>String</a:t>
+                      </a:r>
+                      <a:r>
+                        <a:rPr lang="en-US" sz="1100">
+                          <a:effectLst/>
+                        </a:rPr>
+                        <a:t>(</a:t>
+                      </a:r>
+                      <a:r>
+                        <a:rPr lang="en-US" sz="1100">
+                          <a:solidFill>
+                            <a:srgbClr val="DF5000"/>
+                          </a:solidFill>
+                          <a:effectLst/>
+                        </a:rPr>
+                        <a:t>"test"</a:t>
+                      </a:r>
+                      <a:r>
+                        <a:rPr lang="en-US" sz="1100">
+                          <a:effectLst/>
+                        </a:rPr>
+                        <a:t>); </a:t>
+                      </a:r>
+                    </a:p>
+                    <a:p>
+                      <a:r>
+                        <a:rPr lang="en-US" sz="1100">
+                          <a:effectLst/>
+                        </a:rPr>
+                        <a:t>  </a:t>
+                      </a:r>
+                    </a:p>
+                    <a:p>
+                      <a:r>
+                        <a:rPr lang="en-US" sz="1100">
+                          <a:effectLst/>
+                        </a:rPr>
+                        <a:t>checkEquality(s3, s4); </a:t>
+                      </a:r>
+                    </a:p>
+                    <a:p>
+                      <a:r>
+                        <a:rPr lang="en-US" sz="1100">
+                          <a:effectLst/>
+                        </a:rPr>
+                        <a:t>} </a:t>
+                      </a:r>
+                    </a:p>
+                    <a:p>
+                      <a:r>
+                        <a:rPr lang="en-US" sz="1100">
+                          <a:effectLst/>
+                        </a:rPr>
+                        <a:t>  </a:t>
+                      </a:r>
+                    </a:p>
+                    <a:p>
+                      <a:r>
+                        <a:rPr lang="en-US" sz="1100">
+                          <a:solidFill>
+                            <a:srgbClr val="A71D5D"/>
+                          </a:solidFill>
+                          <a:effectLst/>
+                        </a:rPr>
+                        <a:t>public</a:t>
+                      </a:r>
+                      <a:r>
+                        <a:rPr lang="en-US" sz="1100">
+                          <a:effectLst/>
+                        </a:rPr>
+                        <a:t> </a:t>
+                      </a:r>
+                      <a:r>
+                        <a:rPr lang="en-US" sz="1100">
+                          <a:solidFill>
+                            <a:srgbClr val="A71D5D"/>
+                          </a:solidFill>
+                          <a:effectLst/>
+                        </a:rPr>
+                        <a:t>static</a:t>
+                      </a:r>
+                      <a:r>
+                        <a:rPr lang="en-US" sz="1100">
+                          <a:effectLst/>
+                        </a:rPr>
+                        <a:t> </a:t>
+                      </a:r>
+                      <a:r>
+                        <a:rPr lang="en-US" sz="1100">
+                          <a:solidFill>
+                            <a:srgbClr val="A71D5D"/>
+                          </a:solidFill>
+                          <a:effectLst/>
+                        </a:rPr>
+                        <a:t>void</a:t>
+                      </a:r>
+                      <a:r>
+                        <a:rPr lang="en-US" sz="1100">
+                          <a:effectLst/>
+                        </a:rPr>
+                        <a:t> </a:t>
+                      </a:r>
+                      <a:r>
+                        <a:rPr lang="en-US" sz="1100">
+                          <a:solidFill>
+                            <a:srgbClr val="795DA3"/>
+                          </a:solidFill>
+                          <a:effectLst/>
+                        </a:rPr>
+                        <a:t>checkEquality</a:t>
+                      </a:r>
+                      <a:r>
+                        <a:rPr lang="en-US" sz="1100">
+                          <a:effectLst/>
+                        </a:rPr>
+                        <a:t>(</a:t>
+                      </a:r>
+                      <a:r>
+                        <a:rPr lang="en-US" sz="1100">
+                          <a:solidFill>
+                            <a:srgbClr val="333333"/>
+                          </a:solidFill>
+                          <a:effectLst/>
+                        </a:rPr>
+                        <a:t>String</a:t>
+                      </a:r>
+                      <a:r>
+                        <a:rPr lang="en-US" sz="1100">
+                          <a:effectLst/>
+                        </a:rPr>
+                        <a:t> </a:t>
+                      </a:r>
+                      <a:r>
+                        <a:rPr lang="en-US" sz="1100">
+                          <a:solidFill>
+                            <a:srgbClr val="1D3E81"/>
+                          </a:solidFill>
+                          <a:effectLst/>
+                        </a:rPr>
+                        <a:t>s1</a:t>
+                      </a:r>
+                      <a:r>
+                        <a:rPr lang="en-US" sz="1100">
+                          <a:effectLst/>
+                        </a:rPr>
+                        <a:t>, </a:t>
+                      </a:r>
+                      <a:r>
+                        <a:rPr lang="en-US" sz="1100">
+                          <a:solidFill>
+                            <a:srgbClr val="333333"/>
+                          </a:solidFill>
+                          <a:effectLst/>
+                        </a:rPr>
+                        <a:t>String</a:t>
+                      </a:r>
+                      <a:r>
+                        <a:rPr lang="en-US" sz="1100">
+                          <a:effectLst/>
+                        </a:rPr>
+                        <a:t> </a:t>
+                      </a:r>
+                      <a:r>
+                        <a:rPr lang="en-US" sz="1100">
+                          <a:solidFill>
+                            <a:srgbClr val="1D3E81"/>
+                          </a:solidFill>
+                          <a:effectLst/>
+                        </a:rPr>
+                        <a:t>s2</a:t>
+                      </a:r>
+                      <a:r>
+                        <a:rPr lang="en-US" sz="1100">
+                          <a:effectLst/>
+                        </a:rPr>
+                        <a:t>) { </a:t>
+                      </a:r>
+                    </a:p>
+                    <a:p>
+                      <a:r>
+                        <a:rPr lang="en-US" sz="1100">
+                          <a:solidFill>
+                            <a:srgbClr val="333333"/>
+                          </a:solidFill>
+                          <a:effectLst/>
+                        </a:rPr>
+                        <a:t>System</a:t>
+                      </a:r>
+                      <a:r>
+                        <a:rPr lang="en-US" sz="1100">
+                          <a:solidFill>
+                            <a:srgbClr val="A71D5D"/>
+                          </a:solidFill>
+                          <a:effectLst/>
+                        </a:rPr>
+                        <a:t>.</a:t>
+                      </a:r>
+                      <a:r>
+                        <a:rPr lang="en-US" sz="1100">
+                          <a:effectLst/>
+                        </a:rPr>
+                        <a:t>out</a:t>
+                      </a:r>
+                      <a:r>
+                        <a:rPr lang="en-US" sz="1100">
+                          <a:solidFill>
+                            <a:srgbClr val="A71D5D"/>
+                          </a:solidFill>
+                          <a:effectLst/>
+                        </a:rPr>
+                        <a:t>.</a:t>
+                      </a:r>
+                      <a:r>
+                        <a:rPr lang="en-US" sz="1100">
+                          <a:effectLst/>
+                        </a:rPr>
+                        <a:t>println(</a:t>
+                      </a:r>
+                      <a:r>
+                        <a:rPr lang="en-US" sz="1100">
+                          <a:solidFill>
+                            <a:srgbClr val="333333"/>
+                          </a:solidFill>
+                          <a:effectLst/>
+                        </a:rPr>
+                        <a:t>System</a:t>
+                      </a:r>
+                      <a:r>
+                        <a:rPr lang="en-US" sz="1100">
+                          <a:solidFill>
+                            <a:srgbClr val="A71D5D"/>
+                          </a:solidFill>
+                          <a:effectLst/>
+                        </a:rPr>
+                        <a:t>.</a:t>
+                      </a:r>
+                      <a:r>
+                        <a:rPr lang="en-US" sz="1100">
+                          <a:effectLst/>
+                        </a:rPr>
+                        <a:t>identityHashCode(s1)); </a:t>
+                      </a:r>
+                    </a:p>
+                    <a:p>
+                      <a:r>
+                        <a:rPr lang="en-US" sz="1100">
+                          <a:solidFill>
+                            <a:srgbClr val="333333"/>
+                          </a:solidFill>
+                          <a:effectLst/>
+                        </a:rPr>
+                        <a:t>System</a:t>
+                      </a:r>
+                      <a:r>
+                        <a:rPr lang="en-US" sz="1100">
+                          <a:solidFill>
+                            <a:srgbClr val="A71D5D"/>
+                          </a:solidFill>
+                          <a:effectLst/>
+                        </a:rPr>
+                        <a:t>.</a:t>
+                      </a:r>
+                      <a:r>
+                        <a:rPr lang="en-US" sz="1100">
+                          <a:effectLst/>
+                        </a:rPr>
+                        <a:t>out</a:t>
+                      </a:r>
+                      <a:r>
+                        <a:rPr lang="en-US" sz="1100">
+                          <a:solidFill>
+                            <a:srgbClr val="A71D5D"/>
+                          </a:solidFill>
+                          <a:effectLst/>
+                        </a:rPr>
+                        <a:t>.</a:t>
+                      </a:r>
+                      <a:r>
+                        <a:rPr lang="en-US" sz="1100">
+                          <a:effectLst/>
+                        </a:rPr>
+                        <a:t>println(</a:t>
+                      </a:r>
+                      <a:r>
+                        <a:rPr lang="en-US" sz="1100">
+                          <a:solidFill>
+                            <a:srgbClr val="333333"/>
+                          </a:solidFill>
+                          <a:effectLst/>
+                        </a:rPr>
+                        <a:t>System</a:t>
+                      </a:r>
+                      <a:r>
+                        <a:rPr lang="en-US" sz="1100">
+                          <a:solidFill>
+                            <a:srgbClr val="A71D5D"/>
+                          </a:solidFill>
+                          <a:effectLst/>
+                        </a:rPr>
+                        <a:t>.</a:t>
+                      </a:r>
+                      <a:r>
+                        <a:rPr lang="en-US" sz="1100">
+                          <a:effectLst/>
+                        </a:rPr>
+                        <a:t>identityHashCode(s2)); </a:t>
+                      </a:r>
+                    </a:p>
+                    <a:p>
+                      <a:r>
+                        <a:rPr lang="en-US" sz="1100">
+                          <a:effectLst/>
+                        </a:rPr>
+                        <a:t>  </a:t>
+                      </a:r>
+                    </a:p>
+                    <a:p>
+                      <a:r>
+                        <a:rPr lang="en-US" sz="1100">
+                          <a:solidFill>
+                            <a:srgbClr val="333333"/>
+                          </a:solidFill>
+                          <a:effectLst/>
+                        </a:rPr>
+                        <a:t>System</a:t>
+                      </a:r>
+                      <a:r>
+                        <a:rPr lang="en-US" sz="1100">
+                          <a:solidFill>
+                            <a:srgbClr val="A71D5D"/>
+                          </a:solidFill>
+                          <a:effectLst/>
+                        </a:rPr>
+                        <a:t>.</a:t>
+                      </a:r>
+                      <a:r>
+                        <a:rPr lang="en-US" sz="1100">
+                          <a:effectLst/>
+                        </a:rPr>
+                        <a:t>out</a:t>
+                      </a:r>
+                      <a:r>
+                        <a:rPr lang="en-US" sz="1100">
+                          <a:solidFill>
+                            <a:srgbClr val="A71D5D"/>
+                          </a:solidFill>
+                          <a:effectLst/>
+                        </a:rPr>
+                        <a:t>.</a:t>
+                      </a:r>
+                      <a:r>
+                        <a:rPr lang="en-US" sz="1100">
+                          <a:effectLst/>
+                        </a:rPr>
+                        <a:t>println(s1</a:t>
+                      </a:r>
+                      <a:r>
+                        <a:rPr lang="en-US" sz="1100">
+                          <a:solidFill>
+                            <a:srgbClr val="A71D5D"/>
+                          </a:solidFill>
+                          <a:effectLst/>
+                        </a:rPr>
+                        <a:t>.</a:t>
+                      </a:r>
+                      <a:r>
+                        <a:rPr lang="en-US" sz="1100">
+                          <a:effectLst/>
+                        </a:rPr>
+                        <a:t>equals(s2)); </a:t>
+                      </a:r>
+                    </a:p>
+                    <a:p>
+                      <a:r>
+                        <a:rPr lang="en-US" sz="1100">
+                          <a:solidFill>
+                            <a:srgbClr val="333333"/>
+                          </a:solidFill>
+                          <a:effectLst/>
+                        </a:rPr>
+                        <a:t>System</a:t>
+                      </a:r>
+                      <a:r>
+                        <a:rPr lang="en-US" sz="1100">
+                          <a:solidFill>
+                            <a:srgbClr val="A71D5D"/>
+                          </a:solidFill>
+                          <a:effectLst/>
+                        </a:rPr>
+                        <a:t>.</a:t>
+                      </a:r>
+                      <a:r>
+                        <a:rPr lang="en-US" sz="1100">
+                          <a:effectLst/>
+                        </a:rPr>
+                        <a:t>out</a:t>
+                      </a:r>
+                      <a:r>
+                        <a:rPr lang="en-US" sz="1100">
+                          <a:solidFill>
+                            <a:srgbClr val="A71D5D"/>
+                          </a:solidFill>
+                          <a:effectLst/>
+                        </a:rPr>
+                        <a:t>.</a:t>
+                      </a:r>
+                      <a:r>
+                        <a:rPr lang="en-US" sz="1100">
+                          <a:effectLst/>
+                        </a:rPr>
+                        <a:t>println(s1 </a:t>
+                      </a:r>
+                      <a:r>
+                        <a:rPr lang="en-US" sz="1100">
+                          <a:solidFill>
+                            <a:srgbClr val="A71D5D"/>
+                          </a:solidFill>
+                          <a:effectLst/>
+                        </a:rPr>
+                        <a:t>==</a:t>
+                      </a:r>
+                      <a:r>
+                        <a:rPr lang="en-US" sz="1100">
+                          <a:effectLst/>
+                        </a:rPr>
+                        <a:t> s2); </a:t>
+                      </a:r>
+                    </a:p>
+                    <a:p>
+                      <a:r>
+                        <a:rPr lang="en-US" sz="1100">
+                          <a:effectLst/>
+                        </a:rPr>
+                        <a:t>} </a:t>
+                      </a:r>
+                    </a:p>
+                    <a:p>
+                      <a:r>
+                        <a:rPr lang="en-US" sz="1100">
+                          <a:effectLst/>
+                        </a:rPr>
+                        <a:t>}</a:t>
+                      </a:r>
+                    </a:p>
+                  </a:txBody>
+                  <a:tcPr marL="0" marR="0" marT="0" marB="0" anchor="ctr">
+                    <a:lnL>
+                      <a:noFill/>
+                    </a:lnL>
+                    <a:lnR>
+                      <a:noFill/>
+                    </a:lnR>
+                    <a:lnT>
+                      <a:noFill/>
+                    </a:lnT>
+                    <a:lnB>
+                      <a:noFill/>
+                    </a:lnB>
+                    <a:solidFill>
+                      <a:srgbClr val="FFFFFF"/>
+                    </a:solidFill>
+                  </a:tcPr>
+                </a:tc>
+              </a:tr>
+            </a:tbl>
+          </a:graphicData>
+        </a:graphic>
+      </p:graphicFrame>
+      <p:sp>
+        <p:nvSpPr>
+          <p:cNvPr id="5" name="Rectangle 1"/>
+          <p:cNvSpPr>
+            <a:spLocks noChangeArrowheads="1"/>
           </p:cNvSpPr>
           <p:nvPr/>
         </p:nvSpPr>
-        <p:spPr>
+        <p:spPr bwMode="auto">
           <a:xfrm>
-            <a:off x="918633" y="803887"/>
-            <a:ext cx="7315200" cy="1303867"/>
+            <a:off x="0" y="0"/>
+            <a:ext cx="9144000" cy="457200"/>
           </a:xfrm>
           <a:prstGeom prst="rect">
             <a:avLst/>
           </a:prstGeom>
+          <a:solidFill>
+            <a:srgbClr val="FFFFFF"/>
+          </a:solidFill>
+          <a:ln>
+            <a:noFill/>
+          </a:ln>
           <a:effectLst/>
+          <a:extLst>
+            <a:ext uri="{91240B29-F687-4F45-9708-019B960494DF}">
+              <a14:hiddenLine xmlns:a14="http://schemas.microsoft.com/office/drawing/2010/main" w="9525">
+                <a:solidFill>
+                  <a:schemeClr val="tx1"/>
+                </a:solidFill>
+                <a:miter lim="800000"/>
+                <a:headEnd/>
+                <a:tailEnd/>
+              </a14:hiddenLine>
+            </a:ext>
+            <a:ext uri="{AF507438-7753-43E0-B8FC-AC1667EBCBE1}">
+              <a14:hiddenEffects xmlns:a14="http://schemas.microsoft.com/office/drawing/2010/main">
+                <a:effectLst>
+                  <a:outerShdw dist="35921" dir="2700000" algn="ctr" rotWithShape="0">
+                    <a:schemeClr val="bg2"/>
+                  </a:outerShdw>
+                </a:effectLst>
+              </a14:hiddenEffects>
+            </a:ext>
+          </a:extLst>
         </p:spPr>
         <p:txBody>
-          <a:bodyPr vert="horz" lIns="91440" tIns="45720" rIns="91440" bIns="45720" rtlCol="0" anchor="ctr">
-            <a:noAutofit/>
+          <a:bodyPr vert="horz" wrap="none" lIns="0" tIns="0" rIns="0" bIns="0" numCol="1" anchor="ctr" anchorCtr="0" compatLnSpc="1">
+            <a:prstTxWarp prst="textNoShape">
+              <a:avLst/>
+            </a:prstTxWarp>
+            <a:spAutoFit/>
           </a:bodyPr>
-          <a:lstStyle>
-            <a:lvl1pPr algn="ctr" defTabSz="457200" rtl="0" eaLnBrk="1" latinLnBrk="0" hangingPunct="1">
-              <a:spcBef>
-                <a:spcPct val="0"/>
-              </a:spcBef>
-              <a:buNone/>
-              <a:defRPr sz="4000" kern="1200" cap="none">
-                <a:ln w="3175" cmpd="sng">
-                  <a:noFill/>
-                </a:ln>
-                <a:solidFill>
-                  <a:schemeClr val="tx1">
-                    <a:lumMod val="85000"/>
-                    <a:lumOff val="15000"/>
-                  </a:schemeClr>
-                </a:solidFill>
-                <a:effectLst/>
-                <a:latin typeface="+mj-lt"/>
-                <a:ea typeface="+mj-ea"/>
-                <a:cs typeface="+mj-cs"/>
-              </a:defRPr>
-            </a:lvl1pPr>
-            <a:lvl2pPr eaLnBrk="1" hangingPunct="1">
-              <a:defRPr>
-                <a:solidFill>
-                  <a:schemeClr val="tx2"/>
-                </a:solidFill>
-              </a:defRPr>
-            </a:lvl2pPr>
-            <a:lvl3pPr eaLnBrk="1" hangingPunct="1">
-              <a:defRPr>
-                <a:solidFill>
-                  <a:schemeClr val="tx2"/>
-                </a:solidFill>
-              </a:defRPr>
-            </a:lvl3pPr>
-            <a:lvl4pPr eaLnBrk="1" hangingPunct="1">
-              <a:defRPr>
-                <a:solidFill>
-                  <a:schemeClr val="tx2"/>
-                </a:solidFill>
-              </a:defRPr>
-            </a:lvl4pPr>
-            <a:lvl5pPr eaLnBrk="1" hangingPunct="1">
-              <a:defRPr>
-                <a:solidFill>
-                  <a:schemeClr val="tx2"/>
-                </a:solidFill>
-              </a:defRPr>
-            </a:lvl5pPr>
-            <a:lvl6pPr eaLnBrk="1" hangingPunct="1">
-              <a:defRPr>
-                <a:solidFill>
-                  <a:schemeClr val="tx2"/>
-                </a:solidFill>
-              </a:defRPr>
-            </a:lvl6pPr>
-            <a:lvl7pPr eaLnBrk="1" hangingPunct="1">
-              <a:defRPr>
-                <a:solidFill>
-                  <a:schemeClr val="tx2"/>
-                </a:solidFill>
-              </a:defRPr>
-            </a:lvl7pPr>
-            <a:lvl8pPr eaLnBrk="1" hangingPunct="1">
-              <a:defRPr>
-                <a:solidFill>
-                  <a:schemeClr val="tx2"/>
-                </a:solidFill>
-              </a:defRPr>
-            </a:lvl8pPr>
-            <a:lvl9pPr eaLnBrk="1" hangingPunct="1">
-              <a:defRPr>
-                <a:solidFill>
-                  <a:schemeClr val="tx2"/>
-                </a:solidFill>
-              </a:defRPr>
-            </a:lvl9pPr>
-          </a:lstStyle>
-          <a:p>
-            <a:r>
-              <a:rPr lang="en-US" b="1">
-                <a:latin typeface="Arial" panose="020B0604020202020204" pitchFamily="34" charset="0"/>
-                <a:cs typeface="Arial" panose="020B0604020202020204" pitchFamily="34" charset="0"/>
-              </a:rPr>
-              <a:t>How t</a:t>
-            </a:r>
-            <a:r>
-              <a:rPr lang="en-US" b="1" smtClean="0">
-                <a:latin typeface="Arial" panose="020B0604020202020204" pitchFamily="34" charset="0"/>
-                <a:cs typeface="Arial" panose="020B0604020202020204" pitchFamily="34" charset="0"/>
-              </a:rPr>
-              <a:t>o </a:t>
-            </a:r>
-            <a:r>
-              <a:rPr lang="en-US" b="1">
-                <a:latin typeface="Arial" panose="020B0604020202020204" pitchFamily="34" charset="0"/>
-                <a:cs typeface="Arial" panose="020B0604020202020204" pitchFamily="34" charset="0"/>
-              </a:rPr>
-              <a:t>avoid creating unnecessary objects?</a:t>
+          <a:lstStyle/>
+          <a:p>
+            <a:endParaRPr lang="en-US"/>
+          </a:p>
+        </p:txBody>
+      </p:sp>
+      <p:sp>
+        <p:nvSpPr>
+          <p:cNvPr id="6" name="Rectangle 5"/>
+          <p:cNvSpPr/>
+          <p:nvPr/>
+        </p:nvSpPr>
+        <p:spPr>
+          <a:xfrm>
+            <a:off x="2286000" y="3105835"/>
+            <a:ext cx="4572000" cy="646331"/>
+          </a:xfrm>
+          <a:prstGeom prst="rect">
+            <a:avLst/>
+          </a:prstGeom>
+        </p:spPr>
+        <p:txBody>
+          <a:bodyPr>
+            <a:spAutoFit/>
+          </a:bodyPr>
+          <a:lstStyle/>
+          <a:p>
+            <a:r>
+              <a:rPr lang="en-US"/>
+              <a:t>http://kulferhat.blogspot.com/2014/08/ej-5-avoid-creating-unnecessary-object.html</a:t>
             </a:r>
           </a:p>
         </p:txBody>
@@ -10568,20 +10582,13 @@
     </p:spTree>
     <p:extLst>
       <p:ext uri="{BB962C8B-B14F-4D97-AF65-F5344CB8AC3E}">
-        <p14:creationId xmlns:p14="http://schemas.microsoft.com/office/powerpoint/2010/main" val="2405983554"/>
+        <p14:creationId xmlns:p14="http://schemas.microsoft.com/office/powerpoint/2010/main" val="1145947067"/>
       </p:ext>
     </p:extLst>
   </p:cSld>
   <p:clrMapOvr>
     <a:masterClrMapping/>
   </p:clrMapOvr>
-  <p:timing>
-    <p:tnLst>
-      <p:par>
-        <p:cTn id="1" dur="indefinite" restart="never" nodeType="tmRoot"/>
-      </p:par>
-    </p:tnLst>
-  </p:timing>
 </p:sld>
 </file>
 

--- a/AVOID CREATING UNNECESSARY OBJECTS.pptx
+++ b/AVOID CREATING UNNECESSARY OBJECTS.pptx
@@ -9,10 +9,10 @@
     <p:sldId id="257" r:id="rId3"/>
     <p:sldId id="260" r:id="rId4"/>
     <p:sldId id="259" r:id="rId5"/>
-    <p:sldId id="261" r:id="rId6"/>
-    <p:sldId id="262" r:id="rId7"/>
-    <p:sldId id="263" r:id="rId8"/>
-    <p:sldId id="264" r:id="rId9"/>
+    <p:sldId id="265" r:id="rId6"/>
+    <p:sldId id="261" r:id="rId7"/>
+    <p:sldId id="262" r:id="rId8"/>
+    <p:sldId id="263" r:id="rId9"/>
   </p:sldIdLst>
   <p:sldSz cx="9144000" cy="6858000" type="screen4x3"/>
   <p:notesSz cx="6858000" cy="9144000"/>
@@ -451,7 +451,7 @@
             <a:fld id="{B61BEF0D-F0BB-DE4B-95CE-6DB70DBA9567}" type="datetimeFigureOut">
               <a:rPr lang="en-US" smtClean="0"/>
               <a:pPr/>
-              <a:t>6/29/2015</a:t>
+              <a:t>6/30/2015</a:t>
             </a:fld>
             <a:endParaRPr lang="en-US" dirty="0"/>
           </a:p>
@@ -777,7 +777,7 @@
             <a:fld id="{B61BEF0D-F0BB-DE4B-95CE-6DB70DBA9567}" type="datetimeFigureOut">
               <a:rPr lang="en-US" smtClean="0"/>
               <a:pPr/>
-              <a:t>6/29/2015</a:t>
+              <a:t>6/30/2015</a:t>
             </a:fld>
             <a:endParaRPr lang="en-US" dirty="0"/>
           </a:p>
@@ -1027,7 +1027,7 @@
             <a:fld id="{B61BEF0D-F0BB-DE4B-95CE-6DB70DBA9567}" type="datetimeFigureOut">
               <a:rPr lang="en-US" smtClean="0"/>
               <a:pPr/>
-              <a:t>6/29/2015</a:t>
+              <a:t>6/30/2015</a:t>
             </a:fld>
             <a:endParaRPr lang="en-US" dirty="0"/>
           </a:p>
@@ -1368,7 +1368,7 @@
             <a:fld id="{B61BEF0D-F0BB-DE4B-95CE-6DB70DBA9567}" type="datetimeFigureOut">
               <a:rPr lang="en-US" smtClean="0"/>
               <a:pPr/>
-              <a:t>6/29/2015</a:t>
+              <a:t>6/30/2015</a:t>
             </a:fld>
             <a:endParaRPr lang="en-US" dirty="0"/>
           </a:p>
@@ -1717,7 +1717,7 @@
             <a:fld id="{B61BEF0D-F0BB-DE4B-95CE-6DB70DBA9567}" type="datetimeFigureOut">
               <a:rPr lang="en-US" smtClean="0"/>
               <a:pPr/>
-              <a:t>6/29/2015</a:t>
+              <a:t>6/30/2015</a:t>
             </a:fld>
             <a:endParaRPr lang="en-US" dirty="0"/>
           </a:p>
@@ -2093,7 +2093,7 @@
             <a:fld id="{B61BEF0D-F0BB-DE4B-95CE-6DB70DBA9567}" type="datetimeFigureOut">
               <a:rPr lang="en-US" smtClean="0"/>
               <a:pPr/>
-              <a:t>6/29/2015</a:t>
+              <a:t>6/30/2015</a:t>
             </a:fld>
             <a:endParaRPr lang="en-US" dirty="0"/>
           </a:p>
@@ -2565,7 +2565,7 @@
             <a:fld id="{B61BEF0D-F0BB-DE4B-95CE-6DB70DBA9567}" type="datetimeFigureOut">
               <a:rPr lang="en-US" smtClean="0"/>
               <a:pPr/>
-              <a:t>6/29/2015</a:t>
+              <a:t>6/30/2015</a:t>
             </a:fld>
             <a:endParaRPr lang="en-US" dirty="0"/>
           </a:p>
@@ -2777,7 +2777,7 @@
             <a:fld id="{B61BEF0D-F0BB-DE4B-95CE-6DB70DBA9567}" type="datetimeFigureOut">
               <a:rPr lang="en-US" smtClean="0"/>
               <a:pPr/>
-              <a:t>6/29/2015</a:t>
+              <a:t>6/30/2015</a:t>
             </a:fld>
             <a:endParaRPr lang="en-US" dirty="0"/>
           </a:p>
@@ -2990,7 +2990,7 @@
             <a:fld id="{B61BEF0D-F0BB-DE4B-95CE-6DB70DBA9567}" type="datetimeFigureOut">
               <a:rPr lang="en-US" smtClean="0"/>
               <a:pPr/>
-              <a:t>6/29/2015</a:t>
+              <a:t>6/30/2015</a:t>
             </a:fld>
             <a:endParaRPr lang="en-US" dirty="0"/>
           </a:p>
@@ -3223,7 +3223,7 @@
           <a:p>
             <a:fld id="{52647F38-B617-4D2F-AE0A-013F0C4D2C57}" type="datetimeFigureOut">
               <a:rPr lang="en-US" smtClean="0"/>
-              <a:t>6/29/2015</a:t>
+              <a:t>6/30/2015</a:t>
             </a:fld>
             <a:endParaRPr lang="en-US" dirty="0"/>
           </a:p>
@@ -3472,7 +3472,7 @@
             <a:fld id="{B61BEF0D-F0BB-DE4B-95CE-6DB70DBA9567}" type="datetimeFigureOut">
               <a:rPr lang="en-US" smtClean="0"/>
               <a:pPr/>
-              <a:t>6/29/2015</a:t>
+              <a:t>6/30/2015</a:t>
             </a:fld>
             <a:endParaRPr lang="en-US" dirty="0"/>
           </a:p>
@@ -3776,7 +3776,7 @@
           <a:p>
             <a:fld id="{05BFA754-D5C3-4E66-96A6-867B257F58DC}" type="datetimeFigureOut">
               <a:rPr lang="en-US" smtClean="0"/>
-              <a:t>6/29/2015</a:t>
+              <a:t>6/30/2015</a:t>
             </a:fld>
             <a:endParaRPr lang="en-US" dirty="0"/>
           </a:p>
@@ -4159,7 +4159,7 @@
             <a:fld id="{B61BEF0D-F0BB-DE4B-95CE-6DB70DBA9567}" type="datetimeFigureOut">
               <a:rPr lang="en-US" smtClean="0"/>
               <a:pPr/>
-              <a:t>6/29/2015</a:t>
+              <a:t>6/30/2015</a:t>
             </a:fld>
             <a:endParaRPr lang="en-US" dirty="0"/>
           </a:p>
@@ -4315,7 +4315,7 @@
             <a:fld id="{B61BEF0D-F0BB-DE4B-95CE-6DB70DBA9567}" type="datetimeFigureOut">
               <a:rPr lang="en-US" smtClean="0"/>
               <a:pPr/>
-              <a:t>6/29/2015</a:t>
+              <a:t>6/30/2015</a:t>
             </a:fld>
             <a:endParaRPr lang="en-US" dirty="0"/>
           </a:p>
@@ -4443,7 +4443,7 @@
             <a:fld id="{B61BEF0D-F0BB-DE4B-95CE-6DB70DBA9567}" type="datetimeFigureOut">
               <a:rPr lang="en-US" smtClean="0"/>
               <a:pPr/>
-              <a:t>6/29/2015</a:t>
+              <a:t>6/30/2015</a:t>
             </a:fld>
             <a:endParaRPr lang="en-US" dirty="0"/>
           </a:p>
@@ -4700,7 +4700,7 @@
             <a:fld id="{B61BEF0D-F0BB-DE4B-95CE-6DB70DBA9567}" type="datetimeFigureOut">
               <a:rPr lang="en-US" smtClean="0"/>
               <a:pPr/>
-              <a:t>6/29/2015</a:t>
+              <a:t>6/30/2015</a:t>
             </a:fld>
             <a:endParaRPr lang="en-US" dirty="0"/>
           </a:p>
@@ -5016,7 +5016,7 @@
             <a:fld id="{B61BEF0D-F0BB-DE4B-95CE-6DB70DBA9567}" type="datetimeFigureOut">
               <a:rPr lang="en-US" smtClean="0"/>
               <a:pPr/>
-              <a:t>6/29/2015</a:t>
+              <a:t>6/30/2015</a:t>
             </a:fld>
             <a:endParaRPr lang="en-US" dirty="0"/>
           </a:p>
@@ -5369,7 +5369,7 @@
             <a:fld id="{B61BEF0D-F0BB-DE4B-95CE-6DB70DBA9567}" type="datetimeFigureOut">
               <a:rPr lang="en-US" smtClean="0"/>
               <a:pPr/>
-              <a:t>6/29/2015</a:t>
+              <a:t>6/30/2015</a:t>
             </a:fld>
             <a:endParaRPr lang="en-US" dirty="0"/>
           </a:p>
@@ -6075,7 +6075,28 @@
                 <a:latin typeface="Arial" panose="020B0604020202020204" pitchFamily="34" charset="0"/>
                 <a:cs typeface="Arial" panose="020B0604020202020204" pitchFamily="34" charset="0"/>
               </a:rPr>
-              <a:t>Easy inspection and maintenance</a:t>
+              <a:t>Easy </a:t>
+            </a:r>
+            <a:r>
+              <a:rPr lang="en-US" sz="3200" smtClean="0">
+                <a:latin typeface="Arial" panose="020B0604020202020204" pitchFamily="34" charset="0"/>
+                <a:cs typeface="Arial" panose="020B0604020202020204" pitchFamily="34" charset="0"/>
+              </a:rPr>
+              <a:t>debug </a:t>
+            </a:r>
+            <a:r>
+              <a:rPr lang="en-US" sz="3200" smtClean="0">
+                <a:latin typeface="Arial" panose="020B0604020202020204" pitchFamily="34" charset="0"/>
+                <a:cs typeface="Arial" panose="020B0604020202020204" pitchFamily="34" charset="0"/>
+              </a:rPr>
+              <a:t>and </a:t>
+            </a:r>
+            <a:r>
+              <a:rPr lang="en-US" sz="3200">
+                <a:latin typeface="Arial" panose="020B0604020202020204" pitchFamily="34" charset="0"/>
+                <a:cs typeface="Arial" panose="020B0604020202020204" pitchFamily="34" charset="0"/>
+              </a:rPr>
+              <a:t>maintenance</a:t>
             </a:r>
           </a:p>
         </p:txBody>
@@ -6134,7 +6155,9 @@
           </a:xfrm>
         </p:spPr>
         <p:txBody>
-          <a:bodyPr/>
+          <a:bodyPr>
+            <a:normAutofit/>
+          </a:bodyPr>
           <a:lstStyle/>
           <a:p>
             <a:pPr algn="just"/>
@@ -6150,13 +6173,27 @@
                 <a:latin typeface="Arial" panose="020B0604020202020204" pitchFamily="34" charset="0"/>
                 <a:cs typeface="Arial" panose="020B0604020202020204" pitchFamily="34" charset="0"/>
               </a:rPr>
-              <a:t>of creating a new functionally equivalent object each time it is needed. An object can always be reused if it is immutable</a:t>
+              <a:t>of creating a new </a:t>
             </a:r>
             <a:r>
               <a:rPr lang="en-US" sz="2000" smtClean="0">
                 <a:latin typeface="Arial" panose="020B0604020202020204" pitchFamily="34" charset="0"/>
                 <a:cs typeface="Arial" panose="020B0604020202020204" pitchFamily="34" charset="0"/>
               </a:rPr>
+              <a:t>equivalent </a:t>
+            </a:r>
+            <a:r>
+              <a:rPr lang="en-US" sz="2000">
+                <a:latin typeface="Arial" panose="020B0604020202020204" pitchFamily="34" charset="0"/>
+                <a:cs typeface="Arial" panose="020B0604020202020204" pitchFamily="34" charset="0"/>
+              </a:rPr>
+              <a:t>object each time it is needed. An object can always be reused if it is immutable</a:t>
+            </a:r>
+            <a:r>
+              <a:rPr lang="en-US" sz="2000" smtClean="0">
+                <a:latin typeface="Arial" panose="020B0604020202020204" pitchFamily="34" charset="0"/>
+                <a:cs typeface="Arial" panose="020B0604020202020204" pitchFamily="34" charset="0"/>
+              </a:rPr>
               <a:t>.</a:t>
             </a:r>
           </a:p>
@@ -6167,6 +6204,34 @@
                 <a:latin typeface="Arial" panose="020B0604020202020204" pitchFamily="34" charset="0"/>
                 <a:cs typeface="Arial" panose="020B0604020202020204" pitchFamily="34" charset="0"/>
               </a:rPr>
+              <a:t>You can also reuse mutable objects if you know they won’t </a:t>
+            </a:r>
+            <a:r>
+              <a:rPr lang="en-US" sz="2000">
+                <a:latin typeface="Arial" panose="020B0604020202020204" pitchFamily="34" charset="0"/>
+                <a:cs typeface="Arial" panose="020B0604020202020204" pitchFamily="34" charset="0"/>
+              </a:rPr>
+              <a:t>be </a:t>
+            </a:r>
+            <a:r>
+              <a:rPr lang="en-US" sz="2000" smtClean="0">
+                <a:latin typeface="Arial" panose="020B0604020202020204" pitchFamily="34" charset="0"/>
+                <a:cs typeface="Arial" panose="020B0604020202020204" pitchFamily="34" charset="0"/>
+              </a:rPr>
+              <a:t>modified</a:t>
+            </a:r>
+            <a:endParaRPr lang="en-US" sz="2000" smtClean="0">
+              <a:latin typeface="Arial" panose="020B0604020202020204" pitchFamily="34" charset="0"/>
+              <a:cs typeface="Arial" panose="020B0604020202020204" pitchFamily="34" charset="0"/>
+            </a:endParaRPr>
+          </a:p>
+          <a:p>
+            <a:pPr algn="just"/>
+            <a:r>
+              <a:rPr lang="en-US" sz="2000">
+                <a:latin typeface="Arial" panose="020B0604020202020204" pitchFamily="34" charset="0"/>
+                <a:cs typeface="Arial" panose="020B0604020202020204" pitchFamily="34" charset="0"/>
+              </a:rPr>
               <a:t>You can often avoid creating unnecessary objects by using static factory </a:t>
             </a:r>
             <a:r>
@@ -6180,26 +6245,24 @@
           <a:p>
             <a:pPr algn="just"/>
             <a:r>
+              <a:rPr lang="en-US" sz="2000" smtClean="0">
+                <a:latin typeface="Arial" panose="020B0604020202020204" pitchFamily="34" charset="0"/>
+                <a:cs typeface="Arial" panose="020B0604020202020204" pitchFamily="34" charset="0"/>
+              </a:rPr>
+              <a:t>Priority </a:t>
+            </a:r>
+            <a:r>
               <a:rPr lang="en-US" sz="2000">
                 <a:latin typeface="Arial" panose="020B0604020202020204" pitchFamily="34" charset="0"/>
                 <a:cs typeface="Arial" panose="020B0604020202020204" pitchFamily="34" charset="0"/>
               </a:rPr>
-              <a:t>Y</a:t>
-            </a:r>
-            <a:r>
-              <a:rPr lang="en-US" sz="2000" smtClean="0">
-                <a:latin typeface="Arial" panose="020B0604020202020204" pitchFamily="34" charset="0"/>
-                <a:cs typeface="Arial" panose="020B0604020202020204" pitchFamily="34" charset="0"/>
-              </a:rPr>
-              <a:t>ou </a:t>
-            </a:r>
-            <a:r>
-              <a:rPr lang="en-US" sz="2000">
-                <a:latin typeface="Arial" panose="020B0604020202020204" pitchFamily="34" charset="0"/>
-                <a:cs typeface="Arial" panose="020B0604020202020204" pitchFamily="34" charset="0"/>
-              </a:rPr>
-              <a:t>can also reuse mutable objects if you know they won’t be modified</a:t>
-            </a:r>
+              <a:t>use primitive data types for the variables</a:t>
+            </a:r>
+          </a:p>
+          <a:p>
+            <a:pPr marL="0" indent="0" algn="just">
+              <a:buNone/>
+            </a:pPr>
             <a:endParaRPr lang="en-US" sz="2000" smtClean="0">
               <a:latin typeface="Arial" panose="020B0604020202020204" pitchFamily="34" charset="0"/>
               <a:cs typeface="Arial" panose="020B0604020202020204" pitchFamily="34" charset="0"/>
@@ -7129,7 +7192,7 @@
       </p:grpSpPr>
       <p:sp>
         <p:nvSpPr>
-          <p:cNvPr id="6" name="Title 1"/>
+          <p:cNvPr id="4" name="Title 1"/>
           <p:cNvSpPr>
             <a:spLocks noGrp="1"/>
           </p:cNvSpPr>
@@ -7255,786 +7318,967 @@
       </p:sp>
       <p:sp>
         <p:nvSpPr>
-          <p:cNvPr id="8" name="Content Placeholder 7"/>
-          <p:cNvSpPr>
-            <a:spLocks noGrp="1"/>
-          </p:cNvSpPr>
-          <p:nvPr>
-            <p:ph idx="1"/>
-          </p:nvPr>
+          <p:cNvPr id="5" name="Rectangle 4"/>
+          <p:cNvSpPr/>
+          <p:nvPr/>
         </p:nvSpPr>
         <p:spPr>
           <a:xfrm>
-            <a:off x="1176865" y="2490136"/>
-            <a:ext cx="7428120" cy="3102142"/>
+            <a:off x="1333500" y="2413070"/>
+            <a:ext cx="6900333" cy="3539430"/>
           </a:xfrm>
+          <a:prstGeom prst="rect">
+            <a:avLst/>
+          </a:prstGeom>
         </p:spPr>
         <p:txBody>
-          <a:bodyPr>
-            <a:normAutofit fontScale="70000" lnSpcReduction="20000"/>
+          <a:bodyPr wrap="square">
+            <a:spAutoFit/>
           </a:bodyPr>
           <a:lstStyle/>
           <a:p>
-            <a:pPr marL="0" indent="0">
-              <a:buNone/>
-            </a:pPr>
-            <a:r>
-              <a:rPr lang="en-US" smtClean="0"/>
-              <a:t>+ Ex2:</a:t>
-            </a:r>
-          </a:p>
-          <a:p>
-            <a:pPr marL="0" lvl="0" indent="0">
-              <a:buNone/>
-            </a:pPr>
-            <a:r>
-              <a:rPr lang="en-US" altLang="en-US" sz="2100" b="1" smtClean="0">
-                <a:solidFill>
-                  <a:srgbClr val="000080"/>
-                </a:solidFill>
-                <a:latin typeface="Courier New" panose="02070309020205020404" pitchFamily="49" charset="0"/>
-                <a:cs typeface="Courier New" panose="02070309020205020404" pitchFamily="49" charset="0"/>
-              </a:rPr>
-              <a:t>class </a:t>
-            </a:r>
-            <a:r>
-              <a:rPr lang="en-US" altLang="en-US" sz="2100">
-                <a:solidFill>
-                  <a:srgbClr val="000000"/>
-                </a:solidFill>
-                <a:latin typeface="Courier New" panose="02070309020205020404" pitchFamily="49" charset="0"/>
-                <a:cs typeface="Courier New" panose="02070309020205020404" pitchFamily="49" charset="0"/>
-              </a:rPr>
-              <a:t>Person1{</a:t>
-            </a:r>
-            <a:br>
-              <a:rPr lang="en-US" altLang="en-US" sz="2100">
-                <a:solidFill>
-                  <a:srgbClr val="000000"/>
-                </a:solidFill>
-                <a:latin typeface="Courier New" panose="02070309020205020404" pitchFamily="49" charset="0"/>
-                <a:cs typeface="Courier New" panose="02070309020205020404" pitchFamily="49" charset="0"/>
-              </a:rPr>
-            </a:br>
-            <a:r>
-              <a:rPr lang="en-US" altLang="en-US" sz="2100">
-                <a:solidFill>
-                  <a:srgbClr val="000000"/>
-                </a:solidFill>
-                <a:latin typeface="Courier New" panose="02070309020205020404" pitchFamily="49" charset="0"/>
-                <a:cs typeface="Courier New" panose="02070309020205020404" pitchFamily="49" charset="0"/>
-              </a:rPr>
-              <a:t>    </a:t>
-            </a:r>
-            <a:r>
-              <a:rPr lang="en-US" altLang="en-US" sz="2100" b="1">
-                <a:solidFill>
-                  <a:srgbClr val="000080"/>
-                </a:solidFill>
-                <a:latin typeface="Courier New" panose="02070309020205020404" pitchFamily="49" charset="0"/>
-                <a:cs typeface="Courier New" panose="02070309020205020404" pitchFamily="49" charset="0"/>
-              </a:rPr>
-              <a:t>private </a:t>
-            </a:r>
-            <a:r>
-              <a:rPr lang="en-US" altLang="en-US" sz="2100">
-                <a:solidFill>
-                  <a:srgbClr val="000000"/>
-                </a:solidFill>
-                <a:latin typeface="Courier New" panose="02070309020205020404" pitchFamily="49" charset="0"/>
-                <a:cs typeface="Courier New" panose="02070309020205020404" pitchFamily="49" charset="0"/>
-              </a:rPr>
-              <a:t>Date </a:t>
-            </a:r>
-            <a:r>
-              <a:rPr lang="en-US" altLang="en-US" sz="2100" b="1">
-                <a:solidFill>
-                  <a:srgbClr val="660E7A"/>
-                </a:solidFill>
-                <a:latin typeface="Courier New" panose="02070309020205020404" pitchFamily="49" charset="0"/>
-                <a:cs typeface="Courier New" panose="02070309020205020404" pitchFamily="49" charset="0"/>
-              </a:rPr>
-              <a:t>birthDate </a:t>
-            </a:r>
-            <a:r>
-              <a:rPr lang="en-US" altLang="en-US" sz="2100" smtClean="0">
-                <a:solidFill>
-                  <a:srgbClr val="000000"/>
-                </a:solidFill>
-                <a:latin typeface="Courier New" panose="02070309020205020404" pitchFamily="49" charset="0"/>
-                <a:cs typeface="Courier New" panose="02070309020205020404" pitchFamily="49" charset="0"/>
-              </a:rPr>
-              <a:t>= null</a:t>
-            </a:r>
-            <a:r>
-              <a:rPr lang="en-US" altLang="en-US" sz="2100">
-                <a:solidFill>
-                  <a:srgbClr val="000000"/>
-                </a:solidFill>
-                <a:latin typeface="Courier New" panose="02070309020205020404" pitchFamily="49" charset="0"/>
-                <a:cs typeface="Courier New" panose="02070309020205020404" pitchFamily="49" charset="0"/>
-              </a:rPr>
-              <a:t/>
-            </a:r>
-            <a:br>
-              <a:rPr lang="en-US" altLang="en-US" sz="2100">
-                <a:solidFill>
-                  <a:srgbClr val="000000"/>
-                </a:solidFill>
-                <a:latin typeface="Courier New" panose="02070309020205020404" pitchFamily="49" charset="0"/>
-                <a:cs typeface="Courier New" panose="02070309020205020404" pitchFamily="49" charset="0"/>
-              </a:rPr>
-            </a:br>
-            <a:r>
-              <a:rPr lang="en-US" altLang="en-US" sz="2100">
-                <a:solidFill>
-                  <a:srgbClr val="000000"/>
-                </a:solidFill>
-                <a:latin typeface="Courier New" panose="02070309020205020404" pitchFamily="49" charset="0"/>
-                <a:cs typeface="Courier New" panose="02070309020205020404" pitchFamily="49" charset="0"/>
-              </a:rPr>
-              <a:t/>
-            </a:r>
-            <a:br>
-              <a:rPr lang="en-US" altLang="en-US" sz="2100">
-                <a:solidFill>
-                  <a:srgbClr val="000000"/>
-                </a:solidFill>
-                <a:latin typeface="Courier New" panose="02070309020205020404" pitchFamily="49" charset="0"/>
-                <a:cs typeface="Courier New" panose="02070309020205020404" pitchFamily="49" charset="0"/>
-              </a:rPr>
-            </a:br>
-            <a:r>
-              <a:rPr lang="en-US" altLang="en-US" sz="2100">
-                <a:solidFill>
-                  <a:srgbClr val="000000"/>
-                </a:solidFill>
-                <a:latin typeface="Courier New" panose="02070309020205020404" pitchFamily="49" charset="0"/>
-                <a:cs typeface="Courier New" panose="02070309020205020404" pitchFamily="49" charset="0"/>
-              </a:rPr>
-              <a:t>    </a:t>
-            </a:r>
-            <a:r>
-              <a:rPr lang="en-US" altLang="en-US" sz="2100" b="1">
-                <a:solidFill>
-                  <a:srgbClr val="000080"/>
-                </a:solidFill>
-                <a:latin typeface="Courier New" panose="02070309020205020404" pitchFamily="49" charset="0"/>
-                <a:cs typeface="Courier New" panose="02070309020205020404" pitchFamily="49" charset="0"/>
-              </a:rPr>
-              <a:t>public boolean </a:t>
-            </a:r>
-            <a:r>
-              <a:rPr lang="en-US" altLang="en-US" sz="2100">
-                <a:solidFill>
-                  <a:srgbClr val="000000"/>
-                </a:solidFill>
-                <a:latin typeface="Courier New" panose="02070309020205020404" pitchFamily="49" charset="0"/>
-                <a:cs typeface="Courier New" panose="02070309020205020404" pitchFamily="49" charset="0"/>
-              </a:rPr>
-              <a:t>isBabyBoomer(){</a:t>
-            </a:r>
-            <a:br>
-              <a:rPr lang="en-US" altLang="en-US" sz="2100">
-                <a:solidFill>
-                  <a:srgbClr val="000000"/>
-                </a:solidFill>
-                <a:latin typeface="Courier New" panose="02070309020205020404" pitchFamily="49" charset="0"/>
-                <a:cs typeface="Courier New" panose="02070309020205020404" pitchFamily="49" charset="0"/>
-              </a:rPr>
-            </a:br>
-            <a:r>
-              <a:rPr lang="en-US" altLang="en-US" sz="2100">
-                <a:solidFill>
-                  <a:srgbClr val="000000"/>
-                </a:solidFill>
-                <a:latin typeface="Courier New" panose="02070309020205020404" pitchFamily="49" charset="0"/>
-                <a:cs typeface="Courier New" panose="02070309020205020404" pitchFamily="49" charset="0"/>
-              </a:rPr>
-              <a:t>        Calendar gmtCal </a:t>
-            </a:r>
-            <a:r>
-              <a:rPr lang="en-US" altLang="en-US" sz="2100" smtClean="0">
-                <a:solidFill>
-                  <a:srgbClr val="000000"/>
-                </a:solidFill>
-                <a:latin typeface="Courier New" panose="02070309020205020404" pitchFamily="49" charset="0"/>
-                <a:cs typeface="Courier New" panose="02070309020205020404" pitchFamily="49" charset="0"/>
-              </a:rPr>
-              <a:t>= 												Calendar.</a:t>
-            </a:r>
-            <a:r>
-              <a:rPr lang="en-US" altLang="en-US" sz="2100" i="1" smtClean="0">
-                <a:solidFill>
-                  <a:srgbClr val="000000"/>
-                </a:solidFill>
-                <a:latin typeface="Courier New" panose="02070309020205020404" pitchFamily="49" charset="0"/>
-                <a:cs typeface="Courier New" panose="02070309020205020404" pitchFamily="49" charset="0"/>
-              </a:rPr>
-              <a:t>getInstance</a:t>
-            </a:r>
-            <a:r>
-              <a:rPr lang="en-US" altLang="en-US" sz="2100" smtClean="0">
-                <a:solidFill>
-                  <a:srgbClr val="000000"/>
-                </a:solidFill>
-                <a:latin typeface="Courier New" panose="02070309020205020404" pitchFamily="49" charset="0"/>
-                <a:cs typeface="Courier New" panose="02070309020205020404" pitchFamily="49" charset="0"/>
-              </a:rPr>
-              <a:t>(TimeZone.</a:t>
-            </a:r>
-            <a:r>
-              <a:rPr lang="en-US" altLang="en-US" sz="2100" i="1" smtClean="0">
-                <a:solidFill>
-                  <a:srgbClr val="000000"/>
-                </a:solidFill>
-                <a:latin typeface="Courier New" panose="02070309020205020404" pitchFamily="49" charset="0"/>
-                <a:cs typeface="Courier New" panose="02070309020205020404" pitchFamily="49" charset="0"/>
-              </a:rPr>
-              <a:t>getTimeZone</a:t>
-            </a:r>
-            <a:r>
-              <a:rPr lang="en-US" altLang="en-US" sz="2100">
-                <a:solidFill>
-                  <a:srgbClr val="000000"/>
-                </a:solidFill>
-                <a:latin typeface="Courier New" panose="02070309020205020404" pitchFamily="49" charset="0"/>
-                <a:cs typeface="Courier New" panose="02070309020205020404" pitchFamily="49" charset="0"/>
+            <a:r>
+              <a:rPr lang="en-US" sz="1400">
+                <a:solidFill>
+                  <a:srgbClr val="A71D5D"/>
+                </a:solidFill>
+                <a:latin typeface="Arial" panose="020B0604020202020204" pitchFamily="34" charset="0"/>
+                <a:cs typeface="Arial" panose="020B0604020202020204" pitchFamily="34" charset="0"/>
+              </a:rPr>
+              <a:t>public</a:t>
+            </a:r>
+            <a:r>
+              <a:rPr lang="en-US" sz="1400">
+                <a:latin typeface="Arial" panose="020B0604020202020204" pitchFamily="34" charset="0"/>
+                <a:cs typeface="Arial" panose="020B0604020202020204" pitchFamily="34" charset="0"/>
+              </a:rPr>
+              <a:t> </a:t>
+            </a:r>
+            <a:r>
+              <a:rPr lang="en-US" sz="1400">
+                <a:solidFill>
+                  <a:srgbClr val="A71D5D"/>
+                </a:solidFill>
+                <a:latin typeface="Arial" panose="020B0604020202020204" pitchFamily="34" charset="0"/>
+                <a:cs typeface="Arial" panose="020B0604020202020204" pitchFamily="34" charset="0"/>
+              </a:rPr>
+              <a:t>class</a:t>
+            </a:r>
+            <a:r>
+              <a:rPr lang="en-US" sz="1400">
+                <a:latin typeface="Arial" panose="020B0604020202020204" pitchFamily="34" charset="0"/>
+                <a:cs typeface="Arial" panose="020B0604020202020204" pitchFamily="34" charset="0"/>
+              </a:rPr>
+              <a:t> </a:t>
+            </a:r>
+            <a:r>
+              <a:rPr lang="en-US" sz="1400">
+                <a:solidFill>
+                  <a:srgbClr val="795DA3"/>
+                </a:solidFill>
+                <a:latin typeface="Arial" panose="020B0604020202020204" pitchFamily="34" charset="0"/>
+                <a:cs typeface="Arial" panose="020B0604020202020204" pitchFamily="34" charset="0"/>
+              </a:rPr>
+              <a:t>StringIntern</a:t>
+            </a:r>
+            <a:r>
+              <a:rPr lang="en-US" sz="1400">
+                <a:latin typeface="Arial" panose="020B0604020202020204" pitchFamily="34" charset="0"/>
+                <a:cs typeface="Arial" panose="020B0604020202020204" pitchFamily="34" charset="0"/>
+              </a:rPr>
+              <a:t> { </a:t>
+            </a:r>
+          </a:p>
+          <a:p>
+            <a:r>
+              <a:rPr lang="en-US" sz="1400" smtClean="0">
+                <a:solidFill>
+                  <a:srgbClr val="A71D5D"/>
+                </a:solidFill>
+                <a:latin typeface="Arial" panose="020B0604020202020204" pitchFamily="34" charset="0"/>
+                <a:cs typeface="Arial" panose="020B0604020202020204" pitchFamily="34" charset="0"/>
+              </a:rPr>
+              <a:t>	public</a:t>
+            </a:r>
+            <a:r>
+              <a:rPr lang="en-US" sz="1400" smtClean="0">
+                <a:latin typeface="Arial" panose="020B0604020202020204" pitchFamily="34" charset="0"/>
+                <a:cs typeface="Arial" panose="020B0604020202020204" pitchFamily="34" charset="0"/>
+              </a:rPr>
+              <a:t> </a:t>
+            </a:r>
+            <a:r>
+              <a:rPr lang="en-US" sz="1400">
+                <a:solidFill>
+                  <a:srgbClr val="A71D5D"/>
+                </a:solidFill>
+                <a:latin typeface="Arial" panose="020B0604020202020204" pitchFamily="34" charset="0"/>
+                <a:cs typeface="Arial" panose="020B0604020202020204" pitchFamily="34" charset="0"/>
+              </a:rPr>
+              <a:t>static</a:t>
+            </a:r>
+            <a:r>
+              <a:rPr lang="en-US" sz="1400">
+                <a:latin typeface="Arial" panose="020B0604020202020204" pitchFamily="34" charset="0"/>
+                <a:cs typeface="Arial" panose="020B0604020202020204" pitchFamily="34" charset="0"/>
+              </a:rPr>
+              <a:t> </a:t>
+            </a:r>
+            <a:r>
+              <a:rPr lang="en-US" sz="1400">
+                <a:solidFill>
+                  <a:srgbClr val="A71D5D"/>
+                </a:solidFill>
+                <a:latin typeface="Arial" panose="020B0604020202020204" pitchFamily="34" charset="0"/>
+                <a:cs typeface="Arial" panose="020B0604020202020204" pitchFamily="34" charset="0"/>
+              </a:rPr>
+              <a:t>void</a:t>
+            </a:r>
+            <a:r>
+              <a:rPr lang="en-US" sz="1400">
+                <a:latin typeface="Arial" panose="020B0604020202020204" pitchFamily="34" charset="0"/>
+                <a:cs typeface="Arial" panose="020B0604020202020204" pitchFamily="34" charset="0"/>
+              </a:rPr>
+              <a:t> </a:t>
+            </a:r>
+            <a:r>
+              <a:rPr lang="en-US" sz="1400">
+                <a:solidFill>
+                  <a:srgbClr val="795DA3"/>
+                </a:solidFill>
+                <a:latin typeface="Arial" panose="020B0604020202020204" pitchFamily="34" charset="0"/>
+                <a:cs typeface="Arial" panose="020B0604020202020204" pitchFamily="34" charset="0"/>
+              </a:rPr>
+              <a:t>main</a:t>
+            </a:r>
+            <a:r>
+              <a:rPr lang="en-US" sz="1400">
+                <a:latin typeface="Arial" panose="020B0604020202020204" pitchFamily="34" charset="0"/>
+                <a:cs typeface="Arial" panose="020B0604020202020204" pitchFamily="34" charset="0"/>
               </a:rPr>
               <a:t>(</a:t>
             </a:r>
             <a:r>
-              <a:rPr lang="en-US" altLang="en-US" sz="2100" b="1">
-                <a:solidFill>
-                  <a:srgbClr val="008000"/>
-                </a:solidFill>
-                <a:latin typeface="Courier New" panose="02070309020205020404" pitchFamily="49" charset="0"/>
-                <a:cs typeface="Courier New" panose="02070309020205020404" pitchFamily="49" charset="0"/>
-              </a:rPr>
-              <a:t>"GMT"</a:t>
-            </a:r>
-            <a:r>
-              <a:rPr lang="en-US" altLang="en-US" sz="2100">
-                <a:solidFill>
-                  <a:srgbClr val="000000"/>
-                </a:solidFill>
-                <a:latin typeface="Courier New" panose="02070309020205020404" pitchFamily="49" charset="0"/>
-                <a:cs typeface="Courier New" panose="02070309020205020404" pitchFamily="49" charset="0"/>
-              </a:rPr>
-              <a:t>));</a:t>
-            </a:r>
-            <a:br>
-              <a:rPr lang="en-US" altLang="en-US" sz="2100">
-                <a:solidFill>
-                  <a:srgbClr val="000000"/>
-                </a:solidFill>
-                <a:latin typeface="Courier New" panose="02070309020205020404" pitchFamily="49" charset="0"/>
-                <a:cs typeface="Courier New" panose="02070309020205020404" pitchFamily="49" charset="0"/>
-              </a:rPr>
-            </a:br>
-            <a:r>
-              <a:rPr lang="en-US" altLang="en-US" sz="2100">
-                <a:solidFill>
-                  <a:srgbClr val="000000"/>
-                </a:solidFill>
-                <a:latin typeface="Courier New" panose="02070309020205020404" pitchFamily="49" charset="0"/>
-                <a:cs typeface="Courier New" panose="02070309020205020404" pitchFamily="49" charset="0"/>
-              </a:rPr>
-              <a:t>        gmtCal.set(</a:t>
-            </a:r>
-            <a:r>
-              <a:rPr lang="en-US" altLang="en-US" sz="2100">
-                <a:solidFill>
-                  <a:srgbClr val="0000FF"/>
-                </a:solidFill>
-                <a:latin typeface="Courier New" panose="02070309020205020404" pitchFamily="49" charset="0"/>
-                <a:cs typeface="Courier New" panose="02070309020205020404" pitchFamily="49" charset="0"/>
-              </a:rPr>
-              <a:t>3900</a:t>
-            </a:r>
-            <a:r>
-              <a:rPr lang="en-US" altLang="en-US" sz="2100">
-                <a:solidFill>
-                  <a:srgbClr val="000000"/>
-                </a:solidFill>
-                <a:latin typeface="Courier New" panose="02070309020205020404" pitchFamily="49" charset="0"/>
-                <a:cs typeface="Courier New" panose="02070309020205020404" pitchFamily="49" charset="0"/>
-              </a:rPr>
-              <a:t>, Calendar.</a:t>
-            </a:r>
-            <a:r>
-              <a:rPr lang="en-US" altLang="en-US" sz="2100" b="1" i="1">
-                <a:solidFill>
-                  <a:srgbClr val="660E7A"/>
-                </a:solidFill>
-                <a:latin typeface="Courier New" panose="02070309020205020404" pitchFamily="49" charset="0"/>
-                <a:cs typeface="Courier New" panose="02070309020205020404" pitchFamily="49" charset="0"/>
-              </a:rPr>
-              <a:t>JANUARY</a:t>
-            </a:r>
-            <a:r>
-              <a:rPr lang="en-US" altLang="en-US" sz="2100">
-                <a:solidFill>
-                  <a:srgbClr val="000000"/>
-                </a:solidFill>
-                <a:latin typeface="Courier New" panose="02070309020205020404" pitchFamily="49" charset="0"/>
-                <a:cs typeface="Courier New" panose="02070309020205020404" pitchFamily="49" charset="0"/>
+              <a:rPr lang="en-US" sz="1400">
+                <a:solidFill>
+                  <a:srgbClr val="A71D5D"/>
+                </a:solidFill>
+                <a:latin typeface="Arial" panose="020B0604020202020204" pitchFamily="34" charset="0"/>
+                <a:cs typeface="Arial" panose="020B0604020202020204" pitchFamily="34" charset="0"/>
+              </a:rPr>
+              <a:t>String</a:t>
+            </a:r>
+            <a:r>
+              <a:rPr lang="en-US" sz="1400">
+                <a:latin typeface="Arial" panose="020B0604020202020204" pitchFamily="34" charset="0"/>
+                <a:cs typeface="Arial" panose="020B0604020202020204" pitchFamily="34" charset="0"/>
+              </a:rPr>
+              <a:t>[] </a:t>
+            </a:r>
+            <a:r>
+              <a:rPr lang="en-US" sz="1400">
+                <a:solidFill>
+                  <a:srgbClr val="1D3E81"/>
+                </a:solidFill>
+                <a:latin typeface="Arial" panose="020B0604020202020204" pitchFamily="34" charset="0"/>
+                <a:cs typeface="Arial" panose="020B0604020202020204" pitchFamily="34" charset="0"/>
+              </a:rPr>
+              <a:t>args</a:t>
+            </a:r>
+            <a:r>
+              <a:rPr lang="en-US" sz="1400">
+                <a:latin typeface="Arial" panose="020B0604020202020204" pitchFamily="34" charset="0"/>
+                <a:cs typeface="Arial" panose="020B0604020202020204" pitchFamily="34" charset="0"/>
+              </a:rPr>
+              <a:t>) { </a:t>
+            </a:r>
+          </a:p>
+          <a:p>
+            <a:pPr lvl="1"/>
+            <a:r>
+              <a:rPr lang="en-US" sz="1400" smtClean="0">
+                <a:solidFill>
+                  <a:srgbClr val="333333"/>
+                </a:solidFill>
+                <a:latin typeface="Arial" panose="020B0604020202020204" pitchFamily="34" charset="0"/>
+                <a:cs typeface="Arial" panose="020B0604020202020204" pitchFamily="34" charset="0"/>
+              </a:rPr>
+              <a:t>	String</a:t>
+            </a:r>
+            <a:r>
+              <a:rPr lang="en-US" sz="1400" smtClean="0">
+                <a:latin typeface="Arial" panose="020B0604020202020204" pitchFamily="34" charset="0"/>
+                <a:cs typeface="Arial" panose="020B0604020202020204" pitchFamily="34" charset="0"/>
+              </a:rPr>
+              <a:t> </a:t>
+            </a:r>
+            <a:r>
+              <a:rPr lang="en-US" sz="1400">
+                <a:latin typeface="Arial" panose="020B0604020202020204" pitchFamily="34" charset="0"/>
+                <a:cs typeface="Arial" panose="020B0604020202020204" pitchFamily="34" charset="0"/>
+              </a:rPr>
+              <a:t>s1 </a:t>
+            </a:r>
+            <a:r>
+              <a:rPr lang="en-US" sz="1400">
+                <a:solidFill>
+                  <a:srgbClr val="A71D5D"/>
+                </a:solidFill>
+                <a:latin typeface="Arial" panose="020B0604020202020204" pitchFamily="34" charset="0"/>
+                <a:cs typeface="Arial" panose="020B0604020202020204" pitchFamily="34" charset="0"/>
+              </a:rPr>
+              <a:t>=</a:t>
+            </a:r>
+            <a:r>
+              <a:rPr lang="en-US" sz="1400">
+                <a:latin typeface="Arial" panose="020B0604020202020204" pitchFamily="34" charset="0"/>
+                <a:cs typeface="Arial" panose="020B0604020202020204" pitchFamily="34" charset="0"/>
+              </a:rPr>
+              <a:t> </a:t>
+            </a:r>
+            <a:r>
+              <a:rPr lang="en-US" sz="1400">
+                <a:solidFill>
+                  <a:srgbClr val="DF5000"/>
+                </a:solidFill>
+                <a:latin typeface="Arial" panose="020B0604020202020204" pitchFamily="34" charset="0"/>
+                <a:cs typeface="Arial" panose="020B0604020202020204" pitchFamily="34" charset="0"/>
+              </a:rPr>
+              <a:t>"test"</a:t>
+            </a:r>
+            <a:r>
+              <a:rPr lang="en-US" sz="1400">
+                <a:latin typeface="Arial" panose="020B0604020202020204" pitchFamily="34" charset="0"/>
+                <a:cs typeface="Arial" panose="020B0604020202020204" pitchFamily="34" charset="0"/>
+              </a:rPr>
+              <a:t>; </a:t>
+            </a:r>
+          </a:p>
+          <a:p>
+            <a:pPr lvl="2"/>
+            <a:r>
+              <a:rPr lang="en-US" sz="1400">
+                <a:solidFill>
+                  <a:srgbClr val="333333"/>
+                </a:solidFill>
+                <a:latin typeface="Arial" panose="020B0604020202020204" pitchFamily="34" charset="0"/>
+                <a:cs typeface="Arial" panose="020B0604020202020204" pitchFamily="34" charset="0"/>
+              </a:rPr>
+              <a:t>String</a:t>
+            </a:r>
+            <a:r>
+              <a:rPr lang="en-US" sz="1400">
+                <a:latin typeface="Arial" panose="020B0604020202020204" pitchFamily="34" charset="0"/>
+                <a:cs typeface="Arial" panose="020B0604020202020204" pitchFamily="34" charset="0"/>
+              </a:rPr>
+              <a:t> s2 </a:t>
+            </a:r>
+            <a:r>
+              <a:rPr lang="en-US" sz="1400">
+                <a:solidFill>
+                  <a:srgbClr val="A71D5D"/>
+                </a:solidFill>
+                <a:latin typeface="Arial" panose="020B0604020202020204" pitchFamily="34" charset="0"/>
+                <a:cs typeface="Arial" panose="020B0604020202020204" pitchFamily="34" charset="0"/>
+              </a:rPr>
+              <a:t>=</a:t>
+            </a:r>
+            <a:r>
+              <a:rPr lang="en-US" sz="1400">
+                <a:latin typeface="Arial" panose="020B0604020202020204" pitchFamily="34" charset="0"/>
+                <a:cs typeface="Arial" panose="020B0604020202020204" pitchFamily="34" charset="0"/>
+              </a:rPr>
+              <a:t> </a:t>
+            </a:r>
+            <a:r>
+              <a:rPr lang="en-US" sz="1400">
+                <a:solidFill>
+                  <a:srgbClr val="DF5000"/>
+                </a:solidFill>
+                <a:latin typeface="Arial" panose="020B0604020202020204" pitchFamily="34" charset="0"/>
+                <a:cs typeface="Arial" panose="020B0604020202020204" pitchFamily="34" charset="0"/>
+              </a:rPr>
+              <a:t>"test"</a:t>
+            </a:r>
+            <a:r>
+              <a:rPr lang="en-US" sz="1400">
+                <a:latin typeface="Arial" panose="020B0604020202020204" pitchFamily="34" charset="0"/>
+                <a:cs typeface="Arial" panose="020B0604020202020204" pitchFamily="34" charset="0"/>
+              </a:rPr>
+              <a:t>;   </a:t>
+            </a:r>
+          </a:p>
+          <a:p>
+            <a:pPr lvl="2"/>
+            <a:r>
+              <a:rPr lang="en-US" sz="1400">
+                <a:latin typeface="Arial" panose="020B0604020202020204" pitchFamily="34" charset="0"/>
+                <a:cs typeface="Arial" panose="020B0604020202020204" pitchFamily="34" charset="0"/>
+              </a:rPr>
+              <a:t>checkEquality(s1, s2);   </a:t>
+            </a:r>
+          </a:p>
+          <a:p>
+            <a:pPr lvl="2"/>
+            <a:r>
+              <a:rPr lang="en-US" sz="1400">
+                <a:solidFill>
+                  <a:srgbClr val="333333"/>
+                </a:solidFill>
+                <a:latin typeface="Arial" panose="020B0604020202020204" pitchFamily="34" charset="0"/>
+                <a:cs typeface="Arial" panose="020B0604020202020204" pitchFamily="34" charset="0"/>
+              </a:rPr>
+              <a:t>String</a:t>
+            </a:r>
+            <a:r>
+              <a:rPr lang="en-US" sz="1400">
+                <a:latin typeface="Arial" panose="020B0604020202020204" pitchFamily="34" charset="0"/>
+                <a:cs typeface="Arial" panose="020B0604020202020204" pitchFamily="34" charset="0"/>
+              </a:rPr>
+              <a:t> s3 </a:t>
+            </a:r>
+            <a:r>
+              <a:rPr lang="en-US" sz="1400">
+                <a:solidFill>
+                  <a:srgbClr val="A71D5D"/>
+                </a:solidFill>
+                <a:latin typeface="Arial" panose="020B0604020202020204" pitchFamily="34" charset="0"/>
+                <a:cs typeface="Arial" panose="020B0604020202020204" pitchFamily="34" charset="0"/>
+              </a:rPr>
+              <a:t>=</a:t>
+            </a:r>
+            <a:r>
+              <a:rPr lang="en-US" sz="1400">
+                <a:latin typeface="Arial" panose="020B0604020202020204" pitchFamily="34" charset="0"/>
+                <a:cs typeface="Arial" panose="020B0604020202020204" pitchFamily="34" charset="0"/>
+              </a:rPr>
+              <a:t> </a:t>
+            </a:r>
+            <a:r>
+              <a:rPr lang="en-US" sz="1400">
+                <a:solidFill>
+                  <a:srgbClr val="A71D5D"/>
+                </a:solidFill>
+                <a:latin typeface="Arial" panose="020B0604020202020204" pitchFamily="34" charset="0"/>
+                <a:cs typeface="Arial" panose="020B0604020202020204" pitchFamily="34" charset="0"/>
+              </a:rPr>
+              <a:t>new</a:t>
+            </a:r>
+            <a:r>
+              <a:rPr lang="en-US" sz="1400">
+                <a:latin typeface="Arial" panose="020B0604020202020204" pitchFamily="34" charset="0"/>
+                <a:cs typeface="Arial" panose="020B0604020202020204" pitchFamily="34" charset="0"/>
+              </a:rPr>
+              <a:t> </a:t>
+            </a:r>
+            <a:r>
+              <a:rPr lang="en-US" sz="1400">
+                <a:solidFill>
+                  <a:srgbClr val="333333"/>
+                </a:solidFill>
+                <a:latin typeface="Arial" panose="020B0604020202020204" pitchFamily="34" charset="0"/>
+                <a:cs typeface="Arial" panose="020B0604020202020204" pitchFamily="34" charset="0"/>
+              </a:rPr>
+              <a:t>String</a:t>
+            </a:r>
+            <a:r>
+              <a:rPr lang="en-US" sz="1400">
+                <a:latin typeface="Arial" panose="020B0604020202020204" pitchFamily="34" charset="0"/>
+                <a:cs typeface="Arial" panose="020B0604020202020204" pitchFamily="34" charset="0"/>
+              </a:rPr>
+              <a:t>(</a:t>
+            </a:r>
+            <a:r>
+              <a:rPr lang="en-US" sz="1400">
+                <a:solidFill>
+                  <a:srgbClr val="DF5000"/>
+                </a:solidFill>
+                <a:latin typeface="Arial" panose="020B0604020202020204" pitchFamily="34" charset="0"/>
+                <a:cs typeface="Arial" panose="020B0604020202020204" pitchFamily="34" charset="0"/>
+              </a:rPr>
+              <a:t>"test"</a:t>
+            </a:r>
+            <a:r>
+              <a:rPr lang="en-US" sz="1400">
+                <a:latin typeface="Arial" panose="020B0604020202020204" pitchFamily="34" charset="0"/>
+                <a:cs typeface="Arial" panose="020B0604020202020204" pitchFamily="34" charset="0"/>
+              </a:rPr>
+              <a:t>); </a:t>
+            </a:r>
+          </a:p>
+          <a:p>
+            <a:pPr lvl="2"/>
+            <a:r>
+              <a:rPr lang="en-US" sz="1400">
+                <a:solidFill>
+                  <a:srgbClr val="333333"/>
+                </a:solidFill>
+                <a:latin typeface="Arial" panose="020B0604020202020204" pitchFamily="34" charset="0"/>
+                <a:cs typeface="Arial" panose="020B0604020202020204" pitchFamily="34" charset="0"/>
+              </a:rPr>
+              <a:t>String</a:t>
+            </a:r>
+            <a:r>
+              <a:rPr lang="en-US" sz="1400">
+                <a:latin typeface="Arial" panose="020B0604020202020204" pitchFamily="34" charset="0"/>
+                <a:cs typeface="Arial" panose="020B0604020202020204" pitchFamily="34" charset="0"/>
+              </a:rPr>
+              <a:t> s4 </a:t>
+            </a:r>
+            <a:r>
+              <a:rPr lang="en-US" sz="1400">
+                <a:solidFill>
+                  <a:srgbClr val="A71D5D"/>
+                </a:solidFill>
+                <a:latin typeface="Arial" panose="020B0604020202020204" pitchFamily="34" charset="0"/>
+                <a:cs typeface="Arial" panose="020B0604020202020204" pitchFamily="34" charset="0"/>
+              </a:rPr>
+              <a:t>=</a:t>
+            </a:r>
+            <a:r>
+              <a:rPr lang="en-US" sz="1400">
+                <a:latin typeface="Arial" panose="020B0604020202020204" pitchFamily="34" charset="0"/>
+                <a:cs typeface="Arial" panose="020B0604020202020204" pitchFamily="34" charset="0"/>
+              </a:rPr>
+              <a:t> </a:t>
+            </a:r>
+            <a:r>
+              <a:rPr lang="en-US" sz="1400">
+                <a:solidFill>
+                  <a:srgbClr val="A71D5D"/>
+                </a:solidFill>
+                <a:latin typeface="Arial" panose="020B0604020202020204" pitchFamily="34" charset="0"/>
+                <a:cs typeface="Arial" panose="020B0604020202020204" pitchFamily="34" charset="0"/>
+              </a:rPr>
+              <a:t>new</a:t>
+            </a:r>
+            <a:r>
+              <a:rPr lang="en-US" sz="1400">
+                <a:latin typeface="Arial" panose="020B0604020202020204" pitchFamily="34" charset="0"/>
+                <a:cs typeface="Arial" panose="020B0604020202020204" pitchFamily="34" charset="0"/>
+              </a:rPr>
+              <a:t> </a:t>
+            </a:r>
+            <a:r>
+              <a:rPr lang="en-US" sz="1400">
+                <a:solidFill>
+                  <a:srgbClr val="333333"/>
+                </a:solidFill>
+                <a:latin typeface="Arial" panose="020B0604020202020204" pitchFamily="34" charset="0"/>
+                <a:cs typeface="Arial" panose="020B0604020202020204" pitchFamily="34" charset="0"/>
+              </a:rPr>
+              <a:t>String</a:t>
+            </a:r>
+            <a:r>
+              <a:rPr lang="en-US" sz="1400">
+                <a:latin typeface="Arial" panose="020B0604020202020204" pitchFamily="34" charset="0"/>
+                <a:cs typeface="Arial" panose="020B0604020202020204" pitchFamily="34" charset="0"/>
+              </a:rPr>
+              <a:t>(</a:t>
+            </a:r>
+            <a:r>
+              <a:rPr lang="en-US" sz="1400">
+                <a:solidFill>
+                  <a:srgbClr val="DF5000"/>
+                </a:solidFill>
+                <a:latin typeface="Arial" panose="020B0604020202020204" pitchFamily="34" charset="0"/>
+                <a:cs typeface="Arial" panose="020B0604020202020204" pitchFamily="34" charset="0"/>
+              </a:rPr>
+              <a:t>"test"</a:t>
+            </a:r>
+            <a:r>
+              <a:rPr lang="en-US" sz="1400">
+                <a:latin typeface="Arial" panose="020B0604020202020204" pitchFamily="34" charset="0"/>
+                <a:cs typeface="Arial" panose="020B0604020202020204" pitchFamily="34" charset="0"/>
+              </a:rPr>
+              <a:t>);   </a:t>
+            </a:r>
+          </a:p>
+          <a:p>
+            <a:pPr lvl="2"/>
+            <a:r>
+              <a:rPr lang="en-US" sz="1400">
+                <a:latin typeface="Arial" panose="020B0604020202020204" pitchFamily="34" charset="0"/>
+                <a:cs typeface="Arial" panose="020B0604020202020204" pitchFamily="34" charset="0"/>
+              </a:rPr>
+              <a:t>checkEquality(s3, s4); </a:t>
+            </a:r>
+          </a:p>
+          <a:p>
+            <a:pPr lvl="1"/>
+            <a:r>
+              <a:rPr lang="en-US" sz="1400" smtClean="0">
+                <a:latin typeface="Arial" panose="020B0604020202020204" pitchFamily="34" charset="0"/>
+                <a:cs typeface="Arial" panose="020B0604020202020204" pitchFamily="34" charset="0"/>
+              </a:rPr>
+              <a:t>} </a:t>
+            </a:r>
+            <a:r>
+              <a:rPr lang="en-US" sz="1400">
+                <a:latin typeface="Arial" panose="020B0604020202020204" pitchFamily="34" charset="0"/>
+                <a:cs typeface="Arial" panose="020B0604020202020204" pitchFamily="34" charset="0"/>
+              </a:rPr>
+              <a:t>  </a:t>
+            </a:r>
+          </a:p>
+          <a:p>
+            <a:pPr lvl="1"/>
+            <a:r>
+              <a:rPr lang="en-US" sz="1400">
+                <a:solidFill>
+                  <a:srgbClr val="A71D5D"/>
+                </a:solidFill>
+                <a:latin typeface="Arial" panose="020B0604020202020204" pitchFamily="34" charset="0"/>
+                <a:cs typeface="Arial" panose="020B0604020202020204" pitchFamily="34" charset="0"/>
+              </a:rPr>
+              <a:t>public</a:t>
+            </a:r>
+            <a:r>
+              <a:rPr lang="en-US" sz="1400">
+                <a:latin typeface="Arial" panose="020B0604020202020204" pitchFamily="34" charset="0"/>
+                <a:cs typeface="Arial" panose="020B0604020202020204" pitchFamily="34" charset="0"/>
+              </a:rPr>
+              <a:t> </a:t>
+            </a:r>
+            <a:r>
+              <a:rPr lang="en-US" sz="1400">
+                <a:solidFill>
+                  <a:srgbClr val="A71D5D"/>
+                </a:solidFill>
+                <a:latin typeface="Arial" panose="020B0604020202020204" pitchFamily="34" charset="0"/>
+                <a:cs typeface="Arial" panose="020B0604020202020204" pitchFamily="34" charset="0"/>
+              </a:rPr>
+              <a:t>static</a:t>
+            </a:r>
+            <a:r>
+              <a:rPr lang="en-US" sz="1400">
+                <a:latin typeface="Arial" panose="020B0604020202020204" pitchFamily="34" charset="0"/>
+                <a:cs typeface="Arial" panose="020B0604020202020204" pitchFamily="34" charset="0"/>
+              </a:rPr>
+              <a:t> </a:t>
+            </a:r>
+            <a:r>
+              <a:rPr lang="en-US" sz="1400">
+                <a:solidFill>
+                  <a:srgbClr val="A71D5D"/>
+                </a:solidFill>
+                <a:latin typeface="Arial" panose="020B0604020202020204" pitchFamily="34" charset="0"/>
+                <a:cs typeface="Arial" panose="020B0604020202020204" pitchFamily="34" charset="0"/>
+              </a:rPr>
+              <a:t>void</a:t>
+            </a:r>
+            <a:r>
+              <a:rPr lang="en-US" sz="1400">
+                <a:latin typeface="Arial" panose="020B0604020202020204" pitchFamily="34" charset="0"/>
+                <a:cs typeface="Arial" panose="020B0604020202020204" pitchFamily="34" charset="0"/>
+              </a:rPr>
+              <a:t> </a:t>
+            </a:r>
+            <a:r>
+              <a:rPr lang="en-US" sz="1400">
+                <a:solidFill>
+                  <a:srgbClr val="795DA3"/>
+                </a:solidFill>
+                <a:latin typeface="Arial" panose="020B0604020202020204" pitchFamily="34" charset="0"/>
+                <a:cs typeface="Arial" panose="020B0604020202020204" pitchFamily="34" charset="0"/>
+              </a:rPr>
+              <a:t>checkEquality</a:t>
+            </a:r>
+            <a:r>
+              <a:rPr lang="en-US" sz="1400">
+                <a:latin typeface="Arial" panose="020B0604020202020204" pitchFamily="34" charset="0"/>
+                <a:cs typeface="Arial" panose="020B0604020202020204" pitchFamily="34" charset="0"/>
+              </a:rPr>
+              <a:t>(</a:t>
+            </a:r>
+            <a:r>
+              <a:rPr lang="en-US" sz="1400">
+                <a:solidFill>
+                  <a:srgbClr val="333333"/>
+                </a:solidFill>
+                <a:latin typeface="Arial" panose="020B0604020202020204" pitchFamily="34" charset="0"/>
+                <a:cs typeface="Arial" panose="020B0604020202020204" pitchFamily="34" charset="0"/>
+              </a:rPr>
+              <a:t>String</a:t>
+            </a:r>
+            <a:r>
+              <a:rPr lang="en-US" sz="1400">
+                <a:latin typeface="Arial" panose="020B0604020202020204" pitchFamily="34" charset="0"/>
+                <a:cs typeface="Arial" panose="020B0604020202020204" pitchFamily="34" charset="0"/>
+              </a:rPr>
+              <a:t> </a:t>
+            </a:r>
+            <a:r>
+              <a:rPr lang="en-US" sz="1400">
+                <a:solidFill>
+                  <a:srgbClr val="1D3E81"/>
+                </a:solidFill>
+                <a:latin typeface="Arial" panose="020B0604020202020204" pitchFamily="34" charset="0"/>
+                <a:cs typeface="Arial" panose="020B0604020202020204" pitchFamily="34" charset="0"/>
+              </a:rPr>
+              <a:t>s1</a:t>
+            </a:r>
+            <a:r>
+              <a:rPr lang="en-US" sz="1400">
+                <a:latin typeface="Arial" panose="020B0604020202020204" pitchFamily="34" charset="0"/>
+                <a:cs typeface="Arial" panose="020B0604020202020204" pitchFamily="34" charset="0"/>
               </a:rPr>
               <a:t>, </a:t>
             </a:r>
             <a:r>
-              <a:rPr lang="en-US" altLang="en-US" sz="2100">
-                <a:solidFill>
-                  <a:srgbClr val="0000FF"/>
-                </a:solidFill>
-                <a:latin typeface="Courier New" panose="02070309020205020404" pitchFamily="49" charset="0"/>
-                <a:cs typeface="Courier New" panose="02070309020205020404" pitchFamily="49" charset="0"/>
-              </a:rPr>
-              <a:t>1</a:t>
-            </a:r>
-            <a:r>
-              <a:rPr lang="en-US" altLang="en-US" sz="2100">
-                <a:solidFill>
-                  <a:srgbClr val="000000"/>
-                </a:solidFill>
-                <a:latin typeface="Courier New" panose="02070309020205020404" pitchFamily="49" charset="0"/>
-                <a:cs typeface="Courier New" panose="02070309020205020404" pitchFamily="49" charset="0"/>
-              </a:rPr>
-              <a:t>, </a:t>
-            </a:r>
-            <a:r>
-              <a:rPr lang="en-US" altLang="en-US" sz="2100">
-                <a:solidFill>
-                  <a:srgbClr val="0000FF"/>
-                </a:solidFill>
-                <a:latin typeface="Courier New" panose="02070309020205020404" pitchFamily="49" charset="0"/>
-                <a:cs typeface="Courier New" panose="02070309020205020404" pitchFamily="49" charset="0"/>
-              </a:rPr>
-              <a:t>0</a:t>
-            </a:r>
-            <a:r>
-              <a:rPr lang="en-US" altLang="en-US" sz="2100">
-                <a:solidFill>
-                  <a:srgbClr val="000000"/>
-                </a:solidFill>
-                <a:latin typeface="Courier New" panose="02070309020205020404" pitchFamily="49" charset="0"/>
-                <a:cs typeface="Courier New" panose="02070309020205020404" pitchFamily="49" charset="0"/>
-              </a:rPr>
-              <a:t>, </a:t>
-            </a:r>
-            <a:r>
-              <a:rPr lang="en-US" altLang="en-US" sz="2100">
-                <a:solidFill>
-                  <a:srgbClr val="0000FF"/>
-                </a:solidFill>
-                <a:latin typeface="Courier New" panose="02070309020205020404" pitchFamily="49" charset="0"/>
-                <a:cs typeface="Courier New" panose="02070309020205020404" pitchFamily="49" charset="0"/>
-              </a:rPr>
-              <a:t>0</a:t>
-            </a:r>
-            <a:r>
-              <a:rPr lang="en-US" altLang="en-US" sz="2100">
-                <a:solidFill>
-                  <a:srgbClr val="000000"/>
-                </a:solidFill>
-                <a:latin typeface="Courier New" panose="02070309020205020404" pitchFamily="49" charset="0"/>
-                <a:cs typeface="Courier New" panose="02070309020205020404" pitchFamily="49" charset="0"/>
-              </a:rPr>
-              <a:t>, </a:t>
-            </a:r>
-            <a:r>
-              <a:rPr lang="en-US" altLang="en-US" sz="2100">
-                <a:solidFill>
-                  <a:srgbClr val="0000FF"/>
-                </a:solidFill>
-                <a:latin typeface="Courier New" panose="02070309020205020404" pitchFamily="49" charset="0"/>
-                <a:cs typeface="Courier New" panose="02070309020205020404" pitchFamily="49" charset="0"/>
-              </a:rPr>
-              <a:t>0</a:t>
-            </a:r>
-            <a:r>
-              <a:rPr lang="en-US" altLang="en-US" sz="2100">
-                <a:solidFill>
-                  <a:srgbClr val="000000"/>
-                </a:solidFill>
-                <a:latin typeface="Courier New" panose="02070309020205020404" pitchFamily="49" charset="0"/>
-                <a:cs typeface="Courier New" panose="02070309020205020404" pitchFamily="49" charset="0"/>
-              </a:rPr>
-              <a:t>);</a:t>
-            </a:r>
-            <a:br>
-              <a:rPr lang="en-US" altLang="en-US" sz="2100">
-                <a:solidFill>
-                  <a:srgbClr val="000000"/>
-                </a:solidFill>
-                <a:latin typeface="Courier New" panose="02070309020205020404" pitchFamily="49" charset="0"/>
-                <a:cs typeface="Courier New" panose="02070309020205020404" pitchFamily="49" charset="0"/>
-              </a:rPr>
-            </a:br>
-            <a:r>
-              <a:rPr lang="en-US" altLang="en-US" sz="2100">
-                <a:solidFill>
-                  <a:srgbClr val="000000"/>
-                </a:solidFill>
-                <a:latin typeface="Courier New" panose="02070309020205020404" pitchFamily="49" charset="0"/>
-                <a:cs typeface="Courier New" panose="02070309020205020404" pitchFamily="49" charset="0"/>
-              </a:rPr>
-              <a:t>        Date boomStart = gmtCal.getTime();</a:t>
-            </a:r>
-            <a:br>
-              <a:rPr lang="en-US" altLang="en-US" sz="2100">
-                <a:solidFill>
-                  <a:srgbClr val="000000"/>
-                </a:solidFill>
-                <a:latin typeface="Courier New" panose="02070309020205020404" pitchFamily="49" charset="0"/>
-                <a:cs typeface="Courier New" panose="02070309020205020404" pitchFamily="49" charset="0"/>
-              </a:rPr>
-            </a:br>
-            <a:r>
-              <a:rPr lang="en-US" altLang="en-US" sz="2100">
-                <a:solidFill>
-                  <a:srgbClr val="000000"/>
-                </a:solidFill>
-                <a:latin typeface="Courier New" panose="02070309020205020404" pitchFamily="49" charset="0"/>
-                <a:cs typeface="Courier New" panose="02070309020205020404" pitchFamily="49" charset="0"/>
-              </a:rPr>
-              <a:t>        gmtCal.set(</a:t>
-            </a:r>
-            <a:r>
-              <a:rPr lang="en-US" altLang="en-US" sz="2100">
-                <a:solidFill>
-                  <a:srgbClr val="0000FF"/>
-                </a:solidFill>
-                <a:latin typeface="Courier New" panose="02070309020205020404" pitchFamily="49" charset="0"/>
-                <a:cs typeface="Courier New" panose="02070309020205020404" pitchFamily="49" charset="0"/>
-              </a:rPr>
-              <a:t>3920</a:t>
-            </a:r>
-            <a:r>
-              <a:rPr lang="en-US" altLang="en-US" sz="2100">
-                <a:solidFill>
-                  <a:srgbClr val="000000"/>
-                </a:solidFill>
-                <a:latin typeface="Courier New" panose="02070309020205020404" pitchFamily="49" charset="0"/>
-                <a:cs typeface="Courier New" panose="02070309020205020404" pitchFamily="49" charset="0"/>
-              </a:rPr>
-              <a:t>, Calendar.</a:t>
-            </a:r>
-            <a:r>
-              <a:rPr lang="en-US" altLang="en-US" sz="2100" b="1" i="1">
-                <a:solidFill>
-                  <a:srgbClr val="660E7A"/>
-                </a:solidFill>
-                <a:latin typeface="Courier New" panose="02070309020205020404" pitchFamily="49" charset="0"/>
-                <a:cs typeface="Courier New" panose="02070309020205020404" pitchFamily="49" charset="0"/>
-              </a:rPr>
-              <a:t>JANUARY</a:t>
-            </a:r>
-            <a:r>
-              <a:rPr lang="en-US" altLang="en-US" sz="2100">
-                <a:solidFill>
-                  <a:srgbClr val="000000"/>
-                </a:solidFill>
-                <a:latin typeface="Courier New" panose="02070309020205020404" pitchFamily="49" charset="0"/>
-                <a:cs typeface="Courier New" panose="02070309020205020404" pitchFamily="49" charset="0"/>
-              </a:rPr>
-              <a:t>, </a:t>
-            </a:r>
-            <a:r>
-              <a:rPr lang="en-US" altLang="en-US" sz="2100">
-                <a:solidFill>
-                  <a:srgbClr val="0000FF"/>
-                </a:solidFill>
-                <a:latin typeface="Courier New" panose="02070309020205020404" pitchFamily="49" charset="0"/>
-                <a:cs typeface="Courier New" panose="02070309020205020404" pitchFamily="49" charset="0"/>
-              </a:rPr>
-              <a:t>1</a:t>
-            </a:r>
-            <a:r>
-              <a:rPr lang="en-US" altLang="en-US" sz="2100">
-                <a:solidFill>
-                  <a:srgbClr val="000000"/>
-                </a:solidFill>
-                <a:latin typeface="Courier New" panose="02070309020205020404" pitchFamily="49" charset="0"/>
-                <a:cs typeface="Courier New" panose="02070309020205020404" pitchFamily="49" charset="0"/>
-              </a:rPr>
-              <a:t>, </a:t>
-            </a:r>
-            <a:r>
-              <a:rPr lang="en-US" altLang="en-US" sz="2100">
-                <a:solidFill>
-                  <a:srgbClr val="0000FF"/>
-                </a:solidFill>
-                <a:latin typeface="Courier New" panose="02070309020205020404" pitchFamily="49" charset="0"/>
-                <a:cs typeface="Courier New" panose="02070309020205020404" pitchFamily="49" charset="0"/>
-              </a:rPr>
-              <a:t>0</a:t>
-            </a:r>
-            <a:r>
-              <a:rPr lang="en-US" altLang="en-US" sz="2100">
-                <a:solidFill>
-                  <a:srgbClr val="000000"/>
-                </a:solidFill>
-                <a:latin typeface="Courier New" panose="02070309020205020404" pitchFamily="49" charset="0"/>
-                <a:cs typeface="Courier New" panose="02070309020205020404" pitchFamily="49" charset="0"/>
-              </a:rPr>
-              <a:t>, </a:t>
-            </a:r>
-            <a:r>
-              <a:rPr lang="en-US" altLang="en-US" sz="2100">
-                <a:solidFill>
-                  <a:srgbClr val="0000FF"/>
-                </a:solidFill>
-                <a:latin typeface="Courier New" panose="02070309020205020404" pitchFamily="49" charset="0"/>
-                <a:cs typeface="Courier New" panose="02070309020205020404" pitchFamily="49" charset="0"/>
-              </a:rPr>
-              <a:t>0</a:t>
-            </a:r>
-            <a:r>
-              <a:rPr lang="en-US" altLang="en-US" sz="2100">
-                <a:solidFill>
-                  <a:srgbClr val="000000"/>
-                </a:solidFill>
-                <a:latin typeface="Courier New" panose="02070309020205020404" pitchFamily="49" charset="0"/>
-                <a:cs typeface="Courier New" panose="02070309020205020404" pitchFamily="49" charset="0"/>
-              </a:rPr>
-              <a:t>, </a:t>
-            </a:r>
-            <a:r>
-              <a:rPr lang="en-US" altLang="en-US" sz="2100">
-                <a:solidFill>
-                  <a:srgbClr val="0000FF"/>
-                </a:solidFill>
-                <a:latin typeface="Courier New" panose="02070309020205020404" pitchFamily="49" charset="0"/>
-                <a:cs typeface="Courier New" panose="02070309020205020404" pitchFamily="49" charset="0"/>
-              </a:rPr>
-              <a:t>0</a:t>
-            </a:r>
-            <a:r>
-              <a:rPr lang="en-US" altLang="en-US" sz="2100">
-                <a:solidFill>
-                  <a:srgbClr val="000000"/>
-                </a:solidFill>
-                <a:latin typeface="Courier New" panose="02070309020205020404" pitchFamily="49" charset="0"/>
-                <a:cs typeface="Courier New" panose="02070309020205020404" pitchFamily="49" charset="0"/>
-              </a:rPr>
-              <a:t>);</a:t>
-            </a:r>
-            <a:br>
-              <a:rPr lang="en-US" altLang="en-US" sz="2100">
-                <a:solidFill>
-                  <a:srgbClr val="000000"/>
-                </a:solidFill>
-                <a:latin typeface="Courier New" panose="02070309020205020404" pitchFamily="49" charset="0"/>
-                <a:cs typeface="Courier New" panose="02070309020205020404" pitchFamily="49" charset="0"/>
-              </a:rPr>
-            </a:br>
-            <a:r>
-              <a:rPr lang="en-US" altLang="en-US" sz="2100">
-                <a:solidFill>
-                  <a:srgbClr val="000000"/>
-                </a:solidFill>
-                <a:latin typeface="Courier New" panose="02070309020205020404" pitchFamily="49" charset="0"/>
-                <a:cs typeface="Courier New" panose="02070309020205020404" pitchFamily="49" charset="0"/>
-              </a:rPr>
-              <a:t>        Date boomEnd = gmtCal.getTime();</a:t>
-            </a:r>
-            <a:br>
-              <a:rPr lang="en-US" altLang="en-US" sz="2100">
-                <a:solidFill>
-                  <a:srgbClr val="000000"/>
-                </a:solidFill>
-                <a:latin typeface="Courier New" panose="02070309020205020404" pitchFamily="49" charset="0"/>
-                <a:cs typeface="Courier New" panose="02070309020205020404" pitchFamily="49" charset="0"/>
-              </a:rPr>
-            </a:br>
-            <a:r>
-              <a:rPr lang="en-US" altLang="en-US" sz="2100">
-                <a:solidFill>
-                  <a:srgbClr val="000000"/>
-                </a:solidFill>
-                <a:latin typeface="Courier New" panose="02070309020205020404" pitchFamily="49" charset="0"/>
-                <a:cs typeface="Courier New" panose="02070309020205020404" pitchFamily="49" charset="0"/>
-              </a:rPr>
-              <a:t>        </a:t>
-            </a:r>
-            <a:r>
-              <a:rPr lang="en-US" altLang="en-US" sz="2100" b="1">
-                <a:solidFill>
-                  <a:srgbClr val="000080"/>
-                </a:solidFill>
-                <a:latin typeface="Courier New" panose="02070309020205020404" pitchFamily="49" charset="0"/>
-                <a:cs typeface="Courier New" panose="02070309020205020404" pitchFamily="49" charset="0"/>
-              </a:rPr>
-              <a:t>return </a:t>
-            </a:r>
-            <a:r>
-              <a:rPr lang="en-US" altLang="en-US" sz="2100" b="1" smtClean="0">
-                <a:solidFill>
-                  <a:srgbClr val="000080"/>
-                </a:solidFill>
-                <a:latin typeface="Courier New" panose="02070309020205020404" pitchFamily="49" charset="0"/>
-                <a:cs typeface="Courier New" panose="02070309020205020404" pitchFamily="49" charset="0"/>
-              </a:rPr>
-              <a:t>	</a:t>
-            </a:r>
-            <a:r>
-              <a:rPr lang="en-US" altLang="en-US" sz="2100" smtClean="0">
-                <a:solidFill>
-                  <a:srgbClr val="000000"/>
-                </a:solidFill>
-                <a:latin typeface="Courier New" panose="02070309020205020404" pitchFamily="49" charset="0"/>
-                <a:cs typeface="Courier New" panose="02070309020205020404" pitchFamily="49" charset="0"/>
-              </a:rPr>
-              <a:t>(</a:t>
-            </a:r>
-            <a:r>
-              <a:rPr lang="en-US" altLang="en-US" sz="2100" b="1">
-                <a:solidFill>
-                  <a:srgbClr val="660E7A"/>
-                </a:solidFill>
-                <a:latin typeface="Courier New" panose="02070309020205020404" pitchFamily="49" charset="0"/>
-                <a:cs typeface="Courier New" panose="02070309020205020404" pitchFamily="49" charset="0"/>
-              </a:rPr>
-              <a:t>birthDate</a:t>
-            </a:r>
-            <a:r>
-              <a:rPr lang="en-US" altLang="en-US" sz="2100">
-                <a:solidFill>
-                  <a:srgbClr val="000000"/>
-                </a:solidFill>
-                <a:latin typeface="Courier New" panose="02070309020205020404" pitchFamily="49" charset="0"/>
-                <a:cs typeface="Courier New" panose="02070309020205020404" pitchFamily="49" charset="0"/>
-              </a:rPr>
-              <a:t>.compareTo(boomStart) &gt;= </a:t>
-            </a:r>
-            <a:r>
-              <a:rPr lang="en-US" altLang="en-US" sz="2100">
-                <a:solidFill>
-                  <a:srgbClr val="0000FF"/>
-                </a:solidFill>
-                <a:latin typeface="Courier New" panose="02070309020205020404" pitchFamily="49" charset="0"/>
-                <a:cs typeface="Courier New" panose="02070309020205020404" pitchFamily="49" charset="0"/>
-              </a:rPr>
-              <a:t>0</a:t>
-            </a:r>
-            <a:r>
-              <a:rPr lang="en-US" altLang="en-US" sz="2100">
-                <a:solidFill>
-                  <a:srgbClr val="000000"/>
-                </a:solidFill>
-                <a:latin typeface="Courier New" panose="02070309020205020404" pitchFamily="49" charset="0"/>
-                <a:cs typeface="Courier New" panose="02070309020205020404" pitchFamily="49" charset="0"/>
-              </a:rPr>
-              <a:t>) &amp;&amp; </a:t>
-            </a:r>
-            <a:r>
-              <a:rPr lang="en-US" altLang="en-US" sz="2100" smtClean="0">
-                <a:solidFill>
-                  <a:srgbClr val="000000"/>
-                </a:solidFill>
-                <a:latin typeface="Courier New" panose="02070309020205020404" pitchFamily="49" charset="0"/>
-                <a:cs typeface="Courier New" panose="02070309020205020404" pitchFamily="49" charset="0"/>
-              </a:rPr>
-              <a:t>					(</a:t>
-            </a:r>
-            <a:r>
-              <a:rPr lang="en-US" altLang="en-US" sz="2100" b="1">
-                <a:solidFill>
-                  <a:srgbClr val="660E7A"/>
-                </a:solidFill>
-                <a:latin typeface="Courier New" panose="02070309020205020404" pitchFamily="49" charset="0"/>
-                <a:cs typeface="Courier New" panose="02070309020205020404" pitchFamily="49" charset="0"/>
-              </a:rPr>
-              <a:t>birthDate</a:t>
-            </a:r>
-            <a:r>
-              <a:rPr lang="en-US" altLang="en-US" sz="2100">
-                <a:solidFill>
-                  <a:srgbClr val="000000"/>
-                </a:solidFill>
-                <a:latin typeface="Courier New" panose="02070309020205020404" pitchFamily="49" charset="0"/>
-                <a:cs typeface="Courier New" panose="02070309020205020404" pitchFamily="49" charset="0"/>
-              </a:rPr>
-              <a:t>.compareTo(boomEnd) &lt; </a:t>
-            </a:r>
-            <a:r>
-              <a:rPr lang="en-US" altLang="en-US" sz="2100">
-                <a:solidFill>
-                  <a:srgbClr val="0000FF"/>
-                </a:solidFill>
-                <a:latin typeface="Courier New" panose="02070309020205020404" pitchFamily="49" charset="0"/>
-                <a:cs typeface="Courier New" panose="02070309020205020404" pitchFamily="49" charset="0"/>
-              </a:rPr>
-              <a:t>0</a:t>
-            </a:r>
-            <a:r>
-              <a:rPr lang="en-US" altLang="en-US" sz="2100">
-                <a:solidFill>
-                  <a:srgbClr val="000000"/>
-                </a:solidFill>
-                <a:latin typeface="Courier New" panose="02070309020205020404" pitchFamily="49" charset="0"/>
-                <a:cs typeface="Courier New" panose="02070309020205020404" pitchFamily="49" charset="0"/>
-              </a:rPr>
-              <a:t>);</a:t>
-            </a:r>
-            <a:br>
-              <a:rPr lang="en-US" altLang="en-US" sz="2100">
-                <a:solidFill>
-                  <a:srgbClr val="000000"/>
-                </a:solidFill>
-                <a:latin typeface="Courier New" panose="02070309020205020404" pitchFamily="49" charset="0"/>
-                <a:cs typeface="Courier New" panose="02070309020205020404" pitchFamily="49" charset="0"/>
-              </a:rPr>
-            </a:br>
-            <a:r>
-              <a:rPr lang="en-US" altLang="en-US" sz="2100">
-                <a:solidFill>
-                  <a:srgbClr val="000000"/>
-                </a:solidFill>
-                <a:latin typeface="Courier New" panose="02070309020205020404" pitchFamily="49" charset="0"/>
-                <a:cs typeface="Courier New" panose="02070309020205020404" pitchFamily="49" charset="0"/>
-              </a:rPr>
-              <a:t>    }</a:t>
-            </a:r>
-            <a:br>
-              <a:rPr lang="en-US" altLang="en-US" sz="2100">
-                <a:solidFill>
-                  <a:srgbClr val="000000"/>
-                </a:solidFill>
-                <a:latin typeface="Courier New" panose="02070309020205020404" pitchFamily="49" charset="0"/>
-                <a:cs typeface="Courier New" panose="02070309020205020404" pitchFamily="49" charset="0"/>
-              </a:rPr>
-            </a:br>
-            <a:r>
-              <a:rPr lang="en-US" altLang="en-US" sz="2100">
-                <a:solidFill>
-                  <a:srgbClr val="000000"/>
-                </a:solidFill>
-                <a:latin typeface="Courier New" panose="02070309020205020404" pitchFamily="49" charset="0"/>
-                <a:cs typeface="Courier New" panose="02070309020205020404" pitchFamily="49" charset="0"/>
+              <a:rPr lang="en-US" sz="1400">
+                <a:solidFill>
+                  <a:srgbClr val="333333"/>
+                </a:solidFill>
+                <a:latin typeface="Arial" panose="020B0604020202020204" pitchFamily="34" charset="0"/>
+                <a:cs typeface="Arial" panose="020B0604020202020204" pitchFamily="34" charset="0"/>
+              </a:rPr>
+              <a:t>String</a:t>
+            </a:r>
+            <a:r>
+              <a:rPr lang="en-US" sz="1400">
+                <a:latin typeface="Arial" panose="020B0604020202020204" pitchFamily="34" charset="0"/>
+                <a:cs typeface="Arial" panose="020B0604020202020204" pitchFamily="34" charset="0"/>
+              </a:rPr>
+              <a:t> </a:t>
+            </a:r>
+            <a:r>
+              <a:rPr lang="en-US" sz="1400">
+                <a:solidFill>
+                  <a:srgbClr val="1D3E81"/>
+                </a:solidFill>
+                <a:latin typeface="Arial" panose="020B0604020202020204" pitchFamily="34" charset="0"/>
+                <a:cs typeface="Arial" panose="020B0604020202020204" pitchFamily="34" charset="0"/>
+              </a:rPr>
+              <a:t>s2</a:t>
+            </a:r>
+            <a:r>
+              <a:rPr lang="en-US" sz="1400">
+                <a:latin typeface="Arial" panose="020B0604020202020204" pitchFamily="34" charset="0"/>
+                <a:cs typeface="Arial" panose="020B0604020202020204" pitchFamily="34" charset="0"/>
+              </a:rPr>
+              <a:t>) { </a:t>
+            </a:r>
+          </a:p>
+          <a:p>
+            <a:pPr lvl="2"/>
+            <a:r>
+              <a:rPr lang="en-US" sz="1400">
+                <a:solidFill>
+                  <a:srgbClr val="333333"/>
+                </a:solidFill>
+                <a:latin typeface="Arial" panose="020B0604020202020204" pitchFamily="34" charset="0"/>
+                <a:cs typeface="Arial" panose="020B0604020202020204" pitchFamily="34" charset="0"/>
+              </a:rPr>
+              <a:t>System</a:t>
+            </a:r>
+            <a:r>
+              <a:rPr lang="en-US" sz="1400">
+                <a:solidFill>
+                  <a:srgbClr val="A71D5D"/>
+                </a:solidFill>
+                <a:latin typeface="Arial" panose="020B0604020202020204" pitchFamily="34" charset="0"/>
+                <a:cs typeface="Arial" panose="020B0604020202020204" pitchFamily="34" charset="0"/>
+              </a:rPr>
+              <a:t>.</a:t>
+            </a:r>
+            <a:r>
+              <a:rPr lang="en-US" sz="1400">
+                <a:latin typeface="Arial" panose="020B0604020202020204" pitchFamily="34" charset="0"/>
+                <a:cs typeface="Arial" panose="020B0604020202020204" pitchFamily="34" charset="0"/>
+              </a:rPr>
+              <a:t>out</a:t>
+            </a:r>
+            <a:r>
+              <a:rPr lang="en-US" sz="1400">
+                <a:solidFill>
+                  <a:srgbClr val="A71D5D"/>
+                </a:solidFill>
+                <a:latin typeface="Arial" panose="020B0604020202020204" pitchFamily="34" charset="0"/>
+                <a:cs typeface="Arial" panose="020B0604020202020204" pitchFamily="34" charset="0"/>
+              </a:rPr>
+              <a:t>.</a:t>
+            </a:r>
+            <a:r>
+              <a:rPr lang="en-US" sz="1400">
+                <a:latin typeface="Arial" panose="020B0604020202020204" pitchFamily="34" charset="0"/>
+                <a:cs typeface="Arial" panose="020B0604020202020204" pitchFamily="34" charset="0"/>
+              </a:rPr>
+              <a:t>println(</a:t>
+            </a:r>
+            <a:r>
+              <a:rPr lang="en-US" sz="1400">
+                <a:solidFill>
+                  <a:srgbClr val="333333"/>
+                </a:solidFill>
+                <a:latin typeface="Arial" panose="020B0604020202020204" pitchFamily="34" charset="0"/>
+                <a:cs typeface="Arial" panose="020B0604020202020204" pitchFamily="34" charset="0"/>
+              </a:rPr>
+              <a:t>System</a:t>
+            </a:r>
+            <a:r>
+              <a:rPr lang="en-US" sz="1400">
+                <a:solidFill>
+                  <a:srgbClr val="A71D5D"/>
+                </a:solidFill>
+                <a:latin typeface="Arial" panose="020B0604020202020204" pitchFamily="34" charset="0"/>
+                <a:cs typeface="Arial" panose="020B0604020202020204" pitchFamily="34" charset="0"/>
+              </a:rPr>
+              <a:t>.</a:t>
+            </a:r>
+            <a:r>
+              <a:rPr lang="en-US" sz="1400">
+                <a:latin typeface="Arial" panose="020B0604020202020204" pitchFamily="34" charset="0"/>
+                <a:cs typeface="Arial" panose="020B0604020202020204" pitchFamily="34" charset="0"/>
+              </a:rPr>
+              <a:t>identityHashCode(s1)); </a:t>
+            </a:r>
+          </a:p>
+          <a:p>
+            <a:pPr lvl="2"/>
+            <a:r>
+              <a:rPr lang="en-US" sz="1400">
+                <a:solidFill>
+                  <a:srgbClr val="333333"/>
+                </a:solidFill>
+                <a:latin typeface="Arial" panose="020B0604020202020204" pitchFamily="34" charset="0"/>
+                <a:cs typeface="Arial" panose="020B0604020202020204" pitchFamily="34" charset="0"/>
+              </a:rPr>
+              <a:t>System</a:t>
+            </a:r>
+            <a:r>
+              <a:rPr lang="en-US" sz="1400">
+                <a:solidFill>
+                  <a:srgbClr val="A71D5D"/>
+                </a:solidFill>
+                <a:latin typeface="Arial" panose="020B0604020202020204" pitchFamily="34" charset="0"/>
+                <a:cs typeface="Arial" panose="020B0604020202020204" pitchFamily="34" charset="0"/>
+              </a:rPr>
+              <a:t>.</a:t>
+            </a:r>
+            <a:r>
+              <a:rPr lang="en-US" sz="1400">
+                <a:latin typeface="Arial" panose="020B0604020202020204" pitchFamily="34" charset="0"/>
+                <a:cs typeface="Arial" panose="020B0604020202020204" pitchFamily="34" charset="0"/>
+              </a:rPr>
+              <a:t>out</a:t>
+            </a:r>
+            <a:r>
+              <a:rPr lang="en-US" sz="1400">
+                <a:solidFill>
+                  <a:srgbClr val="A71D5D"/>
+                </a:solidFill>
+                <a:latin typeface="Arial" panose="020B0604020202020204" pitchFamily="34" charset="0"/>
+                <a:cs typeface="Arial" panose="020B0604020202020204" pitchFamily="34" charset="0"/>
+              </a:rPr>
+              <a:t>.</a:t>
+            </a:r>
+            <a:r>
+              <a:rPr lang="en-US" sz="1400">
+                <a:latin typeface="Arial" panose="020B0604020202020204" pitchFamily="34" charset="0"/>
+                <a:cs typeface="Arial" panose="020B0604020202020204" pitchFamily="34" charset="0"/>
+              </a:rPr>
+              <a:t>println(</a:t>
+            </a:r>
+            <a:r>
+              <a:rPr lang="en-US" sz="1400">
+                <a:solidFill>
+                  <a:srgbClr val="333333"/>
+                </a:solidFill>
+                <a:latin typeface="Arial" panose="020B0604020202020204" pitchFamily="34" charset="0"/>
+                <a:cs typeface="Arial" panose="020B0604020202020204" pitchFamily="34" charset="0"/>
+              </a:rPr>
+              <a:t>System</a:t>
+            </a:r>
+            <a:r>
+              <a:rPr lang="en-US" sz="1400">
+                <a:solidFill>
+                  <a:srgbClr val="A71D5D"/>
+                </a:solidFill>
+                <a:latin typeface="Arial" panose="020B0604020202020204" pitchFamily="34" charset="0"/>
+                <a:cs typeface="Arial" panose="020B0604020202020204" pitchFamily="34" charset="0"/>
+              </a:rPr>
+              <a:t>.</a:t>
+            </a:r>
+            <a:r>
+              <a:rPr lang="en-US" sz="1400">
+                <a:latin typeface="Arial" panose="020B0604020202020204" pitchFamily="34" charset="0"/>
+                <a:cs typeface="Arial" panose="020B0604020202020204" pitchFamily="34" charset="0"/>
+              </a:rPr>
+              <a:t>identityHashCode(s2</a:t>
+            </a:r>
+            <a:r>
+              <a:rPr lang="en-US" sz="1400">
+                <a:latin typeface="Arial" panose="020B0604020202020204" pitchFamily="34" charset="0"/>
+                <a:cs typeface="Arial" panose="020B0604020202020204" pitchFamily="34" charset="0"/>
+              </a:rPr>
+              <a:t>)); </a:t>
+            </a:r>
+            <a:r>
+              <a:rPr lang="en-US" sz="1400">
+                <a:latin typeface="Arial" panose="020B0604020202020204" pitchFamily="34" charset="0"/>
+                <a:cs typeface="Arial" panose="020B0604020202020204" pitchFamily="34" charset="0"/>
+              </a:rPr>
+              <a:t>  </a:t>
+            </a:r>
+          </a:p>
+          <a:p>
+            <a:pPr lvl="2"/>
+            <a:r>
+              <a:rPr lang="en-US" sz="1400">
+                <a:solidFill>
+                  <a:srgbClr val="333333"/>
+                </a:solidFill>
+                <a:latin typeface="Arial" panose="020B0604020202020204" pitchFamily="34" charset="0"/>
+                <a:cs typeface="Arial" panose="020B0604020202020204" pitchFamily="34" charset="0"/>
+              </a:rPr>
+              <a:t>System</a:t>
+            </a:r>
+            <a:r>
+              <a:rPr lang="en-US" sz="1400">
+                <a:solidFill>
+                  <a:srgbClr val="A71D5D"/>
+                </a:solidFill>
+                <a:latin typeface="Arial" panose="020B0604020202020204" pitchFamily="34" charset="0"/>
+                <a:cs typeface="Arial" panose="020B0604020202020204" pitchFamily="34" charset="0"/>
+              </a:rPr>
+              <a:t>.</a:t>
+            </a:r>
+            <a:r>
+              <a:rPr lang="en-US" sz="1400">
+                <a:latin typeface="Arial" panose="020B0604020202020204" pitchFamily="34" charset="0"/>
+                <a:cs typeface="Arial" panose="020B0604020202020204" pitchFamily="34" charset="0"/>
+              </a:rPr>
+              <a:t>out</a:t>
+            </a:r>
+            <a:r>
+              <a:rPr lang="en-US" sz="1400">
+                <a:solidFill>
+                  <a:srgbClr val="A71D5D"/>
+                </a:solidFill>
+                <a:latin typeface="Arial" panose="020B0604020202020204" pitchFamily="34" charset="0"/>
+                <a:cs typeface="Arial" panose="020B0604020202020204" pitchFamily="34" charset="0"/>
+              </a:rPr>
+              <a:t>.</a:t>
+            </a:r>
+            <a:r>
+              <a:rPr lang="en-US" sz="1400">
+                <a:latin typeface="Arial" panose="020B0604020202020204" pitchFamily="34" charset="0"/>
+                <a:cs typeface="Arial" panose="020B0604020202020204" pitchFamily="34" charset="0"/>
+              </a:rPr>
+              <a:t>println(s1</a:t>
+            </a:r>
+            <a:r>
+              <a:rPr lang="en-US" sz="1400">
+                <a:solidFill>
+                  <a:srgbClr val="A71D5D"/>
+                </a:solidFill>
+                <a:latin typeface="Arial" panose="020B0604020202020204" pitchFamily="34" charset="0"/>
+                <a:cs typeface="Arial" panose="020B0604020202020204" pitchFamily="34" charset="0"/>
+              </a:rPr>
+              <a:t>.</a:t>
+            </a:r>
+            <a:r>
+              <a:rPr lang="en-US" sz="1400">
+                <a:latin typeface="Arial" panose="020B0604020202020204" pitchFamily="34" charset="0"/>
+                <a:cs typeface="Arial" panose="020B0604020202020204" pitchFamily="34" charset="0"/>
+              </a:rPr>
+              <a:t>equals(s2)); </a:t>
+            </a:r>
+          </a:p>
+          <a:p>
+            <a:pPr lvl="2"/>
+            <a:r>
+              <a:rPr lang="en-US" sz="1400">
+                <a:solidFill>
+                  <a:srgbClr val="333333"/>
+                </a:solidFill>
+                <a:latin typeface="Arial" panose="020B0604020202020204" pitchFamily="34" charset="0"/>
+                <a:cs typeface="Arial" panose="020B0604020202020204" pitchFamily="34" charset="0"/>
+              </a:rPr>
+              <a:t>System</a:t>
+            </a:r>
+            <a:r>
+              <a:rPr lang="en-US" sz="1400">
+                <a:solidFill>
+                  <a:srgbClr val="A71D5D"/>
+                </a:solidFill>
+                <a:latin typeface="Arial" panose="020B0604020202020204" pitchFamily="34" charset="0"/>
+                <a:cs typeface="Arial" panose="020B0604020202020204" pitchFamily="34" charset="0"/>
+              </a:rPr>
+              <a:t>.</a:t>
+            </a:r>
+            <a:r>
+              <a:rPr lang="en-US" sz="1400">
+                <a:latin typeface="Arial" panose="020B0604020202020204" pitchFamily="34" charset="0"/>
+                <a:cs typeface="Arial" panose="020B0604020202020204" pitchFamily="34" charset="0"/>
+              </a:rPr>
+              <a:t>out</a:t>
+            </a:r>
+            <a:r>
+              <a:rPr lang="en-US" sz="1400">
+                <a:solidFill>
+                  <a:srgbClr val="A71D5D"/>
+                </a:solidFill>
+                <a:latin typeface="Arial" panose="020B0604020202020204" pitchFamily="34" charset="0"/>
+                <a:cs typeface="Arial" panose="020B0604020202020204" pitchFamily="34" charset="0"/>
+              </a:rPr>
+              <a:t>.</a:t>
+            </a:r>
+            <a:r>
+              <a:rPr lang="en-US" sz="1400">
+                <a:latin typeface="Arial" panose="020B0604020202020204" pitchFamily="34" charset="0"/>
+                <a:cs typeface="Arial" panose="020B0604020202020204" pitchFamily="34" charset="0"/>
+              </a:rPr>
+              <a:t>println(s1 </a:t>
+            </a:r>
+            <a:r>
+              <a:rPr lang="en-US" sz="1400">
+                <a:solidFill>
+                  <a:srgbClr val="A71D5D"/>
+                </a:solidFill>
+                <a:latin typeface="Arial" panose="020B0604020202020204" pitchFamily="34" charset="0"/>
+                <a:cs typeface="Arial" panose="020B0604020202020204" pitchFamily="34" charset="0"/>
+              </a:rPr>
+              <a:t>==</a:t>
+            </a:r>
+            <a:r>
+              <a:rPr lang="en-US" sz="1400">
+                <a:latin typeface="Arial" panose="020B0604020202020204" pitchFamily="34" charset="0"/>
+                <a:cs typeface="Arial" panose="020B0604020202020204" pitchFamily="34" charset="0"/>
+              </a:rPr>
+              <a:t> s2); </a:t>
+            </a:r>
+          </a:p>
+          <a:p>
+            <a:pPr lvl="1"/>
+            <a:r>
+              <a:rPr lang="en-US" sz="1400">
+                <a:latin typeface="Arial" panose="020B0604020202020204" pitchFamily="34" charset="0"/>
+                <a:cs typeface="Arial" panose="020B0604020202020204" pitchFamily="34" charset="0"/>
+              </a:rPr>
+              <a:t>} </a:t>
+            </a:r>
+          </a:p>
+          <a:p>
+            <a:r>
+              <a:rPr lang="en-US" sz="1400">
+                <a:latin typeface="Arial" panose="020B0604020202020204" pitchFamily="34" charset="0"/>
+                <a:cs typeface="Arial" panose="020B0604020202020204" pitchFamily="34" charset="0"/>
               </a:rPr>
               <a:t>}</a:t>
             </a:r>
-            <a:endParaRPr lang="en-US" altLang="en-US" sz="2100">
-              <a:solidFill>
-                <a:schemeClr val="tx1"/>
-              </a:solidFill>
+            <a:endParaRPr lang="en-US" sz="1400">
               <a:latin typeface="Arial" panose="020B0604020202020204" pitchFamily="34" charset="0"/>
+              <a:cs typeface="Arial" panose="020B0604020202020204" pitchFamily="34" charset="0"/>
             </a:endParaRPr>
-          </a:p>
-          <a:p>
-            <a:pPr marL="0" indent="0">
-              <a:buNone/>
-            </a:pPr>
-            <a:endParaRPr lang="en-US" b="1"/>
           </a:p>
         </p:txBody>
       </p:sp>
     </p:spTree>
     <p:extLst>
       <p:ext uri="{BB962C8B-B14F-4D97-AF65-F5344CB8AC3E}">
-        <p14:creationId xmlns:p14="http://schemas.microsoft.com/office/powerpoint/2010/main" val="2566103996"/>
+        <p14:creationId xmlns:p14="http://schemas.microsoft.com/office/powerpoint/2010/main" val="3875773787"/>
       </p:ext>
     </p:extLst>
   </p:cSld>
@@ -8070,1070 +8314,7 @@
       </p:grpSpPr>
       <p:sp>
         <p:nvSpPr>
-          <p:cNvPr id="3" name="Content Placeholder 2"/>
-          <p:cNvSpPr>
-            <a:spLocks noGrp="1"/>
-          </p:cNvSpPr>
-          <p:nvPr>
-            <p:ph idx="1"/>
-          </p:nvPr>
-        </p:nvSpPr>
-        <p:spPr>
-          <a:xfrm>
-            <a:off x="1176865" y="2490135"/>
-            <a:ext cx="7524373" cy="3444997"/>
-          </a:xfrm>
-        </p:spPr>
-        <p:txBody>
-          <a:bodyPr>
-            <a:normAutofit fontScale="25000" lnSpcReduction="20000"/>
-          </a:bodyPr>
-          <a:lstStyle/>
-          <a:p>
-            <a:pPr marL="0" indent="0">
-              <a:buNone/>
-            </a:pPr>
-            <a:r>
-              <a:rPr lang="en-US" sz="4900">
-                <a:latin typeface="Arial" panose="020B0604020202020204" pitchFamily="34" charset="0"/>
-                <a:cs typeface="Arial" panose="020B0604020202020204" pitchFamily="34" charset="0"/>
-              </a:rPr>
-              <a:t>+ </a:t>
-            </a:r>
-            <a:r>
-              <a:rPr lang="en-US" sz="4900" smtClean="0">
-                <a:latin typeface="Arial" panose="020B0604020202020204" pitchFamily="34" charset="0"/>
-                <a:cs typeface="Arial" panose="020B0604020202020204" pitchFamily="34" charset="0"/>
-              </a:rPr>
-              <a:t>ex3: </a:t>
-            </a:r>
-          </a:p>
-          <a:p>
-            <a:pPr marL="0" lvl="0" indent="0">
-              <a:buNone/>
-            </a:pPr>
-            <a:r>
-              <a:rPr lang="en-US" altLang="en-US" sz="5600" b="1">
-                <a:solidFill>
-                  <a:srgbClr val="000080"/>
-                </a:solidFill>
-                <a:latin typeface="Courier New" panose="02070309020205020404" pitchFamily="49" charset="0"/>
-                <a:cs typeface="Courier New" panose="02070309020205020404" pitchFamily="49" charset="0"/>
-              </a:rPr>
-              <a:t>class </a:t>
-            </a:r>
-            <a:r>
-              <a:rPr lang="en-US" altLang="en-US" sz="5600">
-                <a:solidFill>
-                  <a:srgbClr val="000000"/>
-                </a:solidFill>
-                <a:latin typeface="Courier New" panose="02070309020205020404" pitchFamily="49" charset="0"/>
-                <a:cs typeface="Courier New" panose="02070309020205020404" pitchFamily="49" charset="0"/>
-              </a:rPr>
-              <a:t>Person2{</a:t>
-            </a:r>
-            <a:br>
-              <a:rPr lang="en-US" altLang="en-US" sz="5600">
-                <a:solidFill>
-                  <a:srgbClr val="000000"/>
-                </a:solidFill>
-                <a:latin typeface="Courier New" panose="02070309020205020404" pitchFamily="49" charset="0"/>
-                <a:cs typeface="Courier New" panose="02070309020205020404" pitchFamily="49" charset="0"/>
-              </a:rPr>
-            </a:br>
-            <a:r>
-              <a:rPr lang="en-US" altLang="en-US" sz="5600">
-                <a:solidFill>
-                  <a:srgbClr val="000000"/>
-                </a:solidFill>
-                <a:latin typeface="Courier New" panose="02070309020205020404" pitchFamily="49" charset="0"/>
-                <a:cs typeface="Courier New" panose="02070309020205020404" pitchFamily="49" charset="0"/>
-              </a:rPr>
-              <a:t>    </a:t>
-            </a:r>
-            <a:r>
-              <a:rPr lang="en-US" altLang="en-US" sz="5600" b="1">
-                <a:solidFill>
-                  <a:srgbClr val="000080"/>
-                </a:solidFill>
-                <a:latin typeface="Courier New" panose="02070309020205020404" pitchFamily="49" charset="0"/>
-                <a:cs typeface="Courier New" panose="02070309020205020404" pitchFamily="49" charset="0"/>
-              </a:rPr>
-              <a:t>private </a:t>
-            </a:r>
-            <a:r>
-              <a:rPr lang="en-US" altLang="en-US" sz="5600">
-                <a:solidFill>
-                  <a:srgbClr val="000000"/>
-                </a:solidFill>
-                <a:latin typeface="Courier New" panose="02070309020205020404" pitchFamily="49" charset="0"/>
-                <a:cs typeface="Courier New" panose="02070309020205020404" pitchFamily="49" charset="0"/>
-              </a:rPr>
-              <a:t>Date </a:t>
-            </a:r>
-            <a:r>
-              <a:rPr lang="en-US" altLang="en-US" sz="5600" b="1">
-                <a:solidFill>
-                  <a:srgbClr val="660E7A"/>
-                </a:solidFill>
-                <a:latin typeface="Courier New" panose="02070309020205020404" pitchFamily="49" charset="0"/>
-                <a:cs typeface="Courier New" panose="02070309020205020404" pitchFamily="49" charset="0"/>
-              </a:rPr>
-              <a:t>birthDate </a:t>
-            </a:r>
-            <a:r>
-              <a:rPr lang="en-US" altLang="en-US" sz="5600" smtClean="0">
-                <a:solidFill>
-                  <a:srgbClr val="000000"/>
-                </a:solidFill>
-                <a:latin typeface="Courier New" panose="02070309020205020404" pitchFamily="49" charset="0"/>
-                <a:cs typeface="Courier New" panose="02070309020205020404" pitchFamily="49" charset="0"/>
-              </a:rPr>
-              <a:t>= null;</a:t>
-            </a:r>
-            <a:r>
-              <a:rPr lang="en-US" altLang="en-US" sz="5600">
-                <a:solidFill>
-                  <a:srgbClr val="000000"/>
-                </a:solidFill>
-                <a:latin typeface="Courier New" panose="02070309020205020404" pitchFamily="49" charset="0"/>
-                <a:cs typeface="Courier New" panose="02070309020205020404" pitchFamily="49" charset="0"/>
-              </a:rPr>
-              <a:t/>
-            </a:r>
-            <a:br>
-              <a:rPr lang="en-US" altLang="en-US" sz="5600">
-                <a:solidFill>
-                  <a:srgbClr val="000000"/>
-                </a:solidFill>
-                <a:latin typeface="Courier New" panose="02070309020205020404" pitchFamily="49" charset="0"/>
-                <a:cs typeface="Courier New" panose="02070309020205020404" pitchFamily="49" charset="0"/>
-              </a:rPr>
-            </a:br>
-            <a:r>
-              <a:rPr lang="en-US" altLang="en-US" sz="5600">
-                <a:solidFill>
-                  <a:srgbClr val="000000"/>
-                </a:solidFill>
-                <a:latin typeface="Courier New" panose="02070309020205020404" pitchFamily="49" charset="0"/>
-                <a:cs typeface="Courier New" panose="02070309020205020404" pitchFamily="49" charset="0"/>
-              </a:rPr>
-              <a:t>    </a:t>
-            </a:r>
-            <a:r>
-              <a:rPr lang="en-US" altLang="en-US" sz="5600" b="1">
-                <a:solidFill>
-                  <a:srgbClr val="000080"/>
-                </a:solidFill>
-                <a:latin typeface="Courier New" panose="02070309020205020404" pitchFamily="49" charset="0"/>
-                <a:cs typeface="Courier New" panose="02070309020205020404" pitchFamily="49" charset="0"/>
-              </a:rPr>
-              <a:t>static final </a:t>
-            </a:r>
-            <a:r>
-              <a:rPr lang="en-US" altLang="en-US" sz="5600">
-                <a:solidFill>
-                  <a:srgbClr val="000000"/>
-                </a:solidFill>
-                <a:latin typeface="Courier New" panose="02070309020205020404" pitchFamily="49" charset="0"/>
-                <a:cs typeface="Courier New" panose="02070309020205020404" pitchFamily="49" charset="0"/>
-              </a:rPr>
-              <a:t>Date </a:t>
-            </a:r>
-            <a:r>
-              <a:rPr lang="en-US" altLang="en-US" sz="5600" b="1" i="1">
-                <a:solidFill>
-                  <a:srgbClr val="660E7A"/>
-                </a:solidFill>
-                <a:latin typeface="Courier New" panose="02070309020205020404" pitchFamily="49" charset="0"/>
-                <a:cs typeface="Courier New" panose="02070309020205020404" pitchFamily="49" charset="0"/>
-              </a:rPr>
-              <a:t>BOOMSTART</a:t>
-            </a:r>
-            <a:r>
-              <a:rPr lang="en-US" altLang="en-US" sz="5600">
-                <a:solidFill>
-                  <a:srgbClr val="000000"/>
-                </a:solidFill>
-                <a:latin typeface="Courier New" panose="02070309020205020404" pitchFamily="49" charset="0"/>
-                <a:cs typeface="Courier New" panose="02070309020205020404" pitchFamily="49" charset="0"/>
-              </a:rPr>
-              <a:t>;</a:t>
-            </a:r>
-            <a:br>
-              <a:rPr lang="en-US" altLang="en-US" sz="5600">
-                <a:solidFill>
-                  <a:srgbClr val="000000"/>
-                </a:solidFill>
-                <a:latin typeface="Courier New" panose="02070309020205020404" pitchFamily="49" charset="0"/>
-                <a:cs typeface="Courier New" panose="02070309020205020404" pitchFamily="49" charset="0"/>
-              </a:rPr>
-            </a:br>
-            <a:r>
-              <a:rPr lang="en-US" altLang="en-US" sz="5600">
-                <a:solidFill>
-                  <a:srgbClr val="000000"/>
-                </a:solidFill>
-                <a:latin typeface="Courier New" panose="02070309020205020404" pitchFamily="49" charset="0"/>
-                <a:cs typeface="Courier New" panose="02070309020205020404" pitchFamily="49" charset="0"/>
-              </a:rPr>
-              <a:t>    </a:t>
-            </a:r>
-            <a:r>
-              <a:rPr lang="en-US" altLang="en-US" sz="5600" b="1">
-                <a:solidFill>
-                  <a:srgbClr val="000080"/>
-                </a:solidFill>
-                <a:latin typeface="Courier New" panose="02070309020205020404" pitchFamily="49" charset="0"/>
-                <a:cs typeface="Courier New" panose="02070309020205020404" pitchFamily="49" charset="0"/>
-              </a:rPr>
-              <a:t>static final </a:t>
-            </a:r>
-            <a:r>
-              <a:rPr lang="en-US" altLang="en-US" sz="5600">
-                <a:solidFill>
-                  <a:srgbClr val="000000"/>
-                </a:solidFill>
-                <a:latin typeface="Courier New" panose="02070309020205020404" pitchFamily="49" charset="0"/>
-                <a:cs typeface="Courier New" panose="02070309020205020404" pitchFamily="49" charset="0"/>
-              </a:rPr>
-              <a:t>Date </a:t>
-            </a:r>
-            <a:r>
-              <a:rPr lang="en-US" altLang="en-US" sz="5600" b="1" i="1">
-                <a:solidFill>
-                  <a:srgbClr val="660E7A"/>
-                </a:solidFill>
-                <a:latin typeface="Courier New" panose="02070309020205020404" pitchFamily="49" charset="0"/>
-                <a:cs typeface="Courier New" panose="02070309020205020404" pitchFamily="49" charset="0"/>
-              </a:rPr>
-              <a:t>BOOMEND</a:t>
-            </a:r>
-            <a:r>
-              <a:rPr lang="en-US" altLang="en-US" sz="5600">
-                <a:solidFill>
-                  <a:srgbClr val="000000"/>
-                </a:solidFill>
-                <a:latin typeface="Courier New" panose="02070309020205020404" pitchFamily="49" charset="0"/>
-                <a:cs typeface="Courier New" panose="02070309020205020404" pitchFamily="49" charset="0"/>
-              </a:rPr>
-              <a:t>;</a:t>
-            </a:r>
-            <a:br>
-              <a:rPr lang="en-US" altLang="en-US" sz="5600">
-                <a:solidFill>
-                  <a:srgbClr val="000000"/>
-                </a:solidFill>
-                <a:latin typeface="Courier New" panose="02070309020205020404" pitchFamily="49" charset="0"/>
-                <a:cs typeface="Courier New" panose="02070309020205020404" pitchFamily="49" charset="0"/>
-              </a:rPr>
-            </a:br>
-            <a:r>
-              <a:rPr lang="en-US" altLang="en-US" sz="5600">
-                <a:solidFill>
-                  <a:srgbClr val="000000"/>
-                </a:solidFill>
-                <a:latin typeface="Courier New" panose="02070309020205020404" pitchFamily="49" charset="0"/>
-                <a:cs typeface="Courier New" panose="02070309020205020404" pitchFamily="49" charset="0"/>
-              </a:rPr>
-              <a:t/>
-            </a:r>
-            <a:br>
-              <a:rPr lang="en-US" altLang="en-US" sz="5600">
-                <a:solidFill>
-                  <a:srgbClr val="000000"/>
-                </a:solidFill>
-                <a:latin typeface="Courier New" panose="02070309020205020404" pitchFamily="49" charset="0"/>
-                <a:cs typeface="Courier New" panose="02070309020205020404" pitchFamily="49" charset="0"/>
-              </a:rPr>
-            </a:br>
-            <a:r>
-              <a:rPr lang="en-US" altLang="en-US" sz="5600">
-                <a:solidFill>
-                  <a:srgbClr val="000000"/>
-                </a:solidFill>
-                <a:latin typeface="Courier New" panose="02070309020205020404" pitchFamily="49" charset="0"/>
-                <a:cs typeface="Courier New" panose="02070309020205020404" pitchFamily="49" charset="0"/>
-              </a:rPr>
-              <a:t>    </a:t>
-            </a:r>
-            <a:r>
-              <a:rPr lang="en-US" altLang="en-US" sz="5600" b="1">
-                <a:solidFill>
-                  <a:srgbClr val="000080"/>
-                </a:solidFill>
-                <a:latin typeface="Courier New" panose="02070309020205020404" pitchFamily="49" charset="0"/>
-                <a:cs typeface="Courier New" panose="02070309020205020404" pitchFamily="49" charset="0"/>
-              </a:rPr>
-              <a:t>static </a:t>
-            </a:r>
-            <a:r>
-              <a:rPr lang="en-US" altLang="en-US" sz="5600">
-                <a:solidFill>
-                  <a:srgbClr val="000000"/>
-                </a:solidFill>
-                <a:latin typeface="Courier New" panose="02070309020205020404" pitchFamily="49" charset="0"/>
-                <a:cs typeface="Courier New" panose="02070309020205020404" pitchFamily="49" charset="0"/>
-              </a:rPr>
-              <a:t>{</a:t>
-            </a:r>
-            <a:br>
-              <a:rPr lang="en-US" altLang="en-US" sz="5600">
-                <a:solidFill>
-                  <a:srgbClr val="000000"/>
-                </a:solidFill>
-                <a:latin typeface="Courier New" panose="02070309020205020404" pitchFamily="49" charset="0"/>
-                <a:cs typeface="Courier New" panose="02070309020205020404" pitchFamily="49" charset="0"/>
-              </a:rPr>
-            </a:br>
-            <a:r>
-              <a:rPr lang="en-US" altLang="en-US" sz="5600">
-                <a:solidFill>
-                  <a:srgbClr val="000000"/>
-                </a:solidFill>
-                <a:latin typeface="Courier New" panose="02070309020205020404" pitchFamily="49" charset="0"/>
-                <a:cs typeface="Courier New" panose="02070309020205020404" pitchFamily="49" charset="0"/>
-              </a:rPr>
-              <a:t>        Calendar gmtCal = </a:t>
-            </a:r>
-            <a:r>
-              <a:rPr lang="en-US" altLang="en-US" sz="5600" smtClean="0">
-                <a:solidFill>
-                  <a:srgbClr val="000000"/>
-                </a:solidFill>
-                <a:latin typeface="Courier New" panose="02070309020205020404" pitchFamily="49" charset="0"/>
-                <a:cs typeface="Courier New" panose="02070309020205020404" pitchFamily="49" charset="0"/>
-              </a:rPr>
-              <a:t>				 										Calendar.</a:t>
-            </a:r>
-            <a:r>
-              <a:rPr lang="en-US" altLang="en-US" sz="5600" i="1" smtClean="0">
-                <a:solidFill>
-                  <a:srgbClr val="000000"/>
-                </a:solidFill>
-                <a:latin typeface="Courier New" panose="02070309020205020404" pitchFamily="49" charset="0"/>
-                <a:cs typeface="Courier New" panose="02070309020205020404" pitchFamily="49" charset="0"/>
-              </a:rPr>
-              <a:t>getInstance</a:t>
-            </a:r>
-            <a:r>
-              <a:rPr lang="en-US" altLang="en-US" sz="5600" smtClean="0">
-                <a:solidFill>
-                  <a:srgbClr val="000000"/>
-                </a:solidFill>
-                <a:latin typeface="Courier New" panose="02070309020205020404" pitchFamily="49" charset="0"/>
-                <a:cs typeface="Courier New" panose="02070309020205020404" pitchFamily="49" charset="0"/>
-              </a:rPr>
-              <a:t>(TimeZone.</a:t>
-            </a:r>
-            <a:r>
-              <a:rPr lang="en-US" altLang="en-US" sz="5600" i="1" smtClean="0">
-                <a:solidFill>
-                  <a:srgbClr val="000000"/>
-                </a:solidFill>
-                <a:latin typeface="Courier New" panose="02070309020205020404" pitchFamily="49" charset="0"/>
-                <a:cs typeface="Courier New" panose="02070309020205020404" pitchFamily="49" charset="0"/>
-              </a:rPr>
-              <a:t>getTimeZone</a:t>
-            </a:r>
-            <a:r>
-              <a:rPr lang="en-US" altLang="en-US" sz="5600">
-                <a:solidFill>
-                  <a:srgbClr val="000000"/>
-                </a:solidFill>
-                <a:latin typeface="Courier New" panose="02070309020205020404" pitchFamily="49" charset="0"/>
-                <a:cs typeface="Courier New" panose="02070309020205020404" pitchFamily="49" charset="0"/>
-              </a:rPr>
-              <a:t>(</a:t>
-            </a:r>
-            <a:r>
-              <a:rPr lang="en-US" altLang="en-US" sz="5600" b="1">
-                <a:solidFill>
-                  <a:srgbClr val="008000"/>
-                </a:solidFill>
-                <a:latin typeface="Courier New" panose="02070309020205020404" pitchFamily="49" charset="0"/>
-                <a:cs typeface="Courier New" panose="02070309020205020404" pitchFamily="49" charset="0"/>
-              </a:rPr>
-              <a:t>"GMT"</a:t>
-            </a:r>
-            <a:r>
-              <a:rPr lang="en-US" altLang="en-US" sz="5600">
-                <a:solidFill>
-                  <a:srgbClr val="000000"/>
-                </a:solidFill>
-                <a:latin typeface="Courier New" panose="02070309020205020404" pitchFamily="49" charset="0"/>
-                <a:cs typeface="Courier New" panose="02070309020205020404" pitchFamily="49" charset="0"/>
-              </a:rPr>
-              <a:t>));</a:t>
-            </a:r>
-            <a:br>
-              <a:rPr lang="en-US" altLang="en-US" sz="5600">
-                <a:solidFill>
-                  <a:srgbClr val="000000"/>
-                </a:solidFill>
-                <a:latin typeface="Courier New" panose="02070309020205020404" pitchFamily="49" charset="0"/>
-                <a:cs typeface="Courier New" panose="02070309020205020404" pitchFamily="49" charset="0"/>
-              </a:rPr>
-            </a:br>
-            <a:r>
-              <a:rPr lang="en-US" altLang="en-US" sz="5600">
-                <a:solidFill>
-                  <a:srgbClr val="000000"/>
-                </a:solidFill>
-                <a:latin typeface="Courier New" panose="02070309020205020404" pitchFamily="49" charset="0"/>
-                <a:cs typeface="Courier New" panose="02070309020205020404" pitchFamily="49" charset="0"/>
-              </a:rPr>
-              <a:t>        gmtCal.set(</a:t>
-            </a:r>
-            <a:r>
-              <a:rPr lang="en-US" altLang="en-US" sz="5600">
-                <a:solidFill>
-                  <a:srgbClr val="0000FF"/>
-                </a:solidFill>
-                <a:latin typeface="Courier New" panose="02070309020205020404" pitchFamily="49" charset="0"/>
-                <a:cs typeface="Courier New" panose="02070309020205020404" pitchFamily="49" charset="0"/>
-              </a:rPr>
-              <a:t>3900</a:t>
-            </a:r>
-            <a:r>
-              <a:rPr lang="en-US" altLang="en-US" sz="5600">
-                <a:solidFill>
-                  <a:srgbClr val="000000"/>
-                </a:solidFill>
-                <a:latin typeface="Courier New" panose="02070309020205020404" pitchFamily="49" charset="0"/>
-                <a:cs typeface="Courier New" panose="02070309020205020404" pitchFamily="49" charset="0"/>
-              </a:rPr>
-              <a:t>, Calendar.</a:t>
-            </a:r>
-            <a:r>
-              <a:rPr lang="en-US" altLang="en-US" sz="5600" b="1" i="1">
-                <a:solidFill>
-                  <a:srgbClr val="660E7A"/>
-                </a:solidFill>
-                <a:latin typeface="Courier New" panose="02070309020205020404" pitchFamily="49" charset="0"/>
-                <a:cs typeface="Courier New" panose="02070309020205020404" pitchFamily="49" charset="0"/>
-              </a:rPr>
-              <a:t>JANUARY</a:t>
-            </a:r>
-            <a:r>
-              <a:rPr lang="en-US" altLang="en-US" sz="5600">
-                <a:solidFill>
-                  <a:srgbClr val="000000"/>
-                </a:solidFill>
-                <a:latin typeface="Courier New" panose="02070309020205020404" pitchFamily="49" charset="0"/>
-                <a:cs typeface="Courier New" panose="02070309020205020404" pitchFamily="49" charset="0"/>
-              </a:rPr>
-              <a:t>, </a:t>
-            </a:r>
-            <a:r>
-              <a:rPr lang="en-US" altLang="en-US" sz="5600">
-                <a:solidFill>
-                  <a:srgbClr val="0000FF"/>
-                </a:solidFill>
-                <a:latin typeface="Courier New" panose="02070309020205020404" pitchFamily="49" charset="0"/>
-                <a:cs typeface="Courier New" panose="02070309020205020404" pitchFamily="49" charset="0"/>
-              </a:rPr>
-              <a:t>1</a:t>
-            </a:r>
-            <a:r>
-              <a:rPr lang="en-US" altLang="en-US" sz="5600">
-                <a:solidFill>
-                  <a:srgbClr val="000000"/>
-                </a:solidFill>
-                <a:latin typeface="Courier New" panose="02070309020205020404" pitchFamily="49" charset="0"/>
-                <a:cs typeface="Courier New" panose="02070309020205020404" pitchFamily="49" charset="0"/>
-              </a:rPr>
-              <a:t>, </a:t>
-            </a:r>
-            <a:r>
-              <a:rPr lang="en-US" altLang="en-US" sz="5600">
-                <a:solidFill>
-                  <a:srgbClr val="0000FF"/>
-                </a:solidFill>
-                <a:latin typeface="Courier New" panose="02070309020205020404" pitchFamily="49" charset="0"/>
-                <a:cs typeface="Courier New" panose="02070309020205020404" pitchFamily="49" charset="0"/>
-              </a:rPr>
-              <a:t>0</a:t>
-            </a:r>
-            <a:r>
-              <a:rPr lang="en-US" altLang="en-US" sz="5600">
-                <a:solidFill>
-                  <a:srgbClr val="000000"/>
-                </a:solidFill>
-                <a:latin typeface="Courier New" panose="02070309020205020404" pitchFamily="49" charset="0"/>
-                <a:cs typeface="Courier New" panose="02070309020205020404" pitchFamily="49" charset="0"/>
-              </a:rPr>
-              <a:t>, </a:t>
-            </a:r>
-            <a:r>
-              <a:rPr lang="en-US" altLang="en-US" sz="5600">
-                <a:solidFill>
-                  <a:srgbClr val="0000FF"/>
-                </a:solidFill>
-                <a:latin typeface="Courier New" panose="02070309020205020404" pitchFamily="49" charset="0"/>
-                <a:cs typeface="Courier New" panose="02070309020205020404" pitchFamily="49" charset="0"/>
-              </a:rPr>
-              <a:t>0</a:t>
-            </a:r>
-            <a:r>
-              <a:rPr lang="en-US" altLang="en-US" sz="5600">
-                <a:solidFill>
-                  <a:srgbClr val="000000"/>
-                </a:solidFill>
-                <a:latin typeface="Courier New" panose="02070309020205020404" pitchFamily="49" charset="0"/>
-                <a:cs typeface="Courier New" panose="02070309020205020404" pitchFamily="49" charset="0"/>
-              </a:rPr>
-              <a:t>, </a:t>
-            </a:r>
-            <a:r>
-              <a:rPr lang="en-US" altLang="en-US" sz="5600">
-                <a:solidFill>
-                  <a:srgbClr val="0000FF"/>
-                </a:solidFill>
-                <a:latin typeface="Courier New" panose="02070309020205020404" pitchFamily="49" charset="0"/>
-                <a:cs typeface="Courier New" panose="02070309020205020404" pitchFamily="49" charset="0"/>
-              </a:rPr>
-              <a:t>0</a:t>
-            </a:r>
-            <a:r>
-              <a:rPr lang="en-US" altLang="en-US" sz="5600">
-                <a:solidFill>
-                  <a:srgbClr val="000000"/>
-                </a:solidFill>
-                <a:latin typeface="Courier New" panose="02070309020205020404" pitchFamily="49" charset="0"/>
-                <a:cs typeface="Courier New" panose="02070309020205020404" pitchFamily="49" charset="0"/>
-              </a:rPr>
-              <a:t>);</a:t>
-            </a:r>
-            <a:br>
-              <a:rPr lang="en-US" altLang="en-US" sz="5600">
-                <a:solidFill>
-                  <a:srgbClr val="000000"/>
-                </a:solidFill>
-                <a:latin typeface="Courier New" panose="02070309020205020404" pitchFamily="49" charset="0"/>
-                <a:cs typeface="Courier New" panose="02070309020205020404" pitchFamily="49" charset="0"/>
-              </a:rPr>
-            </a:br>
-            <a:r>
-              <a:rPr lang="en-US" altLang="en-US" sz="5600">
-                <a:solidFill>
-                  <a:srgbClr val="000000"/>
-                </a:solidFill>
-                <a:latin typeface="Courier New" panose="02070309020205020404" pitchFamily="49" charset="0"/>
-                <a:cs typeface="Courier New" panose="02070309020205020404" pitchFamily="49" charset="0"/>
-              </a:rPr>
-              <a:t>        </a:t>
-            </a:r>
-            <a:r>
-              <a:rPr lang="en-US" altLang="en-US" sz="5600" b="1" i="1">
-                <a:solidFill>
-                  <a:srgbClr val="660E7A"/>
-                </a:solidFill>
-                <a:latin typeface="Courier New" panose="02070309020205020404" pitchFamily="49" charset="0"/>
-                <a:cs typeface="Courier New" panose="02070309020205020404" pitchFamily="49" charset="0"/>
-              </a:rPr>
-              <a:t>BOOMSTART </a:t>
-            </a:r>
-            <a:r>
-              <a:rPr lang="en-US" altLang="en-US" sz="5600">
-                <a:solidFill>
-                  <a:srgbClr val="000000"/>
-                </a:solidFill>
-                <a:latin typeface="Courier New" panose="02070309020205020404" pitchFamily="49" charset="0"/>
-                <a:cs typeface="Courier New" panose="02070309020205020404" pitchFamily="49" charset="0"/>
-              </a:rPr>
-              <a:t>= gmtCal.getTime();</a:t>
-            </a:r>
-            <a:br>
-              <a:rPr lang="en-US" altLang="en-US" sz="5600">
-                <a:solidFill>
-                  <a:srgbClr val="000000"/>
-                </a:solidFill>
-                <a:latin typeface="Courier New" panose="02070309020205020404" pitchFamily="49" charset="0"/>
-                <a:cs typeface="Courier New" panose="02070309020205020404" pitchFamily="49" charset="0"/>
-              </a:rPr>
-            </a:br>
-            <a:r>
-              <a:rPr lang="en-US" altLang="en-US" sz="5600">
-                <a:solidFill>
-                  <a:srgbClr val="000000"/>
-                </a:solidFill>
-                <a:latin typeface="Courier New" panose="02070309020205020404" pitchFamily="49" charset="0"/>
-                <a:cs typeface="Courier New" panose="02070309020205020404" pitchFamily="49" charset="0"/>
-              </a:rPr>
-              <a:t>        gmtCal.set(</a:t>
-            </a:r>
-            <a:r>
-              <a:rPr lang="en-US" altLang="en-US" sz="5600">
-                <a:solidFill>
-                  <a:srgbClr val="0000FF"/>
-                </a:solidFill>
-                <a:latin typeface="Courier New" panose="02070309020205020404" pitchFamily="49" charset="0"/>
-                <a:cs typeface="Courier New" panose="02070309020205020404" pitchFamily="49" charset="0"/>
-              </a:rPr>
-              <a:t>3920</a:t>
-            </a:r>
-            <a:r>
-              <a:rPr lang="en-US" altLang="en-US" sz="5600">
-                <a:solidFill>
-                  <a:srgbClr val="000000"/>
-                </a:solidFill>
-                <a:latin typeface="Courier New" panose="02070309020205020404" pitchFamily="49" charset="0"/>
-                <a:cs typeface="Courier New" panose="02070309020205020404" pitchFamily="49" charset="0"/>
-              </a:rPr>
-              <a:t>, Calendar.</a:t>
-            </a:r>
-            <a:r>
-              <a:rPr lang="en-US" altLang="en-US" sz="5600" b="1" i="1">
-                <a:solidFill>
-                  <a:srgbClr val="660E7A"/>
-                </a:solidFill>
-                <a:latin typeface="Courier New" panose="02070309020205020404" pitchFamily="49" charset="0"/>
-                <a:cs typeface="Courier New" panose="02070309020205020404" pitchFamily="49" charset="0"/>
-              </a:rPr>
-              <a:t>JANUARY</a:t>
-            </a:r>
-            <a:r>
-              <a:rPr lang="en-US" altLang="en-US" sz="5600">
-                <a:solidFill>
-                  <a:srgbClr val="000000"/>
-                </a:solidFill>
-                <a:latin typeface="Courier New" panose="02070309020205020404" pitchFamily="49" charset="0"/>
-                <a:cs typeface="Courier New" panose="02070309020205020404" pitchFamily="49" charset="0"/>
-              </a:rPr>
-              <a:t>, </a:t>
-            </a:r>
-            <a:r>
-              <a:rPr lang="en-US" altLang="en-US" sz="5600">
-                <a:solidFill>
-                  <a:srgbClr val="0000FF"/>
-                </a:solidFill>
-                <a:latin typeface="Courier New" panose="02070309020205020404" pitchFamily="49" charset="0"/>
-                <a:cs typeface="Courier New" panose="02070309020205020404" pitchFamily="49" charset="0"/>
-              </a:rPr>
-              <a:t>1</a:t>
-            </a:r>
-            <a:r>
-              <a:rPr lang="en-US" altLang="en-US" sz="5600">
-                <a:solidFill>
-                  <a:srgbClr val="000000"/>
-                </a:solidFill>
-                <a:latin typeface="Courier New" panose="02070309020205020404" pitchFamily="49" charset="0"/>
-                <a:cs typeface="Courier New" panose="02070309020205020404" pitchFamily="49" charset="0"/>
-              </a:rPr>
-              <a:t>, </a:t>
-            </a:r>
-            <a:r>
-              <a:rPr lang="en-US" altLang="en-US" sz="5600">
-                <a:solidFill>
-                  <a:srgbClr val="0000FF"/>
-                </a:solidFill>
-                <a:latin typeface="Courier New" panose="02070309020205020404" pitchFamily="49" charset="0"/>
-                <a:cs typeface="Courier New" panose="02070309020205020404" pitchFamily="49" charset="0"/>
-              </a:rPr>
-              <a:t>0</a:t>
-            </a:r>
-            <a:r>
-              <a:rPr lang="en-US" altLang="en-US" sz="5600">
-                <a:solidFill>
-                  <a:srgbClr val="000000"/>
-                </a:solidFill>
-                <a:latin typeface="Courier New" panose="02070309020205020404" pitchFamily="49" charset="0"/>
-                <a:cs typeface="Courier New" panose="02070309020205020404" pitchFamily="49" charset="0"/>
-              </a:rPr>
-              <a:t>, </a:t>
-            </a:r>
-            <a:r>
-              <a:rPr lang="en-US" altLang="en-US" sz="5600">
-                <a:solidFill>
-                  <a:srgbClr val="0000FF"/>
-                </a:solidFill>
-                <a:latin typeface="Courier New" panose="02070309020205020404" pitchFamily="49" charset="0"/>
-                <a:cs typeface="Courier New" panose="02070309020205020404" pitchFamily="49" charset="0"/>
-              </a:rPr>
-              <a:t>0</a:t>
-            </a:r>
-            <a:r>
-              <a:rPr lang="en-US" altLang="en-US" sz="5600">
-                <a:solidFill>
-                  <a:srgbClr val="000000"/>
-                </a:solidFill>
-                <a:latin typeface="Courier New" panose="02070309020205020404" pitchFamily="49" charset="0"/>
-                <a:cs typeface="Courier New" panose="02070309020205020404" pitchFamily="49" charset="0"/>
-              </a:rPr>
-              <a:t>, </a:t>
-            </a:r>
-            <a:r>
-              <a:rPr lang="en-US" altLang="en-US" sz="5600">
-                <a:solidFill>
-                  <a:srgbClr val="0000FF"/>
-                </a:solidFill>
-                <a:latin typeface="Courier New" panose="02070309020205020404" pitchFamily="49" charset="0"/>
-                <a:cs typeface="Courier New" panose="02070309020205020404" pitchFamily="49" charset="0"/>
-              </a:rPr>
-              <a:t>0</a:t>
-            </a:r>
-            <a:r>
-              <a:rPr lang="en-US" altLang="en-US" sz="5600">
-                <a:solidFill>
-                  <a:srgbClr val="000000"/>
-                </a:solidFill>
-                <a:latin typeface="Courier New" panose="02070309020205020404" pitchFamily="49" charset="0"/>
-                <a:cs typeface="Courier New" panose="02070309020205020404" pitchFamily="49" charset="0"/>
-              </a:rPr>
-              <a:t>);</a:t>
-            </a:r>
-            <a:br>
-              <a:rPr lang="en-US" altLang="en-US" sz="5600">
-                <a:solidFill>
-                  <a:srgbClr val="000000"/>
-                </a:solidFill>
-                <a:latin typeface="Courier New" panose="02070309020205020404" pitchFamily="49" charset="0"/>
-                <a:cs typeface="Courier New" panose="02070309020205020404" pitchFamily="49" charset="0"/>
-              </a:rPr>
-            </a:br>
-            <a:r>
-              <a:rPr lang="en-US" altLang="en-US" sz="5600">
-                <a:solidFill>
-                  <a:srgbClr val="000000"/>
-                </a:solidFill>
-                <a:latin typeface="Courier New" panose="02070309020205020404" pitchFamily="49" charset="0"/>
-                <a:cs typeface="Courier New" panose="02070309020205020404" pitchFamily="49" charset="0"/>
-              </a:rPr>
-              <a:t>        </a:t>
-            </a:r>
-            <a:r>
-              <a:rPr lang="en-US" altLang="en-US" sz="5600" b="1" i="1">
-                <a:solidFill>
-                  <a:srgbClr val="660E7A"/>
-                </a:solidFill>
-                <a:latin typeface="Courier New" panose="02070309020205020404" pitchFamily="49" charset="0"/>
-                <a:cs typeface="Courier New" panose="02070309020205020404" pitchFamily="49" charset="0"/>
-              </a:rPr>
-              <a:t>BOOMEND </a:t>
-            </a:r>
-            <a:r>
-              <a:rPr lang="en-US" altLang="en-US" sz="5600">
-                <a:solidFill>
-                  <a:srgbClr val="000000"/>
-                </a:solidFill>
-                <a:latin typeface="Courier New" panose="02070309020205020404" pitchFamily="49" charset="0"/>
-                <a:cs typeface="Courier New" panose="02070309020205020404" pitchFamily="49" charset="0"/>
-              </a:rPr>
-              <a:t>= gmtCal.getTime();</a:t>
-            </a:r>
-            <a:br>
-              <a:rPr lang="en-US" altLang="en-US" sz="5600">
-                <a:solidFill>
-                  <a:srgbClr val="000000"/>
-                </a:solidFill>
-                <a:latin typeface="Courier New" panose="02070309020205020404" pitchFamily="49" charset="0"/>
-                <a:cs typeface="Courier New" panose="02070309020205020404" pitchFamily="49" charset="0"/>
-              </a:rPr>
-            </a:br>
-            <a:r>
-              <a:rPr lang="en-US" altLang="en-US" sz="5600">
-                <a:solidFill>
-                  <a:srgbClr val="000000"/>
-                </a:solidFill>
-                <a:latin typeface="Courier New" panose="02070309020205020404" pitchFamily="49" charset="0"/>
-                <a:cs typeface="Courier New" panose="02070309020205020404" pitchFamily="49" charset="0"/>
-              </a:rPr>
-              <a:t>    }</a:t>
-            </a:r>
-            <a:br>
-              <a:rPr lang="en-US" altLang="en-US" sz="5600">
-                <a:solidFill>
-                  <a:srgbClr val="000000"/>
-                </a:solidFill>
-                <a:latin typeface="Courier New" panose="02070309020205020404" pitchFamily="49" charset="0"/>
-                <a:cs typeface="Courier New" panose="02070309020205020404" pitchFamily="49" charset="0"/>
-              </a:rPr>
-            </a:br>
-            <a:r>
-              <a:rPr lang="en-US" altLang="en-US" sz="5600">
-                <a:solidFill>
-                  <a:srgbClr val="000000"/>
-                </a:solidFill>
-                <a:latin typeface="Courier New" panose="02070309020205020404" pitchFamily="49" charset="0"/>
-                <a:cs typeface="Courier New" panose="02070309020205020404" pitchFamily="49" charset="0"/>
-              </a:rPr>
-              <a:t/>
-            </a:r>
-            <a:br>
-              <a:rPr lang="en-US" altLang="en-US" sz="5600">
-                <a:solidFill>
-                  <a:srgbClr val="000000"/>
-                </a:solidFill>
-                <a:latin typeface="Courier New" panose="02070309020205020404" pitchFamily="49" charset="0"/>
-                <a:cs typeface="Courier New" panose="02070309020205020404" pitchFamily="49" charset="0"/>
-              </a:rPr>
-            </a:br>
-            <a:r>
-              <a:rPr lang="en-US" altLang="en-US" sz="5600">
-                <a:solidFill>
-                  <a:srgbClr val="000000"/>
-                </a:solidFill>
-                <a:latin typeface="Courier New" panose="02070309020205020404" pitchFamily="49" charset="0"/>
-                <a:cs typeface="Courier New" panose="02070309020205020404" pitchFamily="49" charset="0"/>
-              </a:rPr>
-              <a:t>    </a:t>
-            </a:r>
-            <a:r>
-              <a:rPr lang="en-US" altLang="en-US" sz="5600" b="1">
-                <a:solidFill>
-                  <a:srgbClr val="000080"/>
-                </a:solidFill>
-                <a:latin typeface="Courier New" panose="02070309020205020404" pitchFamily="49" charset="0"/>
-                <a:cs typeface="Courier New" panose="02070309020205020404" pitchFamily="49" charset="0"/>
-              </a:rPr>
-              <a:t>public boolean </a:t>
-            </a:r>
-            <a:r>
-              <a:rPr lang="en-US" altLang="en-US" sz="5600">
-                <a:solidFill>
-                  <a:srgbClr val="000000"/>
-                </a:solidFill>
-                <a:latin typeface="Courier New" panose="02070309020205020404" pitchFamily="49" charset="0"/>
-                <a:cs typeface="Courier New" panose="02070309020205020404" pitchFamily="49" charset="0"/>
-              </a:rPr>
-              <a:t>isBabyBoomer(){</a:t>
-            </a:r>
-            <a:br>
-              <a:rPr lang="en-US" altLang="en-US" sz="5600">
-                <a:solidFill>
-                  <a:srgbClr val="000000"/>
-                </a:solidFill>
-                <a:latin typeface="Courier New" panose="02070309020205020404" pitchFamily="49" charset="0"/>
-                <a:cs typeface="Courier New" panose="02070309020205020404" pitchFamily="49" charset="0"/>
-              </a:rPr>
-            </a:br>
-            <a:r>
-              <a:rPr lang="en-US" altLang="en-US" sz="5600">
-                <a:solidFill>
-                  <a:srgbClr val="000000"/>
-                </a:solidFill>
-                <a:latin typeface="Courier New" panose="02070309020205020404" pitchFamily="49" charset="0"/>
-                <a:cs typeface="Courier New" panose="02070309020205020404" pitchFamily="49" charset="0"/>
-              </a:rPr>
-              <a:t>        </a:t>
-            </a:r>
-            <a:r>
-              <a:rPr lang="en-US" altLang="en-US" sz="5600" b="1">
-                <a:solidFill>
-                  <a:srgbClr val="000080"/>
-                </a:solidFill>
-                <a:latin typeface="Courier New" panose="02070309020205020404" pitchFamily="49" charset="0"/>
-                <a:cs typeface="Courier New" panose="02070309020205020404" pitchFamily="49" charset="0"/>
-              </a:rPr>
-              <a:t>return </a:t>
-            </a:r>
-            <a:r>
-              <a:rPr lang="en-US" altLang="en-US" sz="5600" b="1" smtClean="0">
-                <a:solidFill>
-                  <a:srgbClr val="000080"/>
-                </a:solidFill>
-                <a:latin typeface="Courier New" panose="02070309020205020404" pitchFamily="49" charset="0"/>
-                <a:cs typeface="Courier New" panose="02070309020205020404" pitchFamily="49" charset="0"/>
-              </a:rPr>
-              <a:t>	</a:t>
-            </a:r>
-            <a:r>
-              <a:rPr lang="en-US" altLang="en-US" sz="5600" smtClean="0">
-                <a:solidFill>
-                  <a:srgbClr val="000000"/>
-                </a:solidFill>
-                <a:latin typeface="Courier New" panose="02070309020205020404" pitchFamily="49" charset="0"/>
-                <a:cs typeface="Courier New" panose="02070309020205020404" pitchFamily="49" charset="0"/>
-              </a:rPr>
-              <a:t>(</a:t>
-            </a:r>
-            <a:r>
-              <a:rPr lang="en-US" altLang="en-US" sz="5600" b="1">
-                <a:solidFill>
-                  <a:srgbClr val="660E7A"/>
-                </a:solidFill>
-                <a:latin typeface="Courier New" panose="02070309020205020404" pitchFamily="49" charset="0"/>
-                <a:cs typeface="Courier New" panose="02070309020205020404" pitchFamily="49" charset="0"/>
-              </a:rPr>
-              <a:t>birthDate</a:t>
-            </a:r>
-            <a:r>
-              <a:rPr lang="en-US" altLang="en-US" sz="5600">
-                <a:solidFill>
-                  <a:srgbClr val="000000"/>
-                </a:solidFill>
-                <a:latin typeface="Courier New" panose="02070309020205020404" pitchFamily="49" charset="0"/>
-                <a:cs typeface="Courier New" panose="02070309020205020404" pitchFamily="49" charset="0"/>
-              </a:rPr>
-              <a:t>.compareTo(</a:t>
-            </a:r>
-            <a:r>
-              <a:rPr lang="en-US" altLang="en-US" sz="5600" b="1" i="1">
-                <a:solidFill>
-                  <a:srgbClr val="660E7A"/>
-                </a:solidFill>
-                <a:latin typeface="Courier New" panose="02070309020205020404" pitchFamily="49" charset="0"/>
-                <a:cs typeface="Courier New" panose="02070309020205020404" pitchFamily="49" charset="0"/>
-              </a:rPr>
-              <a:t>BOOMSTART</a:t>
-            </a:r>
-            <a:r>
-              <a:rPr lang="en-US" altLang="en-US" sz="5600">
-                <a:solidFill>
-                  <a:srgbClr val="000000"/>
-                </a:solidFill>
-                <a:latin typeface="Courier New" panose="02070309020205020404" pitchFamily="49" charset="0"/>
-                <a:cs typeface="Courier New" panose="02070309020205020404" pitchFamily="49" charset="0"/>
-              </a:rPr>
-              <a:t>) &gt;= </a:t>
-            </a:r>
-            <a:r>
-              <a:rPr lang="en-US" altLang="en-US" sz="5600">
-                <a:solidFill>
-                  <a:srgbClr val="0000FF"/>
-                </a:solidFill>
-                <a:latin typeface="Courier New" panose="02070309020205020404" pitchFamily="49" charset="0"/>
-                <a:cs typeface="Courier New" panose="02070309020205020404" pitchFamily="49" charset="0"/>
-              </a:rPr>
-              <a:t>0</a:t>
-            </a:r>
-            <a:r>
-              <a:rPr lang="en-US" altLang="en-US" sz="5600">
-                <a:solidFill>
-                  <a:srgbClr val="000000"/>
-                </a:solidFill>
-                <a:latin typeface="Courier New" panose="02070309020205020404" pitchFamily="49" charset="0"/>
-                <a:cs typeface="Courier New" panose="02070309020205020404" pitchFamily="49" charset="0"/>
-              </a:rPr>
-              <a:t>) &amp;&amp; </a:t>
-            </a:r>
-            <a:r>
-              <a:rPr lang="en-US" altLang="en-US" sz="5600" smtClean="0">
-                <a:solidFill>
-                  <a:srgbClr val="000000"/>
-                </a:solidFill>
-                <a:latin typeface="Courier New" panose="02070309020205020404" pitchFamily="49" charset="0"/>
-                <a:cs typeface="Courier New" panose="02070309020205020404" pitchFamily="49" charset="0"/>
-              </a:rPr>
-              <a:t>							(</a:t>
-            </a:r>
-            <a:r>
-              <a:rPr lang="en-US" altLang="en-US" sz="5600" b="1">
-                <a:solidFill>
-                  <a:srgbClr val="660E7A"/>
-                </a:solidFill>
-                <a:latin typeface="Courier New" panose="02070309020205020404" pitchFamily="49" charset="0"/>
-                <a:cs typeface="Courier New" panose="02070309020205020404" pitchFamily="49" charset="0"/>
-              </a:rPr>
-              <a:t>birthDate</a:t>
-            </a:r>
-            <a:r>
-              <a:rPr lang="en-US" altLang="en-US" sz="5600">
-                <a:solidFill>
-                  <a:srgbClr val="000000"/>
-                </a:solidFill>
-                <a:latin typeface="Courier New" panose="02070309020205020404" pitchFamily="49" charset="0"/>
-                <a:cs typeface="Courier New" panose="02070309020205020404" pitchFamily="49" charset="0"/>
-              </a:rPr>
-              <a:t>.compareTo(</a:t>
-            </a:r>
-            <a:r>
-              <a:rPr lang="en-US" altLang="en-US" sz="5600" b="1" i="1">
-                <a:solidFill>
-                  <a:srgbClr val="660E7A"/>
-                </a:solidFill>
-                <a:latin typeface="Courier New" panose="02070309020205020404" pitchFamily="49" charset="0"/>
-                <a:cs typeface="Courier New" panose="02070309020205020404" pitchFamily="49" charset="0"/>
-              </a:rPr>
-              <a:t>BOOMEND</a:t>
-            </a:r>
-            <a:r>
-              <a:rPr lang="en-US" altLang="en-US" sz="5600">
-                <a:solidFill>
-                  <a:srgbClr val="000000"/>
-                </a:solidFill>
-                <a:latin typeface="Courier New" panose="02070309020205020404" pitchFamily="49" charset="0"/>
-                <a:cs typeface="Courier New" panose="02070309020205020404" pitchFamily="49" charset="0"/>
-              </a:rPr>
-              <a:t>) &lt; </a:t>
-            </a:r>
-            <a:r>
-              <a:rPr lang="en-US" altLang="en-US" sz="5600">
-                <a:solidFill>
-                  <a:srgbClr val="0000FF"/>
-                </a:solidFill>
-                <a:latin typeface="Courier New" panose="02070309020205020404" pitchFamily="49" charset="0"/>
-                <a:cs typeface="Courier New" panose="02070309020205020404" pitchFamily="49" charset="0"/>
-              </a:rPr>
-              <a:t>0</a:t>
-            </a:r>
-            <a:r>
-              <a:rPr lang="en-US" altLang="en-US" sz="5600">
-                <a:solidFill>
-                  <a:srgbClr val="000000"/>
-                </a:solidFill>
-                <a:latin typeface="Courier New" panose="02070309020205020404" pitchFamily="49" charset="0"/>
-                <a:cs typeface="Courier New" panose="02070309020205020404" pitchFamily="49" charset="0"/>
-              </a:rPr>
-              <a:t>);</a:t>
-            </a:r>
-            <a:br>
-              <a:rPr lang="en-US" altLang="en-US" sz="5600">
-                <a:solidFill>
-                  <a:srgbClr val="000000"/>
-                </a:solidFill>
-                <a:latin typeface="Courier New" panose="02070309020205020404" pitchFamily="49" charset="0"/>
-                <a:cs typeface="Courier New" panose="02070309020205020404" pitchFamily="49" charset="0"/>
-              </a:rPr>
-            </a:br>
-            <a:r>
-              <a:rPr lang="en-US" altLang="en-US" sz="5600">
-                <a:solidFill>
-                  <a:srgbClr val="000000"/>
-                </a:solidFill>
-                <a:latin typeface="Courier New" panose="02070309020205020404" pitchFamily="49" charset="0"/>
-                <a:cs typeface="Courier New" panose="02070309020205020404" pitchFamily="49" charset="0"/>
-              </a:rPr>
-              <a:t>    }</a:t>
-            </a:r>
-            <a:br>
-              <a:rPr lang="en-US" altLang="en-US" sz="5600">
-                <a:solidFill>
-                  <a:srgbClr val="000000"/>
-                </a:solidFill>
-                <a:latin typeface="Courier New" panose="02070309020205020404" pitchFamily="49" charset="0"/>
-                <a:cs typeface="Courier New" panose="02070309020205020404" pitchFamily="49" charset="0"/>
-              </a:rPr>
-            </a:br>
-            <a:r>
-              <a:rPr lang="en-US" altLang="en-US" sz="5600">
-                <a:solidFill>
-                  <a:srgbClr val="000000"/>
-                </a:solidFill>
-                <a:latin typeface="Courier New" panose="02070309020205020404" pitchFamily="49" charset="0"/>
-                <a:cs typeface="Courier New" panose="02070309020205020404" pitchFamily="49" charset="0"/>
-              </a:rPr>
-              <a:t>}</a:t>
-            </a:r>
-            <a:endParaRPr lang="en-US" altLang="en-US" sz="5600">
-              <a:solidFill>
-                <a:schemeClr val="tx1"/>
-              </a:solidFill>
-              <a:latin typeface="Arial" panose="020B0604020202020204" pitchFamily="34" charset="0"/>
-            </a:endParaRPr>
-          </a:p>
-          <a:p>
-            <a:pPr marL="0" indent="0">
-              <a:buNone/>
-            </a:pPr>
-            <a:endParaRPr lang="en-US"/>
-          </a:p>
-        </p:txBody>
-      </p:sp>
-      <p:sp>
-        <p:nvSpPr>
-          <p:cNvPr id="4" name="Title 1"/>
+          <p:cNvPr id="6" name="Title 1"/>
           <p:cNvSpPr>
             <a:spLocks noGrp="1"/>
           </p:cNvSpPr>
@@ -9257,10 +8438,788 @@
           </a:p>
         </p:txBody>
       </p:sp>
+      <p:sp>
+        <p:nvSpPr>
+          <p:cNvPr id="8" name="Content Placeholder 7"/>
+          <p:cNvSpPr>
+            <a:spLocks noGrp="1"/>
+          </p:cNvSpPr>
+          <p:nvPr>
+            <p:ph idx="1"/>
+          </p:nvPr>
+        </p:nvSpPr>
+        <p:spPr>
+          <a:xfrm>
+            <a:off x="1176865" y="2490136"/>
+            <a:ext cx="7428120" cy="3102142"/>
+          </a:xfrm>
+        </p:spPr>
+        <p:txBody>
+          <a:bodyPr>
+            <a:normAutofit fontScale="70000" lnSpcReduction="20000"/>
+          </a:bodyPr>
+          <a:lstStyle/>
+          <a:p>
+            <a:pPr marL="0" indent="0">
+              <a:buNone/>
+            </a:pPr>
+            <a:r>
+              <a:rPr lang="en-US" smtClean="0"/>
+              <a:t>+ Ex2:</a:t>
+            </a:r>
+          </a:p>
+          <a:p>
+            <a:pPr marL="0" lvl="0" indent="0">
+              <a:buNone/>
+            </a:pPr>
+            <a:r>
+              <a:rPr lang="en-US" altLang="en-US" sz="2100" b="1" smtClean="0">
+                <a:solidFill>
+                  <a:srgbClr val="000080"/>
+                </a:solidFill>
+                <a:latin typeface="Courier New" panose="02070309020205020404" pitchFamily="49" charset="0"/>
+                <a:cs typeface="Courier New" panose="02070309020205020404" pitchFamily="49" charset="0"/>
+              </a:rPr>
+              <a:t>class </a:t>
+            </a:r>
+            <a:r>
+              <a:rPr lang="en-US" altLang="en-US" sz="2100">
+                <a:solidFill>
+                  <a:srgbClr val="000000"/>
+                </a:solidFill>
+                <a:latin typeface="Courier New" panose="02070309020205020404" pitchFamily="49" charset="0"/>
+                <a:cs typeface="Courier New" panose="02070309020205020404" pitchFamily="49" charset="0"/>
+              </a:rPr>
+              <a:t>Person1{</a:t>
+            </a:r>
+            <a:br>
+              <a:rPr lang="en-US" altLang="en-US" sz="2100">
+                <a:solidFill>
+                  <a:srgbClr val="000000"/>
+                </a:solidFill>
+                <a:latin typeface="Courier New" panose="02070309020205020404" pitchFamily="49" charset="0"/>
+                <a:cs typeface="Courier New" panose="02070309020205020404" pitchFamily="49" charset="0"/>
+              </a:rPr>
+            </a:br>
+            <a:r>
+              <a:rPr lang="en-US" altLang="en-US" sz="2100">
+                <a:solidFill>
+                  <a:srgbClr val="000000"/>
+                </a:solidFill>
+                <a:latin typeface="Courier New" panose="02070309020205020404" pitchFamily="49" charset="0"/>
+                <a:cs typeface="Courier New" panose="02070309020205020404" pitchFamily="49" charset="0"/>
+              </a:rPr>
+              <a:t>    </a:t>
+            </a:r>
+            <a:r>
+              <a:rPr lang="en-US" altLang="en-US" sz="2100" b="1">
+                <a:solidFill>
+                  <a:srgbClr val="000080"/>
+                </a:solidFill>
+                <a:latin typeface="Courier New" panose="02070309020205020404" pitchFamily="49" charset="0"/>
+                <a:cs typeface="Courier New" panose="02070309020205020404" pitchFamily="49" charset="0"/>
+              </a:rPr>
+              <a:t>private </a:t>
+            </a:r>
+            <a:r>
+              <a:rPr lang="en-US" altLang="en-US" sz="2100">
+                <a:solidFill>
+                  <a:srgbClr val="000000"/>
+                </a:solidFill>
+                <a:latin typeface="Courier New" panose="02070309020205020404" pitchFamily="49" charset="0"/>
+                <a:cs typeface="Courier New" panose="02070309020205020404" pitchFamily="49" charset="0"/>
+              </a:rPr>
+              <a:t>Date </a:t>
+            </a:r>
+            <a:r>
+              <a:rPr lang="en-US" altLang="en-US" sz="2100" b="1">
+                <a:solidFill>
+                  <a:srgbClr val="660E7A"/>
+                </a:solidFill>
+                <a:latin typeface="Courier New" panose="02070309020205020404" pitchFamily="49" charset="0"/>
+                <a:cs typeface="Courier New" panose="02070309020205020404" pitchFamily="49" charset="0"/>
+              </a:rPr>
+              <a:t>birthDate </a:t>
+            </a:r>
+            <a:r>
+              <a:rPr lang="en-US" altLang="en-US" sz="2100" smtClean="0">
+                <a:solidFill>
+                  <a:srgbClr val="000000"/>
+                </a:solidFill>
+                <a:latin typeface="Courier New" panose="02070309020205020404" pitchFamily="49" charset="0"/>
+                <a:cs typeface="Courier New" panose="02070309020205020404" pitchFamily="49" charset="0"/>
+              </a:rPr>
+              <a:t>= null</a:t>
+            </a:r>
+            <a:r>
+              <a:rPr lang="en-US" altLang="en-US" sz="2100">
+                <a:solidFill>
+                  <a:srgbClr val="000000"/>
+                </a:solidFill>
+                <a:latin typeface="Courier New" panose="02070309020205020404" pitchFamily="49" charset="0"/>
+                <a:cs typeface="Courier New" panose="02070309020205020404" pitchFamily="49" charset="0"/>
+              </a:rPr>
+              <a:t/>
+            </a:r>
+            <a:br>
+              <a:rPr lang="en-US" altLang="en-US" sz="2100">
+                <a:solidFill>
+                  <a:srgbClr val="000000"/>
+                </a:solidFill>
+                <a:latin typeface="Courier New" panose="02070309020205020404" pitchFamily="49" charset="0"/>
+                <a:cs typeface="Courier New" panose="02070309020205020404" pitchFamily="49" charset="0"/>
+              </a:rPr>
+            </a:br>
+            <a:r>
+              <a:rPr lang="en-US" altLang="en-US" sz="2100">
+                <a:solidFill>
+                  <a:srgbClr val="000000"/>
+                </a:solidFill>
+                <a:latin typeface="Courier New" panose="02070309020205020404" pitchFamily="49" charset="0"/>
+                <a:cs typeface="Courier New" panose="02070309020205020404" pitchFamily="49" charset="0"/>
+              </a:rPr>
+              <a:t/>
+            </a:r>
+            <a:br>
+              <a:rPr lang="en-US" altLang="en-US" sz="2100">
+                <a:solidFill>
+                  <a:srgbClr val="000000"/>
+                </a:solidFill>
+                <a:latin typeface="Courier New" panose="02070309020205020404" pitchFamily="49" charset="0"/>
+                <a:cs typeface="Courier New" panose="02070309020205020404" pitchFamily="49" charset="0"/>
+              </a:rPr>
+            </a:br>
+            <a:r>
+              <a:rPr lang="en-US" altLang="en-US" sz="2100">
+                <a:solidFill>
+                  <a:srgbClr val="000000"/>
+                </a:solidFill>
+                <a:latin typeface="Courier New" panose="02070309020205020404" pitchFamily="49" charset="0"/>
+                <a:cs typeface="Courier New" panose="02070309020205020404" pitchFamily="49" charset="0"/>
+              </a:rPr>
+              <a:t>    </a:t>
+            </a:r>
+            <a:r>
+              <a:rPr lang="en-US" altLang="en-US" sz="2100" b="1">
+                <a:solidFill>
+                  <a:srgbClr val="000080"/>
+                </a:solidFill>
+                <a:latin typeface="Courier New" panose="02070309020205020404" pitchFamily="49" charset="0"/>
+                <a:cs typeface="Courier New" panose="02070309020205020404" pitchFamily="49" charset="0"/>
+              </a:rPr>
+              <a:t>public boolean </a:t>
+            </a:r>
+            <a:r>
+              <a:rPr lang="en-US" altLang="en-US" sz="2100">
+                <a:solidFill>
+                  <a:srgbClr val="000000"/>
+                </a:solidFill>
+                <a:latin typeface="Courier New" panose="02070309020205020404" pitchFamily="49" charset="0"/>
+                <a:cs typeface="Courier New" panose="02070309020205020404" pitchFamily="49" charset="0"/>
+              </a:rPr>
+              <a:t>isBabyBoomer(){</a:t>
+            </a:r>
+            <a:br>
+              <a:rPr lang="en-US" altLang="en-US" sz="2100">
+                <a:solidFill>
+                  <a:srgbClr val="000000"/>
+                </a:solidFill>
+                <a:latin typeface="Courier New" panose="02070309020205020404" pitchFamily="49" charset="0"/>
+                <a:cs typeface="Courier New" panose="02070309020205020404" pitchFamily="49" charset="0"/>
+              </a:rPr>
+            </a:br>
+            <a:r>
+              <a:rPr lang="en-US" altLang="en-US" sz="2100">
+                <a:solidFill>
+                  <a:srgbClr val="000000"/>
+                </a:solidFill>
+                <a:latin typeface="Courier New" panose="02070309020205020404" pitchFamily="49" charset="0"/>
+                <a:cs typeface="Courier New" panose="02070309020205020404" pitchFamily="49" charset="0"/>
+              </a:rPr>
+              <a:t>        Calendar gmtCal </a:t>
+            </a:r>
+            <a:r>
+              <a:rPr lang="en-US" altLang="en-US" sz="2100" smtClean="0">
+                <a:solidFill>
+                  <a:srgbClr val="000000"/>
+                </a:solidFill>
+                <a:latin typeface="Courier New" panose="02070309020205020404" pitchFamily="49" charset="0"/>
+                <a:cs typeface="Courier New" panose="02070309020205020404" pitchFamily="49" charset="0"/>
+              </a:rPr>
+              <a:t>= 												Calendar.</a:t>
+            </a:r>
+            <a:r>
+              <a:rPr lang="en-US" altLang="en-US" sz="2100" i="1" smtClean="0">
+                <a:solidFill>
+                  <a:srgbClr val="000000"/>
+                </a:solidFill>
+                <a:latin typeface="Courier New" panose="02070309020205020404" pitchFamily="49" charset="0"/>
+                <a:cs typeface="Courier New" panose="02070309020205020404" pitchFamily="49" charset="0"/>
+              </a:rPr>
+              <a:t>getInstance</a:t>
+            </a:r>
+            <a:r>
+              <a:rPr lang="en-US" altLang="en-US" sz="2100" smtClean="0">
+                <a:solidFill>
+                  <a:srgbClr val="000000"/>
+                </a:solidFill>
+                <a:latin typeface="Courier New" panose="02070309020205020404" pitchFamily="49" charset="0"/>
+                <a:cs typeface="Courier New" panose="02070309020205020404" pitchFamily="49" charset="0"/>
+              </a:rPr>
+              <a:t>(TimeZone.</a:t>
+            </a:r>
+            <a:r>
+              <a:rPr lang="en-US" altLang="en-US" sz="2100" i="1" smtClean="0">
+                <a:solidFill>
+                  <a:srgbClr val="000000"/>
+                </a:solidFill>
+                <a:latin typeface="Courier New" panose="02070309020205020404" pitchFamily="49" charset="0"/>
+                <a:cs typeface="Courier New" panose="02070309020205020404" pitchFamily="49" charset="0"/>
+              </a:rPr>
+              <a:t>getTimeZone</a:t>
+            </a:r>
+            <a:r>
+              <a:rPr lang="en-US" altLang="en-US" sz="2100">
+                <a:solidFill>
+                  <a:srgbClr val="000000"/>
+                </a:solidFill>
+                <a:latin typeface="Courier New" panose="02070309020205020404" pitchFamily="49" charset="0"/>
+                <a:cs typeface="Courier New" panose="02070309020205020404" pitchFamily="49" charset="0"/>
+              </a:rPr>
+              <a:t>(</a:t>
+            </a:r>
+            <a:r>
+              <a:rPr lang="en-US" altLang="en-US" sz="2100" b="1">
+                <a:solidFill>
+                  <a:srgbClr val="008000"/>
+                </a:solidFill>
+                <a:latin typeface="Courier New" panose="02070309020205020404" pitchFamily="49" charset="0"/>
+                <a:cs typeface="Courier New" panose="02070309020205020404" pitchFamily="49" charset="0"/>
+              </a:rPr>
+              <a:t>"GMT"</a:t>
+            </a:r>
+            <a:r>
+              <a:rPr lang="en-US" altLang="en-US" sz="2100">
+                <a:solidFill>
+                  <a:srgbClr val="000000"/>
+                </a:solidFill>
+                <a:latin typeface="Courier New" panose="02070309020205020404" pitchFamily="49" charset="0"/>
+                <a:cs typeface="Courier New" panose="02070309020205020404" pitchFamily="49" charset="0"/>
+              </a:rPr>
+              <a:t>));</a:t>
+            </a:r>
+            <a:br>
+              <a:rPr lang="en-US" altLang="en-US" sz="2100">
+                <a:solidFill>
+                  <a:srgbClr val="000000"/>
+                </a:solidFill>
+                <a:latin typeface="Courier New" panose="02070309020205020404" pitchFamily="49" charset="0"/>
+                <a:cs typeface="Courier New" panose="02070309020205020404" pitchFamily="49" charset="0"/>
+              </a:rPr>
+            </a:br>
+            <a:r>
+              <a:rPr lang="en-US" altLang="en-US" sz="2100">
+                <a:solidFill>
+                  <a:srgbClr val="000000"/>
+                </a:solidFill>
+                <a:latin typeface="Courier New" panose="02070309020205020404" pitchFamily="49" charset="0"/>
+                <a:cs typeface="Courier New" panose="02070309020205020404" pitchFamily="49" charset="0"/>
+              </a:rPr>
+              <a:t>        gmtCal.set(</a:t>
+            </a:r>
+            <a:r>
+              <a:rPr lang="en-US" altLang="en-US" sz="2100">
+                <a:solidFill>
+                  <a:srgbClr val="0000FF"/>
+                </a:solidFill>
+                <a:latin typeface="Courier New" panose="02070309020205020404" pitchFamily="49" charset="0"/>
+                <a:cs typeface="Courier New" panose="02070309020205020404" pitchFamily="49" charset="0"/>
+              </a:rPr>
+              <a:t>3900</a:t>
+            </a:r>
+            <a:r>
+              <a:rPr lang="en-US" altLang="en-US" sz="2100">
+                <a:solidFill>
+                  <a:srgbClr val="000000"/>
+                </a:solidFill>
+                <a:latin typeface="Courier New" panose="02070309020205020404" pitchFamily="49" charset="0"/>
+                <a:cs typeface="Courier New" panose="02070309020205020404" pitchFamily="49" charset="0"/>
+              </a:rPr>
+              <a:t>, Calendar.</a:t>
+            </a:r>
+            <a:r>
+              <a:rPr lang="en-US" altLang="en-US" sz="2100" b="1" i="1">
+                <a:solidFill>
+                  <a:srgbClr val="660E7A"/>
+                </a:solidFill>
+                <a:latin typeface="Courier New" panose="02070309020205020404" pitchFamily="49" charset="0"/>
+                <a:cs typeface="Courier New" panose="02070309020205020404" pitchFamily="49" charset="0"/>
+              </a:rPr>
+              <a:t>JANUARY</a:t>
+            </a:r>
+            <a:r>
+              <a:rPr lang="en-US" altLang="en-US" sz="2100">
+                <a:solidFill>
+                  <a:srgbClr val="000000"/>
+                </a:solidFill>
+                <a:latin typeface="Courier New" panose="02070309020205020404" pitchFamily="49" charset="0"/>
+                <a:cs typeface="Courier New" panose="02070309020205020404" pitchFamily="49" charset="0"/>
+              </a:rPr>
+              <a:t>, </a:t>
+            </a:r>
+            <a:r>
+              <a:rPr lang="en-US" altLang="en-US" sz="2100">
+                <a:solidFill>
+                  <a:srgbClr val="0000FF"/>
+                </a:solidFill>
+                <a:latin typeface="Courier New" panose="02070309020205020404" pitchFamily="49" charset="0"/>
+                <a:cs typeface="Courier New" panose="02070309020205020404" pitchFamily="49" charset="0"/>
+              </a:rPr>
+              <a:t>1</a:t>
+            </a:r>
+            <a:r>
+              <a:rPr lang="en-US" altLang="en-US" sz="2100">
+                <a:solidFill>
+                  <a:srgbClr val="000000"/>
+                </a:solidFill>
+                <a:latin typeface="Courier New" panose="02070309020205020404" pitchFamily="49" charset="0"/>
+                <a:cs typeface="Courier New" panose="02070309020205020404" pitchFamily="49" charset="0"/>
+              </a:rPr>
+              <a:t>, </a:t>
+            </a:r>
+            <a:r>
+              <a:rPr lang="en-US" altLang="en-US" sz="2100">
+                <a:solidFill>
+                  <a:srgbClr val="0000FF"/>
+                </a:solidFill>
+                <a:latin typeface="Courier New" panose="02070309020205020404" pitchFamily="49" charset="0"/>
+                <a:cs typeface="Courier New" panose="02070309020205020404" pitchFamily="49" charset="0"/>
+              </a:rPr>
+              <a:t>0</a:t>
+            </a:r>
+            <a:r>
+              <a:rPr lang="en-US" altLang="en-US" sz="2100">
+                <a:solidFill>
+                  <a:srgbClr val="000000"/>
+                </a:solidFill>
+                <a:latin typeface="Courier New" panose="02070309020205020404" pitchFamily="49" charset="0"/>
+                <a:cs typeface="Courier New" panose="02070309020205020404" pitchFamily="49" charset="0"/>
+              </a:rPr>
+              <a:t>, </a:t>
+            </a:r>
+            <a:r>
+              <a:rPr lang="en-US" altLang="en-US" sz="2100">
+                <a:solidFill>
+                  <a:srgbClr val="0000FF"/>
+                </a:solidFill>
+                <a:latin typeface="Courier New" panose="02070309020205020404" pitchFamily="49" charset="0"/>
+                <a:cs typeface="Courier New" panose="02070309020205020404" pitchFamily="49" charset="0"/>
+              </a:rPr>
+              <a:t>0</a:t>
+            </a:r>
+            <a:r>
+              <a:rPr lang="en-US" altLang="en-US" sz="2100">
+                <a:solidFill>
+                  <a:srgbClr val="000000"/>
+                </a:solidFill>
+                <a:latin typeface="Courier New" panose="02070309020205020404" pitchFamily="49" charset="0"/>
+                <a:cs typeface="Courier New" panose="02070309020205020404" pitchFamily="49" charset="0"/>
+              </a:rPr>
+              <a:t>, </a:t>
+            </a:r>
+            <a:r>
+              <a:rPr lang="en-US" altLang="en-US" sz="2100">
+                <a:solidFill>
+                  <a:srgbClr val="0000FF"/>
+                </a:solidFill>
+                <a:latin typeface="Courier New" panose="02070309020205020404" pitchFamily="49" charset="0"/>
+                <a:cs typeface="Courier New" panose="02070309020205020404" pitchFamily="49" charset="0"/>
+              </a:rPr>
+              <a:t>0</a:t>
+            </a:r>
+            <a:r>
+              <a:rPr lang="en-US" altLang="en-US" sz="2100">
+                <a:solidFill>
+                  <a:srgbClr val="000000"/>
+                </a:solidFill>
+                <a:latin typeface="Courier New" panose="02070309020205020404" pitchFamily="49" charset="0"/>
+                <a:cs typeface="Courier New" panose="02070309020205020404" pitchFamily="49" charset="0"/>
+              </a:rPr>
+              <a:t>);</a:t>
+            </a:r>
+            <a:br>
+              <a:rPr lang="en-US" altLang="en-US" sz="2100">
+                <a:solidFill>
+                  <a:srgbClr val="000000"/>
+                </a:solidFill>
+                <a:latin typeface="Courier New" panose="02070309020205020404" pitchFamily="49" charset="0"/>
+                <a:cs typeface="Courier New" panose="02070309020205020404" pitchFamily="49" charset="0"/>
+              </a:rPr>
+            </a:br>
+            <a:r>
+              <a:rPr lang="en-US" altLang="en-US" sz="2100">
+                <a:solidFill>
+                  <a:srgbClr val="000000"/>
+                </a:solidFill>
+                <a:latin typeface="Courier New" panose="02070309020205020404" pitchFamily="49" charset="0"/>
+                <a:cs typeface="Courier New" panose="02070309020205020404" pitchFamily="49" charset="0"/>
+              </a:rPr>
+              <a:t>        Date boomStart = gmtCal.getTime();</a:t>
+            </a:r>
+            <a:br>
+              <a:rPr lang="en-US" altLang="en-US" sz="2100">
+                <a:solidFill>
+                  <a:srgbClr val="000000"/>
+                </a:solidFill>
+                <a:latin typeface="Courier New" panose="02070309020205020404" pitchFamily="49" charset="0"/>
+                <a:cs typeface="Courier New" panose="02070309020205020404" pitchFamily="49" charset="0"/>
+              </a:rPr>
+            </a:br>
+            <a:r>
+              <a:rPr lang="en-US" altLang="en-US" sz="2100">
+                <a:solidFill>
+                  <a:srgbClr val="000000"/>
+                </a:solidFill>
+                <a:latin typeface="Courier New" panose="02070309020205020404" pitchFamily="49" charset="0"/>
+                <a:cs typeface="Courier New" panose="02070309020205020404" pitchFamily="49" charset="0"/>
+              </a:rPr>
+              <a:t>        gmtCal.set(</a:t>
+            </a:r>
+            <a:r>
+              <a:rPr lang="en-US" altLang="en-US" sz="2100">
+                <a:solidFill>
+                  <a:srgbClr val="0000FF"/>
+                </a:solidFill>
+                <a:latin typeface="Courier New" panose="02070309020205020404" pitchFamily="49" charset="0"/>
+                <a:cs typeface="Courier New" panose="02070309020205020404" pitchFamily="49" charset="0"/>
+              </a:rPr>
+              <a:t>3920</a:t>
+            </a:r>
+            <a:r>
+              <a:rPr lang="en-US" altLang="en-US" sz="2100">
+                <a:solidFill>
+                  <a:srgbClr val="000000"/>
+                </a:solidFill>
+                <a:latin typeface="Courier New" panose="02070309020205020404" pitchFamily="49" charset="0"/>
+                <a:cs typeface="Courier New" panose="02070309020205020404" pitchFamily="49" charset="0"/>
+              </a:rPr>
+              <a:t>, Calendar.</a:t>
+            </a:r>
+            <a:r>
+              <a:rPr lang="en-US" altLang="en-US" sz="2100" b="1" i="1">
+                <a:solidFill>
+                  <a:srgbClr val="660E7A"/>
+                </a:solidFill>
+                <a:latin typeface="Courier New" panose="02070309020205020404" pitchFamily="49" charset="0"/>
+                <a:cs typeface="Courier New" panose="02070309020205020404" pitchFamily="49" charset="0"/>
+              </a:rPr>
+              <a:t>JANUARY</a:t>
+            </a:r>
+            <a:r>
+              <a:rPr lang="en-US" altLang="en-US" sz="2100">
+                <a:solidFill>
+                  <a:srgbClr val="000000"/>
+                </a:solidFill>
+                <a:latin typeface="Courier New" panose="02070309020205020404" pitchFamily="49" charset="0"/>
+                <a:cs typeface="Courier New" panose="02070309020205020404" pitchFamily="49" charset="0"/>
+              </a:rPr>
+              <a:t>, </a:t>
+            </a:r>
+            <a:r>
+              <a:rPr lang="en-US" altLang="en-US" sz="2100">
+                <a:solidFill>
+                  <a:srgbClr val="0000FF"/>
+                </a:solidFill>
+                <a:latin typeface="Courier New" panose="02070309020205020404" pitchFamily="49" charset="0"/>
+                <a:cs typeface="Courier New" panose="02070309020205020404" pitchFamily="49" charset="0"/>
+              </a:rPr>
+              <a:t>1</a:t>
+            </a:r>
+            <a:r>
+              <a:rPr lang="en-US" altLang="en-US" sz="2100">
+                <a:solidFill>
+                  <a:srgbClr val="000000"/>
+                </a:solidFill>
+                <a:latin typeface="Courier New" panose="02070309020205020404" pitchFamily="49" charset="0"/>
+                <a:cs typeface="Courier New" panose="02070309020205020404" pitchFamily="49" charset="0"/>
+              </a:rPr>
+              <a:t>, </a:t>
+            </a:r>
+            <a:r>
+              <a:rPr lang="en-US" altLang="en-US" sz="2100">
+                <a:solidFill>
+                  <a:srgbClr val="0000FF"/>
+                </a:solidFill>
+                <a:latin typeface="Courier New" panose="02070309020205020404" pitchFamily="49" charset="0"/>
+                <a:cs typeface="Courier New" panose="02070309020205020404" pitchFamily="49" charset="0"/>
+              </a:rPr>
+              <a:t>0</a:t>
+            </a:r>
+            <a:r>
+              <a:rPr lang="en-US" altLang="en-US" sz="2100">
+                <a:solidFill>
+                  <a:srgbClr val="000000"/>
+                </a:solidFill>
+                <a:latin typeface="Courier New" panose="02070309020205020404" pitchFamily="49" charset="0"/>
+                <a:cs typeface="Courier New" panose="02070309020205020404" pitchFamily="49" charset="0"/>
+              </a:rPr>
+              <a:t>, </a:t>
+            </a:r>
+            <a:r>
+              <a:rPr lang="en-US" altLang="en-US" sz="2100">
+                <a:solidFill>
+                  <a:srgbClr val="0000FF"/>
+                </a:solidFill>
+                <a:latin typeface="Courier New" panose="02070309020205020404" pitchFamily="49" charset="0"/>
+                <a:cs typeface="Courier New" panose="02070309020205020404" pitchFamily="49" charset="0"/>
+              </a:rPr>
+              <a:t>0</a:t>
+            </a:r>
+            <a:r>
+              <a:rPr lang="en-US" altLang="en-US" sz="2100">
+                <a:solidFill>
+                  <a:srgbClr val="000000"/>
+                </a:solidFill>
+                <a:latin typeface="Courier New" panose="02070309020205020404" pitchFamily="49" charset="0"/>
+                <a:cs typeface="Courier New" panose="02070309020205020404" pitchFamily="49" charset="0"/>
+              </a:rPr>
+              <a:t>, </a:t>
+            </a:r>
+            <a:r>
+              <a:rPr lang="en-US" altLang="en-US" sz="2100">
+                <a:solidFill>
+                  <a:srgbClr val="0000FF"/>
+                </a:solidFill>
+                <a:latin typeface="Courier New" panose="02070309020205020404" pitchFamily="49" charset="0"/>
+                <a:cs typeface="Courier New" panose="02070309020205020404" pitchFamily="49" charset="0"/>
+              </a:rPr>
+              <a:t>0</a:t>
+            </a:r>
+            <a:r>
+              <a:rPr lang="en-US" altLang="en-US" sz="2100">
+                <a:solidFill>
+                  <a:srgbClr val="000000"/>
+                </a:solidFill>
+                <a:latin typeface="Courier New" panose="02070309020205020404" pitchFamily="49" charset="0"/>
+                <a:cs typeface="Courier New" panose="02070309020205020404" pitchFamily="49" charset="0"/>
+              </a:rPr>
+              <a:t>);</a:t>
+            </a:r>
+            <a:br>
+              <a:rPr lang="en-US" altLang="en-US" sz="2100">
+                <a:solidFill>
+                  <a:srgbClr val="000000"/>
+                </a:solidFill>
+                <a:latin typeface="Courier New" panose="02070309020205020404" pitchFamily="49" charset="0"/>
+                <a:cs typeface="Courier New" panose="02070309020205020404" pitchFamily="49" charset="0"/>
+              </a:rPr>
+            </a:br>
+            <a:r>
+              <a:rPr lang="en-US" altLang="en-US" sz="2100">
+                <a:solidFill>
+                  <a:srgbClr val="000000"/>
+                </a:solidFill>
+                <a:latin typeface="Courier New" panose="02070309020205020404" pitchFamily="49" charset="0"/>
+                <a:cs typeface="Courier New" panose="02070309020205020404" pitchFamily="49" charset="0"/>
+              </a:rPr>
+              <a:t>        Date boomEnd = gmtCal.getTime();</a:t>
+            </a:r>
+            <a:br>
+              <a:rPr lang="en-US" altLang="en-US" sz="2100">
+                <a:solidFill>
+                  <a:srgbClr val="000000"/>
+                </a:solidFill>
+                <a:latin typeface="Courier New" panose="02070309020205020404" pitchFamily="49" charset="0"/>
+                <a:cs typeface="Courier New" panose="02070309020205020404" pitchFamily="49" charset="0"/>
+              </a:rPr>
+            </a:br>
+            <a:r>
+              <a:rPr lang="en-US" altLang="en-US" sz="2100">
+                <a:solidFill>
+                  <a:srgbClr val="000000"/>
+                </a:solidFill>
+                <a:latin typeface="Courier New" panose="02070309020205020404" pitchFamily="49" charset="0"/>
+                <a:cs typeface="Courier New" panose="02070309020205020404" pitchFamily="49" charset="0"/>
+              </a:rPr>
+              <a:t>        </a:t>
+            </a:r>
+            <a:r>
+              <a:rPr lang="en-US" altLang="en-US" sz="2100" b="1">
+                <a:solidFill>
+                  <a:srgbClr val="000080"/>
+                </a:solidFill>
+                <a:latin typeface="Courier New" panose="02070309020205020404" pitchFamily="49" charset="0"/>
+                <a:cs typeface="Courier New" panose="02070309020205020404" pitchFamily="49" charset="0"/>
+              </a:rPr>
+              <a:t>return </a:t>
+            </a:r>
+            <a:r>
+              <a:rPr lang="en-US" altLang="en-US" sz="2100" b="1" smtClean="0">
+                <a:solidFill>
+                  <a:srgbClr val="000080"/>
+                </a:solidFill>
+                <a:latin typeface="Courier New" panose="02070309020205020404" pitchFamily="49" charset="0"/>
+                <a:cs typeface="Courier New" panose="02070309020205020404" pitchFamily="49" charset="0"/>
+              </a:rPr>
+              <a:t>	</a:t>
+            </a:r>
+            <a:r>
+              <a:rPr lang="en-US" altLang="en-US" sz="2100" smtClean="0">
+                <a:solidFill>
+                  <a:srgbClr val="000000"/>
+                </a:solidFill>
+                <a:latin typeface="Courier New" panose="02070309020205020404" pitchFamily="49" charset="0"/>
+                <a:cs typeface="Courier New" panose="02070309020205020404" pitchFamily="49" charset="0"/>
+              </a:rPr>
+              <a:t>(</a:t>
+            </a:r>
+            <a:r>
+              <a:rPr lang="en-US" altLang="en-US" sz="2100" b="1">
+                <a:solidFill>
+                  <a:srgbClr val="660E7A"/>
+                </a:solidFill>
+                <a:latin typeface="Courier New" panose="02070309020205020404" pitchFamily="49" charset="0"/>
+                <a:cs typeface="Courier New" panose="02070309020205020404" pitchFamily="49" charset="0"/>
+              </a:rPr>
+              <a:t>birthDate</a:t>
+            </a:r>
+            <a:r>
+              <a:rPr lang="en-US" altLang="en-US" sz="2100">
+                <a:solidFill>
+                  <a:srgbClr val="000000"/>
+                </a:solidFill>
+                <a:latin typeface="Courier New" panose="02070309020205020404" pitchFamily="49" charset="0"/>
+                <a:cs typeface="Courier New" panose="02070309020205020404" pitchFamily="49" charset="0"/>
+              </a:rPr>
+              <a:t>.compareTo(boomStart) &gt;= </a:t>
+            </a:r>
+            <a:r>
+              <a:rPr lang="en-US" altLang="en-US" sz="2100">
+                <a:solidFill>
+                  <a:srgbClr val="0000FF"/>
+                </a:solidFill>
+                <a:latin typeface="Courier New" panose="02070309020205020404" pitchFamily="49" charset="0"/>
+                <a:cs typeface="Courier New" panose="02070309020205020404" pitchFamily="49" charset="0"/>
+              </a:rPr>
+              <a:t>0</a:t>
+            </a:r>
+            <a:r>
+              <a:rPr lang="en-US" altLang="en-US" sz="2100">
+                <a:solidFill>
+                  <a:srgbClr val="000000"/>
+                </a:solidFill>
+                <a:latin typeface="Courier New" panose="02070309020205020404" pitchFamily="49" charset="0"/>
+                <a:cs typeface="Courier New" panose="02070309020205020404" pitchFamily="49" charset="0"/>
+              </a:rPr>
+              <a:t>) &amp;&amp; </a:t>
+            </a:r>
+            <a:r>
+              <a:rPr lang="en-US" altLang="en-US" sz="2100" smtClean="0">
+                <a:solidFill>
+                  <a:srgbClr val="000000"/>
+                </a:solidFill>
+                <a:latin typeface="Courier New" panose="02070309020205020404" pitchFamily="49" charset="0"/>
+                <a:cs typeface="Courier New" panose="02070309020205020404" pitchFamily="49" charset="0"/>
+              </a:rPr>
+              <a:t>					(</a:t>
+            </a:r>
+            <a:r>
+              <a:rPr lang="en-US" altLang="en-US" sz="2100" b="1">
+                <a:solidFill>
+                  <a:srgbClr val="660E7A"/>
+                </a:solidFill>
+                <a:latin typeface="Courier New" panose="02070309020205020404" pitchFamily="49" charset="0"/>
+                <a:cs typeface="Courier New" panose="02070309020205020404" pitchFamily="49" charset="0"/>
+              </a:rPr>
+              <a:t>birthDate</a:t>
+            </a:r>
+            <a:r>
+              <a:rPr lang="en-US" altLang="en-US" sz="2100">
+                <a:solidFill>
+                  <a:srgbClr val="000000"/>
+                </a:solidFill>
+                <a:latin typeface="Courier New" panose="02070309020205020404" pitchFamily="49" charset="0"/>
+                <a:cs typeface="Courier New" panose="02070309020205020404" pitchFamily="49" charset="0"/>
+              </a:rPr>
+              <a:t>.compareTo(boomEnd) &lt; </a:t>
+            </a:r>
+            <a:r>
+              <a:rPr lang="en-US" altLang="en-US" sz="2100">
+                <a:solidFill>
+                  <a:srgbClr val="0000FF"/>
+                </a:solidFill>
+                <a:latin typeface="Courier New" panose="02070309020205020404" pitchFamily="49" charset="0"/>
+                <a:cs typeface="Courier New" panose="02070309020205020404" pitchFamily="49" charset="0"/>
+              </a:rPr>
+              <a:t>0</a:t>
+            </a:r>
+            <a:r>
+              <a:rPr lang="en-US" altLang="en-US" sz="2100">
+                <a:solidFill>
+                  <a:srgbClr val="000000"/>
+                </a:solidFill>
+                <a:latin typeface="Courier New" panose="02070309020205020404" pitchFamily="49" charset="0"/>
+                <a:cs typeface="Courier New" panose="02070309020205020404" pitchFamily="49" charset="0"/>
+              </a:rPr>
+              <a:t>);</a:t>
+            </a:r>
+            <a:br>
+              <a:rPr lang="en-US" altLang="en-US" sz="2100">
+                <a:solidFill>
+                  <a:srgbClr val="000000"/>
+                </a:solidFill>
+                <a:latin typeface="Courier New" panose="02070309020205020404" pitchFamily="49" charset="0"/>
+                <a:cs typeface="Courier New" panose="02070309020205020404" pitchFamily="49" charset="0"/>
+              </a:rPr>
+            </a:br>
+            <a:r>
+              <a:rPr lang="en-US" altLang="en-US" sz="2100">
+                <a:solidFill>
+                  <a:srgbClr val="000000"/>
+                </a:solidFill>
+                <a:latin typeface="Courier New" panose="02070309020205020404" pitchFamily="49" charset="0"/>
+                <a:cs typeface="Courier New" panose="02070309020205020404" pitchFamily="49" charset="0"/>
+              </a:rPr>
+              <a:t>    }</a:t>
+            </a:r>
+            <a:br>
+              <a:rPr lang="en-US" altLang="en-US" sz="2100">
+                <a:solidFill>
+                  <a:srgbClr val="000000"/>
+                </a:solidFill>
+                <a:latin typeface="Courier New" panose="02070309020205020404" pitchFamily="49" charset="0"/>
+                <a:cs typeface="Courier New" panose="02070309020205020404" pitchFamily="49" charset="0"/>
+              </a:rPr>
+            </a:br>
+            <a:r>
+              <a:rPr lang="en-US" altLang="en-US" sz="2100">
+                <a:solidFill>
+                  <a:srgbClr val="000000"/>
+                </a:solidFill>
+                <a:latin typeface="Courier New" panose="02070309020205020404" pitchFamily="49" charset="0"/>
+                <a:cs typeface="Courier New" panose="02070309020205020404" pitchFamily="49" charset="0"/>
+              </a:rPr>
+              <a:t>}</a:t>
+            </a:r>
+            <a:endParaRPr lang="en-US" altLang="en-US" sz="2100">
+              <a:solidFill>
+                <a:schemeClr val="tx1"/>
+              </a:solidFill>
+              <a:latin typeface="Arial" panose="020B0604020202020204" pitchFamily="34" charset="0"/>
+            </a:endParaRPr>
+          </a:p>
+          <a:p>
+            <a:pPr marL="0" indent="0">
+              <a:buNone/>
+            </a:pPr>
+            <a:endParaRPr lang="en-US" b="1"/>
+          </a:p>
+        </p:txBody>
+      </p:sp>
     </p:spTree>
     <p:extLst>
       <p:ext uri="{BB962C8B-B14F-4D97-AF65-F5344CB8AC3E}">
-        <p14:creationId xmlns:p14="http://schemas.microsoft.com/office/powerpoint/2010/main" val="859885415"/>
+        <p14:creationId xmlns:p14="http://schemas.microsoft.com/office/powerpoint/2010/main" val="2566103996"/>
       </p:ext>
     </p:extLst>
   </p:cSld>
@@ -9304,129 +9263,1056 @@
             <p:ph idx="1"/>
           </p:nvPr>
         </p:nvSpPr>
-        <p:spPr/>
+        <p:spPr>
+          <a:xfrm>
+            <a:off x="1176865" y="2490135"/>
+            <a:ext cx="7524373" cy="3444997"/>
+          </a:xfrm>
+        </p:spPr>
         <p:txBody>
           <a:bodyPr>
-            <a:normAutofit lnSpcReduction="10000"/>
+            <a:normAutofit fontScale="25000" lnSpcReduction="20000"/>
           </a:bodyPr>
           <a:lstStyle/>
           <a:p>
-            <a:r>
-              <a:rPr lang="en-US" sz="2000">
-                <a:latin typeface="Arial" panose="020B0604020202020204" pitchFamily="34" charset="0"/>
-                <a:cs typeface="Arial" panose="020B0604020202020204" pitchFamily="34" charset="0"/>
-              </a:rPr>
-              <a:t>Priority use </a:t>
-            </a:r>
-            <a:r>
-              <a:rPr lang="en-US" sz="2000" smtClean="0">
-                <a:latin typeface="Arial" panose="020B0604020202020204" pitchFamily="34" charset="0"/>
-                <a:cs typeface="Arial" panose="020B0604020202020204" pitchFamily="34" charset="0"/>
-              </a:rPr>
-              <a:t>primitive </a:t>
-            </a:r>
-            <a:r>
-              <a:rPr lang="en-US" sz="2000">
-                <a:latin typeface="Arial" panose="020B0604020202020204" pitchFamily="34" charset="0"/>
-                <a:cs typeface="Arial" panose="020B0604020202020204" pitchFamily="34" charset="0"/>
-              </a:rPr>
-              <a:t>data types for </a:t>
-            </a:r>
-            <a:r>
-              <a:rPr lang="en-US" sz="2000" smtClean="0">
-                <a:latin typeface="Arial" panose="020B0604020202020204" pitchFamily="34" charset="0"/>
-                <a:cs typeface="Arial" panose="020B0604020202020204" pitchFamily="34" charset="0"/>
-              </a:rPr>
-              <a:t>the variables</a:t>
-            </a:r>
-          </a:p>
-          <a:p>
             <a:pPr marL="0" indent="0">
               <a:buNone/>
             </a:pPr>
             <a:r>
-              <a:rPr lang="en-US" sz="2000" smtClean="0"/>
-              <a:t>	public </a:t>
-            </a:r>
-            <a:r>
-              <a:rPr lang="en-US" sz="2000"/>
-              <a:t>static void main(String[] args) {</a:t>
-            </a:r>
+              <a:rPr lang="en-US" sz="4900">
+                <a:latin typeface="Arial" panose="020B0604020202020204" pitchFamily="34" charset="0"/>
+                <a:cs typeface="Arial" panose="020B0604020202020204" pitchFamily="34" charset="0"/>
+              </a:rPr>
+              <a:t>+ </a:t>
+            </a:r>
+            <a:r>
+              <a:rPr lang="en-US" sz="4900" smtClean="0">
+                <a:latin typeface="Arial" panose="020B0604020202020204" pitchFamily="34" charset="0"/>
+                <a:cs typeface="Arial" panose="020B0604020202020204" pitchFamily="34" charset="0"/>
+              </a:rPr>
+              <a:t>ex3: </a:t>
+            </a:r>
+          </a:p>
+          <a:p>
+            <a:pPr marL="0" lvl="0" indent="0">
+              <a:buNone/>
+            </a:pPr>
+            <a:r>
+              <a:rPr lang="en-US" altLang="en-US" sz="5600" b="1">
+                <a:solidFill>
+                  <a:srgbClr val="000080"/>
+                </a:solidFill>
+                <a:latin typeface="Courier New" panose="02070309020205020404" pitchFamily="49" charset="0"/>
+                <a:cs typeface="Courier New" panose="02070309020205020404" pitchFamily="49" charset="0"/>
+              </a:rPr>
+              <a:t>class </a:t>
+            </a:r>
+            <a:r>
+              <a:rPr lang="en-US" altLang="en-US" sz="5600">
+                <a:solidFill>
+                  <a:srgbClr val="000000"/>
+                </a:solidFill>
+                <a:latin typeface="Courier New" panose="02070309020205020404" pitchFamily="49" charset="0"/>
+                <a:cs typeface="Courier New" panose="02070309020205020404" pitchFamily="49" charset="0"/>
+              </a:rPr>
+              <a:t>Person2{</a:t>
+            </a:r>
+            <a:br>
+              <a:rPr lang="en-US" altLang="en-US" sz="5600">
+                <a:solidFill>
+                  <a:srgbClr val="000000"/>
+                </a:solidFill>
+                <a:latin typeface="Courier New" panose="02070309020205020404" pitchFamily="49" charset="0"/>
+                <a:cs typeface="Courier New" panose="02070309020205020404" pitchFamily="49" charset="0"/>
+              </a:rPr>
+            </a:br>
+            <a:r>
+              <a:rPr lang="en-US" altLang="en-US" sz="5600">
+                <a:solidFill>
+                  <a:srgbClr val="000000"/>
+                </a:solidFill>
+                <a:latin typeface="Courier New" panose="02070309020205020404" pitchFamily="49" charset="0"/>
+                <a:cs typeface="Courier New" panose="02070309020205020404" pitchFamily="49" charset="0"/>
+              </a:rPr>
+              <a:t>    </a:t>
+            </a:r>
+            <a:r>
+              <a:rPr lang="en-US" altLang="en-US" sz="5600" b="1">
+                <a:solidFill>
+                  <a:srgbClr val="000080"/>
+                </a:solidFill>
+                <a:latin typeface="Courier New" panose="02070309020205020404" pitchFamily="49" charset="0"/>
+                <a:cs typeface="Courier New" panose="02070309020205020404" pitchFamily="49" charset="0"/>
+              </a:rPr>
+              <a:t>private </a:t>
+            </a:r>
+            <a:r>
+              <a:rPr lang="en-US" altLang="en-US" sz="5600">
+                <a:solidFill>
+                  <a:srgbClr val="000000"/>
+                </a:solidFill>
+                <a:latin typeface="Courier New" panose="02070309020205020404" pitchFamily="49" charset="0"/>
+                <a:cs typeface="Courier New" panose="02070309020205020404" pitchFamily="49" charset="0"/>
+              </a:rPr>
+              <a:t>Date </a:t>
+            </a:r>
+            <a:r>
+              <a:rPr lang="en-US" altLang="en-US" sz="5600" b="1">
+                <a:solidFill>
+                  <a:srgbClr val="660E7A"/>
+                </a:solidFill>
+                <a:latin typeface="Courier New" panose="02070309020205020404" pitchFamily="49" charset="0"/>
+                <a:cs typeface="Courier New" panose="02070309020205020404" pitchFamily="49" charset="0"/>
+              </a:rPr>
+              <a:t>birthDate </a:t>
+            </a:r>
+            <a:r>
+              <a:rPr lang="en-US" altLang="en-US" sz="5600" smtClean="0">
+                <a:solidFill>
+                  <a:srgbClr val="000000"/>
+                </a:solidFill>
+                <a:latin typeface="Courier New" panose="02070309020205020404" pitchFamily="49" charset="0"/>
+                <a:cs typeface="Courier New" panose="02070309020205020404" pitchFamily="49" charset="0"/>
+              </a:rPr>
+              <a:t>= null;</a:t>
+            </a:r>
+            <a:r>
+              <a:rPr lang="en-US" altLang="en-US" sz="5600">
+                <a:solidFill>
+                  <a:srgbClr val="000000"/>
+                </a:solidFill>
+                <a:latin typeface="Courier New" panose="02070309020205020404" pitchFamily="49" charset="0"/>
+                <a:cs typeface="Courier New" panose="02070309020205020404" pitchFamily="49" charset="0"/>
+              </a:rPr>
+              <a:t/>
+            </a:r>
+            <a:br>
+              <a:rPr lang="en-US" altLang="en-US" sz="5600">
+                <a:solidFill>
+                  <a:srgbClr val="000000"/>
+                </a:solidFill>
+                <a:latin typeface="Courier New" panose="02070309020205020404" pitchFamily="49" charset="0"/>
+                <a:cs typeface="Courier New" panose="02070309020205020404" pitchFamily="49" charset="0"/>
+              </a:rPr>
+            </a:br>
+            <a:r>
+              <a:rPr lang="en-US" altLang="en-US" sz="5600">
+                <a:solidFill>
+                  <a:srgbClr val="000000"/>
+                </a:solidFill>
+                <a:latin typeface="Courier New" panose="02070309020205020404" pitchFamily="49" charset="0"/>
+                <a:cs typeface="Courier New" panose="02070309020205020404" pitchFamily="49" charset="0"/>
+              </a:rPr>
+              <a:t>    </a:t>
+            </a:r>
+            <a:r>
+              <a:rPr lang="en-US" altLang="en-US" sz="5600" b="1">
+                <a:solidFill>
+                  <a:srgbClr val="000080"/>
+                </a:solidFill>
+                <a:latin typeface="Courier New" panose="02070309020205020404" pitchFamily="49" charset="0"/>
+                <a:cs typeface="Courier New" panose="02070309020205020404" pitchFamily="49" charset="0"/>
+              </a:rPr>
+              <a:t>static final </a:t>
+            </a:r>
+            <a:r>
+              <a:rPr lang="en-US" altLang="en-US" sz="5600">
+                <a:solidFill>
+                  <a:srgbClr val="000000"/>
+                </a:solidFill>
+                <a:latin typeface="Courier New" panose="02070309020205020404" pitchFamily="49" charset="0"/>
+                <a:cs typeface="Courier New" panose="02070309020205020404" pitchFamily="49" charset="0"/>
+              </a:rPr>
+              <a:t>Date </a:t>
+            </a:r>
+            <a:r>
+              <a:rPr lang="en-US" altLang="en-US" sz="5600" b="1" i="1">
+                <a:solidFill>
+                  <a:srgbClr val="660E7A"/>
+                </a:solidFill>
+                <a:latin typeface="Courier New" panose="02070309020205020404" pitchFamily="49" charset="0"/>
+                <a:cs typeface="Courier New" panose="02070309020205020404" pitchFamily="49" charset="0"/>
+              </a:rPr>
+              <a:t>BOOMSTART</a:t>
+            </a:r>
+            <a:r>
+              <a:rPr lang="en-US" altLang="en-US" sz="5600">
+                <a:solidFill>
+                  <a:srgbClr val="000000"/>
+                </a:solidFill>
+                <a:latin typeface="Courier New" panose="02070309020205020404" pitchFamily="49" charset="0"/>
+                <a:cs typeface="Courier New" panose="02070309020205020404" pitchFamily="49" charset="0"/>
+              </a:rPr>
+              <a:t>;</a:t>
+            </a:r>
+            <a:br>
+              <a:rPr lang="en-US" altLang="en-US" sz="5600">
+                <a:solidFill>
+                  <a:srgbClr val="000000"/>
+                </a:solidFill>
+                <a:latin typeface="Courier New" panose="02070309020205020404" pitchFamily="49" charset="0"/>
+                <a:cs typeface="Courier New" panose="02070309020205020404" pitchFamily="49" charset="0"/>
+              </a:rPr>
+            </a:br>
+            <a:r>
+              <a:rPr lang="en-US" altLang="en-US" sz="5600">
+                <a:solidFill>
+                  <a:srgbClr val="000000"/>
+                </a:solidFill>
+                <a:latin typeface="Courier New" panose="02070309020205020404" pitchFamily="49" charset="0"/>
+                <a:cs typeface="Courier New" panose="02070309020205020404" pitchFamily="49" charset="0"/>
+              </a:rPr>
+              <a:t>    </a:t>
+            </a:r>
+            <a:r>
+              <a:rPr lang="en-US" altLang="en-US" sz="5600" b="1">
+                <a:solidFill>
+                  <a:srgbClr val="000080"/>
+                </a:solidFill>
+                <a:latin typeface="Courier New" panose="02070309020205020404" pitchFamily="49" charset="0"/>
+                <a:cs typeface="Courier New" panose="02070309020205020404" pitchFamily="49" charset="0"/>
+              </a:rPr>
+              <a:t>static final </a:t>
+            </a:r>
+            <a:r>
+              <a:rPr lang="en-US" altLang="en-US" sz="5600">
+                <a:solidFill>
+                  <a:srgbClr val="000000"/>
+                </a:solidFill>
+                <a:latin typeface="Courier New" panose="02070309020205020404" pitchFamily="49" charset="0"/>
+                <a:cs typeface="Courier New" panose="02070309020205020404" pitchFamily="49" charset="0"/>
+              </a:rPr>
+              <a:t>Date </a:t>
+            </a:r>
+            <a:r>
+              <a:rPr lang="en-US" altLang="en-US" sz="5600" b="1" i="1">
+                <a:solidFill>
+                  <a:srgbClr val="660E7A"/>
+                </a:solidFill>
+                <a:latin typeface="Courier New" panose="02070309020205020404" pitchFamily="49" charset="0"/>
+                <a:cs typeface="Courier New" panose="02070309020205020404" pitchFamily="49" charset="0"/>
+              </a:rPr>
+              <a:t>BOOMEND</a:t>
+            </a:r>
+            <a:r>
+              <a:rPr lang="en-US" altLang="en-US" sz="5600">
+                <a:solidFill>
+                  <a:srgbClr val="000000"/>
+                </a:solidFill>
+                <a:latin typeface="Courier New" panose="02070309020205020404" pitchFamily="49" charset="0"/>
+                <a:cs typeface="Courier New" panose="02070309020205020404" pitchFamily="49" charset="0"/>
+              </a:rPr>
+              <a:t>;</a:t>
+            </a:r>
+            <a:br>
+              <a:rPr lang="en-US" altLang="en-US" sz="5600">
+                <a:solidFill>
+                  <a:srgbClr val="000000"/>
+                </a:solidFill>
+                <a:latin typeface="Courier New" panose="02070309020205020404" pitchFamily="49" charset="0"/>
+                <a:cs typeface="Courier New" panose="02070309020205020404" pitchFamily="49" charset="0"/>
+              </a:rPr>
+            </a:br>
+            <a:r>
+              <a:rPr lang="en-US" altLang="en-US" sz="5600">
+                <a:solidFill>
+                  <a:srgbClr val="000000"/>
+                </a:solidFill>
+                <a:latin typeface="Courier New" panose="02070309020205020404" pitchFamily="49" charset="0"/>
+                <a:cs typeface="Courier New" panose="02070309020205020404" pitchFamily="49" charset="0"/>
+              </a:rPr>
+              <a:t/>
+            </a:r>
+            <a:br>
+              <a:rPr lang="en-US" altLang="en-US" sz="5600">
+                <a:solidFill>
+                  <a:srgbClr val="000000"/>
+                </a:solidFill>
+                <a:latin typeface="Courier New" panose="02070309020205020404" pitchFamily="49" charset="0"/>
+                <a:cs typeface="Courier New" panose="02070309020205020404" pitchFamily="49" charset="0"/>
+              </a:rPr>
+            </a:br>
+            <a:r>
+              <a:rPr lang="en-US" altLang="en-US" sz="5600">
+                <a:solidFill>
+                  <a:srgbClr val="000000"/>
+                </a:solidFill>
+                <a:latin typeface="Courier New" panose="02070309020205020404" pitchFamily="49" charset="0"/>
+                <a:cs typeface="Courier New" panose="02070309020205020404" pitchFamily="49" charset="0"/>
+              </a:rPr>
+              <a:t>    </a:t>
+            </a:r>
+            <a:r>
+              <a:rPr lang="en-US" altLang="en-US" sz="5600" b="1">
+                <a:solidFill>
+                  <a:srgbClr val="000080"/>
+                </a:solidFill>
+                <a:latin typeface="Courier New" panose="02070309020205020404" pitchFamily="49" charset="0"/>
+                <a:cs typeface="Courier New" panose="02070309020205020404" pitchFamily="49" charset="0"/>
+              </a:rPr>
+              <a:t>static </a:t>
+            </a:r>
+            <a:r>
+              <a:rPr lang="en-US" altLang="en-US" sz="5600">
+                <a:solidFill>
+                  <a:srgbClr val="000000"/>
+                </a:solidFill>
+                <a:latin typeface="Courier New" panose="02070309020205020404" pitchFamily="49" charset="0"/>
+                <a:cs typeface="Courier New" panose="02070309020205020404" pitchFamily="49" charset="0"/>
+              </a:rPr>
+              <a:t>{</a:t>
+            </a:r>
+            <a:br>
+              <a:rPr lang="en-US" altLang="en-US" sz="5600">
+                <a:solidFill>
+                  <a:srgbClr val="000000"/>
+                </a:solidFill>
+                <a:latin typeface="Courier New" panose="02070309020205020404" pitchFamily="49" charset="0"/>
+                <a:cs typeface="Courier New" panose="02070309020205020404" pitchFamily="49" charset="0"/>
+              </a:rPr>
+            </a:br>
+            <a:r>
+              <a:rPr lang="en-US" altLang="en-US" sz="5600">
+                <a:solidFill>
+                  <a:srgbClr val="000000"/>
+                </a:solidFill>
+                <a:latin typeface="Courier New" panose="02070309020205020404" pitchFamily="49" charset="0"/>
+                <a:cs typeface="Courier New" panose="02070309020205020404" pitchFamily="49" charset="0"/>
+              </a:rPr>
+              <a:t>        Calendar gmtCal = </a:t>
+            </a:r>
+            <a:r>
+              <a:rPr lang="en-US" altLang="en-US" sz="5600" smtClean="0">
+                <a:solidFill>
+                  <a:srgbClr val="000000"/>
+                </a:solidFill>
+                <a:latin typeface="Courier New" panose="02070309020205020404" pitchFamily="49" charset="0"/>
+                <a:cs typeface="Courier New" panose="02070309020205020404" pitchFamily="49" charset="0"/>
+              </a:rPr>
+              <a:t>				 										Calendar.</a:t>
+            </a:r>
+            <a:r>
+              <a:rPr lang="en-US" altLang="en-US" sz="5600" i="1" smtClean="0">
+                <a:solidFill>
+                  <a:srgbClr val="000000"/>
+                </a:solidFill>
+                <a:latin typeface="Courier New" panose="02070309020205020404" pitchFamily="49" charset="0"/>
+                <a:cs typeface="Courier New" panose="02070309020205020404" pitchFamily="49" charset="0"/>
+              </a:rPr>
+              <a:t>getInstance</a:t>
+            </a:r>
+            <a:r>
+              <a:rPr lang="en-US" altLang="en-US" sz="5600" smtClean="0">
+                <a:solidFill>
+                  <a:srgbClr val="000000"/>
+                </a:solidFill>
+                <a:latin typeface="Courier New" panose="02070309020205020404" pitchFamily="49" charset="0"/>
+                <a:cs typeface="Courier New" panose="02070309020205020404" pitchFamily="49" charset="0"/>
+              </a:rPr>
+              <a:t>(TimeZone.</a:t>
+            </a:r>
+            <a:r>
+              <a:rPr lang="en-US" altLang="en-US" sz="5600" i="1" smtClean="0">
+                <a:solidFill>
+                  <a:srgbClr val="000000"/>
+                </a:solidFill>
+                <a:latin typeface="Courier New" panose="02070309020205020404" pitchFamily="49" charset="0"/>
+                <a:cs typeface="Courier New" panose="02070309020205020404" pitchFamily="49" charset="0"/>
+              </a:rPr>
+              <a:t>getTimeZone</a:t>
+            </a:r>
+            <a:r>
+              <a:rPr lang="en-US" altLang="en-US" sz="5600">
+                <a:solidFill>
+                  <a:srgbClr val="000000"/>
+                </a:solidFill>
+                <a:latin typeface="Courier New" panose="02070309020205020404" pitchFamily="49" charset="0"/>
+                <a:cs typeface="Courier New" panose="02070309020205020404" pitchFamily="49" charset="0"/>
+              </a:rPr>
+              <a:t>(</a:t>
+            </a:r>
+            <a:r>
+              <a:rPr lang="en-US" altLang="en-US" sz="5600" b="1">
+                <a:solidFill>
+                  <a:srgbClr val="008000"/>
+                </a:solidFill>
+                <a:latin typeface="Courier New" panose="02070309020205020404" pitchFamily="49" charset="0"/>
+                <a:cs typeface="Courier New" panose="02070309020205020404" pitchFamily="49" charset="0"/>
+              </a:rPr>
+              <a:t>"GMT"</a:t>
+            </a:r>
+            <a:r>
+              <a:rPr lang="en-US" altLang="en-US" sz="5600">
+                <a:solidFill>
+                  <a:srgbClr val="000000"/>
+                </a:solidFill>
+                <a:latin typeface="Courier New" panose="02070309020205020404" pitchFamily="49" charset="0"/>
+                <a:cs typeface="Courier New" panose="02070309020205020404" pitchFamily="49" charset="0"/>
+              </a:rPr>
+              <a:t>));</a:t>
+            </a:r>
+            <a:br>
+              <a:rPr lang="en-US" altLang="en-US" sz="5600">
+                <a:solidFill>
+                  <a:srgbClr val="000000"/>
+                </a:solidFill>
+                <a:latin typeface="Courier New" panose="02070309020205020404" pitchFamily="49" charset="0"/>
+                <a:cs typeface="Courier New" panose="02070309020205020404" pitchFamily="49" charset="0"/>
+              </a:rPr>
+            </a:br>
+            <a:r>
+              <a:rPr lang="en-US" altLang="en-US" sz="5600">
+                <a:solidFill>
+                  <a:srgbClr val="000000"/>
+                </a:solidFill>
+                <a:latin typeface="Courier New" panose="02070309020205020404" pitchFamily="49" charset="0"/>
+                <a:cs typeface="Courier New" panose="02070309020205020404" pitchFamily="49" charset="0"/>
+              </a:rPr>
+              <a:t>        gmtCal.set(</a:t>
+            </a:r>
+            <a:r>
+              <a:rPr lang="en-US" altLang="en-US" sz="5600">
+                <a:solidFill>
+                  <a:srgbClr val="0000FF"/>
+                </a:solidFill>
+                <a:latin typeface="Courier New" panose="02070309020205020404" pitchFamily="49" charset="0"/>
+                <a:cs typeface="Courier New" panose="02070309020205020404" pitchFamily="49" charset="0"/>
+              </a:rPr>
+              <a:t>3900</a:t>
+            </a:r>
+            <a:r>
+              <a:rPr lang="en-US" altLang="en-US" sz="5600">
+                <a:solidFill>
+                  <a:srgbClr val="000000"/>
+                </a:solidFill>
+                <a:latin typeface="Courier New" panose="02070309020205020404" pitchFamily="49" charset="0"/>
+                <a:cs typeface="Courier New" panose="02070309020205020404" pitchFamily="49" charset="0"/>
+              </a:rPr>
+              <a:t>, Calendar.</a:t>
+            </a:r>
+            <a:r>
+              <a:rPr lang="en-US" altLang="en-US" sz="5600" b="1" i="1">
+                <a:solidFill>
+                  <a:srgbClr val="660E7A"/>
+                </a:solidFill>
+                <a:latin typeface="Courier New" panose="02070309020205020404" pitchFamily="49" charset="0"/>
+                <a:cs typeface="Courier New" panose="02070309020205020404" pitchFamily="49" charset="0"/>
+              </a:rPr>
+              <a:t>JANUARY</a:t>
+            </a:r>
+            <a:r>
+              <a:rPr lang="en-US" altLang="en-US" sz="5600">
+                <a:solidFill>
+                  <a:srgbClr val="000000"/>
+                </a:solidFill>
+                <a:latin typeface="Courier New" panose="02070309020205020404" pitchFamily="49" charset="0"/>
+                <a:cs typeface="Courier New" panose="02070309020205020404" pitchFamily="49" charset="0"/>
+              </a:rPr>
+              <a:t>, </a:t>
+            </a:r>
+            <a:r>
+              <a:rPr lang="en-US" altLang="en-US" sz="5600">
+                <a:solidFill>
+                  <a:srgbClr val="0000FF"/>
+                </a:solidFill>
+                <a:latin typeface="Courier New" panose="02070309020205020404" pitchFamily="49" charset="0"/>
+                <a:cs typeface="Courier New" panose="02070309020205020404" pitchFamily="49" charset="0"/>
+              </a:rPr>
+              <a:t>1</a:t>
+            </a:r>
+            <a:r>
+              <a:rPr lang="en-US" altLang="en-US" sz="5600">
+                <a:solidFill>
+                  <a:srgbClr val="000000"/>
+                </a:solidFill>
+                <a:latin typeface="Courier New" panose="02070309020205020404" pitchFamily="49" charset="0"/>
+                <a:cs typeface="Courier New" panose="02070309020205020404" pitchFamily="49" charset="0"/>
+              </a:rPr>
+              <a:t>, </a:t>
+            </a:r>
+            <a:r>
+              <a:rPr lang="en-US" altLang="en-US" sz="5600">
+                <a:solidFill>
+                  <a:srgbClr val="0000FF"/>
+                </a:solidFill>
+                <a:latin typeface="Courier New" panose="02070309020205020404" pitchFamily="49" charset="0"/>
+                <a:cs typeface="Courier New" panose="02070309020205020404" pitchFamily="49" charset="0"/>
+              </a:rPr>
+              <a:t>0</a:t>
+            </a:r>
+            <a:r>
+              <a:rPr lang="en-US" altLang="en-US" sz="5600">
+                <a:solidFill>
+                  <a:srgbClr val="000000"/>
+                </a:solidFill>
+                <a:latin typeface="Courier New" panose="02070309020205020404" pitchFamily="49" charset="0"/>
+                <a:cs typeface="Courier New" panose="02070309020205020404" pitchFamily="49" charset="0"/>
+              </a:rPr>
+              <a:t>, </a:t>
+            </a:r>
+            <a:r>
+              <a:rPr lang="en-US" altLang="en-US" sz="5600">
+                <a:solidFill>
+                  <a:srgbClr val="0000FF"/>
+                </a:solidFill>
+                <a:latin typeface="Courier New" panose="02070309020205020404" pitchFamily="49" charset="0"/>
+                <a:cs typeface="Courier New" panose="02070309020205020404" pitchFamily="49" charset="0"/>
+              </a:rPr>
+              <a:t>0</a:t>
+            </a:r>
+            <a:r>
+              <a:rPr lang="en-US" altLang="en-US" sz="5600">
+                <a:solidFill>
+                  <a:srgbClr val="000000"/>
+                </a:solidFill>
+                <a:latin typeface="Courier New" panose="02070309020205020404" pitchFamily="49" charset="0"/>
+                <a:cs typeface="Courier New" panose="02070309020205020404" pitchFamily="49" charset="0"/>
+              </a:rPr>
+              <a:t>, </a:t>
+            </a:r>
+            <a:r>
+              <a:rPr lang="en-US" altLang="en-US" sz="5600">
+                <a:solidFill>
+                  <a:srgbClr val="0000FF"/>
+                </a:solidFill>
+                <a:latin typeface="Courier New" panose="02070309020205020404" pitchFamily="49" charset="0"/>
+                <a:cs typeface="Courier New" panose="02070309020205020404" pitchFamily="49" charset="0"/>
+              </a:rPr>
+              <a:t>0</a:t>
+            </a:r>
+            <a:r>
+              <a:rPr lang="en-US" altLang="en-US" sz="5600">
+                <a:solidFill>
+                  <a:srgbClr val="000000"/>
+                </a:solidFill>
+                <a:latin typeface="Courier New" panose="02070309020205020404" pitchFamily="49" charset="0"/>
+                <a:cs typeface="Courier New" panose="02070309020205020404" pitchFamily="49" charset="0"/>
+              </a:rPr>
+              <a:t>);</a:t>
+            </a:r>
+            <a:br>
+              <a:rPr lang="en-US" altLang="en-US" sz="5600">
+                <a:solidFill>
+                  <a:srgbClr val="000000"/>
+                </a:solidFill>
+                <a:latin typeface="Courier New" panose="02070309020205020404" pitchFamily="49" charset="0"/>
+                <a:cs typeface="Courier New" panose="02070309020205020404" pitchFamily="49" charset="0"/>
+              </a:rPr>
+            </a:br>
+            <a:r>
+              <a:rPr lang="en-US" altLang="en-US" sz="5600">
+                <a:solidFill>
+                  <a:srgbClr val="000000"/>
+                </a:solidFill>
+                <a:latin typeface="Courier New" panose="02070309020205020404" pitchFamily="49" charset="0"/>
+                <a:cs typeface="Courier New" panose="02070309020205020404" pitchFamily="49" charset="0"/>
+              </a:rPr>
+              <a:t>        </a:t>
+            </a:r>
+            <a:r>
+              <a:rPr lang="en-US" altLang="en-US" sz="5600" b="1" i="1">
+                <a:solidFill>
+                  <a:srgbClr val="660E7A"/>
+                </a:solidFill>
+                <a:latin typeface="Courier New" panose="02070309020205020404" pitchFamily="49" charset="0"/>
+                <a:cs typeface="Courier New" panose="02070309020205020404" pitchFamily="49" charset="0"/>
+              </a:rPr>
+              <a:t>BOOMSTART </a:t>
+            </a:r>
+            <a:r>
+              <a:rPr lang="en-US" altLang="en-US" sz="5600">
+                <a:solidFill>
+                  <a:srgbClr val="000000"/>
+                </a:solidFill>
+                <a:latin typeface="Courier New" panose="02070309020205020404" pitchFamily="49" charset="0"/>
+                <a:cs typeface="Courier New" panose="02070309020205020404" pitchFamily="49" charset="0"/>
+              </a:rPr>
+              <a:t>= gmtCal.getTime();</a:t>
+            </a:r>
+            <a:br>
+              <a:rPr lang="en-US" altLang="en-US" sz="5600">
+                <a:solidFill>
+                  <a:srgbClr val="000000"/>
+                </a:solidFill>
+                <a:latin typeface="Courier New" panose="02070309020205020404" pitchFamily="49" charset="0"/>
+                <a:cs typeface="Courier New" panose="02070309020205020404" pitchFamily="49" charset="0"/>
+              </a:rPr>
+            </a:br>
+            <a:r>
+              <a:rPr lang="en-US" altLang="en-US" sz="5600">
+                <a:solidFill>
+                  <a:srgbClr val="000000"/>
+                </a:solidFill>
+                <a:latin typeface="Courier New" panose="02070309020205020404" pitchFamily="49" charset="0"/>
+                <a:cs typeface="Courier New" panose="02070309020205020404" pitchFamily="49" charset="0"/>
+              </a:rPr>
+              <a:t>        gmtCal.set(</a:t>
+            </a:r>
+            <a:r>
+              <a:rPr lang="en-US" altLang="en-US" sz="5600">
+                <a:solidFill>
+                  <a:srgbClr val="0000FF"/>
+                </a:solidFill>
+                <a:latin typeface="Courier New" panose="02070309020205020404" pitchFamily="49" charset="0"/>
+                <a:cs typeface="Courier New" panose="02070309020205020404" pitchFamily="49" charset="0"/>
+              </a:rPr>
+              <a:t>3920</a:t>
+            </a:r>
+            <a:r>
+              <a:rPr lang="en-US" altLang="en-US" sz="5600">
+                <a:solidFill>
+                  <a:srgbClr val="000000"/>
+                </a:solidFill>
+                <a:latin typeface="Courier New" panose="02070309020205020404" pitchFamily="49" charset="0"/>
+                <a:cs typeface="Courier New" panose="02070309020205020404" pitchFamily="49" charset="0"/>
+              </a:rPr>
+              <a:t>, Calendar.</a:t>
+            </a:r>
+            <a:r>
+              <a:rPr lang="en-US" altLang="en-US" sz="5600" b="1" i="1">
+                <a:solidFill>
+                  <a:srgbClr val="660E7A"/>
+                </a:solidFill>
+                <a:latin typeface="Courier New" panose="02070309020205020404" pitchFamily="49" charset="0"/>
+                <a:cs typeface="Courier New" panose="02070309020205020404" pitchFamily="49" charset="0"/>
+              </a:rPr>
+              <a:t>JANUARY</a:t>
+            </a:r>
+            <a:r>
+              <a:rPr lang="en-US" altLang="en-US" sz="5600">
+                <a:solidFill>
+                  <a:srgbClr val="000000"/>
+                </a:solidFill>
+                <a:latin typeface="Courier New" panose="02070309020205020404" pitchFamily="49" charset="0"/>
+                <a:cs typeface="Courier New" panose="02070309020205020404" pitchFamily="49" charset="0"/>
+              </a:rPr>
+              <a:t>, </a:t>
+            </a:r>
+            <a:r>
+              <a:rPr lang="en-US" altLang="en-US" sz="5600">
+                <a:solidFill>
+                  <a:srgbClr val="0000FF"/>
+                </a:solidFill>
+                <a:latin typeface="Courier New" panose="02070309020205020404" pitchFamily="49" charset="0"/>
+                <a:cs typeface="Courier New" panose="02070309020205020404" pitchFamily="49" charset="0"/>
+              </a:rPr>
+              <a:t>1</a:t>
+            </a:r>
+            <a:r>
+              <a:rPr lang="en-US" altLang="en-US" sz="5600">
+                <a:solidFill>
+                  <a:srgbClr val="000000"/>
+                </a:solidFill>
+                <a:latin typeface="Courier New" panose="02070309020205020404" pitchFamily="49" charset="0"/>
+                <a:cs typeface="Courier New" panose="02070309020205020404" pitchFamily="49" charset="0"/>
+              </a:rPr>
+              <a:t>, </a:t>
+            </a:r>
+            <a:r>
+              <a:rPr lang="en-US" altLang="en-US" sz="5600">
+                <a:solidFill>
+                  <a:srgbClr val="0000FF"/>
+                </a:solidFill>
+                <a:latin typeface="Courier New" panose="02070309020205020404" pitchFamily="49" charset="0"/>
+                <a:cs typeface="Courier New" panose="02070309020205020404" pitchFamily="49" charset="0"/>
+              </a:rPr>
+              <a:t>0</a:t>
+            </a:r>
+            <a:r>
+              <a:rPr lang="en-US" altLang="en-US" sz="5600">
+                <a:solidFill>
+                  <a:srgbClr val="000000"/>
+                </a:solidFill>
+                <a:latin typeface="Courier New" panose="02070309020205020404" pitchFamily="49" charset="0"/>
+                <a:cs typeface="Courier New" panose="02070309020205020404" pitchFamily="49" charset="0"/>
+              </a:rPr>
+              <a:t>, </a:t>
+            </a:r>
+            <a:r>
+              <a:rPr lang="en-US" altLang="en-US" sz="5600">
+                <a:solidFill>
+                  <a:srgbClr val="0000FF"/>
+                </a:solidFill>
+                <a:latin typeface="Courier New" panose="02070309020205020404" pitchFamily="49" charset="0"/>
+                <a:cs typeface="Courier New" panose="02070309020205020404" pitchFamily="49" charset="0"/>
+              </a:rPr>
+              <a:t>0</a:t>
+            </a:r>
+            <a:r>
+              <a:rPr lang="en-US" altLang="en-US" sz="5600">
+                <a:solidFill>
+                  <a:srgbClr val="000000"/>
+                </a:solidFill>
+                <a:latin typeface="Courier New" panose="02070309020205020404" pitchFamily="49" charset="0"/>
+                <a:cs typeface="Courier New" panose="02070309020205020404" pitchFamily="49" charset="0"/>
+              </a:rPr>
+              <a:t>, </a:t>
+            </a:r>
+            <a:r>
+              <a:rPr lang="en-US" altLang="en-US" sz="5600">
+                <a:solidFill>
+                  <a:srgbClr val="0000FF"/>
+                </a:solidFill>
+                <a:latin typeface="Courier New" panose="02070309020205020404" pitchFamily="49" charset="0"/>
+                <a:cs typeface="Courier New" panose="02070309020205020404" pitchFamily="49" charset="0"/>
+              </a:rPr>
+              <a:t>0</a:t>
+            </a:r>
+            <a:r>
+              <a:rPr lang="en-US" altLang="en-US" sz="5600">
+                <a:solidFill>
+                  <a:srgbClr val="000000"/>
+                </a:solidFill>
+                <a:latin typeface="Courier New" panose="02070309020205020404" pitchFamily="49" charset="0"/>
+                <a:cs typeface="Courier New" panose="02070309020205020404" pitchFamily="49" charset="0"/>
+              </a:rPr>
+              <a:t>);</a:t>
+            </a:r>
+            <a:br>
+              <a:rPr lang="en-US" altLang="en-US" sz="5600">
+                <a:solidFill>
+                  <a:srgbClr val="000000"/>
+                </a:solidFill>
+                <a:latin typeface="Courier New" panose="02070309020205020404" pitchFamily="49" charset="0"/>
+                <a:cs typeface="Courier New" panose="02070309020205020404" pitchFamily="49" charset="0"/>
+              </a:rPr>
+            </a:br>
+            <a:r>
+              <a:rPr lang="en-US" altLang="en-US" sz="5600">
+                <a:solidFill>
+                  <a:srgbClr val="000000"/>
+                </a:solidFill>
+                <a:latin typeface="Courier New" panose="02070309020205020404" pitchFamily="49" charset="0"/>
+                <a:cs typeface="Courier New" panose="02070309020205020404" pitchFamily="49" charset="0"/>
+              </a:rPr>
+              <a:t>        </a:t>
+            </a:r>
+            <a:r>
+              <a:rPr lang="en-US" altLang="en-US" sz="5600" b="1" i="1">
+                <a:solidFill>
+                  <a:srgbClr val="660E7A"/>
+                </a:solidFill>
+                <a:latin typeface="Courier New" panose="02070309020205020404" pitchFamily="49" charset="0"/>
+                <a:cs typeface="Courier New" panose="02070309020205020404" pitchFamily="49" charset="0"/>
+              </a:rPr>
+              <a:t>BOOMEND </a:t>
+            </a:r>
+            <a:r>
+              <a:rPr lang="en-US" altLang="en-US" sz="5600">
+                <a:solidFill>
+                  <a:srgbClr val="000000"/>
+                </a:solidFill>
+                <a:latin typeface="Courier New" panose="02070309020205020404" pitchFamily="49" charset="0"/>
+                <a:cs typeface="Courier New" panose="02070309020205020404" pitchFamily="49" charset="0"/>
+              </a:rPr>
+              <a:t>= gmtCal.getTime();</a:t>
+            </a:r>
+            <a:br>
+              <a:rPr lang="en-US" altLang="en-US" sz="5600">
+                <a:solidFill>
+                  <a:srgbClr val="000000"/>
+                </a:solidFill>
+                <a:latin typeface="Courier New" panose="02070309020205020404" pitchFamily="49" charset="0"/>
+                <a:cs typeface="Courier New" panose="02070309020205020404" pitchFamily="49" charset="0"/>
+              </a:rPr>
+            </a:br>
+            <a:r>
+              <a:rPr lang="en-US" altLang="en-US" sz="5600">
+                <a:solidFill>
+                  <a:srgbClr val="000000"/>
+                </a:solidFill>
+                <a:latin typeface="Courier New" panose="02070309020205020404" pitchFamily="49" charset="0"/>
+                <a:cs typeface="Courier New" panose="02070309020205020404" pitchFamily="49" charset="0"/>
+              </a:rPr>
+              <a:t>    }</a:t>
+            </a:r>
+            <a:br>
+              <a:rPr lang="en-US" altLang="en-US" sz="5600">
+                <a:solidFill>
+                  <a:srgbClr val="000000"/>
+                </a:solidFill>
+                <a:latin typeface="Courier New" panose="02070309020205020404" pitchFamily="49" charset="0"/>
+                <a:cs typeface="Courier New" panose="02070309020205020404" pitchFamily="49" charset="0"/>
+              </a:rPr>
+            </a:br>
+            <a:r>
+              <a:rPr lang="en-US" altLang="en-US" sz="5600">
+                <a:solidFill>
+                  <a:srgbClr val="000000"/>
+                </a:solidFill>
+                <a:latin typeface="Courier New" panose="02070309020205020404" pitchFamily="49" charset="0"/>
+                <a:cs typeface="Courier New" panose="02070309020205020404" pitchFamily="49" charset="0"/>
+              </a:rPr>
+              <a:t/>
+            </a:r>
+            <a:br>
+              <a:rPr lang="en-US" altLang="en-US" sz="5600">
+                <a:solidFill>
+                  <a:srgbClr val="000000"/>
+                </a:solidFill>
+                <a:latin typeface="Courier New" panose="02070309020205020404" pitchFamily="49" charset="0"/>
+                <a:cs typeface="Courier New" panose="02070309020205020404" pitchFamily="49" charset="0"/>
+              </a:rPr>
+            </a:br>
+            <a:r>
+              <a:rPr lang="en-US" altLang="en-US" sz="5600">
+                <a:solidFill>
+                  <a:srgbClr val="000000"/>
+                </a:solidFill>
+                <a:latin typeface="Courier New" panose="02070309020205020404" pitchFamily="49" charset="0"/>
+                <a:cs typeface="Courier New" panose="02070309020205020404" pitchFamily="49" charset="0"/>
+              </a:rPr>
+              <a:t>    </a:t>
+            </a:r>
+            <a:r>
+              <a:rPr lang="en-US" altLang="en-US" sz="5600" b="1">
+                <a:solidFill>
+                  <a:srgbClr val="000080"/>
+                </a:solidFill>
+                <a:latin typeface="Courier New" panose="02070309020205020404" pitchFamily="49" charset="0"/>
+                <a:cs typeface="Courier New" panose="02070309020205020404" pitchFamily="49" charset="0"/>
+              </a:rPr>
+              <a:t>public boolean </a:t>
+            </a:r>
+            <a:r>
+              <a:rPr lang="en-US" altLang="en-US" sz="5600">
+                <a:solidFill>
+                  <a:srgbClr val="000000"/>
+                </a:solidFill>
+                <a:latin typeface="Courier New" panose="02070309020205020404" pitchFamily="49" charset="0"/>
+                <a:cs typeface="Courier New" panose="02070309020205020404" pitchFamily="49" charset="0"/>
+              </a:rPr>
+              <a:t>isBabyBoomer(){</a:t>
+            </a:r>
+            <a:br>
+              <a:rPr lang="en-US" altLang="en-US" sz="5600">
+                <a:solidFill>
+                  <a:srgbClr val="000000"/>
+                </a:solidFill>
+                <a:latin typeface="Courier New" panose="02070309020205020404" pitchFamily="49" charset="0"/>
+                <a:cs typeface="Courier New" panose="02070309020205020404" pitchFamily="49" charset="0"/>
+              </a:rPr>
+            </a:br>
+            <a:r>
+              <a:rPr lang="en-US" altLang="en-US" sz="5600">
+                <a:solidFill>
+                  <a:srgbClr val="000000"/>
+                </a:solidFill>
+                <a:latin typeface="Courier New" panose="02070309020205020404" pitchFamily="49" charset="0"/>
+                <a:cs typeface="Courier New" panose="02070309020205020404" pitchFamily="49" charset="0"/>
+              </a:rPr>
+              <a:t>        </a:t>
+            </a:r>
+            <a:r>
+              <a:rPr lang="en-US" altLang="en-US" sz="5600" b="1">
+                <a:solidFill>
+                  <a:srgbClr val="000080"/>
+                </a:solidFill>
+                <a:latin typeface="Courier New" panose="02070309020205020404" pitchFamily="49" charset="0"/>
+                <a:cs typeface="Courier New" panose="02070309020205020404" pitchFamily="49" charset="0"/>
+              </a:rPr>
+              <a:t>return </a:t>
+            </a:r>
+            <a:r>
+              <a:rPr lang="en-US" altLang="en-US" sz="5600" b="1" smtClean="0">
+                <a:solidFill>
+                  <a:srgbClr val="000080"/>
+                </a:solidFill>
+                <a:latin typeface="Courier New" panose="02070309020205020404" pitchFamily="49" charset="0"/>
+                <a:cs typeface="Courier New" panose="02070309020205020404" pitchFamily="49" charset="0"/>
+              </a:rPr>
+              <a:t>	</a:t>
+            </a:r>
+            <a:r>
+              <a:rPr lang="en-US" altLang="en-US" sz="5600" smtClean="0">
+                <a:solidFill>
+                  <a:srgbClr val="000000"/>
+                </a:solidFill>
+                <a:latin typeface="Courier New" panose="02070309020205020404" pitchFamily="49" charset="0"/>
+                <a:cs typeface="Courier New" panose="02070309020205020404" pitchFamily="49" charset="0"/>
+              </a:rPr>
+              <a:t>(</a:t>
+            </a:r>
+            <a:r>
+              <a:rPr lang="en-US" altLang="en-US" sz="5600" b="1">
+                <a:solidFill>
+                  <a:srgbClr val="660E7A"/>
+                </a:solidFill>
+                <a:latin typeface="Courier New" panose="02070309020205020404" pitchFamily="49" charset="0"/>
+                <a:cs typeface="Courier New" panose="02070309020205020404" pitchFamily="49" charset="0"/>
+              </a:rPr>
+              <a:t>birthDate</a:t>
+            </a:r>
+            <a:r>
+              <a:rPr lang="en-US" altLang="en-US" sz="5600">
+                <a:solidFill>
+                  <a:srgbClr val="000000"/>
+                </a:solidFill>
+                <a:latin typeface="Courier New" panose="02070309020205020404" pitchFamily="49" charset="0"/>
+                <a:cs typeface="Courier New" panose="02070309020205020404" pitchFamily="49" charset="0"/>
+              </a:rPr>
+              <a:t>.compareTo(</a:t>
+            </a:r>
+            <a:r>
+              <a:rPr lang="en-US" altLang="en-US" sz="5600" b="1" i="1">
+                <a:solidFill>
+                  <a:srgbClr val="660E7A"/>
+                </a:solidFill>
+                <a:latin typeface="Courier New" panose="02070309020205020404" pitchFamily="49" charset="0"/>
+                <a:cs typeface="Courier New" panose="02070309020205020404" pitchFamily="49" charset="0"/>
+              </a:rPr>
+              <a:t>BOOMSTART</a:t>
+            </a:r>
+            <a:r>
+              <a:rPr lang="en-US" altLang="en-US" sz="5600">
+                <a:solidFill>
+                  <a:srgbClr val="000000"/>
+                </a:solidFill>
+                <a:latin typeface="Courier New" panose="02070309020205020404" pitchFamily="49" charset="0"/>
+                <a:cs typeface="Courier New" panose="02070309020205020404" pitchFamily="49" charset="0"/>
+              </a:rPr>
+              <a:t>) &gt;= </a:t>
+            </a:r>
+            <a:r>
+              <a:rPr lang="en-US" altLang="en-US" sz="5600">
+                <a:solidFill>
+                  <a:srgbClr val="0000FF"/>
+                </a:solidFill>
+                <a:latin typeface="Courier New" panose="02070309020205020404" pitchFamily="49" charset="0"/>
+                <a:cs typeface="Courier New" panose="02070309020205020404" pitchFamily="49" charset="0"/>
+              </a:rPr>
+              <a:t>0</a:t>
+            </a:r>
+            <a:r>
+              <a:rPr lang="en-US" altLang="en-US" sz="5600">
+                <a:solidFill>
+                  <a:srgbClr val="000000"/>
+                </a:solidFill>
+                <a:latin typeface="Courier New" panose="02070309020205020404" pitchFamily="49" charset="0"/>
+                <a:cs typeface="Courier New" panose="02070309020205020404" pitchFamily="49" charset="0"/>
+              </a:rPr>
+              <a:t>) &amp;&amp; </a:t>
+            </a:r>
+            <a:r>
+              <a:rPr lang="en-US" altLang="en-US" sz="5600" smtClean="0">
+                <a:solidFill>
+                  <a:srgbClr val="000000"/>
+                </a:solidFill>
+                <a:latin typeface="Courier New" panose="02070309020205020404" pitchFamily="49" charset="0"/>
+                <a:cs typeface="Courier New" panose="02070309020205020404" pitchFamily="49" charset="0"/>
+              </a:rPr>
+              <a:t>							(</a:t>
+            </a:r>
+            <a:r>
+              <a:rPr lang="en-US" altLang="en-US" sz="5600" b="1">
+                <a:solidFill>
+                  <a:srgbClr val="660E7A"/>
+                </a:solidFill>
+                <a:latin typeface="Courier New" panose="02070309020205020404" pitchFamily="49" charset="0"/>
+                <a:cs typeface="Courier New" panose="02070309020205020404" pitchFamily="49" charset="0"/>
+              </a:rPr>
+              <a:t>birthDate</a:t>
+            </a:r>
+            <a:r>
+              <a:rPr lang="en-US" altLang="en-US" sz="5600">
+                <a:solidFill>
+                  <a:srgbClr val="000000"/>
+                </a:solidFill>
+                <a:latin typeface="Courier New" panose="02070309020205020404" pitchFamily="49" charset="0"/>
+                <a:cs typeface="Courier New" panose="02070309020205020404" pitchFamily="49" charset="0"/>
+              </a:rPr>
+              <a:t>.compareTo(</a:t>
+            </a:r>
+            <a:r>
+              <a:rPr lang="en-US" altLang="en-US" sz="5600" b="1" i="1">
+                <a:solidFill>
+                  <a:srgbClr val="660E7A"/>
+                </a:solidFill>
+                <a:latin typeface="Courier New" panose="02070309020205020404" pitchFamily="49" charset="0"/>
+                <a:cs typeface="Courier New" panose="02070309020205020404" pitchFamily="49" charset="0"/>
+              </a:rPr>
+              <a:t>BOOMEND</a:t>
+            </a:r>
+            <a:r>
+              <a:rPr lang="en-US" altLang="en-US" sz="5600">
+                <a:solidFill>
+                  <a:srgbClr val="000000"/>
+                </a:solidFill>
+                <a:latin typeface="Courier New" panose="02070309020205020404" pitchFamily="49" charset="0"/>
+                <a:cs typeface="Courier New" panose="02070309020205020404" pitchFamily="49" charset="0"/>
+              </a:rPr>
+              <a:t>) &lt; </a:t>
+            </a:r>
+            <a:r>
+              <a:rPr lang="en-US" altLang="en-US" sz="5600">
+                <a:solidFill>
+                  <a:srgbClr val="0000FF"/>
+                </a:solidFill>
+                <a:latin typeface="Courier New" panose="02070309020205020404" pitchFamily="49" charset="0"/>
+                <a:cs typeface="Courier New" panose="02070309020205020404" pitchFamily="49" charset="0"/>
+              </a:rPr>
+              <a:t>0</a:t>
+            </a:r>
+            <a:r>
+              <a:rPr lang="en-US" altLang="en-US" sz="5600">
+                <a:solidFill>
+                  <a:srgbClr val="000000"/>
+                </a:solidFill>
+                <a:latin typeface="Courier New" panose="02070309020205020404" pitchFamily="49" charset="0"/>
+                <a:cs typeface="Courier New" panose="02070309020205020404" pitchFamily="49" charset="0"/>
+              </a:rPr>
+              <a:t>);</a:t>
+            </a:r>
+            <a:br>
+              <a:rPr lang="en-US" altLang="en-US" sz="5600">
+                <a:solidFill>
+                  <a:srgbClr val="000000"/>
+                </a:solidFill>
+                <a:latin typeface="Courier New" panose="02070309020205020404" pitchFamily="49" charset="0"/>
+                <a:cs typeface="Courier New" panose="02070309020205020404" pitchFamily="49" charset="0"/>
+              </a:rPr>
+            </a:br>
+            <a:r>
+              <a:rPr lang="en-US" altLang="en-US" sz="5600">
+                <a:solidFill>
+                  <a:srgbClr val="000000"/>
+                </a:solidFill>
+                <a:latin typeface="Courier New" panose="02070309020205020404" pitchFamily="49" charset="0"/>
+                <a:cs typeface="Courier New" panose="02070309020205020404" pitchFamily="49" charset="0"/>
+              </a:rPr>
+              <a:t>    }</a:t>
+            </a:r>
+            <a:br>
+              <a:rPr lang="en-US" altLang="en-US" sz="5600">
+                <a:solidFill>
+                  <a:srgbClr val="000000"/>
+                </a:solidFill>
+                <a:latin typeface="Courier New" panose="02070309020205020404" pitchFamily="49" charset="0"/>
+                <a:cs typeface="Courier New" panose="02070309020205020404" pitchFamily="49" charset="0"/>
+              </a:rPr>
+            </a:br>
+            <a:r>
+              <a:rPr lang="en-US" altLang="en-US" sz="5600">
+                <a:solidFill>
+                  <a:srgbClr val="000000"/>
+                </a:solidFill>
+                <a:latin typeface="Courier New" panose="02070309020205020404" pitchFamily="49" charset="0"/>
+                <a:cs typeface="Courier New" panose="02070309020205020404" pitchFamily="49" charset="0"/>
+              </a:rPr>
+              <a:t>}</a:t>
+            </a:r>
+            <a:endParaRPr lang="en-US" altLang="en-US" sz="5600">
+              <a:solidFill>
+                <a:schemeClr val="tx1"/>
+              </a:solidFill>
+              <a:latin typeface="Arial" panose="020B0604020202020204" pitchFamily="34" charset="0"/>
+            </a:endParaRPr>
           </a:p>
           <a:p>
             <a:pPr marL="0" indent="0">
               <a:buNone/>
             </a:pPr>
-            <a:r>
-              <a:rPr lang="en-US" sz="2000" smtClean="0"/>
-              <a:t>		Long </a:t>
-            </a:r>
-            <a:r>
-              <a:rPr lang="en-US" sz="2000"/>
-              <a:t>sum = 0L;</a:t>
-            </a:r>
-          </a:p>
-          <a:p>
-            <a:pPr marL="0" indent="0">
-              <a:buNone/>
-            </a:pPr>
-            <a:r>
-              <a:rPr lang="en-US" sz="2000" smtClean="0"/>
-              <a:t>		for </a:t>
-            </a:r>
-            <a:r>
-              <a:rPr lang="en-US" sz="2000"/>
-              <a:t>(long i = 0; i &lt; Integer.MAX_VALUE; i++) {</a:t>
-            </a:r>
-          </a:p>
-          <a:p>
-            <a:pPr marL="0" indent="0">
-              <a:buNone/>
-            </a:pPr>
-            <a:r>
-              <a:rPr lang="en-US" sz="2000" smtClean="0"/>
-              <a:t>			sum </a:t>
-            </a:r>
-            <a:r>
-              <a:rPr lang="en-US" sz="2000"/>
-              <a:t>+= i;</a:t>
-            </a:r>
-          </a:p>
-          <a:p>
-            <a:pPr marL="0" indent="0">
-              <a:buNone/>
-            </a:pPr>
-            <a:r>
-              <a:rPr lang="en-US" sz="2000" smtClean="0"/>
-              <a:t>		}</a:t>
-            </a:r>
-            <a:endParaRPr lang="en-US" sz="2000"/>
-          </a:p>
-          <a:p>
-            <a:pPr marL="0" indent="0">
-              <a:buNone/>
-            </a:pPr>
-            <a:r>
-              <a:rPr lang="en-US" sz="2000" smtClean="0"/>
-              <a:t>		System.out.println(sum</a:t>
-            </a:r>
-            <a:r>
-              <a:rPr lang="en-US" sz="2000"/>
-              <a:t>);</a:t>
-            </a:r>
-          </a:p>
-          <a:p>
-            <a:pPr marL="0" indent="0">
-              <a:buNone/>
-            </a:pPr>
-            <a:r>
-              <a:rPr lang="en-US" sz="2000" smtClean="0"/>
-              <a:t>	}</a:t>
-            </a:r>
-            <a:endParaRPr lang="en-US" sz="2000">
-              <a:latin typeface="Arial" panose="020B0604020202020204" pitchFamily="34" charset="0"/>
-              <a:cs typeface="Arial" panose="020B0604020202020204" pitchFamily="34" charset="0"/>
-            </a:endParaRPr>
+            <a:endParaRPr lang="en-US"/>
           </a:p>
         </p:txBody>
       </p:sp>
@@ -9559,7 +10445,7 @@
     </p:spTree>
     <p:extLst>
       <p:ext uri="{BB962C8B-B14F-4D97-AF65-F5344CB8AC3E}">
-        <p14:creationId xmlns:p14="http://schemas.microsoft.com/office/powerpoint/2010/main" val="2405983554"/>
+        <p14:creationId xmlns:p14="http://schemas.microsoft.com/office/powerpoint/2010/main" val="859885415"/>
       </p:ext>
     </p:extLst>
   </p:cSld>
@@ -9595,986 +10481,232 @@
       </p:grpSpPr>
       <p:sp>
         <p:nvSpPr>
-          <p:cNvPr id="2" name="Title 1"/>
+          <p:cNvPr id="3" name="Content Placeholder 2"/>
           <p:cNvSpPr>
             <a:spLocks noGrp="1"/>
           </p:cNvSpPr>
-          <p:nvPr>
-            <p:ph type="title"/>
-          </p:nvPr>
-        </p:nvSpPr>
-        <p:spPr/>
-        <p:txBody>
-          <a:bodyPr/>
-          <a:lstStyle/>
-          <a:p>
-            <a:endParaRPr lang="en-US"/>
-          </a:p>
-        </p:txBody>
-      </p:sp>
-      <p:graphicFrame>
-        <p:nvGraphicFramePr>
-          <p:cNvPr id="4" name="Content Placeholder 3"/>
-          <p:cNvGraphicFramePr>
-            <a:graphicFrameLocks noGrp="1"/>
-          </p:cNvGraphicFramePr>
           <p:nvPr>
             <p:ph idx="1"/>
           </p:nvPr>
-        </p:nvGraphicFramePr>
-        <p:xfrm>
-          <a:off x="2543011" y="2453006"/>
-          <a:ext cx="4065916" cy="3520440"/>
-        </p:xfrm>
-        <a:graphic>
-          <a:graphicData uri="http://schemas.openxmlformats.org/drawingml/2006/table">
-            <a:tbl>
-              <a:tblPr/>
-              <a:tblGrid>
-                <a:gridCol w="4065916"/>
-              </a:tblGrid>
-              <a:tr h="3444875">
-                <a:tc>
-                  <a:txBody>
-                    <a:bodyPr/>
-                    <a:lstStyle/>
-                    <a:p>
-                      <a:r>
-                        <a:rPr lang="en-US" sz="1100">
-                          <a:solidFill>
-                            <a:srgbClr val="A71D5D"/>
-                          </a:solidFill>
-                          <a:effectLst/>
-                        </a:rPr>
-                        <a:t>public</a:t>
-                      </a:r>
-                      <a:r>
-                        <a:rPr lang="en-US" sz="1100">
-                          <a:effectLst/>
-                        </a:rPr>
-                        <a:t> </a:t>
-                      </a:r>
-                      <a:r>
-                        <a:rPr lang="en-US" sz="1100">
-                          <a:solidFill>
-                            <a:srgbClr val="A71D5D"/>
-                          </a:solidFill>
-                          <a:effectLst/>
-                        </a:rPr>
-                        <a:t>class</a:t>
-                      </a:r>
-                      <a:r>
-                        <a:rPr lang="en-US" sz="1100">
-                          <a:effectLst/>
-                        </a:rPr>
-                        <a:t> </a:t>
-                      </a:r>
-                      <a:r>
-                        <a:rPr lang="en-US" sz="1100">
-                          <a:solidFill>
-                            <a:srgbClr val="795DA3"/>
-                          </a:solidFill>
-                          <a:effectLst/>
-                        </a:rPr>
-                        <a:t>StringIntern</a:t>
-                      </a:r>
-                      <a:r>
-                        <a:rPr lang="en-US" sz="1100">
-                          <a:effectLst/>
-                        </a:rPr>
-                        <a:t> { </a:t>
-                      </a:r>
-                    </a:p>
-                    <a:p>
-                      <a:r>
-                        <a:rPr lang="en-US" sz="1100">
-                          <a:solidFill>
-                            <a:srgbClr val="A71D5D"/>
-                          </a:solidFill>
-                          <a:effectLst/>
-                        </a:rPr>
-                        <a:t>public</a:t>
-                      </a:r>
-                      <a:r>
-                        <a:rPr lang="en-US" sz="1100">
-                          <a:effectLst/>
-                        </a:rPr>
-                        <a:t> </a:t>
-                      </a:r>
-                      <a:r>
-                        <a:rPr lang="en-US" sz="1100">
-                          <a:solidFill>
-                            <a:srgbClr val="A71D5D"/>
-                          </a:solidFill>
-                          <a:effectLst/>
-                        </a:rPr>
-                        <a:t>static</a:t>
-                      </a:r>
-                      <a:r>
-                        <a:rPr lang="en-US" sz="1100">
-                          <a:effectLst/>
-                        </a:rPr>
-                        <a:t> </a:t>
-                      </a:r>
-                      <a:r>
-                        <a:rPr lang="en-US" sz="1100">
-                          <a:solidFill>
-                            <a:srgbClr val="A71D5D"/>
-                          </a:solidFill>
-                          <a:effectLst/>
-                        </a:rPr>
-                        <a:t>void</a:t>
-                      </a:r>
-                      <a:r>
-                        <a:rPr lang="en-US" sz="1100">
-                          <a:effectLst/>
-                        </a:rPr>
-                        <a:t> </a:t>
-                      </a:r>
-                      <a:r>
-                        <a:rPr lang="en-US" sz="1100">
-                          <a:solidFill>
-                            <a:srgbClr val="795DA3"/>
-                          </a:solidFill>
-                          <a:effectLst/>
-                        </a:rPr>
-                        <a:t>main</a:t>
-                      </a:r>
-                      <a:r>
-                        <a:rPr lang="en-US" sz="1100">
-                          <a:effectLst/>
-                        </a:rPr>
-                        <a:t>(</a:t>
-                      </a:r>
-                      <a:r>
-                        <a:rPr lang="en-US" sz="1100">
-                          <a:solidFill>
-                            <a:srgbClr val="A71D5D"/>
-                          </a:solidFill>
-                          <a:effectLst/>
-                        </a:rPr>
-                        <a:t>String</a:t>
-                      </a:r>
-                      <a:r>
-                        <a:rPr lang="en-US" sz="1100">
-                          <a:effectLst/>
-                        </a:rPr>
-                        <a:t>[] </a:t>
-                      </a:r>
-                      <a:r>
-                        <a:rPr lang="en-US" sz="1100">
-                          <a:solidFill>
-                            <a:srgbClr val="1D3E81"/>
-                          </a:solidFill>
-                          <a:effectLst/>
-                        </a:rPr>
-                        <a:t>args</a:t>
-                      </a:r>
-                      <a:r>
-                        <a:rPr lang="en-US" sz="1100">
-                          <a:effectLst/>
-                        </a:rPr>
-                        <a:t>) { </a:t>
-                      </a:r>
-                    </a:p>
-                    <a:p>
-                      <a:r>
-                        <a:rPr lang="en-US" sz="1100">
-                          <a:solidFill>
-                            <a:srgbClr val="333333"/>
-                          </a:solidFill>
-                          <a:effectLst/>
-                        </a:rPr>
-                        <a:t>String</a:t>
-                      </a:r>
-                      <a:r>
-                        <a:rPr lang="en-US" sz="1100">
-                          <a:effectLst/>
-                        </a:rPr>
-                        <a:t> s1 </a:t>
-                      </a:r>
-                      <a:r>
-                        <a:rPr lang="en-US" sz="1100">
-                          <a:solidFill>
-                            <a:srgbClr val="A71D5D"/>
-                          </a:solidFill>
-                          <a:effectLst/>
-                        </a:rPr>
-                        <a:t>=</a:t>
-                      </a:r>
-                      <a:r>
-                        <a:rPr lang="en-US" sz="1100">
-                          <a:effectLst/>
-                        </a:rPr>
-                        <a:t> </a:t>
-                      </a:r>
-                      <a:r>
-                        <a:rPr lang="en-US" sz="1100">
-                          <a:solidFill>
-                            <a:srgbClr val="DF5000"/>
-                          </a:solidFill>
-                          <a:effectLst/>
-                        </a:rPr>
-                        <a:t>"test"</a:t>
-                      </a:r>
-                      <a:r>
-                        <a:rPr lang="en-US" sz="1100">
-                          <a:effectLst/>
-                        </a:rPr>
-                        <a:t>; </a:t>
-                      </a:r>
-                    </a:p>
-                    <a:p>
-                      <a:r>
-                        <a:rPr lang="en-US" sz="1100">
-                          <a:solidFill>
-                            <a:srgbClr val="333333"/>
-                          </a:solidFill>
-                          <a:effectLst/>
-                        </a:rPr>
-                        <a:t>String</a:t>
-                      </a:r>
-                      <a:r>
-                        <a:rPr lang="en-US" sz="1100">
-                          <a:effectLst/>
-                        </a:rPr>
-                        <a:t> s2 </a:t>
-                      </a:r>
-                      <a:r>
-                        <a:rPr lang="en-US" sz="1100">
-                          <a:solidFill>
-                            <a:srgbClr val="A71D5D"/>
-                          </a:solidFill>
-                          <a:effectLst/>
-                        </a:rPr>
-                        <a:t>=</a:t>
-                      </a:r>
-                      <a:r>
-                        <a:rPr lang="en-US" sz="1100">
-                          <a:effectLst/>
-                        </a:rPr>
-                        <a:t> </a:t>
-                      </a:r>
-                      <a:r>
-                        <a:rPr lang="en-US" sz="1100">
-                          <a:solidFill>
-                            <a:srgbClr val="DF5000"/>
-                          </a:solidFill>
-                          <a:effectLst/>
-                        </a:rPr>
-                        <a:t>"test"</a:t>
-                      </a:r>
-                      <a:r>
-                        <a:rPr lang="en-US" sz="1100">
-                          <a:effectLst/>
-                        </a:rPr>
-                        <a:t>; </a:t>
-                      </a:r>
-                    </a:p>
-                    <a:p>
-                      <a:r>
-                        <a:rPr lang="en-US" sz="1100">
-                          <a:effectLst/>
-                        </a:rPr>
-                        <a:t>  </a:t>
-                      </a:r>
-                    </a:p>
-                    <a:p>
-                      <a:r>
-                        <a:rPr lang="en-US" sz="1100">
-                          <a:effectLst/>
-                        </a:rPr>
-                        <a:t>checkEquality(s1, s2); </a:t>
-                      </a:r>
-                    </a:p>
-                    <a:p>
-                      <a:r>
-                        <a:rPr lang="en-US" sz="1100">
-                          <a:effectLst/>
-                        </a:rPr>
-                        <a:t>  </a:t>
-                      </a:r>
-                    </a:p>
-                    <a:p>
-                      <a:r>
-                        <a:rPr lang="en-US" sz="1100">
-                          <a:solidFill>
-                            <a:srgbClr val="333333"/>
-                          </a:solidFill>
-                          <a:effectLst/>
-                        </a:rPr>
-                        <a:t>String</a:t>
-                      </a:r>
-                      <a:r>
-                        <a:rPr lang="en-US" sz="1100">
-                          <a:effectLst/>
-                        </a:rPr>
-                        <a:t> s3 </a:t>
-                      </a:r>
-                      <a:r>
-                        <a:rPr lang="en-US" sz="1100">
-                          <a:solidFill>
-                            <a:srgbClr val="A71D5D"/>
-                          </a:solidFill>
-                          <a:effectLst/>
-                        </a:rPr>
-                        <a:t>=</a:t>
-                      </a:r>
-                      <a:r>
-                        <a:rPr lang="en-US" sz="1100">
-                          <a:effectLst/>
-                        </a:rPr>
-                        <a:t> </a:t>
-                      </a:r>
-                      <a:r>
-                        <a:rPr lang="en-US" sz="1100">
-                          <a:solidFill>
-                            <a:srgbClr val="A71D5D"/>
-                          </a:solidFill>
-                          <a:effectLst/>
-                        </a:rPr>
-                        <a:t>new</a:t>
-                      </a:r>
-                      <a:r>
-                        <a:rPr lang="en-US" sz="1100">
-                          <a:effectLst/>
-                        </a:rPr>
-                        <a:t> </a:t>
-                      </a:r>
-                      <a:r>
-                        <a:rPr lang="en-US" sz="1100">
-                          <a:solidFill>
-                            <a:srgbClr val="333333"/>
-                          </a:solidFill>
-                          <a:effectLst/>
-                        </a:rPr>
-                        <a:t>String</a:t>
-                      </a:r>
-                      <a:r>
-                        <a:rPr lang="en-US" sz="1100">
-                          <a:effectLst/>
-                        </a:rPr>
-                        <a:t>(</a:t>
-                      </a:r>
-                      <a:r>
-                        <a:rPr lang="en-US" sz="1100">
-                          <a:solidFill>
-                            <a:srgbClr val="DF5000"/>
-                          </a:solidFill>
-                          <a:effectLst/>
-                        </a:rPr>
-                        <a:t>"test"</a:t>
-                      </a:r>
-                      <a:r>
-                        <a:rPr lang="en-US" sz="1100">
-                          <a:effectLst/>
-                        </a:rPr>
-                        <a:t>); </a:t>
-                      </a:r>
-                    </a:p>
-                    <a:p>
-                      <a:r>
-                        <a:rPr lang="en-US" sz="1100">
-                          <a:solidFill>
-                            <a:srgbClr val="333333"/>
-                          </a:solidFill>
-                          <a:effectLst/>
-                        </a:rPr>
-                        <a:t>String</a:t>
-                      </a:r>
-                      <a:r>
-                        <a:rPr lang="en-US" sz="1100">
-                          <a:effectLst/>
-                        </a:rPr>
-                        <a:t> s4 </a:t>
-                      </a:r>
-                      <a:r>
-                        <a:rPr lang="en-US" sz="1100">
-                          <a:solidFill>
-                            <a:srgbClr val="A71D5D"/>
-                          </a:solidFill>
-                          <a:effectLst/>
-                        </a:rPr>
-                        <a:t>=</a:t>
-                      </a:r>
-                      <a:r>
-                        <a:rPr lang="en-US" sz="1100">
-                          <a:effectLst/>
-                        </a:rPr>
-                        <a:t> </a:t>
-                      </a:r>
-                      <a:r>
-                        <a:rPr lang="en-US" sz="1100">
-                          <a:solidFill>
-                            <a:srgbClr val="A71D5D"/>
-                          </a:solidFill>
-                          <a:effectLst/>
-                        </a:rPr>
-                        <a:t>new</a:t>
-                      </a:r>
-                      <a:r>
-                        <a:rPr lang="en-US" sz="1100">
-                          <a:effectLst/>
-                        </a:rPr>
-                        <a:t> </a:t>
-                      </a:r>
-                      <a:r>
-                        <a:rPr lang="en-US" sz="1100">
-                          <a:solidFill>
-                            <a:srgbClr val="333333"/>
-                          </a:solidFill>
-                          <a:effectLst/>
-                        </a:rPr>
-                        <a:t>String</a:t>
-                      </a:r>
-                      <a:r>
-                        <a:rPr lang="en-US" sz="1100">
-                          <a:effectLst/>
-                        </a:rPr>
-                        <a:t>(</a:t>
-                      </a:r>
-                      <a:r>
-                        <a:rPr lang="en-US" sz="1100">
-                          <a:solidFill>
-                            <a:srgbClr val="DF5000"/>
-                          </a:solidFill>
-                          <a:effectLst/>
-                        </a:rPr>
-                        <a:t>"test"</a:t>
-                      </a:r>
-                      <a:r>
-                        <a:rPr lang="en-US" sz="1100">
-                          <a:effectLst/>
-                        </a:rPr>
-                        <a:t>); </a:t>
-                      </a:r>
-                    </a:p>
-                    <a:p>
-                      <a:r>
-                        <a:rPr lang="en-US" sz="1100">
-                          <a:effectLst/>
-                        </a:rPr>
-                        <a:t>  </a:t>
-                      </a:r>
-                    </a:p>
-                    <a:p>
-                      <a:r>
-                        <a:rPr lang="en-US" sz="1100">
-                          <a:effectLst/>
-                        </a:rPr>
-                        <a:t>checkEquality(s3, s4); </a:t>
-                      </a:r>
-                    </a:p>
-                    <a:p>
-                      <a:r>
-                        <a:rPr lang="en-US" sz="1100">
-                          <a:effectLst/>
-                        </a:rPr>
-                        <a:t>} </a:t>
-                      </a:r>
-                    </a:p>
-                    <a:p>
-                      <a:r>
-                        <a:rPr lang="en-US" sz="1100">
-                          <a:effectLst/>
-                        </a:rPr>
-                        <a:t>  </a:t>
-                      </a:r>
-                    </a:p>
-                    <a:p>
-                      <a:r>
-                        <a:rPr lang="en-US" sz="1100">
-                          <a:solidFill>
-                            <a:srgbClr val="A71D5D"/>
-                          </a:solidFill>
-                          <a:effectLst/>
-                        </a:rPr>
-                        <a:t>public</a:t>
-                      </a:r>
-                      <a:r>
-                        <a:rPr lang="en-US" sz="1100">
-                          <a:effectLst/>
-                        </a:rPr>
-                        <a:t> </a:t>
-                      </a:r>
-                      <a:r>
-                        <a:rPr lang="en-US" sz="1100">
-                          <a:solidFill>
-                            <a:srgbClr val="A71D5D"/>
-                          </a:solidFill>
-                          <a:effectLst/>
-                        </a:rPr>
-                        <a:t>static</a:t>
-                      </a:r>
-                      <a:r>
-                        <a:rPr lang="en-US" sz="1100">
-                          <a:effectLst/>
-                        </a:rPr>
-                        <a:t> </a:t>
-                      </a:r>
-                      <a:r>
-                        <a:rPr lang="en-US" sz="1100">
-                          <a:solidFill>
-                            <a:srgbClr val="A71D5D"/>
-                          </a:solidFill>
-                          <a:effectLst/>
-                        </a:rPr>
-                        <a:t>void</a:t>
-                      </a:r>
-                      <a:r>
-                        <a:rPr lang="en-US" sz="1100">
-                          <a:effectLst/>
-                        </a:rPr>
-                        <a:t> </a:t>
-                      </a:r>
-                      <a:r>
-                        <a:rPr lang="en-US" sz="1100">
-                          <a:solidFill>
-                            <a:srgbClr val="795DA3"/>
-                          </a:solidFill>
-                          <a:effectLst/>
-                        </a:rPr>
-                        <a:t>checkEquality</a:t>
-                      </a:r>
-                      <a:r>
-                        <a:rPr lang="en-US" sz="1100">
-                          <a:effectLst/>
-                        </a:rPr>
-                        <a:t>(</a:t>
-                      </a:r>
-                      <a:r>
-                        <a:rPr lang="en-US" sz="1100">
-                          <a:solidFill>
-                            <a:srgbClr val="333333"/>
-                          </a:solidFill>
-                          <a:effectLst/>
-                        </a:rPr>
-                        <a:t>String</a:t>
-                      </a:r>
-                      <a:r>
-                        <a:rPr lang="en-US" sz="1100">
-                          <a:effectLst/>
-                        </a:rPr>
-                        <a:t> </a:t>
-                      </a:r>
-                      <a:r>
-                        <a:rPr lang="en-US" sz="1100">
-                          <a:solidFill>
-                            <a:srgbClr val="1D3E81"/>
-                          </a:solidFill>
-                          <a:effectLst/>
-                        </a:rPr>
-                        <a:t>s1</a:t>
-                      </a:r>
-                      <a:r>
-                        <a:rPr lang="en-US" sz="1100">
-                          <a:effectLst/>
-                        </a:rPr>
-                        <a:t>, </a:t>
-                      </a:r>
-                      <a:r>
-                        <a:rPr lang="en-US" sz="1100">
-                          <a:solidFill>
-                            <a:srgbClr val="333333"/>
-                          </a:solidFill>
-                          <a:effectLst/>
-                        </a:rPr>
-                        <a:t>String</a:t>
-                      </a:r>
-                      <a:r>
-                        <a:rPr lang="en-US" sz="1100">
-                          <a:effectLst/>
-                        </a:rPr>
-                        <a:t> </a:t>
-                      </a:r>
-                      <a:r>
-                        <a:rPr lang="en-US" sz="1100">
-                          <a:solidFill>
-                            <a:srgbClr val="1D3E81"/>
-                          </a:solidFill>
-                          <a:effectLst/>
-                        </a:rPr>
-                        <a:t>s2</a:t>
-                      </a:r>
-                      <a:r>
-                        <a:rPr lang="en-US" sz="1100">
-                          <a:effectLst/>
-                        </a:rPr>
-                        <a:t>) { </a:t>
-                      </a:r>
-                    </a:p>
-                    <a:p>
-                      <a:r>
-                        <a:rPr lang="en-US" sz="1100">
-                          <a:solidFill>
-                            <a:srgbClr val="333333"/>
-                          </a:solidFill>
-                          <a:effectLst/>
-                        </a:rPr>
-                        <a:t>System</a:t>
-                      </a:r>
-                      <a:r>
-                        <a:rPr lang="en-US" sz="1100">
-                          <a:solidFill>
-                            <a:srgbClr val="A71D5D"/>
-                          </a:solidFill>
-                          <a:effectLst/>
-                        </a:rPr>
-                        <a:t>.</a:t>
-                      </a:r>
-                      <a:r>
-                        <a:rPr lang="en-US" sz="1100">
-                          <a:effectLst/>
-                        </a:rPr>
-                        <a:t>out</a:t>
-                      </a:r>
-                      <a:r>
-                        <a:rPr lang="en-US" sz="1100">
-                          <a:solidFill>
-                            <a:srgbClr val="A71D5D"/>
-                          </a:solidFill>
-                          <a:effectLst/>
-                        </a:rPr>
-                        <a:t>.</a:t>
-                      </a:r>
-                      <a:r>
-                        <a:rPr lang="en-US" sz="1100">
-                          <a:effectLst/>
-                        </a:rPr>
-                        <a:t>println(</a:t>
-                      </a:r>
-                      <a:r>
-                        <a:rPr lang="en-US" sz="1100">
-                          <a:solidFill>
-                            <a:srgbClr val="333333"/>
-                          </a:solidFill>
-                          <a:effectLst/>
-                        </a:rPr>
-                        <a:t>System</a:t>
-                      </a:r>
-                      <a:r>
-                        <a:rPr lang="en-US" sz="1100">
-                          <a:solidFill>
-                            <a:srgbClr val="A71D5D"/>
-                          </a:solidFill>
-                          <a:effectLst/>
-                        </a:rPr>
-                        <a:t>.</a:t>
-                      </a:r>
-                      <a:r>
-                        <a:rPr lang="en-US" sz="1100">
-                          <a:effectLst/>
-                        </a:rPr>
-                        <a:t>identityHashCode(s1)); </a:t>
-                      </a:r>
-                    </a:p>
-                    <a:p>
-                      <a:r>
-                        <a:rPr lang="en-US" sz="1100">
-                          <a:solidFill>
-                            <a:srgbClr val="333333"/>
-                          </a:solidFill>
-                          <a:effectLst/>
-                        </a:rPr>
-                        <a:t>System</a:t>
-                      </a:r>
-                      <a:r>
-                        <a:rPr lang="en-US" sz="1100">
-                          <a:solidFill>
-                            <a:srgbClr val="A71D5D"/>
-                          </a:solidFill>
-                          <a:effectLst/>
-                        </a:rPr>
-                        <a:t>.</a:t>
-                      </a:r>
-                      <a:r>
-                        <a:rPr lang="en-US" sz="1100">
-                          <a:effectLst/>
-                        </a:rPr>
-                        <a:t>out</a:t>
-                      </a:r>
-                      <a:r>
-                        <a:rPr lang="en-US" sz="1100">
-                          <a:solidFill>
-                            <a:srgbClr val="A71D5D"/>
-                          </a:solidFill>
-                          <a:effectLst/>
-                        </a:rPr>
-                        <a:t>.</a:t>
-                      </a:r>
-                      <a:r>
-                        <a:rPr lang="en-US" sz="1100">
-                          <a:effectLst/>
-                        </a:rPr>
-                        <a:t>println(</a:t>
-                      </a:r>
-                      <a:r>
-                        <a:rPr lang="en-US" sz="1100">
-                          <a:solidFill>
-                            <a:srgbClr val="333333"/>
-                          </a:solidFill>
-                          <a:effectLst/>
-                        </a:rPr>
-                        <a:t>System</a:t>
-                      </a:r>
-                      <a:r>
-                        <a:rPr lang="en-US" sz="1100">
-                          <a:solidFill>
-                            <a:srgbClr val="A71D5D"/>
-                          </a:solidFill>
-                          <a:effectLst/>
-                        </a:rPr>
-                        <a:t>.</a:t>
-                      </a:r>
-                      <a:r>
-                        <a:rPr lang="en-US" sz="1100">
-                          <a:effectLst/>
-                        </a:rPr>
-                        <a:t>identityHashCode(s2)); </a:t>
-                      </a:r>
-                    </a:p>
-                    <a:p>
-                      <a:r>
-                        <a:rPr lang="en-US" sz="1100">
-                          <a:effectLst/>
-                        </a:rPr>
-                        <a:t>  </a:t>
-                      </a:r>
-                    </a:p>
-                    <a:p>
-                      <a:r>
-                        <a:rPr lang="en-US" sz="1100">
-                          <a:solidFill>
-                            <a:srgbClr val="333333"/>
-                          </a:solidFill>
-                          <a:effectLst/>
-                        </a:rPr>
-                        <a:t>System</a:t>
-                      </a:r>
-                      <a:r>
-                        <a:rPr lang="en-US" sz="1100">
-                          <a:solidFill>
-                            <a:srgbClr val="A71D5D"/>
-                          </a:solidFill>
-                          <a:effectLst/>
-                        </a:rPr>
-                        <a:t>.</a:t>
-                      </a:r>
-                      <a:r>
-                        <a:rPr lang="en-US" sz="1100">
-                          <a:effectLst/>
-                        </a:rPr>
-                        <a:t>out</a:t>
-                      </a:r>
-                      <a:r>
-                        <a:rPr lang="en-US" sz="1100">
-                          <a:solidFill>
-                            <a:srgbClr val="A71D5D"/>
-                          </a:solidFill>
-                          <a:effectLst/>
-                        </a:rPr>
-                        <a:t>.</a:t>
-                      </a:r>
-                      <a:r>
-                        <a:rPr lang="en-US" sz="1100">
-                          <a:effectLst/>
-                        </a:rPr>
-                        <a:t>println(s1</a:t>
-                      </a:r>
-                      <a:r>
-                        <a:rPr lang="en-US" sz="1100">
-                          <a:solidFill>
-                            <a:srgbClr val="A71D5D"/>
-                          </a:solidFill>
-                          <a:effectLst/>
-                        </a:rPr>
-                        <a:t>.</a:t>
-                      </a:r>
-                      <a:r>
-                        <a:rPr lang="en-US" sz="1100">
-                          <a:effectLst/>
-                        </a:rPr>
-                        <a:t>equals(s2)); </a:t>
-                      </a:r>
-                    </a:p>
-                    <a:p>
-                      <a:r>
-                        <a:rPr lang="en-US" sz="1100">
-                          <a:solidFill>
-                            <a:srgbClr val="333333"/>
-                          </a:solidFill>
-                          <a:effectLst/>
-                        </a:rPr>
-                        <a:t>System</a:t>
-                      </a:r>
-                      <a:r>
-                        <a:rPr lang="en-US" sz="1100">
-                          <a:solidFill>
-                            <a:srgbClr val="A71D5D"/>
-                          </a:solidFill>
-                          <a:effectLst/>
-                        </a:rPr>
-                        <a:t>.</a:t>
-                      </a:r>
-                      <a:r>
-                        <a:rPr lang="en-US" sz="1100">
-                          <a:effectLst/>
-                        </a:rPr>
-                        <a:t>out</a:t>
-                      </a:r>
-                      <a:r>
-                        <a:rPr lang="en-US" sz="1100">
-                          <a:solidFill>
-                            <a:srgbClr val="A71D5D"/>
-                          </a:solidFill>
-                          <a:effectLst/>
-                        </a:rPr>
-                        <a:t>.</a:t>
-                      </a:r>
-                      <a:r>
-                        <a:rPr lang="en-US" sz="1100">
-                          <a:effectLst/>
-                        </a:rPr>
-                        <a:t>println(s1 </a:t>
-                      </a:r>
-                      <a:r>
-                        <a:rPr lang="en-US" sz="1100">
-                          <a:solidFill>
-                            <a:srgbClr val="A71D5D"/>
-                          </a:solidFill>
-                          <a:effectLst/>
-                        </a:rPr>
-                        <a:t>==</a:t>
-                      </a:r>
-                      <a:r>
-                        <a:rPr lang="en-US" sz="1100">
-                          <a:effectLst/>
-                        </a:rPr>
-                        <a:t> s2); </a:t>
-                      </a:r>
-                    </a:p>
-                    <a:p>
-                      <a:r>
-                        <a:rPr lang="en-US" sz="1100">
-                          <a:effectLst/>
-                        </a:rPr>
-                        <a:t>} </a:t>
-                      </a:r>
-                    </a:p>
-                    <a:p>
-                      <a:r>
-                        <a:rPr lang="en-US" sz="1100">
-                          <a:effectLst/>
-                        </a:rPr>
-                        <a:t>}</a:t>
-                      </a:r>
-                    </a:p>
-                  </a:txBody>
-                  <a:tcPr marL="0" marR="0" marT="0" marB="0" anchor="ctr">
-                    <a:lnL>
-                      <a:noFill/>
-                    </a:lnL>
-                    <a:lnR>
-                      <a:noFill/>
-                    </a:lnR>
-                    <a:lnT>
-                      <a:noFill/>
-                    </a:lnT>
-                    <a:lnB>
-                      <a:noFill/>
-                    </a:lnB>
-                    <a:solidFill>
-                      <a:srgbClr val="FFFFFF"/>
-                    </a:solidFill>
-                  </a:tcPr>
-                </a:tc>
-              </a:tr>
-            </a:tbl>
-          </a:graphicData>
-        </a:graphic>
-      </p:graphicFrame>
-      <p:sp>
-        <p:nvSpPr>
-          <p:cNvPr id="5" name="Rectangle 1"/>
-          <p:cNvSpPr>
-            <a:spLocks noChangeArrowheads="1"/>
+        </p:nvSpPr>
+        <p:spPr/>
+        <p:txBody>
+          <a:bodyPr>
+            <a:normAutofit/>
+          </a:bodyPr>
+          <a:lstStyle/>
+          <a:p>
+            <a:pPr marL="0" indent="0">
+              <a:buNone/>
+            </a:pPr>
+            <a:r>
+              <a:rPr lang="en-US" sz="2000" smtClean="0"/>
+              <a:t>	public </a:t>
+            </a:r>
+            <a:r>
+              <a:rPr lang="en-US" sz="2000"/>
+              <a:t>static void main(String[] args) {</a:t>
+            </a:r>
+          </a:p>
+          <a:p>
+            <a:pPr marL="0" indent="0">
+              <a:buNone/>
+            </a:pPr>
+            <a:r>
+              <a:rPr lang="en-US" sz="2000" smtClean="0"/>
+              <a:t>		Long </a:t>
+            </a:r>
+            <a:r>
+              <a:rPr lang="en-US" sz="2000"/>
+              <a:t>sum = 0L;</a:t>
+            </a:r>
+          </a:p>
+          <a:p>
+            <a:pPr marL="0" indent="0">
+              <a:buNone/>
+            </a:pPr>
+            <a:r>
+              <a:rPr lang="en-US" sz="2000" smtClean="0"/>
+              <a:t>		for </a:t>
+            </a:r>
+            <a:r>
+              <a:rPr lang="en-US" sz="2000"/>
+              <a:t>(long i = 0; i &lt; Integer.MAX_VALUE; i++) {</a:t>
+            </a:r>
+          </a:p>
+          <a:p>
+            <a:pPr marL="0" indent="0">
+              <a:buNone/>
+            </a:pPr>
+            <a:r>
+              <a:rPr lang="en-US" sz="2000" smtClean="0"/>
+              <a:t>			sum </a:t>
+            </a:r>
+            <a:r>
+              <a:rPr lang="en-US" sz="2000"/>
+              <a:t>+= i;</a:t>
+            </a:r>
+          </a:p>
+          <a:p>
+            <a:pPr marL="0" indent="0">
+              <a:buNone/>
+            </a:pPr>
+            <a:r>
+              <a:rPr lang="en-US" sz="2000" smtClean="0"/>
+              <a:t>		}</a:t>
+            </a:r>
+            <a:endParaRPr lang="en-US" sz="2000"/>
+          </a:p>
+          <a:p>
+            <a:pPr marL="0" indent="0">
+              <a:buNone/>
+            </a:pPr>
+            <a:r>
+              <a:rPr lang="en-US" sz="2000" smtClean="0"/>
+              <a:t>		System.out.println(sum</a:t>
+            </a:r>
+            <a:r>
+              <a:rPr lang="en-US" sz="2000"/>
+              <a:t>);</a:t>
+            </a:r>
+          </a:p>
+          <a:p>
+            <a:pPr marL="0" indent="0">
+              <a:buNone/>
+            </a:pPr>
+            <a:r>
+              <a:rPr lang="en-US" sz="2000" smtClean="0"/>
+              <a:t>	}</a:t>
+            </a:r>
+            <a:endParaRPr lang="en-US" sz="2000">
+              <a:latin typeface="Arial" panose="020B0604020202020204" pitchFamily="34" charset="0"/>
+              <a:cs typeface="Arial" panose="020B0604020202020204" pitchFamily="34" charset="0"/>
+            </a:endParaRPr>
+          </a:p>
+        </p:txBody>
+      </p:sp>
+      <p:sp>
+        <p:nvSpPr>
+          <p:cNvPr id="4" name="Title 1"/>
+          <p:cNvSpPr>
+            <a:spLocks noGrp="1"/>
           </p:cNvSpPr>
           <p:nvPr/>
         </p:nvSpPr>
-        <p:spPr bwMode="auto">
+        <p:spPr>
           <a:xfrm>
-            <a:off x="0" y="0"/>
-            <a:ext cx="9144000" cy="457200"/>
+            <a:off x="918633" y="803887"/>
+            <a:ext cx="7315200" cy="1303867"/>
           </a:xfrm>
           <a:prstGeom prst="rect">
             <a:avLst/>
           </a:prstGeom>
-          <a:solidFill>
-            <a:srgbClr val="FFFFFF"/>
-          </a:solidFill>
-          <a:ln>
-            <a:noFill/>
-          </a:ln>
           <a:effectLst/>
-          <a:extLst>
-            <a:ext uri="{91240B29-F687-4F45-9708-019B960494DF}">
-              <a14:hiddenLine xmlns:a14="http://schemas.microsoft.com/office/drawing/2010/main" w="9525">
-                <a:solidFill>
-                  <a:schemeClr val="tx1"/>
-                </a:solidFill>
-                <a:miter lim="800000"/>
-                <a:headEnd/>
-                <a:tailEnd/>
-              </a14:hiddenLine>
-            </a:ext>
-            <a:ext uri="{AF507438-7753-43E0-B8FC-AC1667EBCBE1}">
-              <a14:hiddenEffects xmlns:a14="http://schemas.microsoft.com/office/drawing/2010/main">
-                <a:effectLst>
-                  <a:outerShdw dist="35921" dir="2700000" algn="ctr" rotWithShape="0">
-                    <a:schemeClr val="bg2"/>
-                  </a:outerShdw>
-                </a:effectLst>
-              </a14:hiddenEffects>
-            </a:ext>
-          </a:extLst>
         </p:spPr>
         <p:txBody>
-          <a:bodyPr vert="horz" wrap="none" lIns="0" tIns="0" rIns="0" bIns="0" numCol="1" anchor="ctr" anchorCtr="0" compatLnSpc="1">
-            <a:prstTxWarp prst="textNoShape">
-              <a:avLst/>
-            </a:prstTxWarp>
-            <a:spAutoFit/>
+          <a:bodyPr vert="horz" lIns="91440" tIns="45720" rIns="91440" bIns="45720" rtlCol="0" anchor="ctr">
+            <a:noAutofit/>
           </a:bodyPr>
-          <a:lstStyle/>
-          <a:p>
-            <a:endParaRPr lang="en-US"/>
-          </a:p>
-        </p:txBody>
-      </p:sp>
-      <p:sp>
-        <p:nvSpPr>
-          <p:cNvPr id="6" name="Rectangle 5"/>
-          <p:cNvSpPr/>
-          <p:nvPr/>
-        </p:nvSpPr>
-        <p:spPr>
-          <a:xfrm>
-            <a:off x="2286000" y="3105835"/>
-            <a:ext cx="4572000" cy="646331"/>
-          </a:xfrm>
-          <a:prstGeom prst="rect">
-            <a:avLst/>
-          </a:prstGeom>
-        </p:spPr>
-        <p:txBody>
-          <a:bodyPr>
-            <a:spAutoFit/>
-          </a:bodyPr>
-          <a:lstStyle/>
-          <a:p>
-            <a:r>
-              <a:rPr lang="en-US"/>
-              <a:t>http://kulferhat.blogspot.com/2014/08/ej-5-avoid-creating-unnecessary-object.html</a:t>
+          <a:lstStyle>
+            <a:lvl1pPr algn="ctr" defTabSz="457200" rtl="0" eaLnBrk="1" latinLnBrk="0" hangingPunct="1">
+              <a:spcBef>
+                <a:spcPct val="0"/>
+              </a:spcBef>
+              <a:buNone/>
+              <a:defRPr sz="4000" kern="1200" cap="none">
+                <a:ln w="3175" cmpd="sng">
+                  <a:noFill/>
+                </a:ln>
+                <a:solidFill>
+                  <a:schemeClr val="tx1">
+                    <a:lumMod val="85000"/>
+                    <a:lumOff val="15000"/>
+                  </a:schemeClr>
+                </a:solidFill>
+                <a:effectLst/>
+                <a:latin typeface="+mj-lt"/>
+                <a:ea typeface="+mj-ea"/>
+                <a:cs typeface="+mj-cs"/>
+              </a:defRPr>
+            </a:lvl1pPr>
+            <a:lvl2pPr eaLnBrk="1" hangingPunct="1">
+              <a:defRPr>
+                <a:solidFill>
+                  <a:schemeClr val="tx2"/>
+                </a:solidFill>
+              </a:defRPr>
+            </a:lvl2pPr>
+            <a:lvl3pPr eaLnBrk="1" hangingPunct="1">
+              <a:defRPr>
+                <a:solidFill>
+                  <a:schemeClr val="tx2"/>
+                </a:solidFill>
+              </a:defRPr>
+            </a:lvl3pPr>
+            <a:lvl4pPr eaLnBrk="1" hangingPunct="1">
+              <a:defRPr>
+                <a:solidFill>
+                  <a:schemeClr val="tx2"/>
+                </a:solidFill>
+              </a:defRPr>
+            </a:lvl4pPr>
+            <a:lvl5pPr eaLnBrk="1" hangingPunct="1">
+              <a:defRPr>
+                <a:solidFill>
+                  <a:schemeClr val="tx2"/>
+                </a:solidFill>
+              </a:defRPr>
+            </a:lvl5pPr>
+            <a:lvl6pPr eaLnBrk="1" hangingPunct="1">
+              <a:defRPr>
+                <a:solidFill>
+                  <a:schemeClr val="tx2"/>
+                </a:solidFill>
+              </a:defRPr>
+            </a:lvl6pPr>
+            <a:lvl7pPr eaLnBrk="1" hangingPunct="1">
+              <a:defRPr>
+                <a:solidFill>
+                  <a:schemeClr val="tx2"/>
+                </a:solidFill>
+              </a:defRPr>
+            </a:lvl7pPr>
+            <a:lvl8pPr eaLnBrk="1" hangingPunct="1">
+              <a:defRPr>
+                <a:solidFill>
+                  <a:schemeClr val="tx2"/>
+                </a:solidFill>
+              </a:defRPr>
+            </a:lvl8pPr>
+            <a:lvl9pPr eaLnBrk="1" hangingPunct="1">
+              <a:defRPr>
+                <a:solidFill>
+                  <a:schemeClr val="tx2"/>
+                </a:solidFill>
+              </a:defRPr>
+            </a:lvl9pPr>
+          </a:lstStyle>
+          <a:p>
+            <a:r>
+              <a:rPr lang="en-US" b="1">
+                <a:latin typeface="Arial" panose="020B0604020202020204" pitchFamily="34" charset="0"/>
+                <a:cs typeface="Arial" panose="020B0604020202020204" pitchFamily="34" charset="0"/>
+              </a:rPr>
+              <a:t>How t</a:t>
+            </a:r>
+            <a:r>
+              <a:rPr lang="en-US" b="1" smtClean="0">
+                <a:latin typeface="Arial" panose="020B0604020202020204" pitchFamily="34" charset="0"/>
+                <a:cs typeface="Arial" panose="020B0604020202020204" pitchFamily="34" charset="0"/>
+              </a:rPr>
+              <a:t>o </a:t>
+            </a:r>
+            <a:r>
+              <a:rPr lang="en-US" b="1">
+                <a:latin typeface="Arial" panose="020B0604020202020204" pitchFamily="34" charset="0"/>
+                <a:cs typeface="Arial" panose="020B0604020202020204" pitchFamily="34" charset="0"/>
+              </a:rPr>
+              <a:t>avoid creating unnecessary objects?</a:t>
             </a:r>
           </a:p>
         </p:txBody>
@@ -10582,13 +10714,20 @@
     </p:spTree>
     <p:extLst>
       <p:ext uri="{BB962C8B-B14F-4D97-AF65-F5344CB8AC3E}">
-        <p14:creationId xmlns:p14="http://schemas.microsoft.com/office/powerpoint/2010/main" val="1145947067"/>
+        <p14:creationId xmlns:p14="http://schemas.microsoft.com/office/powerpoint/2010/main" val="2405983554"/>
       </p:ext>
     </p:extLst>
   </p:cSld>
   <p:clrMapOvr>
     <a:masterClrMapping/>
   </p:clrMapOvr>
+  <p:timing>
+    <p:tnLst>
+      <p:par>
+        <p:cTn id="1" dur="indefinite" restart="never" nodeType="tmRoot"/>
+      </p:par>
+    </p:tnLst>
+  </p:timing>
 </p:sld>
 </file>
 
